--- a/PresentacionTFG.pptx
+++ b/PresentacionTFG.pptx
@@ -10,21 +10,26 @@
     <p:sldId id="258" r:id="rId4"/>
     <p:sldId id="259" r:id="rId5"/>
     <p:sldId id="260" r:id="rId6"/>
-    <p:sldId id="261" r:id="rId7"/>
-    <p:sldId id="262" r:id="rId8"/>
-    <p:sldId id="263" r:id="rId9"/>
-    <p:sldId id="264" r:id="rId10"/>
-    <p:sldId id="265" r:id="rId11"/>
-    <p:sldId id="267" r:id="rId12"/>
-    <p:sldId id="266" r:id="rId13"/>
-    <p:sldId id="269" r:id="rId14"/>
-    <p:sldId id="268" r:id="rId15"/>
-    <p:sldId id="270" r:id="rId16"/>
-    <p:sldId id="271" r:id="rId17"/>
-    <p:sldId id="272" r:id="rId18"/>
-    <p:sldId id="273" r:id="rId19"/>
-    <p:sldId id="274" r:id="rId20"/>
-    <p:sldId id="275" r:id="rId21"/>
+    <p:sldId id="276" r:id="rId7"/>
+    <p:sldId id="278" r:id="rId8"/>
+    <p:sldId id="261" r:id="rId9"/>
+    <p:sldId id="262" r:id="rId10"/>
+    <p:sldId id="263" r:id="rId11"/>
+    <p:sldId id="277" r:id="rId12"/>
+    <p:sldId id="264" r:id="rId13"/>
+    <p:sldId id="265" r:id="rId14"/>
+    <p:sldId id="267" r:id="rId15"/>
+    <p:sldId id="269" r:id="rId16"/>
+    <p:sldId id="266" r:id="rId17"/>
+    <p:sldId id="268" r:id="rId18"/>
+    <p:sldId id="270" r:id="rId19"/>
+    <p:sldId id="271" r:id="rId20"/>
+    <p:sldId id="272" r:id="rId21"/>
+    <p:sldId id="273" r:id="rId22"/>
+    <p:sldId id="279" r:id="rId23"/>
+    <p:sldId id="280" r:id="rId24"/>
+    <p:sldId id="274" r:id="rId25"/>
+    <p:sldId id="275" r:id="rId26"/>
   </p:sldIdLst>
   <p:sldSz cx="12192000" cy="6858000"/>
   <p:notesSz cx="6858000" cy="9144000"/>
@@ -214,35 +219,35 @@
               <a:buNone/>
               <a:defRPr sz="2400"/>
             </a:lvl1pPr>
-            <a:lvl2pPr marL="457200" indent="0" algn="ctr">
+            <a:lvl2pPr marL="457206" indent="0" algn="ctr">
               <a:buNone/>
               <a:defRPr sz="2000"/>
             </a:lvl2pPr>
-            <a:lvl3pPr marL="914400" indent="0" algn="ctr">
+            <a:lvl3pPr marL="914411" indent="0" algn="ctr">
               <a:buNone/>
               <a:defRPr sz="1800"/>
             </a:lvl3pPr>
-            <a:lvl4pPr marL="1371600" indent="0" algn="ctr">
+            <a:lvl4pPr marL="1371617" indent="0" algn="ctr">
               <a:buNone/>
               <a:defRPr sz="1600"/>
             </a:lvl4pPr>
-            <a:lvl5pPr marL="1828800" indent="0" algn="ctr">
+            <a:lvl5pPr marL="1828823" indent="0" algn="ctr">
               <a:buNone/>
               <a:defRPr sz="1600"/>
             </a:lvl5pPr>
-            <a:lvl6pPr marL="2286000" indent="0" algn="ctr">
+            <a:lvl6pPr marL="2286029" indent="0" algn="ctr">
               <a:buNone/>
               <a:defRPr sz="1600"/>
             </a:lvl6pPr>
-            <a:lvl7pPr marL="2743200" indent="0" algn="ctr">
+            <a:lvl7pPr marL="2743234" indent="0" algn="ctr">
               <a:buNone/>
               <a:defRPr sz="1600"/>
             </a:lvl7pPr>
-            <a:lvl8pPr marL="3200400" indent="0" algn="ctr">
+            <a:lvl8pPr marL="3200440" indent="0" algn="ctr">
               <a:buNone/>
               <a:defRPr sz="1600"/>
             </a:lvl8pPr>
-            <a:lvl9pPr marL="3657600" indent="0" algn="ctr">
+            <a:lvl9pPr marL="3657646" indent="0" algn="ctr">
               <a:buNone/>
               <a:defRPr sz="1600"/>
             </a:lvl9pPr>
@@ -278,7 +283,7 @@
           <a:p>
             <a:fld id="{20F9F306-28D2-4AAE-852B-09E86991560A}" type="datetimeFigureOut">
               <a:rPr lang="es-ES" smtClean="0"/>
-              <a:t>16/07/2022</a:t>
+              <a:t>17/07/2022</a:t>
             </a:fld>
             <a:endParaRPr lang="es-ES"/>
           </a:p>
@@ -476,7 +481,7 @@
           <a:p>
             <a:fld id="{20F9F306-28D2-4AAE-852B-09E86991560A}" type="datetimeFigureOut">
               <a:rPr lang="es-ES" smtClean="0"/>
-              <a:t>16/07/2022</a:t>
+              <a:t>17/07/2022</a:t>
             </a:fld>
             <a:endParaRPr lang="es-ES"/>
           </a:p>
@@ -584,7 +589,7 @@
         </p:nvSpPr>
         <p:spPr>
           <a:xfrm>
-            <a:off x="8724900" y="365125"/>
+            <a:off x="8724899" y="365125"/>
             <a:ext cx="2628900" cy="5811838"/>
           </a:xfrm>
         </p:spPr>
@@ -617,7 +622,7 @@
         </p:nvSpPr>
         <p:spPr>
           <a:xfrm>
-            <a:off x="838200" y="365125"/>
+            <a:off x="838199" y="365125"/>
             <a:ext cx="7734300" cy="5811838"/>
           </a:xfrm>
         </p:spPr>
@@ -684,7 +689,7 @@
           <a:p>
             <a:fld id="{20F9F306-28D2-4AAE-852B-09E86991560A}" type="datetimeFigureOut">
               <a:rPr lang="es-ES" smtClean="0"/>
-              <a:t>16/07/2022</a:t>
+              <a:t>17/07/2022</a:t>
             </a:fld>
             <a:endParaRPr lang="es-ES"/>
           </a:p>
@@ -882,7 +887,7 @@
           <a:p>
             <a:fld id="{20F9F306-28D2-4AAE-852B-09E86991560A}" type="datetimeFigureOut">
               <a:rPr lang="es-ES" smtClean="0"/>
-              <a:t>16/07/2022</a:t>
+              <a:t>17/07/2022</a:t>
             </a:fld>
             <a:endParaRPr lang="es-ES"/>
           </a:p>
@@ -990,7 +995,7 @@
         </p:nvSpPr>
         <p:spPr>
           <a:xfrm>
-            <a:off x="831850" y="1709738"/>
+            <a:off x="831852" y="1709738"/>
             <a:ext cx="10515600" cy="2852737"/>
           </a:xfrm>
         </p:spPr>
@@ -1027,7 +1032,7 @@
         </p:nvSpPr>
         <p:spPr>
           <a:xfrm>
-            <a:off x="831850" y="4589463"/>
+            <a:off x="831852" y="4589464"/>
             <a:ext cx="10515600" cy="1500187"/>
           </a:xfrm>
         </p:spPr>
@@ -1044,7 +1049,7 @@
                 </a:solidFill>
               </a:defRPr>
             </a:lvl1pPr>
-            <a:lvl2pPr marL="457200" indent="0">
+            <a:lvl2pPr marL="457206" indent="0">
               <a:buNone/>
               <a:defRPr sz="2000">
                 <a:solidFill>
@@ -1054,7 +1059,7 @@
                 </a:solidFill>
               </a:defRPr>
             </a:lvl2pPr>
-            <a:lvl3pPr marL="914400" indent="0">
+            <a:lvl3pPr marL="914411" indent="0">
               <a:buNone/>
               <a:defRPr sz="1800">
                 <a:solidFill>
@@ -1064,7 +1069,7 @@
                 </a:solidFill>
               </a:defRPr>
             </a:lvl3pPr>
-            <a:lvl4pPr marL="1371600" indent="0">
+            <a:lvl4pPr marL="1371617" indent="0">
               <a:buNone/>
               <a:defRPr sz="1600">
                 <a:solidFill>
@@ -1074,7 +1079,7 @@
                 </a:solidFill>
               </a:defRPr>
             </a:lvl4pPr>
-            <a:lvl5pPr marL="1828800" indent="0">
+            <a:lvl5pPr marL="1828823" indent="0">
               <a:buNone/>
               <a:defRPr sz="1600">
                 <a:solidFill>
@@ -1084,7 +1089,7 @@
                 </a:solidFill>
               </a:defRPr>
             </a:lvl5pPr>
-            <a:lvl6pPr marL="2286000" indent="0">
+            <a:lvl6pPr marL="2286029" indent="0">
               <a:buNone/>
               <a:defRPr sz="1600">
                 <a:solidFill>
@@ -1094,7 +1099,7 @@
                 </a:solidFill>
               </a:defRPr>
             </a:lvl6pPr>
-            <a:lvl7pPr marL="2743200" indent="0">
+            <a:lvl7pPr marL="2743234" indent="0">
               <a:buNone/>
               <a:defRPr sz="1600">
                 <a:solidFill>
@@ -1104,7 +1109,7 @@
                 </a:solidFill>
               </a:defRPr>
             </a:lvl7pPr>
-            <a:lvl8pPr marL="3200400" indent="0">
+            <a:lvl8pPr marL="3200440" indent="0">
               <a:buNone/>
               <a:defRPr sz="1600">
                 <a:solidFill>
@@ -1114,7 +1119,7 @@
                 </a:solidFill>
               </a:defRPr>
             </a:lvl8pPr>
-            <a:lvl9pPr marL="3657600" indent="0">
+            <a:lvl9pPr marL="3657646" indent="0">
               <a:buNone/>
               <a:defRPr sz="1600">
                 <a:solidFill>
@@ -1157,7 +1162,7 @@
           <a:p>
             <a:fld id="{20F9F306-28D2-4AAE-852B-09E86991560A}" type="datetimeFigureOut">
               <a:rPr lang="es-ES" smtClean="0"/>
-              <a:t>16/07/2022</a:t>
+              <a:t>17/07/2022</a:t>
             </a:fld>
             <a:endParaRPr lang="es-ES"/>
           </a:p>
@@ -1293,7 +1298,7 @@
         </p:nvSpPr>
         <p:spPr>
           <a:xfrm>
-            <a:off x="838200" y="1825625"/>
+            <a:off x="838201" y="1825625"/>
             <a:ext cx="5181600" cy="4351338"/>
           </a:xfrm>
         </p:spPr>
@@ -1355,7 +1360,7 @@
         </p:nvSpPr>
         <p:spPr>
           <a:xfrm>
-            <a:off x="6172200" y="1825625"/>
+            <a:off x="6172201" y="1825625"/>
             <a:ext cx="5181600" cy="4351338"/>
           </a:xfrm>
         </p:spPr>
@@ -1422,7 +1427,7 @@
           <a:p>
             <a:fld id="{20F9F306-28D2-4AAE-852B-09E86991560A}" type="datetimeFigureOut">
               <a:rPr lang="es-ES" smtClean="0"/>
-              <a:t>16/07/2022</a:t>
+              <a:t>17/07/2022</a:t>
             </a:fld>
             <a:endParaRPr lang="es-ES"/>
           </a:p>
@@ -1530,7 +1535,7 @@
         </p:nvSpPr>
         <p:spPr>
           <a:xfrm>
-            <a:off x="839788" y="365125"/>
+            <a:off x="839789" y="365125"/>
             <a:ext cx="10515600" cy="1325563"/>
           </a:xfrm>
         </p:spPr>
@@ -1563,7 +1568,7 @@
         </p:nvSpPr>
         <p:spPr>
           <a:xfrm>
-            <a:off x="839788" y="1681163"/>
+            <a:off x="839789" y="1681163"/>
             <a:ext cx="5157787" cy="823912"/>
           </a:xfrm>
         </p:spPr>
@@ -1574,35 +1579,35 @@
               <a:buNone/>
               <a:defRPr sz="2400" b="1"/>
             </a:lvl1pPr>
-            <a:lvl2pPr marL="457200" indent="0">
+            <a:lvl2pPr marL="457206" indent="0">
               <a:buNone/>
               <a:defRPr sz="2000" b="1"/>
             </a:lvl2pPr>
-            <a:lvl3pPr marL="914400" indent="0">
+            <a:lvl3pPr marL="914411" indent="0">
               <a:buNone/>
               <a:defRPr sz="1800" b="1"/>
             </a:lvl3pPr>
-            <a:lvl4pPr marL="1371600" indent="0">
+            <a:lvl4pPr marL="1371617" indent="0">
               <a:buNone/>
               <a:defRPr sz="1600" b="1"/>
             </a:lvl4pPr>
-            <a:lvl5pPr marL="1828800" indent="0">
+            <a:lvl5pPr marL="1828823" indent="0">
               <a:buNone/>
               <a:defRPr sz="1600" b="1"/>
             </a:lvl5pPr>
-            <a:lvl6pPr marL="2286000" indent="0">
+            <a:lvl6pPr marL="2286029" indent="0">
               <a:buNone/>
               <a:defRPr sz="1600" b="1"/>
             </a:lvl6pPr>
-            <a:lvl7pPr marL="2743200" indent="0">
+            <a:lvl7pPr marL="2743234" indent="0">
               <a:buNone/>
               <a:defRPr sz="1600" b="1"/>
             </a:lvl7pPr>
-            <a:lvl8pPr marL="3200400" indent="0">
+            <a:lvl8pPr marL="3200440" indent="0">
               <a:buNone/>
               <a:defRPr sz="1600" b="1"/>
             </a:lvl8pPr>
-            <a:lvl9pPr marL="3657600" indent="0">
+            <a:lvl9pPr marL="3657646" indent="0">
               <a:buNone/>
               <a:defRPr sz="1600" b="1"/>
             </a:lvl9pPr>
@@ -1634,7 +1639,7 @@
         </p:nvSpPr>
         <p:spPr>
           <a:xfrm>
-            <a:off x="839788" y="2505075"/>
+            <a:off x="839789" y="2505076"/>
             <a:ext cx="5157787" cy="3684588"/>
           </a:xfrm>
         </p:spPr>
@@ -1696,7 +1701,7 @@
         </p:nvSpPr>
         <p:spPr>
           <a:xfrm>
-            <a:off x="6172200" y="1681163"/>
+            <a:off x="6172202" y="1681163"/>
             <a:ext cx="5183188" cy="823912"/>
           </a:xfrm>
         </p:spPr>
@@ -1707,35 +1712,35 @@
               <a:buNone/>
               <a:defRPr sz="2400" b="1"/>
             </a:lvl1pPr>
-            <a:lvl2pPr marL="457200" indent="0">
+            <a:lvl2pPr marL="457206" indent="0">
               <a:buNone/>
               <a:defRPr sz="2000" b="1"/>
             </a:lvl2pPr>
-            <a:lvl3pPr marL="914400" indent="0">
+            <a:lvl3pPr marL="914411" indent="0">
               <a:buNone/>
               <a:defRPr sz="1800" b="1"/>
             </a:lvl3pPr>
-            <a:lvl4pPr marL="1371600" indent="0">
+            <a:lvl4pPr marL="1371617" indent="0">
               <a:buNone/>
               <a:defRPr sz="1600" b="1"/>
             </a:lvl4pPr>
-            <a:lvl5pPr marL="1828800" indent="0">
+            <a:lvl5pPr marL="1828823" indent="0">
               <a:buNone/>
               <a:defRPr sz="1600" b="1"/>
             </a:lvl5pPr>
-            <a:lvl6pPr marL="2286000" indent="0">
+            <a:lvl6pPr marL="2286029" indent="0">
               <a:buNone/>
               <a:defRPr sz="1600" b="1"/>
             </a:lvl6pPr>
-            <a:lvl7pPr marL="2743200" indent="0">
+            <a:lvl7pPr marL="2743234" indent="0">
               <a:buNone/>
               <a:defRPr sz="1600" b="1"/>
             </a:lvl7pPr>
-            <a:lvl8pPr marL="3200400" indent="0">
+            <a:lvl8pPr marL="3200440" indent="0">
               <a:buNone/>
               <a:defRPr sz="1600" b="1"/>
             </a:lvl8pPr>
-            <a:lvl9pPr marL="3657600" indent="0">
+            <a:lvl9pPr marL="3657646" indent="0">
               <a:buNone/>
               <a:defRPr sz="1600" b="1"/>
             </a:lvl9pPr>
@@ -1767,7 +1772,7 @@
         </p:nvSpPr>
         <p:spPr>
           <a:xfrm>
-            <a:off x="6172200" y="2505075"/>
+            <a:off x="6172202" y="2505076"/>
             <a:ext cx="5183188" cy="3684588"/>
           </a:xfrm>
         </p:spPr>
@@ -1834,7 +1839,7 @@
           <a:p>
             <a:fld id="{20F9F306-28D2-4AAE-852B-09E86991560A}" type="datetimeFigureOut">
               <a:rPr lang="es-ES" smtClean="0"/>
-              <a:t>16/07/2022</a:t>
+              <a:t>17/07/2022</a:t>
             </a:fld>
             <a:endParaRPr lang="es-ES"/>
           </a:p>
@@ -1975,7 +1980,7 @@
           <a:p>
             <a:fld id="{20F9F306-28D2-4AAE-852B-09E86991560A}" type="datetimeFigureOut">
               <a:rPr lang="es-ES" smtClean="0"/>
-              <a:t>16/07/2022</a:t>
+              <a:t>17/07/2022</a:t>
             </a:fld>
             <a:endParaRPr lang="es-ES"/>
           </a:p>
@@ -2088,7 +2093,7 @@
           <a:p>
             <a:fld id="{20F9F306-28D2-4AAE-852B-09E86991560A}" type="datetimeFigureOut">
               <a:rPr lang="es-ES" smtClean="0"/>
-              <a:t>16/07/2022</a:t>
+              <a:t>17/07/2022</a:t>
             </a:fld>
             <a:endParaRPr lang="es-ES"/>
           </a:p>
@@ -2196,8 +2201,8 @@
         </p:nvSpPr>
         <p:spPr>
           <a:xfrm>
-            <a:off x="839788" y="457200"/>
-            <a:ext cx="3932237" cy="1600200"/>
+            <a:off x="839790" y="457200"/>
+            <a:ext cx="3932236" cy="1600200"/>
           </a:xfrm>
         </p:spPr>
         <p:txBody>
@@ -2234,7 +2239,7 @@
         <p:spPr>
           <a:xfrm>
             <a:off x="5183188" y="987425"/>
-            <a:ext cx="6172200" cy="4873625"/>
+            <a:ext cx="6172201" cy="4873625"/>
           </a:xfrm>
         </p:spPr>
         <p:txBody>
@@ -2323,8 +2328,8 @@
         </p:nvSpPr>
         <p:spPr>
           <a:xfrm>
-            <a:off x="839788" y="2057400"/>
-            <a:ext cx="3932237" cy="3811588"/>
+            <a:off x="839790" y="2057400"/>
+            <a:ext cx="3932236" cy="3811588"/>
           </a:xfrm>
         </p:spPr>
         <p:txBody>
@@ -2334,35 +2339,35 @@
               <a:buNone/>
               <a:defRPr sz="1600"/>
             </a:lvl1pPr>
-            <a:lvl2pPr marL="457200" indent="0">
+            <a:lvl2pPr marL="457206" indent="0">
               <a:buNone/>
               <a:defRPr sz="1400"/>
             </a:lvl2pPr>
-            <a:lvl3pPr marL="914400" indent="0">
+            <a:lvl3pPr marL="914411" indent="0">
               <a:buNone/>
               <a:defRPr sz="1200"/>
             </a:lvl3pPr>
-            <a:lvl4pPr marL="1371600" indent="0">
+            <a:lvl4pPr marL="1371617" indent="0">
               <a:buNone/>
               <a:defRPr sz="1000"/>
             </a:lvl4pPr>
-            <a:lvl5pPr marL="1828800" indent="0">
+            <a:lvl5pPr marL="1828823" indent="0">
               <a:buNone/>
               <a:defRPr sz="1000"/>
             </a:lvl5pPr>
-            <a:lvl6pPr marL="2286000" indent="0">
+            <a:lvl6pPr marL="2286029" indent="0">
               <a:buNone/>
               <a:defRPr sz="1000"/>
             </a:lvl6pPr>
-            <a:lvl7pPr marL="2743200" indent="0">
+            <a:lvl7pPr marL="2743234" indent="0">
               <a:buNone/>
               <a:defRPr sz="1000"/>
             </a:lvl7pPr>
-            <a:lvl8pPr marL="3200400" indent="0">
+            <a:lvl8pPr marL="3200440" indent="0">
               <a:buNone/>
               <a:defRPr sz="1000"/>
             </a:lvl8pPr>
-            <a:lvl9pPr marL="3657600" indent="0">
+            <a:lvl9pPr marL="3657646" indent="0">
               <a:buNone/>
               <a:defRPr sz="1000"/>
             </a:lvl9pPr>
@@ -2399,7 +2404,7 @@
           <a:p>
             <a:fld id="{20F9F306-28D2-4AAE-852B-09E86991560A}" type="datetimeFigureOut">
               <a:rPr lang="es-ES" smtClean="0"/>
-              <a:t>16/07/2022</a:t>
+              <a:t>17/07/2022</a:t>
             </a:fld>
             <a:endParaRPr lang="es-ES"/>
           </a:p>
@@ -2507,8 +2512,8 @@
         </p:nvSpPr>
         <p:spPr>
           <a:xfrm>
-            <a:off x="839788" y="457200"/>
-            <a:ext cx="3932237" cy="1600200"/>
+            <a:off x="839790" y="457200"/>
+            <a:ext cx="3932236" cy="1600200"/>
           </a:xfrm>
         </p:spPr>
         <p:txBody>
@@ -2545,7 +2550,7 @@
         <p:spPr>
           <a:xfrm>
             <a:off x="5183188" y="987425"/>
-            <a:ext cx="6172200" cy="4873625"/>
+            <a:ext cx="6172201" cy="4873625"/>
           </a:xfrm>
         </p:spPr>
         <p:txBody>
@@ -2555,35 +2560,35 @@
               <a:buNone/>
               <a:defRPr sz="3200"/>
             </a:lvl1pPr>
-            <a:lvl2pPr marL="457200" indent="0">
+            <a:lvl2pPr marL="457206" indent="0">
               <a:buNone/>
               <a:defRPr sz="2800"/>
             </a:lvl2pPr>
-            <a:lvl3pPr marL="914400" indent="0">
+            <a:lvl3pPr marL="914411" indent="0">
               <a:buNone/>
               <a:defRPr sz="2400"/>
             </a:lvl3pPr>
-            <a:lvl4pPr marL="1371600" indent="0">
+            <a:lvl4pPr marL="1371617" indent="0">
               <a:buNone/>
               <a:defRPr sz="2000"/>
             </a:lvl4pPr>
-            <a:lvl5pPr marL="1828800" indent="0">
+            <a:lvl5pPr marL="1828823" indent="0">
               <a:buNone/>
               <a:defRPr sz="2000"/>
             </a:lvl5pPr>
-            <a:lvl6pPr marL="2286000" indent="0">
+            <a:lvl6pPr marL="2286029" indent="0">
               <a:buNone/>
               <a:defRPr sz="2000"/>
             </a:lvl6pPr>
-            <a:lvl7pPr marL="2743200" indent="0">
+            <a:lvl7pPr marL="2743234" indent="0">
               <a:buNone/>
               <a:defRPr sz="2000"/>
             </a:lvl7pPr>
-            <a:lvl8pPr marL="3200400" indent="0">
+            <a:lvl8pPr marL="3200440" indent="0">
               <a:buNone/>
               <a:defRPr sz="2000"/>
             </a:lvl8pPr>
-            <a:lvl9pPr marL="3657600" indent="0">
+            <a:lvl9pPr marL="3657646" indent="0">
               <a:buNone/>
               <a:defRPr sz="2000"/>
             </a:lvl9pPr>
@@ -2611,8 +2616,8 @@
         </p:nvSpPr>
         <p:spPr>
           <a:xfrm>
-            <a:off x="839788" y="2057400"/>
-            <a:ext cx="3932237" cy="3811588"/>
+            <a:off x="839790" y="2057400"/>
+            <a:ext cx="3932236" cy="3811588"/>
           </a:xfrm>
         </p:spPr>
         <p:txBody>
@@ -2622,35 +2627,35 @@
               <a:buNone/>
               <a:defRPr sz="1600"/>
             </a:lvl1pPr>
-            <a:lvl2pPr marL="457200" indent="0">
+            <a:lvl2pPr marL="457206" indent="0">
               <a:buNone/>
               <a:defRPr sz="1400"/>
             </a:lvl2pPr>
-            <a:lvl3pPr marL="914400" indent="0">
+            <a:lvl3pPr marL="914411" indent="0">
               <a:buNone/>
               <a:defRPr sz="1200"/>
             </a:lvl3pPr>
-            <a:lvl4pPr marL="1371600" indent="0">
+            <a:lvl4pPr marL="1371617" indent="0">
               <a:buNone/>
               <a:defRPr sz="1000"/>
             </a:lvl4pPr>
-            <a:lvl5pPr marL="1828800" indent="0">
+            <a:lvl5pPr marL="1828823" indent="0">
               <a:buNone/>
               <a:defRPr sz="1000"/>
             </a:lvl5pPr>
-            <a:lvl6pPr marL="2286000" indent="0">
+            <a:lvl6pPr marL="2286029" indent="0">
               <a:buNone/>
               <a:defRPr sz="1000"/>
             </a:lvl6pPr>
-            <a:lvl7pPr marL="2743200" indent="0">
+            <a:lvl7pPr marL="2743234" indent="0">
               <a:buNone/>
               <a:defRPr sz="1000"/>
             </a:lvl7pPr>
-            <a:lvl8pPr marL="3200400" indent="0">
+            <a:lvl8pPr marL="3200440" indent="0">
               <a:buNone/>
               <a:defRPr sz="1000"/>
             </a:lvl8pPr>
-            <a:lvl9pPr marL="3657600" indent="0">
+            <a:lvl9pPr marL="3657646" indent="0">
               <a:buNone/>
               <a:defRPr sz="1000"/>
             </a:lvl9pPr>
@@ -2687,7 +2692,7 @@
           <a:p>
             <a:fld id="{20F9F306-28D2-4AAE-852B-09E86991560A}" type="datetimeFigureOut">
               <a:rPr lang="es-ES" smtClean="0"/>
-              <a:t>16/07/2022</a:t>
+              <a:t>17/07/2022</a:t>
             </a:fld>
             <a:endParaRPr lang="es-ES"/>
           </a:p>
@@ -2803,7 +2808,7 @@
         </p:nvSpPr>
         <p:spPr>
           <a:xfrm>
-            <a:off x="838200" y="365125"/>
+            <a:off x="838202" y="365125"/>
             <a:ext cx="10515600" cy="1325563"/>
           </a:xfrm>
           <a:prstGeom prst="rect">
@@ -2841,7 +2846,7 @@
         </p:nvSpPr>
         <p:spPr>
           <a:xfrm>
-            <a:off x="838200" y="1825625"/>
+            <a:off x="838202" y="1825625"/>
             <a:ext cx="10515600" cy="4351338"/>
           </a:xfrm>
           <a:prstGeom prst="rect">
@@ -2908,7 +2913,7 @@
         </p:nvSpPr>
         <p:spPr>
           <a:xfrm>
-            <a:off x="838200" y="6356350"/>
+            <a:off x="838201" y="6356351"/>
             <a:ext cx="2743200" cy="365125"/>
           </a:xfrm>
           <a:prstGeom prst="rect">
@@ -2931,7 +2936,7 @@
           <a:p>
             <a:fld id="{20F9F306-28D2-4AAE-852B-09E86991560A}" type="datetimeFigureOut">
               <a:rPr lang="es-ES" smtClean="0"/>
-              <a:t>16/07/2022</a:t>
+              <a:t>17/07/2022</a:t>
             </a:fld>
             <a:endParaRPr lang="es-ES"/>
           </a:p>
@@ -2955,7 +2960,7 @@
         </p:nvSpPr>
         <p:spPr>
           <a:xfrm>
-            <a:off x="4038600" y="6356350"/>
+            <a:off x="4038602" y="6356351"/>
             <a:ext cx="4114800" cy="365125"/>
           </a:xfrm>
           <a:prstGeom prst="rect">
@@ -2998,7 +3003,7 @@
         </p:nvSpPr>
         <p:spPr>
           <a:xfrm>
-            <a:off x="8610600" y="6356350"/>
+            <a:off x="8610601" y="6356351"/>
             <a:ext cx="2743200" cy="365125"/>
           </a:xfrm>
           <a:prstGeom prst="rect">
@@ -3050,7 +3055,7 @@
   </p:sldLayoutIdLst>
   <p:txStyles>
     <p:titleStyle>
-      <a:lvl1pPr algn="l" defTabSz="914400" rtl="0" eaLnBrk="1" latinLnBrk="0" hangingPunct="1">
+      <a:lvl1pPr algn="l" defTabSz="914411" rtl="0" eaLnBrk="1" latinLnBrk="0" hangingPunct="1">
         <a:lnSpc>
           <a:spcPct val="90000"/>
         </a:lnSpc>
@@ -3069,7 +3074,7 @@
       </a:lvl1pPr>
     </p:titleStyle>
     <p:bodyStyle>
-      <a:lvl1pPr marL="228600" indent="-228600" algn="l" defTabSz="914400" rtl="0" eaLnBrk="1" latinLnBrk="0" hangingPunct="1">
+      <a:lvl1pPr marL="228603" indent="-228603" algn="l" defTabSz="914411" rtl="0" eaLnBrk="1" latinLnBrk="0" hangingPunct="1">
         <a:lnSpc>
           <a:spcPct val="90000"/>
         </a:lnSpc>
@@ -3087,7 +3092,7 @@
           <a:cs typeface="+mn-cs"/>
         </a:defRPr>
       </a:lvl1pPr>
-      <a:lvl2pPr marL="685800" indent="-228600" algn="l" defTabSz="914400" rtl="0" eaLnBrk="1" latinLnBrk="0" hangingPunct="1">
+      <a:lvl2pPr marL="685808" indent="-228603" algn="l" defTabSz="914411" rtl="0" eaLnBrk="1" latinLnBrk="0" hangingPunct="1">
         <a:lnSpc>
           <a:spcPct val="90000"/>
         </a:lnSpc>
@@ -3105,7 +3110,7 @@
           <a:cs typeface="+mn-cs"/>
         </a:defRPr>
       </a:lvl2pPr>
-      <a:lvl3pPr marL="1143000" indent="-228600" algn="l" defTabSz="914400" rtl="0" eaLnBrk="1" latinLnBrk="0" hangingPunct="1">
+      <a:lvl3pPr marL="1143014" indent="-228603" algn="l" defTabSz="914411" rtl="0" eaLnBrk="1" latinLnBrk="0" hangingPunct="1">
         <a:lnSpc>
           <a:spcPct val="90000"/>
         </a:lnSpc>
@@ -3123,7 +3128,7 @@
           <a:cs typeface="+mn-cs"/>
         </a:defRPr>
       </a:lvl3pPr>
-      <a:lvl4pPr marL="1600200" indent="-228600" algn="l" defTabSz="914400" rtl="0" eaLnBrk="1" latinLnBrk="0" hangingPunct="1">
+      <a:lvl4pPr marL="1600220" indent="-228603" algn="l" defTabSz="914411" rtl="0" eaLnBrk="1" latinLnBrk="0" hangingPunct="1">
         <a:lnSpc>
           <a:spcPct val="90000"/>
         </a:lnSpc>
@@ -3141,7 +3146,7 @@
           <a:cs typeface="+mn-cs"/>
         </a:defRPr>
       </a:lvl4pPr>
-      <a:lvl5pPr marL="2057400" indent="-228600" algn="l" defTabSz="914400" rtl="0" eaLnBrk="1" latinLnBrk="0" hangingPunct="1">
+      <a:lvl5pPr marL="2057426" indent="-228603" algn="l" defTabSz="914411" rtl="0" eaLnBrk="1" latinLnBrk="0" hangingPunct="1">
         <a:lnSpc>
           <a:spcPct val="90000"/>
         </a:lnSpc>
@@ -3159,7 +3164,7 @@
           <a:cs typeface="+mn-cs"/>
         </a:defRPr>
       </a:lvl5pPr>
-      <a:lvl6pPr marL="2514600" indent="-228600" algn="l" defTabSz="914400" rtl="0" eaLnBrk="1" latinLnBrk="0" hangingPunct="1">
+      <a:lvl6pPr marL="2514632" indent="-228603" algn="l" defTabSz="914411" rtl="0" eaLnBrk="1" latinLnBrk="0" hangingPunct="1">
         <a:lnSpc>
           <a:spcPct val="90000"/>
         </a:lnSpc>
@@ -3177,7 +3182,7 @@
           <a:cs typeface="+mn-cs"/>
         </a:defRPr>
       </a:lvl6pPr>
-      <a:lvl7pPr marL="2971800" indent="-228600" algn="l" defTabSz="914400" rtl="0" eaLnBrk="1" latinLnBrk="0" hangingPunct="1">
+      <a:lvl7pPr marL="2971837" indent="-228603" algn="l" defTabSz="914411" rtl="0" eaLnBrk="1" latinLnBrk="0" hangingPunct="1">
         <a:lnSpc>
           <a:spcPct val="90000"/>
         </a:lnSpc>
@@ -3195,7 +3200,7 @@
           <a:cs typeface="+mn-cs"/>
         </a:defRPr>
       </a:lvl7pPr>
-      <a:lvl8pPr marL="3429000" indent="-228600" algn="l" defTabSz="914400" rtl="0" eaLnBrk="1" latinLnBrk="0" hangingPunct="1">
+      <a:lvl8pPr marL="3429043" indent="-228603" algn="l" defTabSz="914411" rtl="0" eaLnBrk="1" latinLnBrk="0" hangingPunct="1">
         <a:lnSpc>
           <a:spcPct val="90000"/>
         </a:lnSpc>
@@ -3213,7 +3218,7 @@
           <a:cs typeface="+mn-cs"/>
         </a:defRPr>
       </a:lvl8pPr>
-      <a:lvl9pPr marL="3886200" indent="-228600" algn="l" defTabSz="914400" rtl="0" eaLnBrk="1" latinLnBrk="0" hangingPunct="1">
+      <a:lvl9pPr marL="3886248" indent="-228603" algn="l" defTabSz="914411" rtl="0" eaLnBrk="1" latinLnBrk="0" hangingPunct="1">
         <a:lnSpc>
           <a:spcPct val="90000"/>
         </a:lnSpc>
@@ -3236,7 +3241,7 @@
       <a:defPPr>
         <a:defRPr lang="es-ES"/>
       </a:defPPr>
-      <a:lvl1pPr marL="0" algn="l" defTabSz="914400" rtl="0" eaLnBrk="1" latinLnBrk="0" hangingPunct="1">
+      <a:lvl1pPr marL="0" algn="l" defTabSz="914411" rtl="0" eaLnBrk="1" latinLnBrk="0" hangingPunct="1">
         <a:defRPr sz="1800" kern="1200">
           <a:solidFill>
             <a:schemeClr val="tx1"/>
@@ -3246,7 +3251,7 @@
           <a:cs typeface="+mn-cs"/>
         </a:defRPr>
       </a:lvl1pPr>
-      <a:lvl2pPr marL="457200" algn="l" defTabSz="914400" rtl="0" eaLnBrk="1" latinLnBrk="0" hangingPunct="1">
+      <a:lvl2pPr marL="457206" algn="l" defTabSz="914411" rtl="0" eaLnBrk="1" latinLnBrk="0" hangingPunct="1">
         <a:defRPr sz="1800" kern="1200">
           <a:solidFill>
             <a:schemeClr val="tx1"/>
@@ -3256,7 +3261,7 @@
           <a:cs typeface="+mn-cs"/>
         </a:defRPr>
       </a:lvl2pPr>
-      <a:lvl3pPr marL="914400" algn="l" defTabSz="914400" rtl="0" eaLnBrk="1" latinLnBrk="0" hangingPunct="1">
+      <a:lvl3pPr marL="914411" algn="l" defTabSz="914411" rtl="0" eaLnBrk="1" latinLnBrk="0" hangingPunct="1">
         <a:defRPr sz="1800" kern="1200">
           <a:solidFill>
             <a:schemeClr val="tx1"/>
@@ -3266,7 +3271,7 @@
           <a:cs typeface="+mn-cs"/>
         </a:defRPr>
       </a:lvl3pPr>
-      <a:lvl4pPr marL="1371600" algn="l" defTabSz="914400" rtl="0" eaLnBrk="1" latinLnBrk="0" hangingPunct="1">
+      <a:lvl4pPr marL="1371617" algn="l" defTabSz="914411" rtl="0" eaLnBrk="1" latinLnBrk="0" hangingPunct="1">
         <a:defRPr sz="1800" kern="1200">
           <a:solidFill>
             <a:schemeClr val="tx1"/>
@@ -3276,7 +3281,7 @@
           <a:cs typeface="+mn-cs"/>
         </a:defRPr>
       </a:lvl4pPr>
-      <a:lvl5pPr marL="1828800" algn="l" defTabSz="914400" rtl="0" eaLnBrk="1" latinLnBrk="0" hangingPunct="1">
+      <a:lvl5pPr marL="1828823" algn="l" defTabSz="914411" rtl="0" eaLnBrk="1" latinLnBrk="0" hangingPunct="1">
         <a:defRPr sz="1800" kern="1200">
           <a:solidFill>
             <a:schemeClr val="tx1"/>
@@ -3286,7 +3291,7 @@
           <a:cs typeface="+mn-cs"/>
         </a:defRPr>
       </a:lvl5pPr>
-      <a:lvl6pPr marL="2286000" algn="l" defTabSz="914400" rtl="0" eaLnBrk="1" latinLnBrk="0" hangingPunct="1">
+      <a:lvl6pPr marL="2286029" algn="l" defTabSz="914411" rtl="0" eaLnBrk="1" latinLnBrk="0" hangingPunct="1">
         <a:defRPr sz="1800" kern="1200">
           <a:solidFill>
             <a:schemeClr val="tx1"/>
@@ -3296,7 +3301,7 @@
           <a:cs typeface="+mn-cs"/>
         </a:defRPr>
       </a:lvl6pPr>
-      <a:lvl7pPr marL="2743200" algn="l" defTabSz="914400" rtl="0" eaLnBrk="1" latinLnBrk="0" hangingPunct="1">
+      <a:lvl7pPr marL="2743234" algn="l" defTabSz="914411" rtl="0" eaLnBrk="1" latinLnBrk="0" hangingPunct="1">
         <a:defRPr sz="1800" kern="1200">
           <a:solidFill>
             <a:schemeClr val="tx1"/>
@@ -3306,7 +3311,7 @@
           <a:cs typeface="+mn-cs"/>
         </a:defRPr>
       </a:lvl7pPr>
-      <a:lvl8pPr marL="3200400" algn="l" defTabSz="914400" rtl="0" eaLnBrk="1" latinLnBrk="0" hangingPunct="1">
+      <a:lvl8pPr marL="3200440" algn="l" defTabSz="914411" rtl="0" eaLnBrk="1" latinLnBrk="0" hangingPunct="1">
         <a:defRPr sz="1800" kern="1200">
           <a:solidFill>
             <a:schemeClr val="tx1"/>
@@ -3316,7 +3321,7 @@
           <a:cs typeface="+mn-cs"/>
         </a:defRPr>
       </a:lvl8pPr>
-      <a:lvl9pPr marL="3657600" algn="l" defTabSz="914400" rtl="0" eaLnBrk="1" latinLnBrk="0" hangingPunct="1">
+      <a:lvl9pPr marL="3657646" algn="l" defTabSz="914411" rtl="0" eaLnBrk="1" latinLnBrk="0" hangingPunct="1">
         <a:defRPr sz="1800" kern="1200">
           <a:solidFill>
             <a:schemeClr val="tx1"/>
@@ -3366,7 +3371,7 @@
         </p:nvSpPr>
         <p:spPr>
           <a:xfrm>
-            <a:off x="1890943" y="3247289"/>
+            <a:off x="1890944" y="3247290"/>
             <a:ext cx="8410113" cy="1165271"/>
           </a:xfrm>
         </p:spPr>
@@ -3378,7 +3383,6 @@
           <a:p>
             <a:r>
               <a:rPr lang="es-ES" sz="3200" b="1" kern="1400" spc="-50" dirty="0">
-                <a:effectLst/>
                 <a:latin typeface="Times New Roman" panose="02020603050405020304" pitchFamily="18" charset="0"/>
                 <a:ea typeface="Times New Roman" panose="02020603050405020304" pitchFamily="18" charset="0"/>
                 <a:cs typeface="Times New Roman" panose="02020603050405020304" pitchFamily="18" charset="0"/>
@@ -3386,7 +3390,6 @@
               <a:t>Predicción de la contaminación atmosférica mediante redes neuronales artificiales</a:t>
             </a:r>
             <a:endParaRPr lang="es-ES" sz="3200" kern="1400" spc="-50" dirty="0">
-              <a:effectLst/>
               <a:latin typeface="Times New Roman" panose="02020603050405020304" pitchFamily="18" charset="0"/>
               <a:ea typeface="Times New Roman" panose="02020603050405020304" pitchFamily="18" charset="0"/>
               <a:cs typeface="Times New Roman" panose="02020603050405020304" pitchFamily="18" charset="0"/>
@@ -3466,7 +3469,7 @@
           </a:bodyPr>
           <a:lstStyle/>
           <a:p>
-            <a:pPr indent="450215" algn="ctr">
+            <a:pPr indent="450221" algn="ctr">
               <a:lnSpc>
                 <a:spcPct val="150000"/>
               </a:lnSpc>
@@ -3476,7 +3479,6 @@
             </a:pPr>
             <a:r>
               <a:rPr lang="es-ES" sz="2800" dirty="0">
-                <a:effectLst/>
                 <a:latin typeface="Times New Roman" panose="02020603050405020304" pitchFamily="18" charset="0"/>
                 <a:ea typeface="Calibri" panose="020F0502020204030204" pitchFamily="34" charset="0"/>
                 <a:cs typeface="Times New Roman" panose="02020603050405020304" pitchFamily="18" charset="0"/>
@@ -3485,7 +3487,6 @@
             </a:r>
             <a:r>
               <a:rPr lang="es-ES" sz="2000" dirty="0">
-                <a:effectLst/>
                 <a:latin typeface="Times New Roman" panose="02020603050405020304" pitchFamily="18" charset="0"/>
                 <a:ea typeface="Calibri" panose="020F0502020204030204" pitchFamily="34" charset="0"/>
                 <a:cs typeface="Times New Roman" panose="02020603050405020304" pitchFamily="18" charset="0"/>
@@ -3494,7 +3495,6 @@
             </a:r>
             <a:r>
               <a:rPr lang="es-ES" sz="2800" dirty="0">
-                <a:effectLst/>
                 <a:latin typeface="Times New Roman" panose="02020603050405020304" pitchFamily="18" charset="0"/>
                 <a:ea typeface="Calibri" panose="020F0502020204030204" pitchFamily="34" charset="0"/>
                 <a:cs typeface="Times New Roman" panose="02020603050405020304" pitchFamily="18" charset="0"/>
@@ -3503,7 +3503,6 @@
             </a:r>
             <a:r>
               <a:rPr lang="es-ES" sz="2000" dirty="0">
-                <a:effectLst/>
                 <a:latin typeface="Times New Roman" panose="02020603050405020304" pitchFamily="18" charset="0"/>
                 <a:ea typeface="Calibri" panose="020F0502020204030204" pitchFamily="34" charset="0"/>
                 <a:cs typeface="Times New Roman" panose="02020603050405020304" pitchFamily="18" charset="0"/>
@@ -3511,14 +3510,13 @@
               <a:t>ALAMANCA</a:t>
             </a:r>
             <a:endParaRPr lang="es-ES" sz="1400" dirty="0">
-              <a:effectLst/>
               <a:latin typeface="Times New Roman" panose="02020603050405020304" pitchFamily="18" charset="0"/>
               <a:ea typeface="Calibri" panose="020F0502020204030204" pitchFamily="34" charset="0"/>
               <a:cs typeface="Times New Roman" panose="02020603050405020304" pitchFamily="18" charset="0"/>
             </a:endParaRPr>
           </a:p>
           <a:p>
-            <a:pPr indent="450215" algn="ctr">
+            <a:pPr indent="450221" algn="ctr">
               <a:lnSpc>
                 <a:spcPct val="115000"/>
               </a:lnSpc>
@@ -3528,7 +3526,6 @@
             </a:pPr>
             <a:r>
               <a:rPr lang="es-ES" sz="2400" dirty="0">
-                <a:effectLst/>
                 <a:latin typeface="Times New Roman" panose="02020603050405020304" pitchFamily="18" charset="0"/>
                 <a:ea typeface="Calibri" panose="020F0502020204030204" pitchFamily="34" charset="0"/>
                 <a:cs typeface="Times New Roman" panose="02020603050405020304" pitchFamily="18" charset="0"/>
@@ -3536,8 +3533,7 @@
               <a:t>G</a:t>
             </a:r>
             <a:r>
-              <a:rPr lang="es-ES" sz="1800" dirty="0">
-                <a:effectLst/>
+              <a:rPr lang="es-ES" dirty="0">
                 <a:latin typeface="Times New Roman" panose="02020603050405020304" pitchFamily="18" charset="0"/>
                 <a:ea typeface="Calibri" panose="020F0502020204030204" pitchFamily="34" charset="0"/>
                 <a:cs typeface="Times New Roman" panose="02020603050405020304" pitchFamily="18" charset="0"/>
@@ -3546,7 +3542,6 @@
             </a:r>
             <a:r>
               <a:rPr lang="es-ES" sz="2400" dirty="0">
-                <a:effectLst/>
                 <a:latin typeface="Times New Roman" panose="02020603050405020304" pitchFamily="18" charset="0"/>
                 <a:ea typeface="Calibri" panose="020F0502020204030204" pitchFamily="34" charset="0"/>
                 <a:cs typeface="Times New Roman" panose="02020603050405020304" pitchFamily="18" charset="0"/>
@@ -3554,8 +3549,7 @@
               <a:t>I</a:t>
             </a:r>
             <a:r>
-              <a:rPr lang="es-ES" sz="1800" dirty="0">
-                <a:effectLst/>
+              <a:rPr lang="es-ES" dirty="0">
                 <a:latin typeface="Times New Roman" panose="02020603050405020304" pitchFamily="18" charset="0"/>
                 <a:ea typeface="Calibri" panose="020F0502020204030204" pitchFamily="34" charset="0"/>
                 <a:cs typeface="Times New Roman" panose="02020603050405020304" pitchFamily="18" charset="0"/>
@@ -3564,7 +3558,6 @@
             </a:r>
             <a:r>
               <a:rPr lang="es-ES" sz="2400" dirty="0">
-                <a:effectLst/>
                 <a:latin typeface="Times New Roman" panose="02020603050405020304" pitchFamily="18" charset="0"/>
                 <a:ea typeface="Calibri" panose="020F0502020204030204" pitchFamily="34" charset="0"/>
                 <a:cs typeface="Times New Roman" panose="02020603050405020304" pitchFamily="18" charset="0"/>
@@ -3572,8 +3565,7 @@
               <a:t>I</a:t>
             </a:r>
             <a:r>
-              <a:rPr lang="es-ES" sz="1800" dirty="0">
-                <a:effectLst/>
+              <a:rPr lang="es-ES" dirty="0">
                 <a:latin typeface="Times New Roman" panose="02020603050405020304" pitchFamily="18" charset="0"/>
                 <a:ea typeface="Calibri" panose="020F0502020204030204" pitchFamily="34" charset="0"/>
                 <a:cs typeface="Times New Roman" panose="02020603050405020304" pitchFamily="18" charset="0"/>
@@ -3581,14 +3573,13 @@
               <a:t>NFORMÁTICA</a:t>
             </a:r>
             <a:endParaRPr lang="es-ES" sz="1400" dirty="0">
-              <a:effectLst/>
               <a:latin typeface="Times New Roman" panose="02020603050405020304" pitchFamily="18" charset="0"/>
               <a:ea typeface="Calibri" panose="020F0502020204030204" pitchFamily="34" charset="0"/>
               <a:cs typeface="Times New Roman" panose="02020603050405020304" pitchFamily="18" charset="0"/>
             </a:endParaRPr>
           </a:p>
           <a:p>
-            <a:pPr indent="450215" algn="ctr">
+            <a:pPr indent="450221" algn="ctr">
               <a:lnSpc>
                 <a:spcPct val="115000"/>
               </a:lnSpc>
@@ -3597,8 +3588,7 @@
               </a:spcAft>
             </a:pPr>
             <a:r>
-              <a:rPr lang="es-ES" sz="1800" dirty="0">
-                <a:effectLst/>
+              <a:rPr lang="es-ES" dirty="0">
                 <a:latin typeface="Times New Roman" panose="02020603050405020304" pitchFamily="18" charset="0"/>
                 <a:ea typeface="Calibri" panose="020F0502020204030204" pitchFamily="34" charset="0"/>
                 <a:cs typeface="Times New Roman" panose="02020603050405020304" pitchFamily="18" charset="0"/>
@@ -3607,7 +3597,6 @@
             </a:r>
             <a:r>
               <a:rPr lang="es-ES" sz="1400" dirty="0">
-                <a:effectLst/>
                 <a:latin typeface="Times New Roman" panose="02020603050405020304" pitchFamily="18" charset="0"/>
                 <a:ea typeface="Calibri" panose="020F0502020204030204" pitchFamily="34" charset="0"/>
                 <a:cs typeface="Times New Roman" panose="02020603050405020304" pitchFamily="18" charset="0"/>
@@ -3615,8 +3604,7 @@
               <a:t>RABAJO DE </a:t>
             </a:r>
             <a:r>
-              <a:rPr lang="es-ES" sz="1800" dirty="0">
-                <a:effectLst/>
+              <a:rPr lang="es-ES" dirty="0">
                 <a:latin typeface="Times New Roman" panose="02020603050405020304" pitchFamily="18" charset="0"/>
                 <a:ea typeface="Calibri" panose="020F0502020204030204" pitchFamily="34" charset="0"/>
                 <a:cs typeface="Times New Roman" panose="02020603050405020304" pitchFamily="18" charset="0"/>
@@ -3625,7 +3613,6 @@
             </a:r>
             <a:r>
               <a:rPr lang="es-ES" sz="1400" dirty="0">
-                <a:effectLst/>
                 <a:latin typeface="Times New Roman" panose="02020603050405020304" pitchFamily="18" charset="0"/>
                 <a:ea typeface="Calibri" panose="020F0502020204030204" pitchFamily="34" charset="0"/>
                 <a:cs typeface="Times New Roman" panose="02020603050405020304" pitchFamily="18" charset="0"/>
@@ -3633,8 +3620,7 @@
               <a:t>IN DE </a:t>
             </a:r>
             <a:r>
-              <a:rPr lang="es-ES" sz="1800" dirty="0">
-                <a:effectLst/>
+              <a:rPr lang="es-ES" dirty="0">
                 <a:latin typeface="Times New Roman" panose="02020603050405020304" pitchFamily="18" charset="0"/>
                 <a:ea typeface="Calibri" panose="020F0502020204030204" pitchFamily="34" charset="0"/>
                 <a:cs typeface="Times New Roman" panose="02020603050405020304" pitchFamily="18" charset="0"/>
@@ -3643,7 +3629,6 @@
             </a:r>
             <a:r>
               <a:rPr lang="es-ES" sz="1400" dirty="0">
-                <a:effectLst/>
                 <a:latin typeface="Times New Roman" panose="02020603050405020304" pitchFamily="18" charset="0"/>
                 <a:ea typeface="Calibri" panose="020F0502020204030204" pitchFamily="34" charset="0"/>
                 <a:cs typeface="Times New Roman" panose="02020603050405020304" pitchFamily="18" charset="0"/>
@@ -3681,22 +3666,20 @@
           </a:bodyPr>
           <a:lstStyle/>
           <a:p>
-            <a:pPr algn="l">
+            <a:pPr>
               <a:spcAft>
                 <a:spcPts val="800"/>
               </a:spcAft>
             </a:pPr>
             <a:r>
-              <a:rPr lang="es-ES" sz="1800" i="1" dirty="0">
-                <a:effectLst/>
+              <a:rPr lang="es-ES" i="1" dirty="0">
                 <a:latin typeface="Times New Roman" panose="02020603050405020304" pitchFamily="18" charset="0"/>
                 <a:ea typeface="Calibri" panose="020F0502020204030204" pitchFamily="34" charset="0"/>
                 <a:cs typeface="Times New Roman" panose="02020603050405020304" pitchFamily="18" charset="0"/>
               </a:rPr>
               <a:t>Autor: 	</a:t>
             </a:r>
-            <a:endParaRPr lang="es-ES" sz="1800" dirty="0">
-              <a:effectLst/>
+            <a:endParaRPr lang="es-ES" dirty="0">
               <a:latin typeface="Times New Roman" panose="02020603050405020304" pitchFamily="18" charset="0"/>
               <a:ea typeface="Calibri" panose="020F0502020204030204" pitchFamily="34" charset="0"/>
               <a:cs typeface="Times New Roman" panose="02020603050405020304" pitchFamily="18" charset="0"/>
@@ -3704,15 +3687,13 @@
           </a:p>
           <a:p>
             <a:r>
-              <a:rPr lang="es-ES" sz="1800" dirty="0">
-                <a:effectLst/>
+              <a:rPr lang="es-ES" dirty="0">
                 <a:latin typeface="Times New Roman" panose="02020603050405020304" pitchFamily="18" charset="0"/>
                 <a:ea typeface="Calibri" panose="020F0502020204030204" pitchFamily="34" charset="0"/>
               </a:rPr>
               <a:t>Ismael Mira Hernández</a:t>
             </a:r>
             <a:endParaRPr lang="es-ES" sz="1400" dirty="0">
-              <a:effectLst/>
               <a:latin typeface="Times New Roman" panose="02020603050405020304" pitchFamily="18" charset="0"/>
               <a:ea typeface="Calibri" panose="020F0502020204030204" pitchFamily="34" charset="0"/>
               <a:cs typeface="Times New Roman" panose="02020603050405020304" pitchFamily="18" charset="0"/>
@@ -3734,7 +3715,7 @@
         </p:nvSpPr>
         <p:spPr>
           <a:xfrm>
-            <a:off x="7295112" y="4806952"/>
+            <a:off x="7295113" y="4806952"/>
             <a:ext cx="4075919" cy="1128514"/>
           </a:xfrm>
           <a:prstGeom prst="rect">
@@ -3748,36 +3729,33 @@
           </a:bodyPr>
           <a:lstStyle/>
           <a:p>
-            <a:pPr marL="90170" indent="-90170" algn="r">
+            <a:pPr marL="90171" indent="-90171" algn="r">
               <a:spcAft>
                 <a:spcPts val="800"/>
               </a:spcAft>
             </a:pPr>
             <a:r>
-              <a:rPr lang="es-ES" sz="1800" i="1" dirty="0">
-                <a:effectLst/>
+              <a:rPr lang="es-ES" i="1" dirty="0">
                 <a:latin typeface="Times New Roman" panose="02020603050405020304" pitchFamily="18" charset="0"/>
                 <a:ea typeface="Calibri" panose="020F0502020204030204" pitchFamily="34" charset="0"/>
                 <a:cs typeface="Times New Roman" panose="02020603050405020304" pitchFamily="18" charset="0"/>
               </a:rPr>
               <a:t>Tutores: </a:t>
             </a:r>
-            <a:endParaRPr lang="es-ES" sz="1800" dirty="0">
-              <a:effectLst/>
+            <a:endParaRPr lang="es-ES" dirty="0">
               <a:latin typeface="Times New Roman" panose="02020603050405020304" pitchFamily="18" charset="0"/>
               <a:ea typeface="Calibri" panose="020F0502020204030204" pitchFamily="34" charset="0"/>
               <a:cs typeface="Times New Roman" panose="02020603050405020304" pitchFamily="18" charset="0"/>
             </a:endParaRPr>
           </a:p>
           <a:p>
-            <a:pPr marL="89535" indent="-89535" algn="r">
+            <a:pPr marL="89536" indent="-89536" algn="r">
               <a:spcAft>
                 <a:spcPts val="800"/>
               </a:spcAft>
             </a:pPr>
             <a:r>
-              <a:rPr lang="es-ES" sz="1800" dirty="0">
-                <a:effectLst/>
+              <a:rPr lang="es-ES" dirty="0">
                 <a:latin typeface="Times New Roman" panose="02020603050405020304" pitchFamily="18" charset="0"/>
                 <a:ea typeface="Calibri" panose="020F0502020204030204" pitchFamily="34" charset="0"/>
                 <a:cs typeface="Times New Roman" panose="02020603050405020304" pitchFamily="18" charset="0"/>
@@ -3786,14 +3764,13 @@
             </a:r>
           </a:p>
           <a:p>
-            <a:pPr indent="-89535" algn="r">
+            <a:pPr indent="-89536" algn="r">
               <a:spcAft>
                 <a:spcPts val="800"/>
               </a:spcAft>
             </a:pPr>
             <a:r>
-              <a:rPr lang="es-ES" sz="1800" dirty="0">
-                <a:effectLst/>
+              <a:rPr lang="es-ES" dirty="0">
                 <a:latin typeface="Times New Roman" panose="02020603050405020304" pitchFamily="18" charset="0"/>
                 <a:ea typeface="Calibri" panose="020F0502020204030204" pitchFamily="34" charset="0"/>
                 <a:cs typeface="Times New Roman" panose="02020603050405020304" pitchFamily="18" charset="0"/>
@@ -3833,100 +3810,47 @@
           <a:chExt cx="0" cy="0"/>
         </a:xfrm>
       </p:grpSpPr>
-      <p:sp>
-        <p:nvSpPr>
-          <p:cNvPr id="3" name="Marcador de contenido 2">
-            <a:extLst>
-              <a:ext uri="{FF2B5EF4-FFF2-40B4-BE49-F238E27FC236}">
-                <a16:creationId xmlns:a16="http://schemas.microsoft.com/office/drawing/2014/main" id="{23202239-0B1F-A6DD-B954-BAA0AF5F30B0}"/>
-              </a:ext>
-            </a:extLst>
-          </p:cNvPr>
-          <p:cNvSpPr>
-            <a:spLocks noGrp="1"/>
-          </p:cNvSpPr>
+      <p:pic>
+        <p:nvPicPr>
+          <p:cNvPr id="5" name="Marcador de contenido 4" descr="Imagen que contiene plato, tren, taza, alimentos&#10;&#10;Descripción generada automáticamente">
+            <a:extLst>
+              <a:ext uri="{FF2B5EF4-FFF2-40B4-BE49-F238E27FC236}">
+                <a16:creationId xmlns:a16="http://schemas.microsoft.com/office/drawing/2014/main" id="{D44144E4-03C9-BBD3-49CF-298BDB671481}"/>
+              </a:ext>
+            </a:extLst>
+          </p:cNvPr>
+          <p:cNvPicPr>
+            <a:picLocks noGrp="1" noChangeAspect="1"/>
+          </p:cNvPicPr>
           <p:nvPr>
             <p:ph idx="1"/>
           </p:nvPr>
-        </p:nvSpPr>
-        <p:spPr>
-          <a:xfrm>
-            <a:off x="838200" y="997527"/>
-            <a:ext cx="10515600" cy="5179436"/>
-          </a:xfrm>
-        </p:spPr>
-        <p:txBody>
-          <a:bodyPr/>
-          <a:lstStyle/>
-          <a:p>
-            <a:r>
-              <a:rPr lang="es-ES" u="sng" dirty="0">
-                <a:latin typeface="Times New Roman" panose="02020603050405020304" pitchFamily="18" charset="0"/>
-                <a:cs typeface="Times New Roman" panose="02020603050405020304" pitchFamily="18" charset="0"/>
-              </a:rPr>
-              <a:t>Diseño del modelo</a:t>
-            </a:r>
-          </a:p>
-          <a:p>
-            <a:pPr marL="0" indent="0">
-              <a:buNone/>
-            </a:pPr>
-            <a:r>
-              <a:rPr lang="es-ES" sz="2400" b="1" dirty="0">
-                <a:latin typeface="Times New Roman" panose="02020603050405020304" pitchFamily="18" charset="0"/>
-                <a:cs typeface="Times New Roman" panose="02020603050405020304" pitchFamily="18" charset="0"/>
-              </a:rPr>
-              <a:t>Obtención de datos históricos</a:t>
-            </a:r>
-          </a:p>
-          <a:p>
-            <a:pPr marL="0" indent="0" algn="just">
-              <a:buNone/>
-            </a:pPr>
-            <a:r>
-              <a:rPr lang="es-ES" sz="2400" dirty="0">
-                <a:latin typeface="Times New Roman" panose="02020603050405020304" pitchFamily="18" charset="0"/>
-                <a:cs typeface="Times New Roman" panose="02020603050405020304" pitchFamily="18" charset="0"/>
-              </a:rPr>
-              <a:t>Tanto contaminantes como meteorológicos. En la transformación a series temporales, se elige el número de </a:t>
-            </a:r>
-            <a:r>
-              <a:rPr lang="es-ES" sz="2400" i="1" dirty="0">
-                <a:latin typeface="Times New Roman" panose="02020603050405020304" pitchFamily="18" charset="0"/>
-                <a:cs typeface="Times New Roman" panose="02020603050405020304" pitchFamily="18" charset="0"/>
-              </a:rPr>
-              <a:t>lags</a:t>
-            </a:r>
-            <a:r>
-              <a:rPr lang="es-ES" sz="2400" dirty="0">
-                <a:latin typeface="Times New Roman" panose="02020603050405020304" pitchFamily="18" charset="0"/>
-                <a:cs typeface="Times New Roman" panose="02020603050405020304" pitchFamily="18" charset="0"/>
-              </a:rPr>
-              <a:t> y </a:t>
-            </a:r>
-            <a:r>
-              <a:rPr lang="es-ES" sz="2400" i="1" dirty="0">
-                <a:latin typeface="Times New Roman" panose="02020603050405020304" pitchFamily="18" charset="0"/>
-                <a:cs typeface="Times New Roman" panose="02020603050405020304" pitchFamily="18" charset="0"/>
-              </a:rPr>
-              <a:t>steps ahead</a:t>
-            </a:r>
-            <a:r>
-              <a:rPr lang="es-ES" sz="2400" dirty="0">
-                <a:latin typeface="Times New Roman" panose="02020603050405020304" pitchFamily="18" charset="0"/>
-                <a:cs typeface="Times New Roman" panose="02020603050405020304" pitchFamily="18" charset="0"/>
-              </a:rPr>
-              <a:t>.</a:t>
-            </a:r>
-          </a:p>
-        </p:txBody>
-      </p:sp>
+        </p:nvPicPr>
+        <p:blipFill>
+          <a:blip r:embed="rId2">
+            <a:extLst>
+              <a:ext uri="{28A0092B-C50C-407E-A947-70E740481C1C}">
+                <a14:useLocalDpi xmlns:a14="http://schemas.microsoft.com/office/drawing/2010/main" val="0"/>
+              </a:ext>
+            </a:extLst>
+          </a:blip>
+          <a:stretch>
+            <a:fillRect/>
+          </a:stretch>
+        </p:blipFill>
+        <p:spPr>
+          <a:xfrm>
+            <a:off x="6096000" y="2023319"/>
+            <a:ext cx="4734154" cy="1325563"/>
+          </a:xfrm>
+        </p:spPr>
+      </p:pic>
       <p:pic>
         <p:nvPicPr>
-          <p:cNvPr id="5" name="Imagen 4" descr="Imagen que contiene interior, computadora, escritorio, tabla&#10;&#10;Descripción generada automáticamente">
-            <a:extLst>
-              <a:ext uri="{FF2B5EF4-FFF2-40B4-BE49-F238E27FC236}">
-                <a16:creationId xmlns:a16="http://schemas.microsoft.com/office/drawing/2014/main" id="{F994101D-E30F-649D-AA9D-66CF993056A5}"/>
+          <p:cNvPr id="16" name="Imagen 15" descr="Imagen que contiene señal, dibujo&#10;&#10;Descripción generada automáticamente">
+            <a:extLst>
+              <a:ext uri="{FF2B5EF4-FFF2-40B4-BE49-F238E27FC236}">
+                <a16:creationId xmlns:a16="http://schemas.microsoft.com/office/drawing/2014/main" id="{8A4DD52D-2C94-21FC-40AB-965F3EF0758C}"/>
               </a:ext>
             </a:extLst>
           </p:cNvPr>
@@ -3936,7 +3860,7 @@
           <p:nvPr/>
         </p:nvPicPr>
         <p:blipFill>
-          <a:blip r:embed="rId2">
+          <a:blip r:embed="rId3">
             <a:extLst>
               <a:ext uri="{28A0092B-C50C-407E-A947-70E740481C1C}">
                 <a14:useLocalDpi xmlns:a14="http://schemas.microsoft.com/office/drawing/2010/main" val="0"/>
@@ -3949,34 +3873,20 @@
         </p:blipFill>
         <p:spPr>
           <a:xfrm>
-            <a:off x="919018" y="3081700"/>
-            <a:ext cx="10353963" cy="2550862"/>
+            <a:off x="2152385" y="1712233"/>
+            <a:ext cx="1724266" cy="1933845"/>
           </a:xfrm>
           <a:prstGeom prst="rect">
             <a:avLst/>
           </a:prstGeom>
-          <a:ln w="38100" cap="sq">
-            <a:solidFill>
-              <a:srgbClr val="000000"/>
-            </a:solidFill>
-            <a:prstDash val="solid"/>
-            <a:miter lim="800000"/>
-          </a:ln>
-          <a:effectLst>
-            <a:outerShdw blurRad="50800" dist="38100" dir="2700000" algn="tl" rotWithShape="0">
-              <a:srgbClr val="000000">
-                <a:alpha val="43000"/>
-              </a:srgbClr>
-            </a:outerShdw>
-          </a:effectLst>
         </p:spPr>
       </p:pic>
       <p:cxnSp>
         <p:nvCxnSpPr>
-          <p:cNvPr id="6" name="Conector recto 5">
-            <a:extLst>
-              <a:ext uri="{FF2B5EF4-FFF2-40B4-BE49-F238E27FC236}">
-                <a16:creationId xmlns:a16="http://schemas.microsoft.com/office/drawing/2014/main" id="{1C901A43-F98F-6AA2-9302-BA68008FC20B}"/>
+          <p:cNvPr id="17" name="Conector recto 16">
+            <a:extLst>
+              <a:ext uri="{FF2B5EF4-FFF2-40B4-BE49-F238E27FC236}">
+                <a16:creationId xmlns:a16="http://schemas.microsoft.com/office/drawing/2014/main" id="{1B51D1C6-EC09-7EB4-D54B-89E2C5DA5129}"/>
               </a:ext>
             </a:extLst>
           </p:cNvPr>
@@ -4014,10 +3924,10 @@
       </p:cxnSp>
       <p:sp>
         <p:nvSpPr>
-          <p:cNvPr id="7" name="CuadroTexto 6">
-            <a:extLst>
-              <a:ext uri="{FF2B5EF4-FFF2-40B4-BE49-F238E27FC236}">
-                <a16:creationId xmlns:a16="http://schemas.microsoft.com/office/drawing/2014/main" id="{F642262E-A96F-F6CA-E8BB-F65AB3D2487C}"/>
+          <p:cNvPr id="18" name="CuadroTexto 17">
+            <a:extLst>
+              <a:ext uri="{FF2B5EF4-FFF2-40B4-BE49-F238E27FC236}">
+                <a16:creationId xmlns:a16="http://schemas.microsoft.com/office/drawing/2014/main" id="{0759037C-D4F3-555E-7866-216EC106842A}"/>
               </a:ext>
             </a:extLst>
           </p:cNvPr>
@@ -4055,10 +3965,10 @@
       </p:sp>
       <p:sp>
         <p:nvSpPr>
-          <p:cNvPr id="8" name="CuadroTexto 7">
-            <a:extLst>
-              <a:ext uri="{FF2B5EF4-FFF2-40B4-BE49-F238E27FC236}">
-                <a16:creationId xmlns:a16="http://schemas.microsoft.com/office/drawing/2014/main" id="{5056388D-C777-4E19-7FCA-2837C81A51CE}"/>
+          <p:cNvPr id="19" name="CuadroTexto 18">
+            <a:extLst>
+              <a:ext uri="{FF2B5EF4-FFF2-40B4-BE49-F238E27FC236}">
+                <a16:creationId xmlns:a16="http://schemas.microsoft.com/office/drawing/2014/main" id="{BB61D424-2C02-C6A9-EA16-08CC5D179E31}"/>
               </a:ext>
             </a:extLst>
           </p:cNvPr>
@@ -4089,15 +3999,146 @@
                 <a:latin typeface="Times New Roman" panose="02020603050405020304" pitchFamily="18" charset="0"/>
                 <a:cs typeface="Times New Roman" panose="02020603050405020304" pitchFamily="18" charset="0"/>
               </a:rPr>
-              <a:t>Aspectos relevantes</a:t>
-            </a:r>
+              <a:t>Métodos y herramientas</a:t>
+            </a:r>
+          </a:p>
+        </p:txBody>
+      </p:sp>
+      <p:sp>
+        <p:nvSpPr>
+          <p:cNvPr id="9" name="CuadroTexto 8">
+            <a:extLst>
+              <a:ext uri="{FF2B5EF4-FFF2-40B4-BE49-F238E27FC236}">
+                <a16:creationId xmlns:a16="http://schemas.microsoft.com/office/drawing/2014/main" id="{AD2B5BFF-F3E3-E75F-705B-BA9B5CC5883E}"/>
+              </a:ext>
+            </a:extLst>
+          </p:cNvPr>
+          <p:cNvSpPr txBox="1"/>
+          <p:nvPr/>
+        </p:nvSpPr>
+        <p:spPr>
+          <a:xfrm>
+            <a:off x="838199" y="758126"/>
+            <a:ext cx="4972051" cy="954107"/>
+          </a:xfrm>
+          <a:prstGeom prst="rect">
+            <a:avLst/>
+          </a:prstGeom>
+          <a:noFill/>
+        </p:spPr>
+        <p:txBody>
+          <a:bodyPr wrap="square" rtlCol="0">
+            <a:spAutoFit/>
+          </a:bodyPr>
+          <a:lstStyle/>
+          <a:p>
+            <a:pPr marL="285753" indent="-285753">
+              <a:buFont typeface="Arial" panose="020B0604020202020204" pitchFamily="34" charset="0"/>
+              <a:buChar char="•"/>
+            </a:pPr>
+            <a:r>
+              <a:rPr lang="es-ES" sz="2800" u="sng" dirty="0">
+                <a:latin typeface="Times New Roman" panose="02020603050405020304" pitchFamily="18" charset="0"/>
+                <a:cs typeface="Times New Roman" panose="02020603050405020304" pitchFamily="18" charset="0"/>
+              </a:rPr>
+              <a:t>Herramientas (red neuronal)</a:t>
+            </a:r>
+          </a:p>
+          <a:p>
+            <a:endParaRPr lang="es-ES" sz="2800" dirty="0"/>
+          </a:p>
+        </p:txBody>
+      </p:sp>
+      <p:sp>
+        <p:nvSpPr>
+          <p:cNvPr id="2" name="CuadroTexto 1">
+            <a:extLst>
+              <a:ext uri="{FF2B5EF4-FFF2-40B4-BE49-F238E27FC236}">
+                <a16:creationId xmlns:a16="http://schemas.microsoft.com/office/drawing/2014/main" id="{0C616354-3BEB-F4A0-544B-C1A1691F6C64}"/>
+              </a:ext>
+            </a:extLst>
+          </p:cNvPr>
+          <p:cNvSpPr txBox="1"/>
+          <p:nvPr/>
+        </p:nvSpPr>
+        <p:spPr>
+          <a:xfrm>
+            <a:off x="838199" y="4089944"/>
+            <a:ext cx="10378354" cy="1569660"/>
+          </a:xfrm>
+          <a:prstGeom prst="rect">
+            <a:avLst/>
+          </a:prstGeom>
+          <a:noFill/>
+        </p:spPr>
+        <p:txBody>
+          <a:bodyPr wrap="square" rtlCol="0">
+            <a:spAutoFit/>
+          </a:bodyPr>
+          <a:lstStyle/>
+          <a:p>
+            <a:pPr marL="285753" indent="-285753">
+              <a:buFont typeface="Arial" panose="020B0604020202020204" pitchFamily="34" charset="0"/>
+              <a:buChar char="•"/>
+            </a:pPr>
+            <a:r>
+              <a:rPr lang="es-ES" sz="2400" dirty="0" err="1">
+                <a:latin typeface="Times New Roman" panose="02020603050405020304" pitchFamily="18" charset="0"/>
+                <a:cs typeface="Times New Roman" panose="02020603050405020304" pitchFamily="18" charset="0"/>
+              </a:rPr>
+              <a:t>OpenNN</a:t>
+            </a:r>
+            <a:r>
+              <a:rPr lang="es-ES" sz="2400" dirty="0">
+                <a:latin typeface="Times New Roman" panose="02020603050405020304" pitchFamily="18" charset="0"/>
+                <a:cs typeface="Times New Roman" panose="02020603050405020304" pitchFamily="18" charset="0"/>
+              </a:rPr>
+              <a:t> es una biblioteca de código abierto que permite construir modelos a partir de redes neuronales en C++</a:t>
+            </a:r>
+          </a:p>
+          <a:p>
+            <a:pPr marL="285753" indent="-285753">
+              <a:buFont typeface="Arial" panose="020B0604020202020204" pitchFamily="34" charset="0"/>
+              <a:buChar char="•"/>
+            </a:pPr>
+            <a:r>
+              <a:rPr lang="es-ES" sz="2400" dirty="0">
+                <a:latin typeface="Times New Roman" panose="02020603050405020304" pitchFamily="18" charset="0"/>
+                <a:cs typeface="Times New Roman" panose="02020603050405020304" pitchFamily="18" charset="0"/>
+              </a:rPr>
+              <a:t>Diferentes tipos de problemas: aproximación, clasificación, predicción</a:t>
+            </a:r>
+          </a:p>
+          <a:p>
+            <a:pPr marL="285753" indent="-285753">
+              <a:buFont typeface="Arial" panose="020B0604020202020204" pitchFamily="34" charset="0"/>
+              <a:buChar char="•"/>
+            </a:pPr>
+            <a:r>
+              <a:rPr lang="es-ES" sz="2400" dirty="0">
+                <a:latin typeface="Times New Roman" panose="02020603050405020304" pitchFamily="18" charset="0"/>
+                <a:cs typeface="Times New Roman" panose="02020603050405020304" pitchFamily="18" charset="0"/>
+              </a:rPr>
+              <a:t>Similar a bibliotecas de Python como </a:t>
+            </a:r>
+            <a:r>
+              <a:rPr lang="es-ES" sz="2400" dirty="0" err="1">
+                <a:latin typeface="Times New Roman" panose="02020603050405020304" pitchFamily="18" charset="0"/>
+                <a:cs typeface="Times New Roman" panose="02020603050405020304" pitchFamily="18" charset="0"/>
+              </a:rPr>
+              <a:t>TensorFlow</a:t>
+            </a:r>
+            <a:endParaRPr lang="es-ES" sz="2400" dirty="0">
+              <a:latin typeface="Times New Roman" panose="02020603050405020304" pitchFamily="18" charset="0"/>
+              <a:cs typeface="Times New Roman" panose="02020603050405020304" pitchFamily="18" charset="0"/>
+            </a:endParaRPr>
           </a:p>
         </p:txBody>
       </p:sp>
     </p:spTree>
     <p:extLst>
       <p:ext uri="{BB962C8B-B14F-4D97-AF65-F5344CB8AC3E}">
-        <p14:creationId xmlns:p14="http://schemas.microsoft.com/office/powerpoint/2010/main" val="534640137"/>
+        <p14:creationId xmlns:p14="http://schemas.microsoft.com/office/powerpoint/2010/main" val="2245884287"/>
       </p:ext>
     </p:extLst>
   </p:cSld>
@@ -4124,60 +4165,12 @@
           <a:chExt cx="0" cy="0"/>
         </a:xfrm>
       </p:grpSpPr>
-      <p:sp>
-        <p:nvSpPr>
-          <p:cNvPr id="3" name="Marcador de contenido 2">
-            <a:extLst>
-              <a:ext uri="{FF2B5EF4-FFF2-40B4-BE49-F238E27FC236}">
-                <a16:creationId xmlns:a16="http://schemas.microsoft.com/office/drawing/2014/main" id="{B1D3C8EE-916A-B01F-8E3F-D4B505354946}"/>
-              </a:ext>
-            </a:extLst>
-          </p:cNvPr>
-          <p:cNvSpPr>
-            <a:spLocks noGrp="1"/>
-          </p:cNvSpPr>
-          <p:nvPr>
-            <p:ph idx="1"/>
-          </p:nvPr>
-        </p:nvSpPr>
-        <p:spPr>
-          <a:xfrm>
-            <a:off x="838200" y="923636"/>
-            <a:ext cx="10515600" cy="5253327"/>
-          </a:xfrm>
-        </p:spPr>
-        <p:txBody>
-          <a:bodyPr/>
-          <a:lstStyle/>
-          <a:p>
-            <a:pPr marL="0" indent="0">
-              <a:buNone/>
-            </a:pPr>
-            <a:r>
-              <a:rPr lang="es-ES" sz="2400" dirty="0">
-                <a:latin typeface="Times New Roman" panose="02020603050405020304" pitchFamily="18" charset="0"/>
-                <a:cs typeface="Times New Roman" panose="02020603050405020304" pitchFamily="18" charset="0"/>
-              </a:rPr>
-              <a:t>A partir de este conjunto de datos ya podemos obtener información útil como por ejemplo las correlaciones entre las variables de entrada y de salida.</a:t>
-            </a:r>
-          </a:p>
-          <a:p>
-            <a:endParaRPr lang="es-ES" dirty="0"/>
-          </a:p>
-          <a:p>
-            <a:pPr marL="0" indent="0">
-              <a:buNone/>
-            </a:pPr>
-            <a:endParaRPr lang="es-ES" dirty="0"/>
-          </a:p>
-        </p:txBody>
-      </p:sp>
       <p:pic>
         <p:nvPicPr>
-          <p:cNvPr id="4" name="Imagen 3" descr="Gráfico&#10;&#10;Descripción generada automáticamente">
-            <a:extLst>
-              <a:ext uri="{FF2B5EF4-FFF2-40B4-BE49-F238E27FC236}">
-                <a16:creationId xmlns:a16="http://schemas.microsoft.com/office/drawing/2014/main" id="{949403FB-4054-2DEB-0CF2-8F450F688A6B}"/>
+          <p:cNvPr id="4" name="Imagen 3" descr="Icono&#10;&#10;Descripción generada automáticamente">
+            <a:extLst>
+              <a:ext uri="{FF2B5EF4-FFF2-40B4-BE49-F238E27FC236}">
+                <a16:creationId xmlns:a16="http://schemas.microsoft.com/office/drawing/2014/main" id="{8037732F-C0FC-B31B-229C-8F9BB9A01CA0}"/>
               </a:ext>
             </a:extLst>
           </p:cNvPr>
@@ -4186,7 +4179,7 @@
           </p:cNvPicPr>
           <p:nvPr/>
         </p:nvPicPr>
-        <p:blipFill rotWithShape="1">
+        <p:blipFill>
           <a:blip r:embed="rId2">
             <a:extLst>
               <a:ext uri="{28A0092B-C50C-407E-A947-70E740481C1C}">
@@ -4194,44 +4187,107 @@
               </a:ext>
             </a:extLst>
           </a:blip>
-          <a:srcRect l="7394" t="4447" b="5698"/>
-          <a:stretch/>
+          <a:stretch>
+            <a:fillRect/>
+          </a:stretch>
         </p:blipFill>
-        <p:spPr bwMode="auto">
-          <a:xfrm>
-            <a:off x="4137889" y="1992907"/>
-            <a:ext cx="3482109" cy="3941457"/>
+        <p:spPr>
+          <a:xfrm>
+            <a:off x="1329616" y="2693193"/>
+            <a:ext cx="4671134" cy="2402681"/>
           </a:xfrm>
           <a:prstGeom prst="rect">
             <a:avLst/>
           </a:prstGeom>
-          <a:ln w="38100" cap="sq">
-            <a:solidFill>
-              <a:srgbClr val="000000"/>
-            </a:solidFill>
-            <a:prstDash val="solid"/>
-            <a:miter lim="800000"/>
-          </a:ln>
-          <a:effectLst>
-            <a:outerShdw blurRad="50800" dist="38100" dir="2700000" algn="tl" rotWithShape="0">
-              <a:srgbClr val="000000">
-                <a:alpha val="43000"/>
-              </a:srgbClr>
-            </a:outerShdw>
-          </a:effectLst>
-          <a:extLst>
-            <a:ext uri="{53640926-AAD7-44D8-BBD7-CCE9431645EC}">
-              <a14:shadowObscured xmlns:a14="http://schemas.microsoft.com/office/drawing/2010/main"/>
-            </a:ext>
-          </a:extLst>
         </p:spPr>
       </p:pic>
+      <p:pic>
+        <p:nvPicPr>
+          <p:cNvPr id="5" name="Imagen 4" descr="Imagen que contiene Icono&#10;&#10;Descripción generada automáticamente">
+            <a:extLst>
+              <a:ext uri="{FF2B5EF4-FFF2-40B4-BE49-F238E27FC236}">
+                <a16:creationId xmlns:a16="http://schemas.microsoft.com/office/drawing/2014/main" id="{2D2DDCFE-14C2-4FA7-FF0E-86DCF17E536F}"/>
+              </a:ext>
+            </a:extLst>
+          </p:cNvPr>
+          <p:cNvPicPr>
+            <a:picLocks noChangeAspect="1"/>
+          </p:cNvPicPr>
+          <p:nvPr/>
+        </p:nvPicPr>
+        <p:blipFill>
+          <a:blip r:embed="rId3">
+            <a:extLst>
+              <a:ext uri="{28A0092B-C50C-407E-A947-70E740481C1C}">
+                <a14:useLocalDpi xmlns:a14="http://schemas.microsoft.com/office/drawing/2010/main" val="0"/>
+              </a:ext>
+            </a:extLst>
+          </a:blip>
+          <a:stretch>
+            <a:fillRect/>
+          </a:stretch>
+        </p:blipFill>
+        <p:spPr>
+          <a:xfrm>
+            <a:off x="6468400" y="2869671"/>
+            <a:ext cx="4393984" cy="2049724"/>
+          </a:xfrm>
+          <a:prstGeom prst="rect">
+            <a:avLst/>
+          </a:prstGeom>
+        </p:spPr>
+      </p:pic>
+      <p:sp>
+        <p:nvSpPr>
+          <p:cNvPr id="6" name="CuadroTexto 5">
+            <a:extLst>
+              <a:ext uri="{FF2B5EF4-FFF2-40B4-BE49-F238E27FC236}">
+                <a16:creationId xmlns:a16="http://schemas.microsoft.com/office/drawing/2014/main" id="{487ACD83-0334-F05A-0309-320FEAF24C48}"/>
+              </a:ext>
+            </a:extLst>
+          </p:cNvPr>
+          <p:cNvSpPr txBox="1"/>
+          <p:nvPr/>
+        </p:nvSpPr>
+        <p:spPr>
+          <a:xfrm>
+            <a:off x="838199" y="1103231"/>
+            <a:ext cx="4972051" cy="954107"/>
+          </a:xfrm>
+          <a:prstGeom prst="rect">
+            <a:avLst/>
+          </a:prstGeom>
+          <a:noFill/>
+        </p:spPr>
+        <p:txBody>
+          <a:bodyPr wrap="square" rtlCol="0">
+            <a:spAutoFit/>
+          </a:bodyPr>
+          <a:lstStyle/>
+          <a:p>
+            <a:pPr marL="285753" indent="-285753">
+              <a:buFont typeface="Arial" panose="020B0604020202020204" pitchFamily="34" charset="0"/>
+              <a:buChar char="•"/>
+            </a:pPr>
+            <a:r>
+              <a:rPr lang="es-ES" sz="2800" u="sng" dirty="0">
+                <a:latin typeface="Times New Roman" panose="02020603050405020304" pitchFamily="18" charset="0"/>
+                <a:cs typeface="Times New Roman" panose="02020603050405020304" pitchFamily="18" charset="0"/>
+              </a:rPr>
+              <a:t>Herramientas (comunicación)</a:t>
+            </a:r>
+          </a:p>
+          <a:p>
+            <a:endParaRPr lang="es-ES" sz="2800" dirty="0"/>
+          </a:p>
+        </p:txBody>
+      </p:sp>
       <p:cxnSp>
         <p:nvCxnSpPr>
-          <p:cNvPr id="5" name="Conector recto 4">
-            <a:extLst>
-              <a:ext uri="{FF2B5EF4-FFF2-40B4-BE49-F238E27FC236}">
-                <a16:creationId xmlns:a16="http://schemas.microsoft.com/office/drawing/2014/main" id="{D257FE62-82CA-6149-8142-1A566D604ED3}"/>
+          <p:cNvPr id="7" name="Conector recto 6">
+            <a:extLst>
+              <a:ext uri="{FF2B5EF4-FFF2-40B4-BE49-F238E27FC236}">
+                <a16:creationId xmlns:a16="http://schemas.microsoft.com/office/drawing/2014/main" id="{23EEF376-EA6E-1B4D-27CF-C39B000CFC47}"/>
               </a:ext>
             </a:extLst>
           </p:cNvPr>
@@ -4269,10 +4325,10 @@
       </p:cxnSp>
       <p:sp>
         <p:nvSpPr>
-          <p:cNvPr id="6" name="CuadroTexto 5">
-            <a:extLst>
-              <a:ext uri="{FF2B5EF4-FFF2-40B4-BE49-F238E27FC236}">
-                <a16:creationId xmlns:a16="http://schemas.microsoft.com/office/drawing/2014/main" id="{8EB412B4-BF18-0778-7E3E-95289E72690B}"/>
+          <p:cNvPr id="8" name="CuadroTexto 7">
+            <a:extLst>
+              <a:ext uri="{FF2B5EF4-FFF2-40B4-BE49-F238E27FC236}">
+                <a16:creationId xmlns:a16="http://schemas.microsoft.com/office/drawing/2014/main" id="{B74EB68C-575E-0F21-35FE-69BDB6732EEE}"/>
               </a:ext>
             </a:extLst>
           </p:cNvPr>
@@ -4310,10 +4366,10 @@
       </p:sp>
       <p:sp>
         <p:nvSpPr>
-          <p:cNvPr id="7" name="CuadroTexto 6">
-            <a:extLst>
-              <a:ext uri="{FF2B5EF4-FFF2-40B4-BE49-F238E27FC236}">
-                <a16:creationId xmlns:a16="http://schemas.microsoft.com/office/drawing/2014/main" id="{2E5128A6-5EEB-2461-6940-CE871A6DF2A1}"/>
+          <p:cNvPr id="9" name="CuadroTexto 8">
+            <a:extLst>
+              <a:ext uri="{FF2B5EF4-FFF2-40B4-BE49-F238E27FC236}">
+                <a16:creationId xmlns:a16="http://schemas.microsoft.com/office/drawing/2014/main" id="{BDD567E8-B310-EFBA-5044-9D595E5225AD}"/>
               </a:ext>
             </a:extLst>
           </p:cNvPr>
@@ -4344,7 +4400,7 @@
                 <a:latin typeface="Times New Roman" panose="02020603050405020304" pitchFamily="18" charset="0"/>
                 <a:cs typeface="Times New Roman" panose="02020603050405020304" pitchFamily="18" charset="0"/>
               </a:rPr>
-              <a:t>Aspectos relevantes</a:t>
+              <a:t>Métodos y herramientas</a:t>
             </a:r>
           </a:p>
         </p:txBody>
@@ -4352,7 +4408,7 @@
     </p:spTree>
     <p:extLst>
       <p:ext uri="{BB962C8B-B14F-4D97-AF65-F5344CB8AC3E}">
-        <p14:creationId xmlns:p14="http://schemas.microsoft.com/office/powerpoint/2010/main" val="3824210248"/>
+        <p14:creationId xmlns:p14="http://schemas.microsoft.com/office/powerpoint/2010/main" val="2160758009"/>
       </p:ext>
     </p:extLst>
   </p:cSld>
@@ -4381,10 +4437,41 @@
       </p:grpSpPr>
       <p:sp>
         <p:nvSpPr>
+          <p:cNvPr id="2" name="Título 1">
+            <a:extLst>
+              <a:ext uri="{FF2B5EF4-FFF2-40B4-BE49-F238E27FC236}">
+                <a16:creationId xmlns:a16="http://schemas.microsoft.com/office/drawing/2014/main" id="{C73C47E1-B090-6E84-2A82-CA7DC3EFED77}"/>
+              </a:ext>
+            </a:extLst>
+          </p:cNvPr>
+          <p:cNvSpPr>
+            <a:spLocks noGrp="1"/>
+          </p:cNvSpPr>
+          <p:nvPr>
+            <p:ph type="title"/>
+          </p:nvPr>
+        </p:nvSpPr>
+        <p:spPr/>
+        <p:txBody>
+          <a:bodyPr/>
+          <a:lstStyle/>
+          <a:p>
+            <a:r>
+              <a:rPr lang="es-ES" dirty="0">
+                <a:latin typeface="Times New Roman" panose="02020603050405020304" pitchFamily="18" charset="0"/>
+                <a:cs typeface="Times New Roman" panose="02020603050405020304" pitchFamily="18" charset="0"/>
+              </a:rPr>
+              <a:t>Aspectos relevantes</a:t>
+            </a:r>
+          </a:p>
+        </p:txBody>
+      </p:sp>
+      <p:sp>
+        <p:nvSpPr>
           <p:cNvPr id="3" name="Marcador de contenido 2">
             <a:extLst>
               <a:ext uri="{FF2B5EF4-FFF2-40B4-BE49-F238E27FC236}">
-                <a16:creationId xmlns:a16="http://schemas.microsoft.com/office/drawing/2014/main" id="{0F13CA4B-BA58-6A14-91CF-876119BFD34D}"/>
+                <a16:creationId xmlns:a16="http://schemas.microsoft.com/office/drawing/2014/main" id="{0E0935B8-DCA6-85AA-5CC5-9424ACE88EE1}"/>
               </a:ext>
             </a:extLst>
           </p:cNvPr>
@@ -4397,124 +4484,41 @@
         </p:nvSpPr>
         <p:spPr>
           <a:xfrm>
-            <a:off x="987136" y="868218"/>
-            <a:ext cx="4904508" cy="581890"/>
+            <a:off x="755072" y="1505961"/>
+            <a:ext cx="4906819" cy="489094"/>
           </a:xfrm>
         </p:spPr>
         <p:txBody>
           <a:bodyPr>
-            <a:normAutofit/>
+            <a:normAutofit fontScale="25000" lnSpcReduction="20000"/>
           </a:bodyPr>
           <a:lstStyle/>
           <a:p>
-            <a:pPr marL="0" lvl="1" indent="0">
+            <a:r>
+              <a:rPr lang="es-ES" sz="9600" u="sng" dirty="0">
+                <a:latin typeface="Times New Roman" panose="02020603050405020304" pitchFamily="18" charset="0"/>
+                <a:cs typeface="Times New Roman" panose="02020603050405020304" pitchFamily="18" charset="0"/>
+              </a:rPr>
+              <a:t>Metodología</a:t>
+            </a:r>
+          </a:p>
+          <a:p>
+            <a:endParaRPr lang="es-ES" u="sng" dirty="0">
+              <a:latin typeface="Times New Roman" panose="02020603050405020304" pitchFamily="18" charset="0"/>
+              <a:cs typeface="Times New Roman" panose="02020603050405020304" pitchFamily="18" charset="0"/>
+            </a:endParaRPr>
+          </a:p>
+          <a:p>
+            <a:pPr marL="0" indent="0">
               <a:buNone/>
             </a:pPr>
             <a:r>
-              <a:rPr lang="es-ES" sz="2600" b="1" dirty="0">
-                <a:latin typeface="Times New Roman" panose="02020603050405020304" pitchFamily="18" charset="0"/>
-                <a:cs typeface="Times New Roman" panose="02020603050405020304" pitchFamily="18" charset="0"/>
-              </a:rPr>
-              <a:t>Arquitectura de la red neuronal</a:t>
-            </a:r>
-          </a:p>
-        </p:txBody>
-      </p:sp>
-      <p:pic>
-        <p:nvPicPr>
-          <p:cNvPr id="4" name="Imagen 3" descr="Tabla&#10;&#10;Descripción generada automáticamente con confianza baja">
-            <a:extLst>
-              <a:ext uri="{FF2B5EF4-FFF2-40B4-BE49-F238E27FC236}">
-                <a16:creationId xmlns:a16="http://schemas.microsoft.com/office/drawing/2014/main" id="{0449CA67-D59D-313E-3F41-61F6D791F04C}"/>
-              </a:ext>
-            </a:extLst>
-          </p:cNvPr>
-          <p:cNvPicPr>
-            <a:picLocks noChangeAspect="1"/>
-          </p:cNvPicPr>
-          <p:nvPr/>
-        </p:nvPicPr>
-        <p:blipFill>
-          <a:blip r:embed="rId2">
-            <a:extLst>
-              <a:ext uri="{28A0092B-C50C-407E-A947-70E740481C1C}">
-                <a14:useLocalDpi xmlns:a14="http://schemas.microsoft.com/office/drawing/2010/main" val="0"/>
-              </a:ext>
-            </a:extLst>
-          </a:blip>
-          <a:srcRect l="23889" r="23889"/>
-          <a:stretch>
-            <a:fillRect/>
-          </a:stretch>
-        </p:blipFill>
-        <p:spPr bwMode="auto">
-          <a:xfrm>
-            <a:off x="7989915" y="286167"/>
-            <a:ext cx="2436388" cy="5671288"/>
-          </a:xfrm>
-          <a:prstGeom prst="rect">
-            <a:avLst/>
-          </a:prstGeom>
-          <a:ln w="38100" cap="sq">
-            <a:solidFill>
-              <a:srgbClr val="000000"/>
-            </a:solidFill>
-            <a:prstDash val="solid"/>
-            <a:miter lim="800000"/>
-          </a:ln>
-          <a:effectLst>
-            <a:outerShdw blurRad="50800" dist="38100" dir="2700000" algn="tl" rotWithShape="0">
-              <a:srgbClr val="000000">
-                <a:alpha val="43000"/>
-              </a:srgbClr>
-            </a:outerShdw>
-          </a:effectLst>
-          <a:extLst>
-            <a:ext uri="{53640926-AAD7-44D8-BBD7-CCE9431645EC}">
-              <a14:shadowObscured xmlns:a14="http://schemas.microsoft.com/office/drawing/2010/main"/>
-            </a:ext>
-          </a:extLst>
-        </p:spPr>
-      </p:pic>
-      <p:sp>
-        <p:nvSpPr>
-          <p:cNvPr id="7" name="CuadroTexto 6">
-            <a:extLst>
-              <a:ext uri="{FF2B5EF4-FFF2-40B4-BE49-F238E27FC236}">
-                <a16:creationId xmlns:a16="http://schemas.microsoft.com/office/drawing/2014/main" id="{801605BC-77C9-B588-9492-BE650EB63B12}"/>
-              </a:ext>
-            </a:extLst>
-          </p:cNvPr>
-          <p:cNvSpPr txBox="1"/>
-          <p:nvPr/>
-        </p:nvSpPr>
-        <p:spPr>
-          <a:xfrm>
-            <a:off x="987136" y="2090172"/>
-            <a:ext cx="5551054" cy="2677656"/>
-          </a:xfrm>
-          <a:prstGeom prst="rect">
-            <a:avLst/>
-          </a:prstGeom>
-          <a:noFill/>
-        </p:spPr>
-        <p:txBody>
-          <a:bodyPr wrap="square" rtlCol="0">
-            <a:spAutoFit/>
-          </a:bodyPr>
-          <a:lstStyle/>
-          <a:p>
-            <a:pPr algn="just"/>
-            <a:r>
-              <a:rPr lang="es-ES" sz="2400" dirty="0">
-                <a:latin typeface="Times New Roman" panose="02020603050405020304" pitchFamily="18" charset="0"/>
-                <a:cs typeface="Times New Roman" panose="02020603050405020304" pitchFamily="18" charset="0"/>
-              </a:rPr>
-              <a:t>La realización de pruebas y la posterior comparación de los resultados de las mismas nos proporcionan los parámetros idóneos para obtener la red neuronal óptima, lo que conlleva un modelo perfeccionado y con mejores resultados.</a:t>
-            </a:r>
-          </a:p>
-          <a:p>
-            <a:pPr algn="just"/>
+              <a:rPr lang="es-ES" dirty="0">
+                <a:latin typeface="Times New Roman" panose="02020603050405020304" pitchFamily="18" charset="0"/>
+                <a:cs typeface="Times New Roman" panose="02020603050405020304" pitchFamily="18" charset="0"/>
+              </a:rPr>
+              <a:t>	</a:t>
+            </a:r>
             <a:endParaRPr lang="es-ES" sz="2400" dirty="0">
               <a:latin typeface="Times New Roman" panose="02020603050405020304" pitchFamily="18" charset="0"/>
               <a:cs typeface="Times New Roman" panose="02020603050405020304" pitchFamily="18" charset="0"/>
@@ -4524,10 +4528,10 @@
       </p:sp>
       <p:cxnSp>
         <p:nvCxnSpPr>
-          <p:cNvPr id="8" name="Conector recto 7">
-            <a:extLst>
-              <a:ext uri="{FF2B5EF4-FFF2-40B4-BE49-F238E27FC236}">
-                <a16:creationId xmlns:a16="http://schemas.microsoft.com/office/drawing/2014/main" id="{5D1BDFE6-FCF6-A92A-8020-9898CF9E9663}"/>
+          <p:cNvPr id="4" name="Conector recto 3">
+            <a:extLst>
+              <a:ext uri="{FF2B5EF4-FFF2-40B4-BE49-F238E27FC236}">
+                <a16:creationId xmlns:a16="http://schemas.microsoft.com/office/drawing/2014/main" id="{46A81AC3-89ED-1BD9-1BE2-720BACBE86D1}"/>
               </a:ext>
             </a:extLst>
           </p:cNvPr>
@@ -4565,10 +4569,10 @@
       </p:cxnSp>
       <p:sp>
         <p:nvSpPr>
-          <p:cNvPr id="9" name="CuadroTexto 8">
-            <a:extLst>
-              <a:ext uri="{FF2B5EF4-FFF2-40B4-BE49-F238E27FC236}">
-                <a16:creationId xmlns:a16="http://schemas.microsoft.com/office/drawing/2014/main" id="{1921EA78-0B97-3B36-6F80-414B5E294B98}"/>
+          <p:cNvPr id="5" name="CuadroTexto 4">
+            <a:extLst>
+              <a:ext uri="{FF2B5EF4-FFF2-40B4-BE49-F238E27FC236}">
+                <a16:creationId xmlns:a16="http://schemas.microsoft.com/office/drawing/2014/main" id="{994103F3-5C09-B9FE-6634-F48C9B046CBB}"/>
               </a:ext>
             </a:extLst>
           </p:cNvPr>
@@ -4577,8 +4581,8 @@
         </p:nvSpPr>
         <p:spPr>
           <a:xfrm>
-            <a:off x="11219873" y="6345382"/>
-            <a:ext cx="434109" cy="369332"/>
+            <a:off x="11231418" y="6345383"/>
+            <a:ext cx="452582" cy="369332"/>
           </a:xfrm>
           <a:prstGeom prst="rect">
             <a:avLst/>
@@ -4606,10 +4610,10 @@
       </p:sp>
       <p:sp>
         <p:nvSpPr>
-          <p:cNvPr id="10" name="CuadroTexto 9">
-            <a:extLst>
-              <a:ext uri="{FF2B5EF4-FFF2-40B4-BE49-F238E27FC236}">
-                <a16:creationId xmlns:a16="http://schemas.microsoft.com/office/drawing/2014/main" id="{8D747912-481A-D4D6-2D64-E36B23077B97}"/>
+          <p:cNvPr id="6" name="CuadroTexto 5">
+            <a:extLst>
+              <a:ext uri="{FF2B5EF4-FFF2-40B4-BE49-F238E27FC236}">
+                <a16:creationId xmlns:a16="http://schemas.microsoft.com/office/drawing/2014/main" id="{45D55A43-9DD2-C46D-1611-A733FD0FFA80}"/>
               </a:ext>
             </a:extLst>
           </p:cNvPr>
@@ -4645,10 +4649,268 @@
           </a:p>
         </p:txBody>
       </p:sp>
+      <p:sp>
+        <p:nvSpPr>
+          <p:cNvPr id="7" name="CuadroTexto 6">
+            <a:extLst>
+              <a:ext uri="{FF2B5EF4-FFF2-40B4-BE49-F238E27FC236}">
+                <a16:creationId xmlns:a16="http://schemas.microsoft.com/office/drawing/2014/main" id="{A564054E-460C-4127-42CD-55A51DAED66D}"/>
+              </a:ext>
+            </a:extLst>
+          </p:cNvPr>
+          <p:cNvSpPr txBox="1"/>
+          <p:nvPr/>
+        </p:nvSpPr>
+        <p:spPr>
+          <a:xfrm>
+            <a:off x="6096000" y="2519326"/>
+            <a:ext cx="5588000" cy="2800767"/>
+          </a:xfrm>
+          <a:prstGeom prst="rect">
+            <a:avLst/>
+          </a:prstGeom>
+          <a:noFill/>
+        </p:spPr>
+        <p:txBody>
+          <a:bodyPr wrap="square" rtlCol="0">
+            <a:spAutoFit/>
+          </a:bodyPr>
+          <a:lstStyle/>
+          <a:p>
+            <a:r>
+              <a:rPr lang="es-ES" sz="2200" b="1" dirty="0">
+                <a:latin typeface="Times New Roman" panose="02020603050405020304" pitchFamily="18" charset="0"/>
+                <a:cs typeface="Times New Roman" panose="02020603050405020304" pitchFamily="18" charset="0"/>
+              </a:rPr>
+              <a:t>División en Sprints de Scrum</a:t>
+            </a:r>
+          </a:p>
+          <a:p>
+            <a:r>
+              <a:rPr lang="es-ES" sz="2200" dirty="0">
+                <a:latin typeface="Times New Roman" panose="02020603050405020304" pitchFamily="18" charset="0"/>
+                <a:cs typeface="Times New Roman" panose="02020603050405020304" pitchFamily="18" charset="0"/>
+              </a:rPr>
+              <a:t>	- Sprints cortos de 15 días</a:t>
+            </a:r>
+          </a:p>
+          <a:p>
+            <a:r>
+              <a:rPr lang="es-ES" sz="2200" dirty="0">
+                <a:latin typeface="Times New Roman" panose="02020603050405020304" pitchFamily="18" charset="0"/>
+                <a:cs typeface="Times New Roman" panose="02020603050405020304" pitchFamily="18" charset="0"/>
+              </a:rPr>
+              <a:t>	- Siguiendo el proceso de desarrollo de 	Design Science</a:t>
+            </a:r>
+          </a:p>
+          <a:p>
+            <a:r>
+              <a:rPr lang="es-ES" sz="2200" dirty="0">
+                <a:latin typeface="Times New Roman" panose="02020603050405020304" pitchFamily="18" charset="0"/>
+                <a:cs typeface="Times New Roman" panose="02020603050405020304" pitchFamily="18" charset="0"/>
+              </a:rPr>
+              <a:t>	- Priorización de tareas del Product 	Backlog</a:t>
+            </a:r>
+          </a:p>
+          <a:p>
+            <a:r>
+              <a:rPr lang="es-ES" sz="2200" dirty="0">
+                <a:latin typeface="Times New Roman" panose="02020603050405020304" pitchFamily="18" charset="0"/>
+                <a:cs typeface="Times New Roman" panose="02020603050405020304" pitchFamily="18" charset="0"/>
+              </a:rPr>
+              <a:t>	- Iterando entre los distintos apartados 	de manera incremental</a:t>
+            </a:r>
+          </a:p>
+        </p:txBody>
+      </p:sp>
+      <p:sp>
+        <p:nvSpPr>
+          <p:cNvPr id="8" name="Rectángulo 7">
+            <a:extLst>
+              <a:ext uri="{FF2B5EF4-FFF2-40B4-BE49-F238E27FC236}">
+                <a16:creationId xmlns:a16="http://schemas.microsoft.com/office/drawing/2014/main" id="{3137F152-42C9-F0A9-6585-B2846A25289B}"/>
+              </a:ext>
+            </a:extLst>
+          </p:cNvPr>
+          <p:cNvSpPr/>
+          <p:nvPr/>
+        </p:nvSpPr>
+        <p:spPr>
+          <a:xfrm>
+            <a:off x="572656" y="2161306"/>
+            <a:ext cx="11360727" cy="3528289"/>
+          </a:xfrm>
+          <a:prstGeom prst="rect">
+            <a:avLst/>
+          </a:prstGeom>
+          <a:noFill/>
+          <a:ln w="12700">
+            <a:solidFill>
+              <a:schemeClr val="tx1"/>
+            </a:solidFill>
+          </a:ln>
+        </p:spPr>
+        <p:style>
+          <a:lnRef idx="2">
+            <a:schemeClr val="accent1">
+              <a:shade val="50000"/>
+            </a:schemeClr>
+          </a:lnRef>
+          <a:fillRef idx="1">
+            <a:schemeClr val="accent1"/>
+          </a:fillRef>
+          <a:effectRef idx="0">
+            <a:schemeClr val="accent1"/>
+          </a:effectRef>
+          <a:fontRef idx="minor">
+            <a:schemeClr val="lt1"/>
+          </a:fontRef>
+        </p:style>
+        <p:txBody>
+          <a:bodyPr rtlCol="0" anchor="ctr"/>
+          <a:lstStyle/>
+          <a:p>
+            <a:pPr algn="ctr"/>
+            <a:endParaRPr lang="es-ES"/>
+          </a:p>
+        </p:txBody>
+      </p:sp>
+      <p:sp>
+        <p:nvSpPr>
+          <p:cNvPr id="9" name="CuadroTexto 8">
+            <a:extLst>
+              <a:ext uri="{FF2B5EF4-FFF2-40B4-BE49-F238E27FC236}">
+                <a16:creationId xmlns:a16="http://schemas.microsoft.com/office/drawing/2014/main" id="{A8A5E360-EC8A-D843-92B4-BF553D85E066}"/>
+              </a:ext>
+            </a:extLst>
+          </p:cNvPr>
+          <p:cNvSpPr txBox="1"/>
+          <p:nvPr/>
+        </p:nvSpPr>
+        <p:spPr>
+          <a:xfrm>
+            <a:off x="834735" y="2555843"/>
+            <a:ext cx="4747491" cy="2739211"/>
+          </a:xfrm>
+          <a:prstGeom prst="rect">
+            <a:avLst/>
+          </a:prstGeom>
+          <a:noFill/>
+        </p:spPr>
+        <p:txBody>
+          <a:bodyPr wrap="square" rtlCol="0">
+            <a:spAutoFit/>
+          </a:bodyPr>
+          <a:lstStyle/>
+          <a:p>
+            <a:r>
+              <a:rPr lang="es-ES" sz="2200" b="1" dirty="0">
+                <a:latin typeface="Times New Roman" panose="02020603050405020304" pitchFamily="18" charset="0"/>
+                <a:cs typeface="Times New Roman" panose="02020603050405020304" pitchFamily="18" charset="0"/>
+              </a:rPr>
+              <a:t>Aplicación de Design Science</a:t>
+            </a:r>
+          </a:p>
+          <a:p>
+            <a:r>
+              <a:rPr lang="es-ES" sz="2200" dirty="0">
+                <a:latin typeface="Times New Roman" panose="02020603050405020304" pitchFamily="18" charset="0"/>
+                <a:cs typeface="Times New Roman" panose="02020603050405020304" pitchFamily="18" charset="0"/>
+              </a:rPr>
+              <a:t>	- Identificación del problema</a:t>
+            </a:r>
+          </a:p>
+          <a:p>
+            <a:r>
+              <a:rPr lang="es-ES" sz="2200" dirty="0">
+                <a:latin typeface="Times New Roman" panose="02020603050405020304" pitchFamily="18" charset="0"/>
+                <a:cs typeface="Times New Roman" panose="02020603050405020304" pitchFamily="18" charset="0"/>
+              </a:rPr>
+              <a:t>	- Objetivos de la solución</a:t>
+            </a:r>
+          </a:p>
+          <a:p>
+            <a:r>
+              <a:rPr lang="es-ES" sz="2200" dirty="0">
+                <a:latin typeface="Times New Roman" panose="02020603050405020304" pitchFamily="18" charset="0"/>
+                <a:cs typeface="Times New Roman" panose="02020603050405020304" pitchFamily="18" charset="0"/>
+              </a:rPr>
+              <a:t>	- Diseño y desarrollo</a:t>
+            </a:r>
+          </a:p>
+          <a:p>
+            <a:r>
+              <a:rPr lang="es-ES" sz="2200" dirty="0">
+                <a:latin typeface="Times New Roman" panose="02020603050405020304" pitchFamily="18" charset="0"/>
+                <a:cs typeface="Times New Roman" panose="02020603050405020304" pitchFamily="18" charset="0"/>
+              </a:rPr>
+              <a:t>	- Demonstración</a:t>
+            </a:r>
+          </a:p>
+          <a:p>
+            <a:r>
+              <a:rPr lang="es-ES" sz="2200" dirty="0">
+                <a:latin typeface="Times New Roman" panose="02020603050405020304" pitchFamily="18" charset="0"/>
+                <a:cs typeface="Times New Roman" panose="02020603050405020304" pitchFamily="18" charset="0"/>
+              </a:rPr>
+              <a:t>	- Evaluación</a:t>
+            </a:r>
+          </a:p>
+          <a:p>
+            <a:r>
+              <a:rPr lang="es-ES" sz="2200" dirty="0">
+                <a:latin typeface="Times New Roman" panose="02020603050405020304" pitchFamily="18" charset="0"/>
+                <a:cs typeface="Times New Roman" panose="02020603050405020304" pitchFamily="18" charset="0"/>
+              </a:rPr>
+              <a:t>	- Comunicación</a:t>
+            </a:r>
+          </a:p>
+          <a:p>
+            <a:endParaRPr lang="es-ES" dirty="0"/>
+          </a:p>
+        </p:txBody>
+      </p:sp>
+      <p:cxnSp>
+        <p:nvCxnSpPr>
+          <p:cNvPr id="11" name="Conector recto 10">
+            <a:extLst>
+              <a:ext uri="{FF2B5EF4-FFF2-40B4-BE49-F238E27FC236}">
+                <a16:creationId xmlns:a16="http://schemas.microsoft.com/office/drawing/2014/main" id="{9F137741-4912-D6A2-0183-FD206FBC119E}"/>
+              </a:ext>
+            </a:extLst>
+          </p:cNvPr>
+          <p:cNvCxnSpPr/>
+          <p:nvPr/>
+        </p:nvCxnSpPr>
+        <p:spPr>
+          <a:xfrm>
+            <a:off x="5661891" y="2161306"/>
+            <a:ext cx="0" cy="3528289"/>
+          </a:xfrm>
+          <a:prstGeom prst="line">
+            <a:avLst/>
+          </a:prstGeom>
+          <a:ln w="12700"/>
+        </p:spPr>
+        <p:style>
+          <a:lnRef idx="1">
+            <a:schemeClr val="dk1"/>
+          </a:lnRef>
+          <a:fillRef idx="0">
+            <a:schemeClr val="dk1"/>
+          </a:fillRef>
+          <a:effectRef idx="0">
+            <a:schemeClr val="dk1"/>
+          </a:effectRef>
+          <a:fontRef idx="minor">
+            <a:schemeClr val="tx1"/>
+          </a:fontRef>
+        </p:style>
+      </p:cxnSp>
     </p:spTree>
     <p:extLst>
       <p:ext uri="{BB962C8B-B14F-4D97-AF65-F5344CB8AC3E}">
-        <p14:creationId xmlns:p14="http://schemas.microsoft.com/office/powerpoint/2010/main" val="1371454935"/>
+        <p14:creationId xmlns:p14="http://schemas.microsoft.com/office/powerpoint/2010/main" val="2718727595"/>
       </p:ext>
     </p:extLst>
   </p:cSld>
@@ -4675,12 +4937,111 @@
           <a:chExt cx="0" cy="0"/>
         </a:xfrm>
       </p:grpSpPr>
+      <p:sp>
+        <p:nvSpPr>
+          <p:cNvPr id="3" name="Marcador de contenido 2">
+            <a:extLst>
+              <a:ext uri="{FF2B5EF4-FFF2-40B4-BE49-F238E27FC236}">
+                <a16:creationId xmlns:a16="http://schemas.microsoft.com/office/drawing/2014/main" id="{23202239-0B1F-A6DD-B954-BAA0AF5F30B0}"/>
+              </a:ext>
+            </a:extLst>
+          </p:cNvPr>
+          <p:cNvSpPr>
+            <a:spLocks noGrp="1"/>
+          </p:cNvSpPr>
+          <p:nvPr>
+            <p:ph idx="1"/>
+          </p:nvPr>
+        </p:nvSpPr>
+        <p:spPr>
+          <a:xfrm>
+            <a:off x="838200" y="997527"/>
+            <a:ext cx="10515600" cy="5179436"/>
+          </a:xfrm>
+        </p:spPr>
+        <p:txBody>
+          <a:bodyPr/>
+          <a:lstStyle/>
+          <a:p>
+            <a:r>
+              <a:rPr lang="es-ES" u="sng" dirty="0">
+                <a:latin typeface="Times New Roman" panose="02020603050405020304" pitchFamily="18" charset="0"/>
+                <a:cs typeface="Times New Roman" panose="02020603050405020304" pitchFamily="18" charset="0"/>
+              </a:rPr>
+              <a:t>Diseño del modelo</a:t>
+            </a:r>
+          </a:p>
+          <a:p>
+            <a:pPr marL="0" indent="0">
+              <a:buNone/>
+            </a:pPr>
+            <a:r>
+              <a:rPr lang="es-ES" sz="2400" b="1" dirty="0">
+                <a:latin typeface="Times New Roman" panose="02020603050405020304" pitchFamily="18" charset="0"/>
+                <a:cs typeface="Times New Roman" panose="02020603050405020304" pitchFamily="18" charset="0"/>
+              </a:rPr>
+              <a:t>Obtención de datos históricos</a:t>
+            </a:r>
+          </a:p>
+          <a:p>
+            <a:pPr marL="0" indent="0" algn="just">
+              <a:buNone/>
+            </a:pPr>
+            <a:r>
+              <a:rPr lang="es-ES" sz="2400" dirty="0">
+                <a:latin typeface="Times New Roman" panose="02020603050405020304" pitchFamily="18" charset="0"/>
+                <a:cs typeface="Times New Roman" panose="02020603050405020304" pitchFamily="18" charset="0"/>
+              </a:rPr>
+              <a:t>Tanto contaminantes como meteorológicos. En la transformación a series temporales, se elige el número de </a:t>
+            </a:r>
+            <a:r>
+              <a:rPr lang="es-ES" sz="2400" i="1" dirty="0">
+                <a:latin typeface="Times New Roman" panose="02020603050405020304" pitchFamily="18" charset="0"/>
+                <a:cs typeface="Times New Roman" panose="02020603050405020304" pitchFamily="18" charset="0"/>
+              </a:rPr>
+              <a:t>lags</a:t>
+            </a:r>
+            <a:r>
+              <a:rPr lang="es-ES" sz="2400" dirty="0">
+                <a:latin typeface="Times New Roman" panose="02020603050405020304" pitchFamily="18" charset="0"/>
+                <a:cs typeface="Times New Roman" panose="02020603050405020304" pitchFamily="18" charset="0"/>
+              </a:rPr>
+              <a:t> y </a:t>
+            </a:r>
+            <a:r>
+              <a:rPr lang="es-ES" sz="2400" i="1" dirty="0" err="1">
+                <a:latin typeface="Times New Roman" panose="02020603050405020304" pitchFamily="18" charset="0"/>
+                <a:cs typeface="Times New Roman" panose="02020603050405020304" pitchFamily="18" charset="0"/>
+              </a:rPr>
+              <a:t>steps</a:t>
+            </a:r>
+            <a:r>
+              <a:rPr lang="es-ES" sz="2400" i="1" dirty="0">
+                <a:latin typeface="Times New Roman" panose="02020603050405020304" pitchFamily="18" charset="0"/>
+                <a:cs typeface="Times New Roman" panose="02020603050405020304" pitchFamily="18" charset="0"/>
+              </a:rPr>
+              <a:t> </a:t>
+            </a:r>
+            <a:r>
+              <a:rPr lang="es-ES" sz="2400" i="1" dirty="0" err="1">
+                <a:latin typeface="Times New Roman" panose="02020603050405020304" pitchFamily="18" charset="0"/>
+                <a:cs typeface="Times New Roman" panose="02020603050405020304" pitchFamily="18" charset="0"/>
+              </a:rPr>
+              <a:t>ahead</a:t>
+            </a:r>
+            <a:endParaRPr lang="es-ES" sz="2400" dirty="0">
+              <a:latin typeface="Times New Roman" panose="02020603050405020304" pitchFamily="18" charset="0"/>
+              <a:cs typeface="Times New Roman" panose="02020603050405020304" pitchFamily="18" charset="0"/>
+            </a:endParaRPr>
+          </a:p>
+        </p:txBody>
+      </p:sp>
       <p:pic>
         <p:nvPicPr>
-          <p:cNvPr id="5" name="Imagen 4" descr="Diagrama&#10;&#10;Descripción generada automáticamente">
-            <a:extLst>
-              <a:ext uri="{FF2B5EF4-FFF2-40B4-BE49-F238E27FC236}">
-                <a16:creationId xmlns:a16="http://schemas.microsoft.com/office/drawing/2014/main" id="{242875AD-90FA-F1F9-690E-8FAEED41DA6F}"/>
+          <p:cNvPr id="5" name="Imagen 4" descr="Imagen que contiene interior, computadora, escritorio, tabla&#10;&#10;Descripción generada automáticamente">
+            <a:extLst>
+              <a:ext uri="{FF2B5EF4-FFF2-40B4-BE49-F238E27FC236}">
+                <a16:creationId xmlns:a16="http://schemas.microsoft.com/office/drawing/2014/main" id="{F994101D-E30F-649D-AA9D-66CF993056A5}"/>
               </a:ext>
             </a:extLst>
           </p:cNvPr>
@@ -4690,7 +5051,7 @@
           <p:nvPr/>
         </p:nvPicPr>
         <p:blipFill>
-          <a:blip r:embed="rId2" cstate="print">
+          <a:blip r:embed="rId2">
             <a:extLst>
               <a:ext uri="{28A0092B-C50C-407E-A947-70E740481C1C}">
                 <a14:useLocalDpi xmlns:a14="http://schemas.microsoft.com/office/drawing/2010/main" val="0"/>
@@ -4703,172 +5064,26 @@
         </p:blipFill>
         <p:spPr>
           <a:xfrm>
-            <a:off x="6220690" y="279746"/>
-            <a:ext cx="5029200" cy="2073910"/>
+            <a:off x="919019" y="3081700"/>
+            <a:ext cx="10353963" cy="2550862"/>
           </a:xfrm>
           <a:prstGeom prst="rect">
             <a:avLst/>
           </a:prstGeom>
-        </p:spPr>
-      </p:pic>
-      <p:pic>
-        <p:nvPicPr>
-          <p:cNvPr id="7" name="Gráfico 6">
-            <a:extLst>
-              <a:ext uri="{FF2B5EF4-FFF2-40B4-BE49-F238E27FC236}">
-                <a16:creationId xmlns:a16="http://schemas.microsoft.com/office/drawing/2014/main" id="{B43E4B5E-7651-1CE0-3698-F8B73B00383E}"/>
-              </a:ext>
-            </a:extLst>
-          </p:cNvPr>
-          <p:cNvPicPr>
-            <a:picLocks noChangeAspect="1"/>
-          </p:cNvPicPr>
-          <p:nvPr/>
-        </p:nvPicPr>
-        <p:blipFill>
-          <a:blip r:embed="rId3">
-            <a:extLst>
-              <a:ext uri="{28A0092B-C50C-407E-A947-70E740481C1C}">
-                <a14:useLocalDpi xmlns:a14="http://schemas.microsoft.com/office/drawing/2010/main" val="0"/>
-              </a:ext>
-              <a:ext uri="{96DAC541-7B7A-43D3-8B79-37D633B846F1}">
-                <asvg:svgBlip xmlns:asvg="http://schemas.microsoft.com/office/drawing/2016/SVG/main" r:embed="rId4"/>
-              </a:ext>
-            </a:extLst>
-          </a:blip>
-          <a:stretch>
-            <a:fillRect/>
-          </a:stretch>
-        </p:blipFill>
-        <p:spPr>
-          <a:xfrm>
-            <a:off x="6782939" y="2623289"/>
-            <a:ext cx="3897745" cy="2381955"/>
-          </a:xfrm>
-          <a:prstGeom prst="rect">
-            <a:avLst/>
-          </a:prstGeom>
-        </p:spPr>
-      </p:pic>
-      <p:sp>
-        <p:nvSpPr>
-          <p:cNvPr id="9" name="CuadroTexto 8">
-            <a:extLst>
-              <a:ext uri="{FF2B5EF4-FFF2-40B4-BE49-F238E27FC236}">
-                <a16:creationId xmlns:a16="http://schemas.microsoft.com/office/drawing/2014/main" id="{1EE3976A-5A7D-124C-6822-C6C9A702524D}"/>
-              </a:ext>
-            </a:extLst>
-          </p:cNvPr>
-          <p:cNvSpPr txBox="1"/>
-          <p:nvPr/>
-        </p:nvSpPr>
-        <p:spPr>
-          <a:xfrm>
-            <a:off x="745185" y="575776"/>
-            <a:ext cx="5029199" cy="5262979"/>
-          </a:xfrm>
-          <a:prstGeom prst="rect">
-            <a:avLst/>
-          </a:prstGeom>
-          <a:noFill/>
-        </p:spPr>
-        <p:txBody>
-          <a:bodyPr wrap="square">
-            <a:spAutoFit/>
-          </a:bodyPr>
-          <a:lstStyle/>
-          <a:p>
-            <a:pPr algn="just"/>
-            <a:r>
-              <a:rPr lang="es-ES" sz="2400" dirty="0">
-                <a:latin typeface="Times New Roman" panose="02020603050405020304" pitchFamily="18" charset="0"/>
-                <a:cs typeface="Times New Roman" panose="02020603050405020304" pitchFamily="18" charset="0"/>
-              </a:rPr>
-              <a:t>Existen varios parámetros que forman la arquitectura de la red:</a:t>
-            </a:r>
-          </a:p>
-          <a:p>
-            <a:pPr algn="just"/>
-            <a:endParaRPr lang="es-ES" sz="2400" dirty="0">
-              <a:latin typeface="Times New Roman" panose="02020603050405020304" pitchFamily="18" charset="0"/>
-              <a:cs typeface="Times New Roman" panose="02020603050405020304" pitchFamily="18" charset="0"/>
-            </a:endParaRPr>
-          </a:p>
-          <a:p>
-            <a:pPr marL="285750" indent="-285750" algn="just">
-              <a:buFontTx/>
-              <a:buChar char="-"/>
-            </a:pPr>
-            <a:r>
-              <a:rPr lang="es-ES" sz="2400" dirty="0">
-                <a:latin typeface="Times New Roman" panose="02020603050405020304" pitchFamily="18" charset="0"/>
-                <a:cs typeface="Times New Roman" panose="02020603050405020304" pitchFamily="18" charset="0"/>
-              </a:rPr>
-              <a:t>Capas que la forman, encontramos diferentes tipos y número de neuronas.</a:t>
-            </a:r>
-          </a:p>
-          <a:p>
-            <a:pPr marL="285750" indent="-285750" algn="just">
-              <a:buFontTx/>
-              <a:buChar char="-"/>
-            </a:pPr>
-            <a:r>
-              <a:rPr lang="es-ES" sz="2400" dirty="0">
-                <a:latin typeface="Times New Roman" panose="02020603050405020304" pitchFamily="18" charset="0"/>
-                <a:cs typeface="Times New Roman" panose="02020603050405020304" pitchFamily="18" charset="0"/>
-              </a:rPr>
-              <a:t>Algoritmo de entrenamiento, donde es necesario buscar un balance entre uso de memoria y tiempo de entrenamiento.</a:t>
-            </a:r>
-          </a:p>
-          <a:p>
-            <a:pPr marL="285750" indent="-285750" algn="just">
-              <a:buFontTx/>
-              <a:buChar char="-"/>
-            </a:pPr>
-            <a:r>
-              <a:rPr lang="es-ES" sz="2400" dirty="0">
-                <a:latin typeface="Times New Roman" panose="02020603050405020304" pitchFamily="18" charset="0"/>
-                <a:cs typeface="Times New Roman" panose="02020603050405020304" pitchFamily="18" charset="0"/>
-              </a:rPr>
-              <a:t>Función de coste, hay distintos índices de errores con características que pueden ser útiles o no para el proyecto.</a:t>
-            </a:r>
-          </a:p>
-        </p:txBody>
-      </p:sp>
-      <p:pic>
-        <p:nvPicPr>
-          <p:cNvPr id="11" name="Imagen 10" descr="Texto&#10;&#10;Descripción generada automáticamente">
-            <a:extLst>
-              <a:ext uri="{FF2B5EF4-FFF2-40B4-BE49-F238E27FC236}">
-                <a16:creationId xmlns:a16="http://schemas.microsoft.com/office/drawing/2014/main" id="{C506EC84-8BC1-34BF-87C0-0EF9B598AAB5}"/>
-              </a:ext>
-            </a:extLst>
-          </p:cNvPr>
-          <p:cNvPicPr>
-            <a:picLocks noChangeAspect="1"/>
-          </p:cNvPicPr>
-          <p:nvPr/>
-        </p:nvPicPr>
-        <p:blipFill>
-          <a:blip r:embed="rId5">
-            <a:extLst>
-              <a:ext uri="{28A0092B-C50C-407E-A947-70E740481C1C}">
-                <a14:useLocalDpi xmlns:a14="http://schemas.microsoft.com/office/drawing/2010/main" val="0"/>
-              </a:ext>
-            </a:extLst>
-          </a:blip>
-          <a:stretch>
-            <a:fillRect/>
-          </a:stretch>
-        </p:blipFill>
-        <p:spPr>
-          <a:xfrm>
-            <a:off x="6016807" y="5274877"/>
-            <a:ext cx="5430008" cy="743054"/>
-          </a:xfrm>
-          <a:prstGeom prst="rect">
-            <a:avLst/>
-          </a:prstGeom>
+          <a:ln w="38100" cap="sq">
+            <a:solidFill>
+              <a:srgbClr val="000000"/>
+            </a:solidFill>
+            <a:prstDash val="solid"/>
+            <a:miter lim="800000"/>
+          </a:ln>
+          <a:effectLst>
+            <a:outerShdw blurRad="50800" dist="38100" dir="2700000" algn="tl" rotWithShape="0">
+              <a:srgbClr val="000000">
+                <a:alpha val="43000"/>
+              </a:srgbClr>
+            </a:outerShdw>
+          </a:effectLst>
         </p:spPr>
       </p:pic>
       <p:cxnSp>
@@ -4876,7 +5091,7 @@
           <p:cNvPr id="12" name="Conector recto 11">
             <a:extLst>
               <a:ext uri="{FF2B5EF4-FFF2-40B4-BE49-F238E27FC236}">
-                <a16:creationId xmlns:a16="http://schemas.microsoft.com/office/drawing/2014/main" id="{9FDEB9DE-F1CC-EE77-C417-B274C7BDAF69}"/>
+                <a16:creationId xmlns:a16="http://schemas.microsoft.com/office/drawing/2014/main" id="{FDECA4C9-F2CC-149E-DA29-52A289D4F46D}"/>
               </a:ext>
             </a:extLst>
           </p:cNvPr>
@@ -4917,7 +5132,7 @@
           <p:cNvPr id="13" name="CuadroTexto 12">
             <a:extLst>
               <a:ext uri="{FF2B5EF4-FFF2-40B4-BE49-F238E27FC236}">
-                <a16:creationId xmlns:a16="http://schemas.microsoft.com/office/drawing/2014/main" id="{58608329-1C4F-4826-8C6C-DFC651870104}"/>
+                <a16:creationId xmlns:a16="http://schemas.microsoft.com/office/drawing/2014/main" id="{10D0C899-FC5C-0032-0F29-4C15F1ECE059}"/>
               </a:ext>
             </a:extLst>
           </p:cNvPr>
@@ -4926,8 +5141,8 @@
         </p:nvSpPr>
         <p:spPr>
           <a:xfrm>
-            <a:off x="11219873" y="6345382"/>
-            <a:ext cx="434109" cy="369332"/>
+            <a:off x="11240654" y="6345383"/>
+            <a:ext cx="443345" cy="369332"/>
           </a:xfrm>
           <a:prstGeom prst="rect">
             <a:avLst/>
@@ -4958,7 +5173,7 @@
           <p:cNvPr id="14" name="CuadroTexto 13">
             <a:extLst>
               <a:ext uri="{FF2B5EF4-FFF2-40B4-BE49-F238E27FC236}">
-                <a16:creationId xmlns:a16="http://schemas.microsoft.com/office/drawing/2014/main" id="{CBA6BC73-D697-7F4C-71FE-3BEA02B52189}"/>
+                <a16:creationId xmlns:a16="http://schemas.microsoft.com/office/drawing/2014/main" id="{5F189C49-B7FF-3E0B-EC7F-42691F94ED72}"/>
               </a:ext>
             </a:extLst>
           </p:cNvPr>
@@ -4997,7 +5212,7 @@
     </p:spTree>
     <p:extLst>
       <p:ext uri="{BB962C8B-B14F-4D97-AF65-F5344CB8AC3E}">
-        <p14:creationId xmlns:p14="http://schemas.microsoft.com/office/powerpoint/2010/main" val="4035187825"/>
+        <p14:creationId xmlns:p14="http://schemas.microsoft.com/office/powerpoint/2010/main" val="534640137"/>
       </p:ext>
     </p:extLst>
   </p:cSld>
@@ -5029,7 +5244,7 @@
           <p:cNvPr id="3" name="Marcador de contenido 2">
             <a:extLst>
               <a:ext uri="{FF2B5EF4-FFF2-40B4-BE49-F238E27FC236}">
-                <a16:creationId xmlns:a16="http://schemas.microsoft.com/office/drawing/2014/main" id="{A8040493-18D4-C7C4-E8E5-1E80551321F5}"/>
+                <a16:creationId xmlns:a16="http://schemas.microsoft.com/office/drawing/2014/main" id="{B1D3C8EE-916A-B01F-8E3F-D4B505354946}"/>
               </a:ext>
             </a:extLst>
           </p:cNvPr>
@@ -5042,8 +5257,572 @@
         </p:nvSpPr>
         <p:spPr>
           <a:xfrm>
-            <a:off x="755072" y="1469303"/>
-            <a:ext cx="5257800" cy="4351338"/>
+            <a:off x="838200" y="923636"/>
+            <a:ext cx="10515600" cy="5253327"/>
+          </a:xfrm>
+        </p:spPr>
+        <p:txBody>
+          <a:bodyPr/>
+          <a:lstStyle/>
+          <a:p>
+            <a:pPr marL="0" indent="0">
+              <a:buNone/>
+            </a:pPr>
+            <a:r>
+              <a:rPr lang="es-ES" sz="2400" dirty="0">
+                <a:latin typeface="Times New Roman" panose="02020603050405020304" pitchFamily="18" charset="0"/>
+                <a:cs typeface="Times New Roman" panose="02020603050405020304" pitchFamily="18" charset="0"/>
+              </a:rPr>
+              <a:t>A partir de este conjunto de datos ya podemos obtener información útil como por ejemplo las correlaciones entre las variables de entrada y de salida</a:t>
+            </a:r>
+          </a:p>
+          <a:p>
+            <a:endParaRPr lang="es-ES" dirty="0"/>
+          </a:p>
+          <a:p>
+            <a:pPr marL="0" indent="0">
+              <a:buNone/>
+            </a:pPr>
+            <a:endParaRPr lang="es-ES" dirty="0"/>
+          </a:p>
+        </p:txBody>
+      </p:sp>
+      <p:pic>
+        <p:nvPicPr>
+          <p:cNvPr id="4" name="Imagen 3" descr="Gráfico&#10;&#10;Descripción generada automáticamente">
+            <a:extLst>
+              <a:ext uri="{FF2B5EF4-FFF2-40B4-BE49-F238E27FC236}">
+                <a16:creationId xmlns:a16="http://schemas.microsoft.com/office/drawing/2014/main" id="{949403FB-4054-2DEB-0CF2-8F450F688A6B}"/>
+              </a:ext>
+            </a:extLst>
+          </p:cNvPr>
+          <p:cNvPicPr>
+            <a:picLocks noChangeAspect="1"/>
+          </p:cNvPicPr>
+          <p:nvPr/>
+        </p:nvPicPr>
+        <p:blipFill rotWithShape="1">
+          <a:blip r:embed="rId2">
+            <a:extLst>
+              <a:ext uri="{28A0092B-C50C-407E-A947-70E740481C1C}">
+                <a14:useLocalDpi xmlns:a14="http://schemas.microsoft.com/office/drawing/2010/main" val="0"/>
+              </a:ext>
+            </a:extLst>
+          </a:blip>
+          <a:srcRect l="7394" t="4447" b="5698"/>
+          <a:stretch/>
+        </p:blipFill>
+        <p:spPr bwMode="auto">
+          <a:xfrm>
+            <a:off x="4137889" y="1992907"/>
+            <a:ext cx="3482109" cy="3941457"/>
+          </a:xfrm>
+          <a:prstGeom prst="rect">
+            <a:avLst/>
+          </a:prstGeom>
+          <a:ln w="38100" cap="sq">
+            <a:solidFill>
+              <a:srgbClr val="000000"/>
+            </a:solidFill>
+            <a:prstDash val="solid"/>
+            <a:miter lim="800000"/>
+          </a:ln>
+          <a:effectLst>
+            <a:outerShdw blurRad="50800" dist="38100" dir="2700000" algn="tl" rotWithShape="0">
+              <a:srgbClr val="000000">
+                <a:alpha val="43000"/>
+              </a:srgbClr>
+            </a:outerShdw>
+          </a:effectLst>
+          <a:extLst>
+            <a:ext uri="{53640926-AAD7-44D8-BBD7-CCE9431645EC}">
+              <a14:shadowObscured xmlns:a14="http://schemas.microsoft.com/office/drawing/2010/main"/>
+            </a:ext>
+          </a:extLst>
+        </p:spPr>
+      </p:pic>
+      <p:cxnSp>
+        <p:nvCxnSpPr>
+          <p:cNvPr id="5" name="Conector recto 4">
+            <a:extLst>
+              <a:ext uri="{FF2B5EF4-FFF2-40B4-BE49-F238E27FC236}">
+                <a16:creationId xmlns:a16="http://schemas.microsoft.com/office/drawing/2014/main" id="{D257FE62-82CA-6149-8142-1A566D604ED3}"/>
+              </a:ext>
+            </a:extLst>
+          </p:cNvPr>
+          <p:cNvCxnSpPr/>
+          <p:nvPr/>
+        </p:nvCxnSpPr>
+        <p:spPr>
+          <a:xfrm>
+            <a:off x="838199" y="6354618"/>
+            <a:ext cx="10716492" cy="0"/>
+          </a:xfrm>
+          <a:prstGeom prst="line">
+            <a:avLst/>
+          </a:prstGeom>
+          <a:ln w="38100">
+            <a:solidFill>
+              <a:srgbClr val="C00000"/>
+            </a:solidFill>
+          </a:ln>
+        </p:spPr>
+        <p:style>
+          <a:lnRef idx="1">
+            <a:schemeClr val="accent1"/>
+          </a:lnRef>
+          <a:fillRef idx="0">
+            <a:schemeClr val="accent1"/>
+          </a:fillRef>
+          <a:effectRef idx="0">
+            <a:schemeClr val="accent1"/>
+          </a:effectRef>
+          <a:fontRef idx="minor">
+            <a:schemeClr val="tx1"/>
+          </a:fontRef>
+        </p:style>
+      </p:cxnSp>
+      <p:sp>
+        <p:nvSpPr>
+          <p:cNvPr id="6" name="CuadroTexto 5">
+            <a:extLst>
+              <a:ext uri="{FF2B5EF4-FFF2-40B4-BE49-F238E27FC236}">
+                <a16:creationId xmlns:a16="http://schemas.microsoft.com/office/drawing/2014/main" id="{8EB412B4-BF18-0778-7E3E-95289E72690B}"/>
+              </a:ext>
+            </a:extLst>
+          </p:cNvPr>
+          <p:cNvSpPr txBox="1"/>
+          <p:nvPr/>
+        </p:nvSpPr>
+        <p:spPr>
+          <a:xfrm>
+            <a:off x="11240654" y="6345383"/>
+            <a:ext cx="443345" cy="369332"/>
+          </a:xfrm>
+          <a:prstGeom prst="rect">
+            <a:avLst/>
+          </a:prstGeom>
+          <a:noFill/>
+        </p:spPr>
+        <p:txBody>
+          <a:bodyPr wrap="square" rtlCol="0">
+            <a:spAutoFit/>
+          </a:bodyPr>
+          <a:lstStyle/>
+          <a:p>
+            <a:r>
+              <a:rPr lang="es-ES" dirty="0">
+                <a:solidFill>
+                  <a:srgbClr val="C00000"/>
+                </a:solidFill>
+                <a:latin typeface="Times New Roman" panose="02020603050405020304" pitchFamily="18" charset="0"/>
+                <a:cs typeface="Times New Roman" panose="02020603050405020304" pitchFamily="18" charset="0"/>
+              </a:rPr>
+              <a:t>12</a:t>
+            </a:r>
+          </a:p>
+        </p:txBody>
+      </p:sp>
+      <p:sp>
+        <p:nvSpPr>
+          <p:cNvPr id="7" name="CuadroTexto 6">
+            <a:extLst>
+              <a:ext uri="{FF2B5EF4-FFF2-40B4-BE49-F238E27FC236}">
+                <a16:creationId xmlns:a16="http://schemas.microsoft.com/office/drawing/2014/main" id="{2E5128A6-5EEB-2461-6940-CE871A6DF2A1}"/>
+              </a:ext>
+            </a:extLst>
+          </p:cNvPr>
+          <p:cNvSpPr txBox="1"/>
+          <p:nvPr/>
+        </p:nvSpPr>
+        <p:spPr>
+          <a:xfrm>
+            <a:off x="755072" y="6366142"/>
+            <a:ext cx="4518892" cy="369332"/>
+          </a:xfrm>
+          <a:prstGeom prst="rect">
+            <a:avLst/>
+          </a:prstGeom>
+          <a:noFill/>
+        </p:spPr>
+        <p:txBody>
+          <a:bodyPr wrap="square" rtlCol="0">
+            <a:spAutoFit/>
+          </a:bodyPr>
+          <a:lstStyle/>
+          <a:p>
+            <a:r>
+              <a:rPr lang="es-ES" dirty="0">
+                <a:solidFill>
+                  <a:srgbClr val="C00000"/>
+                </a:solidFill>
+                <a:latin typeface="Times New Roman" panose="02020603050405020304" pitchFamily="18" charset="0"/>
+                <a:cs typeface="Times New Roman" panose="02020603050405020304" pitchFamily="18" charset="0"/>
+              </a:rPr>
+              <a:t>Aspectos relevantes</a:t>
+            </a:r>
+          </a:p>
+        </p:txBody>
+      </p:sp>
+    </p:spTree>
+    <p:extLst>
+      <p:ext uri="{BB962C8B-B14F-4D97-AF65-F5344CB8AC3E}">
+        <p14:creationId xmlns:p14="http://schemas.microsoft.com/office/powerpoint/2010/main" val="3824210248"/>
+      </p:ext>
+    </p:extLst>
+  </p:cSld>
+  <p:clrMapOvr>
+    <a:masterClrMapping/>
+  </p:clrMapOvr>
+</p:sld>
+</file>
+
+<file path=ppt/slides/slide15.xml><?xml version="1.0" encoding="utf-8"?>
+<p:sld xmlns:a="http://schemas.openxmlformats.org/drawingml/2006/main" xmlns:r="http://schemas.openxmlformats.org/officeDocument/2006/relationships" xmlns:p="http://schemas.openxmlformats.org/presentationml/2006/main">
+  <p:cSld>
+    <p:spTree>
+      <p:nvGrpSpPr>
+        <p:cNvPr id="1" name=""/>
+        <p:cNvGrpSpPr/>
+        <p:nvPr/>
+      </p:nvGrpSpPr>
+      <p:grpSpPr>
+        <a:xfrm>
+          <a:off x="0" y="0"/>
+          <a:ext cx="0" cy="0"/>
+          <a:chOff x="0" y="0"/>
+          <a:chExt cx="0" cy="0"/>
+        </a:xfrm>
+      </p:grpSpPr>
+      <p:pic>
+        <p:nvPicPr>
+          <p:cNvPr id="5" name="Imagen 4" descr="Diagrama&#10;&#10;Descripción generada automáticamente">
+            <a:extLst>
+              <a:ext uri="{FF2B5EF4-FFF2-40B4-BE49-F238E27FC236}">
+                <a16:creationId xmlns:a16="http://schemas.microsoft.com/office/drawing/2014/main" id="{242875AD-90FA-F1F9-690E-8FAEED41DA6F}"/>
+              </a:ext>
+            </a:extLst>
+          </p:cNvPr>
+          <p:cNvPicPr>
+            <a:picLocks noChangeAspect="1"/>
+          </p:cNvPicPr>
+          <p:nvPr/>
+        </p:nvPicPr>
+        <p:blipFill>
+          <a:blip r:embed="rId2" cstate="print">
+            <a:extLst>
+              <a:ext uri="{28A0092B-C50C-407E-A947-70E740481C1C}">
+                <a14:useLocalDpi xmlns:a14="http://schemas.microsoft.com/office/drawing/2010/main" val="0"/>
+              </a:ext>
+            </a:extLst>
+          </a:blip>
+          <a:stretch>
+            <a:fillRect/>
+          </a:stretch>
+        </p:blipFill>
+        <p:spPr>
+          <a:xfrm>
+            <a:off x="6220690" y="279746"/>
+            <a:ext cx="5029200" cy="2073910"/>
+          </a:xfrm>
+          <a:prstGeom prst="rect">
+            <a:avLst/>
+          </a:prstGeom>
+        </p:spPr>
+      </p:pic>
+      <p:pic>
+        <p:nvPicPr>
+          <p:cNvPr id="7" name="Gráfico 6">
+            <a:extLst>
+              <a:ext uri="{FF2B5EF4-FFF2-40B4-BE49-F238E27FC236}">
+                <a16:creationId xmlns:a16="http://schemas.microsoft.com/office/drawing/2014/main" id="{B43E4B5E-7651-1CE0-3698-F8B73B00383E}"/>
+              </a:ext>
+            </a:extLst>
+          </p:cNvPr>
+          <p:cNvPicPr>
+            <a:picLocks noChangeAspect="1"/>
+          </p:cNvPicPr>
+          <p:nvPr/>
+        </p:nvPicPr>
+        <p:blipFill>
+          <a:blip r:embed="rId3">
+            <a:extLst>
+              <a:ext uri="{28A0092B-C50C-407E-A947-70E740481C1C}">
+                <a14:useLocalDpi xmlns:a14="http://schemas.microsoft.com/office/drawing/2010/main" val="0"/>
+              </a:ext>
+              <a:ext uri="{96DAC541-7B7A-43D3-8B79-37D633B846F1}">
+                <asvg:svgBlip xmlns:asvg="http://schemas.microsoft.com/office/drawing/2016/SVG/main" r:embed="rId4"/>
+              </a:ext>
+            </a:extLst>
+          </a:blip>
+          <a:stretch>
+            <a:fillRect/>
+          </a:stretch>
+        </p:blipFill>
+        <p:spPr>
+          <a:xfrm>
+            <a:off x="6782940" y="2623290"/>
+            <a:ext cx="3897745" cy="2381955"/>
+          </a:xfrm>
+          <a:prstGeom prst="rect">
+            <a:avLst/>
+          </a:prstGeom>
+        </p:spPr>
+      </p:pic>
+      <p:sp>
+        <p:nvSpPr>
+          <p:cNvPr id="9" name="CuadroTexto 8">
+            <a:extLst>
+              <a:ext uri="{FF2B5EF4-FFF2-40B4-BE49-F238E27FC236}">
+                <a16:creationId xmlns:a16="http://schemas.microsoft.com/office/drawing/2014/main" id="{1EE3976A-5A7D-124C-6822-C6C9A702524D}"/>
+              </a:ext>
+            </a:extLst>
+          </p:cNvPr>
+          <p:cNvSpPr txBox="1"/>
+          <p:nvPr/>
+        </p:nvSpPr>
+        <p:spPr>
+          <a:xfrm>
+            <a:off x="987136" y="2332703"/>
+            <a:ext cx="4674740" cy="1569660"/>
+          </a:xfrm>
+          <a:prstGeom prst="rect">
+            <a:avLst/>
+          </a:prstGeom>
+          <a:noFill/>
+        </p:spPr>
+        <p:txBody>
+          <a:bodyPr wrap="square">
+            <a:spAutoFit/>
+          </a:bodyPr>
+          <a:lstStyle/>
+          <a:p>
+            <a:pPr algn="just"/>
+            <a:endParaRPr lang="es-ES" sz="2400" dirty="0">
+              <a:latin typeface="Times New Roman" panose="02020603050405020304" pitchFamily="18" charset="0"/>
+              <a:cs typeface="Times New Roman" panose="02020603050405020304" pitchFamily="18" charset="0"/>
+            </a:endParaRPr>
+          </a:p>
+          <a:p>
+            <a:pPr marL="342900" indent="-342900" algn="just">
+              <a:buFont typeface="Arial" panose="020B0604020202020204" pitchFamily="34" charset="0"/>
+              <a:buChar char="•"/>
+            </a:pPr>
+            <a:r>
+              <a:rPr lang="es-ES" sz="2400" dirty="0">
+                <a:latin typeface="Times New Roman" panose="02020603050405020304" pitchFamily="18" charset="0"/>
+                <a:cs typeface="Times New Roman" panose="02020603050405020304" pitchFamily="18" charset="0"/>
+              </a:rPr>
+              <a:t>Capas </a:t>
+            </a:r>
+          </a:p>
+          <a:p>
+            <a:pPr marL="342900" indent="-342900" algn="just">
+              <a:buFont typeface="Arial" panose="020B0604020202020204" pitchFamily="34" charset="0"/>
+              <a:buChar char="•"/>
+            </a:pPr>
+            <a:r>
+              <a:rPr lang="es-ES" sz="2400" dirty="0">
+                <a:latin typeface="Times New Roman" panose="02020603050405020304" pitchFamily="18" charset="0"/>
+                <a:cs typeface="Times New Roman" panose="02020603050405020304" pitchFamily="18" charset="0"/>
+              </a:rPr>
+              <a:t>Algoritmo de entrenamiento</a:t>
+            </a:r>
+          </a:p>
+          <a:p>
+            <a:pPr marL="342900" indent="-342900" algn="just">
+              <a:buFont typeface="Arial" panose="020B0604020202020204" pitchFamily="34" charset="0"/>
+              <a:buChar char="•"/>
+            </a:pPr>
+            <a:r>
+              <a:rPr lang="es-ES" sz="2400" dirty="0">
+                <a:latin typeface="Times New Roman" panose="02020603050405020304" pitchFamily="18" charset="0"/>
+                <a:cs typeface="Times New Roman" panose="02020603050405020304" pitchFamily="18" charset="0"/>
+              </a:rPr>
+              <a:t>Función de coste</a:t>
+            </a:r>
+          </a:p>
+        </p:txBody>
+      </p:sp>
+      <p:pic>
+        <p:nvPicPr>
+          <p:cNvPr id="11" name="Imagen 10" descr="Texto&#10;&#10;Descripción generada automáticamente">
+            <a:extLst>
+              <a:ext uri="{FF2B5EF4-FFF2-40B4-BE49-F238E27FC236}">
+                <a16:creationId xmlns:a16="http://schemas.microsoft.com/office/drawing/2014/main" id="{C506EC84-8BC1-34BF-87C0-0EF9B598AAB5}"/>
+              </a:ext>
+            </a:extLst>
+          </p:cNvPr>
+          <p:cNvPicPr>
+            <a:picLocks noChangeAspect="1"/>
+          </p:cNvPicPr>
+          <p:nvPr/>
+        </p:nvPicPr>
+        <p:blipFill>
+          <a:blip r:embed="rId5">
+            <a:extLst>
+              <a:ext uri="{28A0092B-C50C-407E-A947-70E740481C1C}">
+                <a14:useLocalDpi xmlns:a14="http://schemas.microsoft.com/office/drawing/2010/main" val="0"/>
+              </a:ext>
+            </a:extLst>
+          </a:blip>
+          <a:stretch>
+            <a:fillRect/>
+          </a:stretch>
+        </p:blipFill>
+        <p:spPr>
+          <a:xfrm>
+            <a:off x="6016807" y="5274877"/>
+            <a:ext cx="5430008" cy="743054"/>
+          </a:xfrm>
+          <a:prstGeom prst="rect">
+            <a:avLst/>
+          </a:prstGeom>
+        </p:spPr>
+      </p:pic>
+      <p:cxnSp>
+        <p:nvCxnSpPr>
+          <p:cNvPr id="12" name="Conector recto 11">
+            <a:extLst>
+              <a:ext uri="{FF2B5EF4-FFF2-40B4-BE49-F238E27FC236}">
+                <a16:creationId xmlns:a16="http://schemas.microsoft.com/office/drawing/2014/main" id="{9FDEB9DE-F1CC-EE77-C417-B274C7BDAF69}"/>
+              </a:ext>
+            </a:extLst>
+          </p:cNvPr>
+          <p:cNvCxnSpPr/>
+          <p:nvPr/>
+        </p:nvCxnSpPr>
+        <p:spPr>
+          <a:xfrm>
+            <a:off x="838199" y="6354618"/>
+            <a:ext cx="10716492" cy="0"/>
+          </a:xfrm>
+          <a:prstGeom prst="line">
+            <a:avLst/>
+          </a:prstGeom>
+          <a:ln w="38100">
+            <a:solidFill>
+              <a:srgbClr val="C00000"/>
+            </a:solidFill>
+          </a:ln>
+        </p:spPr>
+        <p:style>
+          <a:lnRef idx="1">
+            <a:schemeClr val="accent1"/>
+          </a:lnRef>
+          <a:fillRef idx="0">
+            <a:schemeClr val="accent1"/>
+          </a:fillRef>
+          <a:effectRef idx="0">
+            <a:schemeClr val="accent1"/>
+          </a:effectRef>
+          <a:fontRef idx="minor">
+            <a:schemeClr val="tx1"/>
+          </a:fontRef>
+        </p:style>
+      </p:cxnSp>
+      <p:sp>
+        <p:nvSpPr>
+          <p:cNvPr id="13" name="CuadroTexto 12">
+            <a:extLst>
+              <a:ext uri="{FF2B5EF4-FFF2-40B4-BE49-F238E27FC236}">
+                <a16:creationId xmlns:a16="http://schemas.microsoft.com/office/drawing/2014/main" id="{58608329-1C4F-4826-8C6C-DFC651870104}"/>
+              </a:ext>
+            </a:extLst>
+          </p:cNvPr>
+          <p:cNvSpPr txBox="1"/>
+          <p:nvPr/>
+        </p:nvSpPr>
+        <p:spPr>
+          <a:xfrm>
+            <a:off x="11219873" y="6345382"/>
+            <a:ext cx="434109" cy="369332"/>
+          </a:xfrm>
+          <a:prstGeom prst="rect">
+            <a:avLst/>
+          </a:prstGeom>
+          <a:noFill/>
+        </p:spPr>
+        <p:txBody>
+          <a:bodyPr wrap="square" rtlCol="0">
+            <a:spAutoFit/>
+          </a:bodyPr>
+          <a:lstStyle/>
+          <a:p>
+            <a:r>
+              <a:rPr lang="es-ES" dirty="0">
+                <a:solidFill>
+                  <a:srgbClr val="C00000"/>
+                </a:solidFill>
+                <a:latin typeface="Times New Roman" panose="02020603050405020304" pitchFamily="18" charset="0"/>
+                <a:cs typeface="Times New Roman" panose="02020603050405020304" pitchFamily="18" charset="0"/>
+              </a:rPr>
+              <a:t>13</a:t>
+            </a:r>
+          </a:p>
+        </p:txBody>
+      </p:sp>
+      <p:sp>
+        <p:nvSpPr>
+          <p:cNvPr id="14" name="CuadroTexto 13">
+            <a:extLst>
+              <a:ext uri="{FF2B5EF4-FFF2-40B4-BE49-F238E27FC236}">
+                <a16:creationId xmlns:a16="http://schemas.microsoft.com/office/drawing/2014/main" id="{CBA6BC73-D697-7F4C-71FE-3BEA02B52189}"/>
+              </a:ext>
+            </a:extLst>
+          </p:cNvPr>
+          <p:cNvSpPr txBox="1"/>
+          <p:nvPr/>
+        </p:nvSpPr>
+        <p:spPr>
+          <a:xfrm>
+            <a:off x="755072" y="6366142"/>
+            <a:ext cx="4518892" cy="369332"/>
+          </a:xfrm>
+          <a:prstGeom prst="rect">
+            <a:avLst/>
+          </a:prstGeom>
+          <a:noFill/>
+        </p:spPr>
+        <p:txBody>
+          <a:bodyPr wrap="square" rtlCol="0">
+            <a:spAutoFit/>
+          </a:bodyPr>
+          <a:lstStyle/>
+          <a:p>
+            <a:r>
+              <a:rPr lang="es-ES" dirty="0">
+                <a:solidFill>
+                  <a:srgbClr val="C00000"/>
+                </a:solidFill>
+                <a:latin typeface="Times New Roman" panose="02020603050405020304" pitchFamily="18" charset="0"/>
+                <a:cs typeface="Times New Roman" panose="02020603050405020304" pitchFamily="18" charset="0"/>
+              </a:rPr>
+              <a:t>Aspectos relevantes</a:t>
+            </a:r>
+          </a:p>
+        </p:txBody>
+      </p:sp>
+      <p:sp>
+        <p:nvSpPr>
+          <p:cNvPr id="10" name="Marcador de contenido 2">
+            <a:extLst>
+              <a:ext uri="{FF2B5EF4-FFF2-40B4-BE49-F238E27FC236}">
+                <a16:creationId xmlns:a16="http://schemas.microsoft.com/office/drawing/2014/main" id="{92DF79D3-C6A4-204A-0AB6-EFED8F0A48D7}"/>
+              </a:ext>
+            </a:extLst>
+          </p:cNvPr>
+          <p:cNvSpPr>
+            <a:spLocks noGrp="1"/>
+          </p:cNvSpPr>
+          <p:nvPr>
+            <p:ph idx="1"/>
+          </p:nvPr>
+        </p:nvSpPr>
+        <p:spPr>
+          <a:xfrm>
+            <a:off x="987136" y="868218"/>
+            <a:ext cx="4904508" cy="581890"/>
           </a:xfrm>
         </p:spPr>
         <p:txBody>
@@ -5052,6 +5831,328 @@
           </a:bodyPr>
           <a:lstStyle/>
           <a:p>
+            <a:pPr marL="0" lvl="1" indent="0">
+              <a:buNone/>
+            </a:pPr>
+            <a:r>
+              <a:rPr lang="es-ES" sz="2600" b="1" dirty="0">
+                <a:latin typeface="Times New Roman" panose="02020603050405020304" pitchFamily="18" charset="0"/>
+                <a:cs typeface="Times New Roman" panose="02020603050405020304" pitchFamily="18" charset="0"/>
+              </a:rPr>
+              <a:t>Arquitectura de la red neuronal</a:t>
+            </a:r>
+          </a:p>
+        </p:txBody>
+      </p:sp>
+    </p:spTree>
+    <p:extLst>
+      <p:ext uri="{BB962C8B-B14F-4D97-AF65-F5344CB8AC3E}">
+        <p14:creationId xmlns:p14="http://schemas.microsoft.com/office/powerpoint/2010/main" val="4035187825"/>
+      </p:ext>
+    </p:extLst>
+  </p:cSld>
+  <p:clrMapOvr>
+    <a:masterClrMapping/>
+  </p:clrMapOvr>
+</p:sld>
+</file>
+
+<file path=ppt/slides/slide16.xml><?xml version="1.0" encoding="utf-8"?>
+<p:sld xmlns:a="http://schemas.openxmlformats.org/drawingml/2006/main" xmlns:r="http://schemas.openxmlformats.org/officeDocument/2006/relationships" xmlns:p="http://schemas.openxmlformats.org/presentationml/2006/main">
+  <p:cSld>
+    <p:spTree>
+      <p:nvGrpSpPr>
+        <p:cNvPr id="1" name=""/>
+        <p:cNvGrpSpPr/>
+        <p:nvPr/>
+      </p:nvGrpSpPr>
+      <p:grpSpPr>
+        <a:xfrm>
+          <a:off x="0" y="0"/>
+          <a:ext cx="0" cy="0"/>
+          <a:chOff x="0" y="0"/>
+          <a:chExt cx="0" cy="0"/>
+        </a:xfrm>
+      </p:grpSpPr>
+      <p:pic>
+        <p:nvPicPr>
+          <p:cNvPr id="4" name="Imagen 3" descr="Tabla&#10;&#10;Descripción generada automáticamente con confianza baja">
+            <a:hlinkClick r:id="rId2" action="ppaction://hlinkfile"/>
+            <a:extLst>
+              <a:ext uri="{FF2B5EF4-FFF2-40B4-BE49-F238E27FC236}">
+                <a16:creationId xmlns:a16="http://schemas.microsoft.com/office/drawing/2014/main" id="{0449CA67-D59D-313E-3F41-61F6D791F04C}"/>
+              </a:ext>
+            </a:extLst>
+          </p:cNvPr>
+          <p:cNvPicPr>
+            <a:picLocks noChangeAspect="1"/>
+          </p:cNvPicPr>
+          <p:nvPr/>
+        </p:nvPicPr>
+        <p:blipFill>
+          <a:blip r:embed="rId3">
+            <a:extLst>
+              <a:ext uri="{28A0092B-C50C-407E-A947-70E740481C1C}">
+                <a14:useLocalDpi xmlns:a14="http://schemas.microsoft.com/office/drawing/2010/main" val="0"/>
+              </a:ext>
+            </a:extLst>
+          </a:blip>
+          <a:srcRect l="23889" r="23889"/>
+          <a:stretch>
+            <a:fillRect/>
+          </a:stretch>
+        </p:blipFill>
+        <p:spPr bwMode="auto">
+          <a:xfrm>
+            <a:off x="7337198" y="503381"/>
+            <a:ext cx="2320730" cy="5402066"/>
+          </a:xfrm>
+          <a:prstGeom prst="rect">
+            <a:avLst/>
+          </a:prstGeom>
+          <a:ln w="38100" cap="sq">
+            <a:solidFill>
+              <a:srgbClr val="000000"/>
+            </a:solidFill>
+            <a:prstDash val="solid"/>
+            <a:miter lim="800000"/>
+          </a:ln>
+          <a:effectLst>
+            <a:outerShdw blurRad="50800" dist="38100" dir="2700000" algn="tl" rotWithShape="0">
+              <a:srgbClr val="000000">
+                <a:alpha val="43000"/>
+              </a:srgbClr>
+            </a:outerShdw>
+          </a:effectLst>
+          <a:extLst>
+            <a:ext uri="{53640926-AAD7-44D8-BBD7-CCE9431645EC}">
+              <a14:shadowObscured xmlns:a14="http://schemas.microsoft.com/office/drawing/2010/main"/>
+            </a:ext>
+          </a:extLst>
+        </p:spPr>
+      </p:pic>
+      <p:cxnSp>
+        <p:nvCxnSpPr>
+          <p:cNvPr id="8" name="Conector recto 7">
+            <a:extLst>
+              <a:ext uri="{FF2B5EF4-FFF2-40B4-BE49-F238E27FC236}">
+                <a16:creationId xmlns:a16="http://schemas.microsoft.com/office/drawing/2014/main" id="{5D1BDFE6-FCF6-A92A-8020-9898CF9E9663}"/>
+              </a:ext>
+            </a:extLst>
+          </p:cNvPr>
+          <p:cNvCxnSpPr/>
+          <p:nvPr/>
+        </p:nvCxnSpPr>
+        <p:spPr>
+          <a:xfrm>
+            <a:off x="838199" y="6354618"/>
+            <a:ext cx="10716492" cy="0"/>
+          </a:xfrm>
+          <a:prstGeom prst="line">
+            <a:avLst/>
+          </a:prstGeom>
+          <a:ln w="38100">
+            <a:solidFill>
+              <a:srgbClr val="C00000"/>
+            </a:solidFill>
+          </a:ln>
+        </p:spPr>
+        <p:style>
+          <a:lnRef idx="1">
+            <a:schemeClr val="accent1"/>
+          </a:lnRef>
+          <a:fillRef idx="0">
+            <a:schemeClr val="accent1"/>
+          </a:fillRef>
+          <a:effectRef idx="0">
+            <a:schemeClr val="accent1"/>
+          </a:effectRef>
+          <a:fontRef idx="minor">
+            <a:schemeClr val="tx1"/>
+          </a:fontRef>
+        </p:style>
+      </p:cxnSp>
+      <p:sp>
+        <p:nvSpPr>
+          <p:cNvPr id="9" name="CuadroTexto 8">
+            <a:extLst>
+              <a:ext uri="{FF2B5EF4-FFF2-40B4-BE49-F238E27FC236}">
+                <a16:creationId xmlns:a16="http://schemas.microsoft.com/office/drawing/2014/main" id="{1921EA78-0B97-3B36-6F80-414B5E294B98}"/>
+              </a:ext>
+            </a:extLst>
+          </p:cNvPr>
+          <p:cNvSpPr txBox="1"/>
+          <p:nvPr/>
+        </p:nvSpPr>
+        <p:spPr>
+          <a:xfrm>
+            <a:off x="11219873" y="6345382"/>
+            <a:ext cx="434109" cy="369332"/>
+          </a:xfrm>
+          <a:prstGeom prst="rect">
+            <a:avLst/>
+          </a:prstGeom>
+          <a:noFill/>
+        </p:spPr>
+        <p:txBody>
+          <a:bodyPr wrap="square" rtlCol="0">
+            <a:spAutoFit/>
+          </a:bodyPr>
+          <a:lstStyle/>
+          <a:p>
+            <a:r>
+              <a:rPr lang="es-ES" dirty="0">
+                <a:solidFill>
+                  <a:srgbClr val="C00000"/>
+                </a:solidFill>
+                <a:latin typeface="Times New Roman" panose="02020603050405020304" pitchFamily="18" charset="0"/>
+                <a:cs typeface="Times New Roman" panose="02020603050405020304" pitchFamily="18" charset="0"/>
+              </a:rPr>
+              <a:t>14</a:t>
+            </a:r>
+          </a:p>
+        </p:txBody>
+      </p:sp>
+      <p:sp>
+        <p:nvSpPr>
+          <p:cNvPr id="10" name="CuadroTexto 9">
+            <a:extLst>
+              <a:ext uri="{FF2B5EF4-FFF2-40B4-BE49-F238E27FC236}">
+                <a16:creationId xmlns:a16="http://schemas.microsoft.com/office/drawing/2014/main" id="{8D747912-481A-D4D6-2D64-E36B23077B97}"/>
+              </a:ext>
+            </a:extLst>
+          </p:cNvPr>
+          <p:cNvSpPr txBox="1"/>
+          <p:nvPr/>
+        </p:nvSpPr>
+        <p:spPr>
+          <a:xfrm>
+            <a:off x="755072" y="6366142"/>
+            <a:ext cx="4518892" cy="369332"/>
+          </a:xfrm>
+          <a:prstGeom prst="rect">
+            <a:avLst/>
+          </a:prstGeom>
+          <a:noFill/>
+        </p:spPr>
+        <p:txBody>
+          <a:bodyPr wrap="square" rtlCol="0">
+            <a:spAutoFit/>
+          </a:bodyPr>
+          <a:lstStyle/>
+          <a:p>
+            <a:r>
+              <a:rPr lang="es-ES" dirty="0">
+                <a:solidFill>
+                  <a:srgbClr val="C00000"/>
+                </a:solidFill>
+                <a:latin typeface="Times New Roman" panose="02020603050405020304" pitchFamily="18" charset="0"/>
+                <a:cs typeface="Times New Roman" panose="02020603050405020304" pitchFamily="18" charset="0"/>
+              </a:rPr>
+              <a:t>Aspectos relevantes</a:t>
+            </a:r>
+          </a:p>
+        </p:txBody>
+      </p:sp>
+      <p:sp>
+        <p:nvSpPr>
+          <p:cNvPr id="6" name="Marcador de contenido 5">
+            <a:extLst>
+              <a:ext uri="{FF2B5EF4-FFF2-40B4-BE49-F238E27FC236}">
+                <a16:creationId xmlns:a16="http://schemas.microsoft.com/office/drawing/2014/main" id="{178571B5-04E7-7B16-9F16-A1CFF3D56EB7}"/>
+              </a:ext>
+            </a:extLst>
+          </p:cNvPr>
+          <p:cNvSpPr>
+            <a:spLocks noGrp="1"/>
+          </p:cNvSpPr>
+          <p:nvPr>
+            <p:ph idx="1"/>
+          </p:nvPr>
+        </p:nvSpPr>
+        <p:spPr>
+          <a:xfrm>
+            <a:off x="1738913" y="2559860"/>
+            <a:ext cx="3535051" cy="646686"/>
+          </a:xfrm>
+        </p:spPr>
+        <p:txBody>
+          <a:bodyPr>
+            <a:noAutofit/>
+          </a:bodyPr>
+          <a:lstStyle/>
+          <a:p>
+            <a:pPr marL="0" indent="0">
+              <a:buNone/>
+            </a:pPr>
+            <a:r>
+              <a:rPr lang="es-ES" sz="3600" dirty="0">
+                <a:latin typeface="Times New Roman" panose="02020603050405020304" pitchFamily="18" charset="0"/>
+                <a:cs typeface="Times New Roman" panose="02020603050405020304" pitchFamily="18" charset="0"/>
+              </a:rPr>
+              <a:t>Arquitectura final</a:t>
+            </a:r>
+          </a:p>
+        </p:txBody>
+      </p:sp>
+    </p:spTree>
+    <p:extLst>
+      <p:ext uri="{BB962C8B-B14F-4D97-AF65-F5344CB8AC3E}">
+        <p14:creationId xmlns:p14="http://schemas.microsoft.com/office/powerpoint/2010/main" val="1371454935"/>
+      </p:ext>
+    </p:extLst>
+  </p:cSld>
+  <p:clrMapOvr>
+    <a:masterClrMapping/>
+  </p:clrMapOvr>
+</p:sld>
+</file>
+
+<file path=ppt/slides/slide17.xml><?xml version="1.0" encoding="utf-8"?>
+<p:sld xmlns:a="http://schemas.openxmlformats.org/drawingml/2006/main" xmlns:r="http://schemas.openxmlformats.org/officeDocument/2006/relationships" xmlns:p="http://schemas.openxmlformats.org/presentationml/2006/main">
+  <p:cSld>
+    <p:spTree>
+      <p:nvGrpSpPr>
+        <p:cNvPr id="1" name=""/>
+        <p:cNvGrpSpPr/>
+        <p:nvPr/>
+      </p:nvGrpSpPr>
+      <p:grpSpPr>
+        <a:xfrm>
+          <a:off x="0" y="0"/>
+          <a:ext cx="0" cy="0"/>
+          <a:chOff x="0" y="0"/>
+          <a:chExt cx="0" cy="0"/>
+        </a:xfrm>
+      </p:grpSpPr>
+      <p:sp>
+        <p:nvSpPr>
+          <p:cNvPr id="3" name="Marcador de contenido 2">
+            <a:extLst>
+              <a:ext uri="{FF2B5EF4-FFF2-40B4-BE49-F238E27FC236}">
+                <a16:creationId xmlns:a16="http://schemas.microsoft.com/office/drawing/2014/main" id="{A8040493-18D4-C7C4-E8E5-1E80551321F5}"/>
+              </a:ext>
+            </a:extLst>
+          </p:cNvPr>
+          <p:cNvSpPr>
+            <a:spLocks noGrp="1"/>
+          </p:cNvSpPr>
+          <p:nvPr>
+            <p:ph idx="1"/>
+          </p:nvPr>
+        </p:nvSpPr>
+        <p:spPr>
+          <a:xfrm>
+            <a:off x="755072" y="1469303"/>
+            <a:ext cx="5257800" cy="4351338"/>
+          </a:xfrm>
+        </p:spPr>
+        <p:txBody>
+          <a:bodyPr>
+            <a:normAutofit/>
+          </a:bodyPr>
+          <a:lstStyle/>
+          <a:p>
             <a:pPr marL="0" indent="0" algn="just">
               <a:buNone/>
             </a:pPr>
@@ -5060,7 +6161,7 @@
                 <a:latin typeface="Times New Roman" panose="02020603050405020304" pitchFamily="18" charset="0"/>
                 <a:cs typeface="Times New Roman" panose="02020603050405020304" pitchFamily="18" charset="0"/>
               </a:rPr>
-              <a:t>Interfaz web que permita el acceso rápido y fácil a la predicción obtenida, abstrayendo al usuario de aspectos técnicos relacionados con la red neuronal y el modelo.</a:t>
+              <a:t>Interfaz web que permita el acceso rápido y fácil a la predicción obtenida, abstrayendo al usuario de aspectos técnicos relacionados con la red neuronal y el modelo</a:t>
             </a:r>
           </a:p>
           <a:p>
@@ -5081,7 +6182,7 @@
                 <a:latin typeface="Times New Roman" panose="02020603050405020304" pitchFamily="18" charset="0"/>
                 <a:cs typeface="Times New Roman" panose="02020603050405020304" pitchFamily="18" charset="0"/>
               </a:rPr>
-              <a:t>Directrices del diseño: </a:t>
+              <a:t>Directrices del diseño</a:t>
             </a:r>
           </a:p>
           <a:p>
@@ -5091,7 +6192,7 @@
                 <a:latin typeface="Times New Roman" panose="02020603050405020304" pitchFamily="18" charset="0"/>
                 <a:cs typeface="Times New Roman" panose="02020603050405020304" pitchFamily="18" charset="0"/>
               </a:rPr>
-              <a:t>Profesionalidad.</a:t>
+              <a:t>Profesionalidad</a:t>
             </a:r>
           </a:p>
           <a:p>
@@ -5101,7 +6202,7 @@
                 <a:latin typeface="Times New Roman" panose="02020603050405020304" pitchFamily="18" charset="0"/>
                 <a:cs typeface="Times New Roman" panose="02020603050405020304" pitchFamily="18" charset="0"/>
               </a:rPr>
-              <a:t>Claridad.</a:t>
+              <a:t>Claridad</a:t>
             </a:r>
           </a:p>
           <a:p>
@@ -5111,7 +6212,7 @@
                 <a:latin typeface="Times New Roman" panose="02020603050405020304" pitchFamily="18" charset="0"/>
                 <a:cs typeface="Times New Roman" panose="02020603050405020304" pitchFamily="18" charset="0"/>
               </a:rPr>
-              <a:t>Seriedad.</a:t>
+              <a:t>Seriedad</a:t>
             </a:r>
           </a:p>
           <a:p>
@@ -5121,7 +6222,7 @@
                 <a:latin typeface="Times New Roman" panose="02020603050405020304" pitchFamily="18" charset="0"/>
                 <a:cs typeface="Times New Roman" panose="02020603050405020304" pitchFamily="18" charset="0"/>
               </a:rPr>
-              <a:t>Simplicidad.</a:t>
+              <a:t>Simplicidad</a:t>
             </a:r>
           </a:p>
         </p:txBody>
@@ -5318,7 +6419,7 @@
             </a:lvl9pPr>
           </a:lstStyle>
           <a:p>
-            <a:pPr marL="228600" lvl="1"/>
+            <a:pPr marL="228603" lvl="1"/>
             <a:r>
               <a:rPr lang="es-ES" sz="3200" u="sng" dirty="0">
                 <a:latin typeface="Times New Roman" panose="02020603050405020304" pitchFamily="18" charset="0"/>
@@ -5358,7 +6459,7 @@
         </p:blipFill>
         <p:spPr bwMode="auto">
           <a:xfrm>
-            <a:off x="6558627" y="1469303"/>
+            <a:off x="6558628" y="1469303"/>
             <a:ext cx="5072157" cy="3919394"/>
           </a:xfrm>
           <a:prstGeom prst="rect">
@@ -5457,7 +6558,7 @@
                 <a:latin typeface="Times New Roman" panose="02020603050405020304" pitchFamily="18" charset="0"/>
                 <a:cs typeface="Times New Roman" panose="02020603050405020304" pitchFamily="18" charset="0"/>
               </a:rPr>
-              <a:t>12</a:t>
+              <a:t>15</a:t>
             </a:r>
           </a:p>
         </p:txBody>
@@ -5516,7 +6617,7 @@
 </p:sld>
 </file>
 
-<file path=ppt/slides/slide15.xml><?xml version="1.0" encoding="utf-8"?>
+<file path=ppt/slides/slide18.xml><?xml version="1.0" encoding="utf-8"?>
 <p:sld xmlns:a="http://schemas.openxmlformats.org/drawingml/2006/main" xmlns:r="http://schemas.openxmlformats.org/officeDocument/2006/relationships" xmlns:p="http://schemas.openxmlformats.org/presentationml/2006/main">
   <p:cSld>
     <p:spTree>
@@ -5551,7 +6652,7 @@
         </p:nvSpPr>
         <p:spPr>
           <a:xfrm>
-            <a:off x="838200" y="1819563"/>
+            <a:off x="838200" y="1754909"/>
             <a:ext cx="10515600" cy="3886345"/>
           </a:xfrm>
         </p:spPr>
@@ -5570,7 +6671,7 @@
             </a:r>
           </a:p>
           <a:p>
-            <a:pPr marL="457200" lvl="1" indent="0">
+            <a:pPr marL="457206" lvl="1" indent="0">
               <a:buNone/>
             </a:pPr>
             <a:r>
@@ -5587,11 +6688,22 @@
                 <a:latin typeface="Times New Roman" panose="02020603050405020304" pitchFamily="18" charset="0"/>
                 <a:cs typeface="Times New Roman" panose="02020603050405020304" pitchFamily="18" charset="0"/>
               </a:rPr>
-              <a:t>Recogida de datos en tiempo real a través de APIs.</a:t>
-            </a:r>
-          </a:p>
-          <a:p>
-            <a:pPr marL="457200" lvl="1" indent="0">
+              <a:t>Recogida de datos en tiempo real a través de </a:t>
+            </a:r>
+            <a:r>
+              <a:rPr lang="es-ES" sz="2400" dirty="0" err="1">
+                <a:latin typeface="Times New Roman" panose="02020603050405020304" pitchFamily="18" charset="0"/>
+                <a:cs typeface="Times New Roman" panose="02020603050405020304" pitchFamily="18" charset="0"/>
+              </a:rPr>
+              <a:t>APIs</a:t>
+            </a:r>
+            <a:endParaRPr lang="es-ES" sz="2400" dirty="0">
+              <a:latin typeface="Times New Roman" panose="02020603050405020304" pitchFamily="18" charset="0"/>
+              <a:cs typeface="Times New Roman" panose="02020603050405020304" pitchFamily="18" charset="0"/>
+            </a:endParaRPr>
+          </a:p>
+          <a:p>
+            <a:pPr marL="457206" lvl="1" indent="0">
               <a:buNone/>
             </a:pPr>
             <a:r>
@@ -5608,7 +6720,7 @@
                 <a:latin typeface="Times New Roman" panose="02020603050405020304" pitchFamily="18" charset="0"/>
                 <a:cs typeface="Times New Roman" panose="02020603050405020304" pitchFamily="18" charset="0"/>
               </a:rPr>
-              <a:t>Integración del modelo obtenido por medio de ejecutables.</a:t>
+              <a:t>Integración del modelo obtenido por medio de ejecutables</a:t>
             </a:r>
           </a:p>
           <a:p>
@@ -5617,11 +6729,11 @@
                 <a:latin typeface="Times New Roman" panose="02020603050405020304" pitchFamily="18" charset="0"/>
                 <a:cs typeface="Times New Roman" panose="02020603050405020304" pitchFamily="18" charset="0"/>
               </a:rPr>
-              <a:t>Creación de gráficos de barras dinámicos.</a:t>
-            </a:r>
-          </a:p>
-          <a:p>
-            <a:pPr marL="457200" lvl="1" indent="0">
+              <a:t>Creación de gráficos de barras dinámicos</a:t>
+            </a:r>
+          </a:p>
+          <a:p>
+            <a:pPr marL="457206" lvl="1" indent="0">
               <a:buNone/>
             </a:pPr>
             <a:r>
@@ -5861,7 +6973,6 @@
           </a:lstStyle>
           <a:p>
             <a:pPr marL="0" lvl="1" indent="0">
-              <a:buFont typeface="Arial" panose="020B0604020202020204" pitchFamily="34" charset="0"/>
               <a:buNone/>
             </a:pPr>
             <a:r>
@@ -5951,7 +7062,7 @@
                 <a:latin typeface="Times New Roman" panose="02020603050405020304" pitchFamily="18" charset="0"/>
                 <a:cs typeface="Times New Roman" panose="02020603050405020304" pitchFamily="18" charset="0"/>
               </a:rPr>
-              <a:t>13</a:t>
+              <a:t>16</a:t>
             </a:r>
           </a:p>
         </p:txBody>
@@ -6010,7 +7121,7 @@
 </p:sld>
 </file>
 
-<file path=ppt/slides/slide16.xml><?xml version="1.0" encoding="utf-8"?>
+<file path=ppt/slides/slide19.xml><?xml version="1.0" encoding="utf-8"?>
 <p:sld xmlns:a="http://schemas.openxmlformats.org/drawingml/2006/main" xmlns:r="http://schemas.openxmlformats.org/officeDocument/2006/relationships" xmlns:p="http://schemas.openxmlformats.org/presentationml/2006/main">
   <p:cSld>
     <p:spTree>
@@ -6219,7 +7330,7 @@
             </a:lvl9pPr>
           </a:lstStyle>
           <a:p>
-            <a:pPr marL="228600" lvl="1"/>
+            <a:pPr marL="228603" lvl="1"/>
             <a:r>
               <a:rPr lang="es-ES" sz="3200" u="sng" dirty="0">
                 <a:latin typeface="Times New Roman" panose="02020603050405020304" pitchFamily="18" charset="0"/>
@@ -6233,6 +7344,7 @@
       <p:pic>
         <p:nvPicPr>
           <p:cNvPr id="8" name="Imagen 7" descr="Diagrama&#10;&#10;Descripción generada automáticamente">
+            <a:hlinkClick r:id="rId2" action="ppaction://hlinkfile"/>
             <a:extLst>
               <a:ext uri="{FF2B5EF4-FFF2-40B4-BE49-F238E27FC236}">
                 <a16:creationId xmlns:a16="http://schemas.microsoft.com/office/drawing/2014/main" id="{D9B53D53-960D-0074-2628-8561CC361DB8}"/>
@@ -6245,7 +7357,7 @@
           <p:nvPr/>
         </p:nvPicPr>
         <p:blipFill rotWithShape="1">
-          <a:blip r:embed="rId2">
+          <a:blip r:embed="rId3">
             <a:extLst>
               <a:ext uri="{28A0092B-C50C-407E-A947-70E740481C1C}">
                 <a14:useLocalDpi xmlns:a14="http://schemas.microsoft.com/office/drawing/2010/main" val="0"/>
@@ -6257,7 +7369,7 @@
         </p:blipFill>
         <p:spPr bwMode="auto">
           <a:xfrm>
-            <a:off x="3522143" y="1204894"/>
+            <a:off x="3522143" y="1204895"/>
             <a:ext cx="5147714" cy="4789629"/>
           </a:xfrm>
           <a:prstGeom prst="rect">
@@ -6361,7 +7473,7 @@
                 <a:latin typeface="Times New Roman" panose="02020603050405020304" pitchFamily="18" charset="0"/>
                 <a:cs typeface="Times New Roman" panose="02020603050405020304" pitchFamily="18" charset="0"/>
               </a:rPr>
-              <a:t>14</a:t>
+              <a:t>17</a:t>
             </a:r>
           </a:p>
         </p:txBody>
@@ -6420,7 +7532,7 @@
 </p:sld>
 </file>
 
-<file path=ppt/slides/slide17.xml><?xml version="1.0" encoding="utf-8"?>
+<file path=ppt/slides/slide2.xml><?xml version="1.0" encoding="utf-8"?>
 <p:sld xmlns:a="http://schemas.openxmlformats.org/drawingml/2006/main" xmlns:r="http://schemas.openxmlformats.org/officeDocument/2006/relationships" xmlns:p="http://schemas.openxmlformats.org/presentationml/2006/main">
   <p:cSld>
     <p:spTree>
@@ -6442,7 +7554,7 @@
           <p:cNvPr id="2" name="Título 1">
             <a:extLst>
               <a:ext uri="{FF2B5EF4-FFF2-40B4-BE49-F238E27FC236}">
-                <a16:creationId xmlns:a16="http://schemas.microsoft.com/office/drawing/2014/main" id="{43069ECF-8766-E1DC-748A-133FAA865CF0}"/>
+                <a16:creationId xmlns:a16="http://schemas.microsoft.com/office/drawing/2014/main" id="{4C970D07-46F1-F92A-ED4F-D63017B7CC69}"/>
               </a:ext>
             </a:extLst>
           </p:cNvPr>
@@ -6463,7 +7575,7 @@
                 <a:latin typeface="Times New Roman" panose="02020603050405020304" pitchFamily="18" charset="0"/>
                 <a:cs typeface="Times New Roman" panose="02020603050405020304" pitchFamily="18" charset="0"/>
               </a:rPr>
-              <a:t>Resultados</a:t>
+              <a:t>Índice</a:t>
             </a:r>
           </a:p>
         </p:txBody>
@@ -6473,7 +7585,7 @@
           <p:cNvPr id="3" name="Marcador de contenido 2">
             <a:extLst>
               <a:ext uri="{FF2B5EF4-FFF2-40B4-BE49-F238E27FC236}">
-                <a16:creationId xmlns:a16="http://schemas.microsoft.com/office/drawing/2014/main" id="{B83E5185-4B03-4696-2D8A-B7B9CF8C5B45}"/>
+                <a16:creationId xmlns:a16="http://schemas.microsoft.com/office/drawing/2014/main" id="{282E2871-CB4A-AD25-108E-CCF80BD45730}"/>
               </a:ext>
             </a:extLst>
           </p:cNvPr>
@@ -6486,6 +7598,192 @@
         </p:nvSpPr>
         <p:spPr>
           <a:xfrm>
+            <a:off x="1653311" y="1690688"/>
+            <a:ext cx="9864436" cy="4351338"/>
+          </a:xfrm>
+        </p:spPr>
+        <p:txBody>
+          <a:bodyPr>
+            <a:normAutofit/>
+          </a:bodyPr>
+          <a:lstStyle/>
+          <a:p>
+            <a:pPr marL="514356" indent="-514356">
+              <a:buAutoNum type="arabicPeriod"/>
+            </a:pPr>
+            <a:r>
+              <a:rPr lang="es-ES" dirty="0">
+                <a:latin typeface="Times New Roman" panose="02020603050405020304" pitchFamily="18" charset="0"/>
+                <a:cs typeface="Times New Roman" panose="02020603050405020304" pitchFamily="18" charset="0"/>
+              </a:rPr>
+              <a:t>Introducción</a:t>
+            </a:r>
+          </a:p>
+          <a:p>
+            <a:pPr marL="514356" indent="-514356">
+              <a:buAutoNum type="arabicPeriod"/>
+            </a:pPr>
+            <a:r>
+              <a:rPr lang="es-ES" dirty="0">
+                <a:latin typeface="Times New Roman" panose="02020603050405020304" pitchFamily="18" charset="0"/>
+                <a:cs typeface="Times New Roman" panose="02020603050405020304" pitchFamily="18" charset="0"/>
+              </a:rPr>
+              <a:t>Objetivos</a:t>
+            </a:r>
+          </a:p>
+          <a:p>
+            <a:pPr marL="514356" indent="-514356">
+              <a:buAutoNum type="arabicPeriod"/>
+            </a:pPr>
+            <a:r>
+              <a:rPr lang="es-ES" dirty="0">
+                <a:latin typeface="Times New Roman" panose="02020603050405020304" pitchFamily="18" charset="0"/>
+                <a:cs typeface="Times New Roman" panose="02020603050405020304" pitchFamily="18" charset="0"/>
+              </a:rPr>
+              <a:t>Conceptos teóricos</a:t>
+            </a:r>
+          </a:p>
+          <a:p>
+            <a:pPr marL="514356" indent="-514356">
+              <a:buAutoNum type="arabicPeriod"/>
+            </a:pPr>
+            <a:r>
+              <a:rPr lang="es-ES" dirty="0">
+                <a:latin typeface="Times New Roman" panose="02020603050405020304" pitchFamily="18" charset="0"/>
+                <a:cs typeface="Times New Roman" panose="02020603050405020304" pitchFamily="18" charset="0"/>
+              </a:rPr>
+              <a:t>Métodos y herramientas</a:t>
+            </a:r>
+          </a:p>
+          <a:p>
+            <a:pPr marL="514356" indent="-514356">
+              <a:buAutoNum type="arabicPeriod"/>
+            </a:pPr>
+            <a:r>
+              <a:rPr lang="es-ES" dirty="0">
+                <a:latin typeface="Times New Roman" panose="02020603050405020304" pitchFamily="18" charset="0"/>
+                <a:cs typeface="Times New Roman" panose="02020603050405020304" pitchFamily="18" charset="0"/>
+              </a:rPr>
+              <a:t>Aspectos relevantes</a:t>
+            </a:r>
+          </a:p>
+          <a:p>
+            <a:pPr marL="514356" indent="-514356">
+              <a:buAutoNum type="arabicPeriod"/>
+            </a:pPr>
+            <a:r>
+              <a:rPr lang="es-ES" dirty="0">
+                <a:latin typeface="Times New Roman" panose="02020603050405020304" pitchFamily="18" charset="0"/>
+                <a:cs typeface="Times New Roman" panose="02020603050405020304" pitchFamily="18" charset="0"/>
+              </a:rPr>
+              <a:t>Demostración</a:t>
+            </a:r>
+          </a:p>
+          <a:p>
+            <a:pPr marL="514356" indent="-514356">
+              <a:buAutoNum type="arabicPeriod"/>
+            </a:pPr>
+            <a:r>
+              <a:rPr lang="es-ES" dirty="0">
+                <a:latin typeface="Times New Roman" panose="02020603050405020304" pitchFamily="18" charset="0"/>
+                <a:cs typeface="Times New Roman" panose="02020603050405020304" pitchFamily="18" charset="0"/>
+              </a:rPr>
+              <a:t>Resultados</a:t>
+            </a:r>
+          </a:p>
+          <a:p>
+            <a:pPr marL="514356" indent="-514356">
+              <a:buAutoNum type="arabicPeriod"/>
+            </a:pPr>
+            <a:r>
+              <a:rPr lang="es-ES" dirty="0">
+                <a:latin typeface="Times New Roman" panose="02020603050405020304" pitchFamily="18" charset="0"/>
+                <a:cs typeface="Times New Roman" panose="02020603050405020304" pitchFamily="18" charset="0"/>
+              </a:rPr>
+              <a:t>Conclusiones</a:t>
+            </a:r>
+          </a:p>
+        </p:txBody>
+      </p:sp>
+    </p:spTree>
+    <p:extLst>
+      <p:ext uri="{BB962C8B-B14F-4D97-AF65-F5344CB8AC3E}">
+        <p14:creationId xmlns:p14="http://schemas.microsoft.com/office/powerpoint/2010/main" val="2435637241"/>
+      </p:ext>
+    </p:extLst>
+  </p:cSld>
+  <p:clrMapOvr>
+    <a:masterClrMapping/>
+  </p:clrMapOvr>
+</p:sld>
+</file>
+
+<file path=ppt/slides/slide20.xml><?xml version="1.0" encoding="utf-8"?>
+<p:sld xmlns:a="http://schemas.openxmlformats.org/drawingml/2006/main" xmlns:r="http://schemas.openxmlformats.org/officeDocument/2006/relationships" xmlns:p="http://schemas.openxmlformats.org/presentationml/2006/main">
+  <p:cSld>
+    <p:spTree>
+      <p:nvGrpSpPr>
+        <p:cNvPr id="1" name=""/>
+        <p:cNvGrpSpPr/>
+        <p:nvPr/>
+      </p:nvGrpSpPr>
+      <p:grpSpPr>
+        <a:xfrm>
+          <a:off x="0" y="0"/>
+          <a:ext cx="0" cy="0"/>
+          <a:chOff x="0" y="0"/>
+          <a:chExt cx="0" cy="0"/>
+        </a:xfrm>
+      </p:grpSpPr>
+      <p:sp>
+        <p:nvSpPr>
+          <p:cNvPr id="2" name="Título 1">
+            <a:extLst>
+              <a:ext uri="{FF2B5EF4-FFF2-40B4-BE49-F238E27FC236}">
+                <a16:creationId xmlns:a16="http://schemas.microsoft.com/office/drawing/2014/main" id="{43069ECF-8766-E1DC-748A-133FAA865CF0}"/>
+              </a:ext>
+            </a:extLst>
+          </p:cNvPr>
+          <p:cNvSpPr>
+            <a:spLocks noGrp="1"/>
+          </p:cNvSpPr>
+          <p:nvPr>
+            <p:ph type="title"/>
+          </p:nvPr>
+        </p:nvSpPr>
+        <p:spPr/>
+        <p:txBody>
+          <a:bodyPr/>
+          <a:lstStyle/>
+          <a:p>
+            <a:r>
+              <a:rPr lang="es-ES" dirty="0">
+                <a:latin typeface="Times New Roman" panose="02020603050405020304" pitchFamily="18" charset="0"/>
+                <a:cs typeface="Times New Roman" panose="02020603050405020304" pitchFamily="18" charset="0"/>
+              </a:rPr>
+              <a:t>Resultados</a:t>
+            </a:r>
+          </a:p>
+        </p:txBody>
+      </p:sp>
+      <p:sp>
+        <p:nvSpPr>
+          <p:cNvPr id="3" name="Marcador de contenido 2">
+            <a:extLst>
+              <a:ext uri="{FF2B5EF4-FFF2-40B4-BE49-F238E27FC236}">
+                <a16:creationId xmlns:a16="http://schemas.microsoft.com/office/drawing/2014/main" id="{B83E5185-4B03-4696-2D8A-B7B9CF8C5B45}"/>
+              </a:ext>
+            </a:extLst>
+          </p:cNvPr>
+          <p:cNvSpPr>
+            <a:spLocks noGrp="1"/>
+          </p:cNvSpPr>
+          <p:nvPr>
+            <p:ph idx="1"/>
+          </p:nvPr>
+        </p:nvSpPr>
+        <p:spPr>
+          <a:xfrm>
             <a:off x="838200" y="1382566"/>
             <a:ext cx="10515600" cy="4351338"/>
           </a:xfrm>
@@ -6499,7 +7797,7 @@
                 <a:latin typeface="Times New Roman" panose="02020603050405020304" pitchFamily="18" charset="0"/>
                 <a:cs typeface="Times New Roman" panose="02020603050405020304" pitchFamily="18" charset="0"/>
               </a:rPr>
-              <a:t>Niveles de error satisfactorios (siempre menos del 15%).</a:t>
+              <a:t>Niveles de error satisfactorios (siempre menos del 15%)</a:t>
             </a:r>
           </a:p>
         </p:txBody>
@@ -6525,7 +7823,7 @@
           </p:nvPr>
         </p:nvGraphicFramePr>
         <p:xfrm>
-          <a:off x="2717954" y="1852747"/>
+          <a:off x="2717955" y="1852747"/>
           <a:ext cx="6956981" cy="4351336"/>
         </p:xfrm>
         <a:graphic>
@@ -7452,7 +8750,7 @@
                 <a:latin typeface="Times New Roman" panose="02020603050405020304" pitchFamily="18" charset="0"/>
                 <a:cs typeface="Times New Roman" panose="02020603050405020304" pitchFamily="18" charset="0"/>
               </a:rPr>
-              <a:t>15</a:t>
+              <a:t>18</a:t>
             </a:r>
           </a:p>
         </p:txBody>
@@ -7511,7 +8809,210 @@
 </p:sld>
 </file>
 
-<file path=ppt/slides/slide18.xml><?xml version="1.0" encoding="utf-8"?>
+<file path=ppt/slides/slide21.xml><?xml version="1.0" encoding="utf-8"?>
+<p:sld xmlns:a="http://schemas.openxmlformats.org/drawingml/2006/main" xmlns:r="http://schemas.openxmlformats.org/officeDocument/2006/relationships" xmlns:p="http://schemas.openxmlformats.org/presentationml/2006/main">
+  <p:cSld>
+    <p:spTree>
+      <p:nvGrpSpPr>
+        <p:cNvPr id="1" name=""/>
+        <p:cNvGrpSpPr/>
+        <p:nvPr/>
+      </p:nvGrpSpPr>
+      <p:grpSpPr>
+        <a:xfrm>
+          <a:off x="0" y="0"/>
+          <a:ext cx="0" cy="0"/>
+          <a:chOff x="0" y="0"/>
+          <a:chExt cx="0" cy="0"/>
+        </a:xfrm>
+      </p:grpSpPr>
+      <p:cxnSp>
+        <p:nvCxnSpPr>
+          <p:cNvPr id="25" name="Conector recto 24">
+            <a:extLst>
+              <a:ext uri="{FF2B5EF4-FFF2-40B4-BE49-F238E27FC236}">
+                <a16:creationId xmlns:a16="http://schemas.microsoft.com/office/drawing/2014/main" id="{5D1A4635-4AA0-1F3F-5327-9993D5B84D2D}"/>
+              </a:ext>
+            </a:extLst>
+          </p:cNvPr>
+          <p:cNvCxnSpPr/>
+          <p:nvPr/>
+        </p:nvCxnSpPr>
+        <p:spPr>
+          <a:xfrm>
+            <a:off x="838199" y="6354618"/>
+            <a:ext cx="10716492" cy="0"/>
+          </a:xfrm>
+          <a:prstGeom prst="line">
+            <a:avLst/>
+          </a:prstGeom>
+          <a:ln w="38100">
+            <a:solidFill>
+              <a:srgbClr val="C00000"/>
+            </a:solidFill>
+          </a:ln>
+        </p:spPr>
+        <p:style>
+          <a:lnRef idx="1">
+            <a:schemeClr val="accent1"/>
+          </a:lnRef>
+          <a:fillRef idx="0">
+            <a:schemeClr val="accent1"/>
+          </a:fillRef>
+          <a:effectRef idx="0">
+            <a:schemeClr val="accent1"/>
+          </a:effectRef>
+          <a:fontRef idx="minor">
+            <a:schemeClr val="tx1"/>
+          </a:fontRef>
+        </p:style>
+      </p:cxnSp>
+      <p:sp>
+        <p:nvSpPr>
+          <p:cNvPr id="26" name="CuadroTexto 25">
+            <a:extLst>
+              <a:ext uri="{FF2B5EF4-FFF2-40B4-BE49-F238E27FC236}">
+                <a16:creationId xmlns:a16="http://schemas.microsoft.com/office/drawing/2014/main" id="{30AA0546-EF9E-FDE6-2ABD-1503C2B00D04}"/>
+              </a:ext>
+            </a:extLst>
+          </p:cNvPr>
+          <p:cNvSpPr txBox="1"/>
+          <p:nvPr/>
+        </p:nvSpPr>
+        <p:spPr>
+          <a:xfrm>
+            <a:off x="11219873" y="6345382"/>
+            <a:ext cx="434109" cy="369332"/>
+          </a:xfrm>
+          <a:prstGeom prst="rect">
+            <a:avLst/>
+          </a:prstGeom>
+          <a:noFill/>
+        </p:spPr>
+        <p:txBody>
+          <a:bodyPr wrap="square" rtlCol="0">
+            <a:spAutoFit/>
+          </a:bodyPr>
+          <a:lstStyle/>
+          <a:p>
+            <a:r>
+              <a:rPr lang="es-ES" dirty="0">
+                <a:solidFill>
+                  <a:srgbClr val="C00000"/>
+                </a:solidFill>
+                <a:latin typeface="Times New Roman" panose="02020603050405020304" pitchFamily="18" charset="0"/>
+                <a:cs typeface="Times New Roman" panose="02020603050405020304" pitchFamily="18" charset="0"/>
+              </a:rPr>
+              <a:t>19</a:t>
+            </a:r>
+          </a:p>
+        </p:txBody>
+      </p:sp>
+      <p:sp>
+        <p:nvSpPr>
+          <p:cNvPr id="27" name="CuadroTexto 26">
+            <a:extLst>
+              <a:ext uri="{FF2B5EF4-FFF2-40B4-BE49-F238E27FC236}">
+                <a16:creationId xmlns:a16="http://schemas.microsoft.com/office/drawing/2014/main" id="{E20866C3-8A92-6391-9D5E-51F9306B581D}"/>
+              </a:ext>
+            </a:extLst>
+          </p:cNvPr>
+          <p:cNvSpPr txBox="1"/>
+          <p:nvPr/>
+        </p:nvSpPr>
+        <p:spPr>
+          <a:xfrm>
+            <a:off x="755072" y="6366142"/>
+            <a:ext cx="4518892" cy="369332"/>
+          </a:xfrm>
+          <a:prstGeom prst="rect">
+            <a:avLst/>
+          </a:prstGeom>
+          <a:noFill/>
+        </p:spPr>
+        <p:txBody>
+          <a:bodyPr wrap="square" rtlCol="0">
+            <a:spAutoFit/>
+          </a:bodyPr>
+          <a:lstStyle/>
+          <a:p>
+            <a:r>
+              <a:rPr lang="es-ES" dirty="0">
+                <a:solidFill>
+                  <a:srgbClr val="C00000"/>
+                </a:solidFill>
+                <a:latin typeface="Times New Roman" panose="02020603050405020304" pitchFamily="18" charset="0"/>
+                <a:cs typeface="Times New Roman" panose="02020603050405020304" pitchFamily="18" charset="0"/>
+              </a:rPr>
+              <a:t>Resultados</a:t>
+            </a:r>
+          </a:p>
+        </p:txBody>
+      </p:sp>
+      <p:pic>
+        <p:nvPicPr>
+          <p:cNvPr id="3" name="Imagen 2" descr="Gráfico&#10;&#10;Descripción generada automáticamente">
+            <a:extLst>
+              <a:ext uri="{FF2B5EF4-FFF2-40B4-BE49-F238E27FC236}">
+                <a16:creationId xmlns:a16="http://schemas.microsoft.com/office/drawing/2014/main" id="{F399CA01-AFB2-DA1E-17F8-C34615752B0F}"/>
+              </a:ext>
+            </a:extLst>
+          </p:cNvPr>
+          <p:cNvPicPr>
+            <a:picLocks noChangeAspect="1"/>
+          </p:cNvPicPr>
+          <p:nvPr/>
+        </p:nvPicPr>
+        <p:blipFill>
+          <a:blip r:embed="rId2">
+            <a:extLst>
+              <a:ext uri="{28A0092B-C50C-407E-A947-70E740481C1C}">
+                <a14:useLocalDpi xmlns:a14="http://schemas.microsoft.com/office/drawing/2010/main" val="0"/>
+              </a:ext>
+            </a:extLst>
+          </a:blip>
+          <a:stretch>
+            <a:fillRect/>
+          </a:stretch>
+        </p:blipFill>
+        <p:spPr>
+          <a:xfrm>
+            <a:off x="2496000" y="678872"/>
+            <a:ext cx="7200000" cy="4800000"/>
+          </a:xfrm>
+          <a:prstGeom prst="rect">
+            <a:avLst/>
+          </a:prstGeom>
+          <a:ln w="38100" cap="sq">
+            <a:solidFill>
+              <a:srgbClr val="000000"/>
+            </a:solidFill>
+            <a:prstDash val="solid"/>
+            <a:miter lim="800000"/>
+          </a:ln>
+          <a:effectLst>
+            <a:outerShdw blurRad="50800" dist="38100" dir="2700000" algn="tl" rotWithShape="0">
+              <a:srgbClr val="000000">
+                <a:alpha val="43000"/>
+              </a:srgbClr>
+            </a:outerShdw>
+          </a:effectLst>
+        </p:spPr>
+      </p:pic>
+    </p:spTree>
+    <p:extLst>
+      <p:ext uri="{BB962C8B-B14F-4D97-AF65-F5344CB8AC3E}">
+        <p14:creationId xmlns:p14="http://schemas.microsoft.com/office/powerpoint/2010/main" val="171726412"/>
+      </p:ext>
+    </p:extLst>
+  </p:cSld>
+  <p:clrMapOvr>
+    <a:masterClrMapping/>
+  </p:clrMapOvr>
+</p:sld>
+</file>
+
+<file path=ppt/slides/slide22.xml><?xml version="1.0" encoding="utf-8"?>
 <p:sld xmlns:a="http://schemas.openxmlformats.org/drawingml/2006/main" xmlns:r="http://schemas.openxmlformats.org/officeDocument/2006/relationships" xmlns:p="http://schemas.openxmlformats.org/presentationml/2006/main">
   <p:cSld>
     <p:spTree>
@@ -7530,17 +9031,19 @@
       </p:grpSpPr>
       <p:pic>
         <p:nvPicPr>
-          <p:cNvPr id="11" name="Imagen 10" descr="Gráfico&#10;&#10;Descripción generada automáticamente">
-            <a:extLst>
-              <a:ext uri="{FF2B5EF4-FFF2-40B4-BE49-F238E27FC236}">
-                <a16:creationId xmlns:a16="http://schemas.microsoft.com/office/drawing/2014/main" id="{36C29A0F-A8F5-1C13-2D04-301512997C6C}"/>
+          <p:cNvPr id="5" name="Marcador de contenido 4" descr="Gráfico, Histograma&#10;&#10;Descripción generada automáticamente">
+            <a:extLst>
+              <a:ext uri="{FF2B5EF4-FFF2-40B4-BE49-F238E27FC236}">
+                <a16:creationId xmlns:a16="http://schemas.microsoft.com/office/drawing/2014/main" id="{A355695C-4622-1FB5-BACF-2942782B2001}"/>
               </a:ext>
             </a:extLst>
           </p:cNvPr>
           <p:cNvPicPr>
-            <a:picLocks noChangeAspect="1"/>
+            <a:picLocks noGrp="1" noChangeAspect="1"/>
           </p:cNvPicPr>
-          <p:nvPr/>
+          <p:nvPr>
+            <p:ph idx="1"/>
+          </p:nvPr>
         </p:nvPicPr>
         <p:blipFill>
           <a:blip r:embed="rId2">
@@ -7556,92 +9059,34 @@
         </p:blipFill>
         <p:spPr>
           <a:xfrm>
-            <a:off x="810235" y="365703"/>
-            <a:ext cx="5028571" cy="2704762"/>
+            <a:off x="2496000" y="674130"/>
+            <a:ext cx="7200000" cy="4799999"/>
           </a:xfrm>
           <a:prstGeom prst="rect">
             <a:avLst/>
           </a:prstGeom>
-        </p:spPr>
-      </p:pic>
-      <p:pic>
-        <p:nvPicPr>
-          <p:cNvPr id="15" name="Imagen 14" descr="Gráfico&#10;&#10;Descripción generada automáticamente">
-            <a:extLst>
-              <a:ext uri="{FF2B5EF4-FFF2-40B4-BE49-F238E27FC236}">
-                <a16:creationId xmlns:a16="http://schemas.microsoft.com/office/drawing/2014/main" id="{1005A633-2085-7721-3715-BF2D1400B400}"/>
-              </a:ext>
-            </a:extLst>
-          </p:cNvPr>
-          <p:cNvPicPr>
-            <a:picLocks noChangeAspect="1"/>
-          </p:cNvPicPr>
-          <p:nvPr/>
-        </p:nvPicPr>
-        <p:blipFill>
-          <a:blip r:embed="rId3">
-            <a:extLst>
-              <a:ext uri="{28A0092B-C50C-407E-A947-70E740481C1C}">
-                <a14:useLocalDpi xmlns:a14="http://schemas.microsoft.com/office/drawing/2010/main" val="0"/>
-              </a:ext>
-            </a:extLst>
-          </a:blip>
-          <a:stretch>
-            <a:fillRect/>
-          </a:stretch>
-        </p:blipFill>
-        <p:spPr>
-          <a:xfrm>
-            <a:off x="3409361" y="3429000"/>
-            <a:ext cx="5028571" cy="2666667"/>
-          </a:xfrm>
-          <a:prstGeom prst="rect">
-            <a:avLst/>
-          </a:prstGeom>
-        </p:spPr>
-      </p:pic>
-      <p:pic>
-        <p:nvPicPr>
-          <p:cNvPr id="23" name="Imagen 22" descr="Gráfico, Gráfico de líneas&#10;&#10;Descripción generada automáticamente">
-            <a:extLst>
-              <a:ext uri="{FF2B5EF4-FFF2-40B4-BE49-F238E27FC236}">
-                <a16:creationId xmlns:a16="http://schemas.microsoft.com/office/drawing/2014/main" id="{D22497E0-81A9-751B-19CF-7B8E8A412A2C}"/>
-              </a:ext>
-            </a:extLst>
-          </p:cNvPr>
-          <p:cNvPicPr>
-            <a:picLocks noChangeAspect="1"/>
-          </p:cNvPicPr>
-          <p:nvPr/>
-        </p:nvPicPr>
-        <p:blipFill>
-          <a:blip r:embed="rId4">
-            <a:extLst>
-              <a:ext uri="{28A0092B-C50C-407E-A947-70E740481C1C}">
-                <a14:useLocalDpi xmlns:a14="http://schemas.microsoft.com/office/drawing/2010/main" val="0"/>
-              </a:ext>
-            </a:extLst>
-          </a:blip>
-          <a:stretch>
-            <a:fillRect/>
-          </a:stretch>
-        </p:blipFill>
-        <p:spPr>
-          <a:xfrm>
-            <a:off x="6096000" y="365703"/>
-            <a:ext cx="5028571" cy="2695238"/>
-          </a:xfrm>
-          <a:prstGeom prst="rect">
-            <a:avLst/>
-          </a:prstGeom>
+          <a:ln w="38100" cap="sq">
+            <a:solidFill>
+              <a:srgbClr val="000000"/>
+            </a:solidFill>
+            <a:prstDash val="solid"/>
+            <a:miter lim="800000"/>
+          </a:ln>
+          <a:effectLst>
+            <a:outerShdw blurRad="50800" dist="38100" dir="2700000" algn="tl" rotWithShape="0">
+              <a:srgbClr val="000000">
+                <a:alpha val="43000"/>
+              </a:srgbClr>
+            </a:outerShdw>
+          </a:effectLst>
         </p:spPr>
       </p:pic>
       <p:cxnSp>
         <p:nvCxnSpPr>
-          <p:cNvPr id="25" name="Conector recto 24">
-            <a:extLst>
-              <a:ext uri="{FF2B5EF4-FFF2-40B4-BE49-F238E27FC236}">
-                <a16:creationId xmlns:a16="http://schemas.microsoft.com/office/drawing/2014/main" id="{5D1A4635-4AA0-1F3F-5327-9993D5B84D2D}"/>
+          <p:cNvPr id="6" name="Conector recto 5">
+            <a:extLst>
+              <a:ext uri="{FF2B5EF4-FFF2-40B4-BE49-F238E27FC236}">
+                <a16:creationId xmlns:a16="http://schemas.microsoft.com/office/drawing/2014/main" id="{DC5044B1-4072-0695-9107-D4FAB75AEB63}"/>
               </a:ext>
             </a:extLst>
           </p:cNvPr>
@@ -7679,10 +9124,10 @@
       </p:cxnSp>
       <p:sp>
         <p:nvSpPr>
-          <p:cNvPr id="26" name="CuadroTexto 25">
-            <a:extLst>
-              <a:ext uri="{FF2B5EF4-FFF2-40B4-BE49-F238E27FC236}">
-                <a16:creationId xmlns:a16="http://schemas.microsoft.com/office/drawing/2014/main" id="{30AA0546-EF9E-FDE6-2ABD-1503C2B00D04}"/>
+          <p:cNvPr id="7" name="CuadroTexto 6">
+            <a:extLst>
+              <a:ext uri="{FF2B5EF4-FFF2-40B4-BE49-F238E27FC236}">
+                <a16:creationId xmlns:a16="http://schemas.microsoft.com/office/drawing/2014/main" id="{8A33EAC0-81AA-D596-C72A-F130FF959FBC}"/>
               </a:ext>
             </a:extLst>
           </p:cNvPr>
@@ -7713,17 +9158,17 @@
                 <a:latin typeface="Times New Roman" panose="02020603050405020304" pitchFamily="18" charset="0"/>
                 <a:cs typeface="Times New Roman" panose="02020603050405020304" pitchFamily="18" charset="0"/>
               </a:rPr>
-              <a:t>16</a:t>
-            </a:r>
-          </a:p>
-        </p:txBody>
-      </p:sp>
-      <p:sp>
-        <p:nvSpPr>
-          <p:cNvPr id="27" name="CuadroTexto 26">
-            <a:extLst>
-              <a:ext uri="{FF2B5EF4-FFF2-40B4-BE49-F238E27FC236}">
-                <a16:creationId xmlns:a16="http://schemas.microsoft.com/office/drawing/2014/main" id="{E20866C3-8A92-6391-9D5E-51F9306B581D}"/>
+              <a:t>20</a:t>
+            </a:r>
+          </a:p>
+        </p:txBody>
+      </p:sp>
+      <p:sp>
+        <p:nvSpPr>
+          <p:cNvPr id="8" name="CuadroTexto 7">
+            <a:extLst>
+              <a:ext uri="{FF2B5EF4-FFF2-40B4-BE49-F238E27FC236}">
+                <a16:creationId xmlns:a16="http://schemas.microsoft.com/office/drawing/2014/main" id="{D4B69749-799D-2A37-99FA-DB8A55B097D0}"/>
               </a:ext>
             </a:extLst>
           </p:cNvPr>
@@ -7762,7 +9207,7 @@
     </p:spTree>
     <p:extLst>
       <p:ext uri="{BB962C8B-B14F-4D97-AF65-F5344CB8AC3E}">
-        <p14:creationId xmlns:p14="http://schemas.microsoft.com/office/powerpoint/2010/main" val="171726412"/>
+        <p14:creationId xmlns:p14="http://schemas.microsoft.com/office/powerpoint/2010/main" val="4240669184"/>
       </p:ext>
     </p:extLst>
   </p:cSld>
@@ -7772,7 +9217,7 @@
 </p:sld>
 </file>
 
-<file path=ppt/slides/slide19.xml><?xml version="1.0" encoding="utf-8"?>
+<file path=ppt/slides/slide23.xml><?xml version="1.0" encoding="utf-8"?>
 <p:sld xmlns:a="http://schemas.openxmlformats.org/drawingml/2006/main" xmlns:r="http://schemas.openxmlformats.org/officeDocument/2006/relationships" xmlns:p="http://schemas.openxmlformats.org/presentationml/2006/main">
   <p:cSld>
     <p:spTree>
@@ -7789,117 +9234,62 @@
           <a:chExt cx="0" cy="0"/>
         </a:xfrm>
       </p:grpSpPr>
-      <p:sp>
-        <p:nvSpPr>
-          <p:cNvPr id="3" name="Marcador de contenido 2">
-            <a:extLst>
-              <a:ext uri="{FF2B5EF4-FFF2-40B4-BE49-F238E27FC236}">
-                <a16:creationId xmlns:a16="http://schemas.microsoft.com/office/drawing/2014/main" id="{BA053097-E58F-B771-BDB9-F9817A8395BC}"/>
-              </a:ext>
-            </a:extLst>
-          </p:cNvPr>
-          <p:cNvSpPr>
-            <a:spLocks noGrp="1"/>
-          </p:cNvSpPr>
-          <p:nvPr>
-            <p:ph idx="1"/>
-          </p:nvPr>
-        </p:nvSpPr>
-        <p:spPr>
-          <a:xfrm>
-            <a:off x="838200" y="2142835"/>
-            <a:ext cx="10515600" cy="4034127"/>
-          </a:xfrm>
-        </p:spPr>
-        <p:txBody>
-          <a:bodyPr/>
-          <a:lstStyle/>
-          <a:p>
-            <a:pPr algn="just"/>
-            <a:r>
-              <a:rPr lang="es-ES" sz="2400" dirty="0">
-                <a:latin typeface="Times New Roman" panose="02020603050405020304" pitchFamily="18" charset="0"/>
-                <a:cs typeface="Times New Roman" panose="02020603050405020304" pitchFamily="18" charset="0"/>
-              </a:rPr>
-              <a:t>Se ha conseguido un modelo que permite obtener predicciones buenas en Madrid para todos los contaminantes, utilizando la inteligencia artificial y en concreto las redes neuronales.</a:t>
-            </a:r>
-          </a:p>
-          <a:p>
-            <a:pPr algn="just"/>
-            <a:r>
-              <a:rPr lang="es-ES" sz="2400" dirty="0">
-                <a:latin typeface="Times New Roman" panose="02020603050405020304" pitchFamily="18" charset="0"/>
-                <a:cs typeface="Times New Roman" panose="02020603050405020304" pitchFamily="18" charset="0"/>
-              </a:rPr>
-              <a:t>Se ha creado una forma de visualización de los resultados familiar hacia todo tipo de usuarios y centrada en la información.</a:t>
-            </a:r>
-          </a:p>
-          <a:p>
-            <a:pPr algn="just"/>
-            <a:r>
-              <a:rPr lang="es-ES" sz="2400" dirty="0">
-                <a:latin typeface="Times New Roman" panose="02020603050405020304" pitchFamily="18" charset="0"/>
-                <a:cs typeface="Times New Roman" panose="02020603050405020304" pitchFamily="18" charset="0"/>
-              </a:rPr>
-              <a:t>Aplicar una metodología ágil con el apoyo del diseño orientado a la ciencia ha facilitado el desarrollo del proyecto y la toma de decisiones.</a:t>
-            </a:r>
-          </a:p>
-          <a:p>
-            <a:pPr marL="0" indent="0">
-              <a:buNone/>
-            </a:pPr>
-            <a:endParaRPr lang="es-ES" dirty="0">
-              <a:latin typeface="Times New Roman" panose="02020603050405020304" pitchFamily="18" charset="0"/>
-              <a:cs typeface="Times New Roman" panose="02020603050405020304" pitchFamily="18" charset="0"/>
-            </a:endParaRPr>
-          </a:p>
-          <a:p>
-            <a:endParaRPr lang="es-ES" dirty="0"/>
-          </a:p>
-        </p:txBody>
-      </p:sp>
-      <p:sp>
-        <p:nvSpPr>
-          <p:cNvPr id="4" name="Título 1">
-            <a:extLst>
-              <a:ext uri="{FF2B5EF4-FFF2-40B4-BE49-F238E27FC236}">
-                <a16:creationId xmlns:a16="http://schemas.microsoft.com/office/drawing/2014/main" id="{B64E69CF-16F0-E850-E917-38F12EDED0BA}"/>
-              </a:ext>
-            </a:extLst>
-          </p:cNvPr>
-          <p:cNvSpPr>
-            <a:spLocks noGrp="1"/>
-          </p:cNvSpPr>
-          <p:nvPr>
-            <p:ph type="title"/>
-          </p:nvPr>
-        </p:nvSpPr>
-        <p:spPr>
-          <a:xfrm>
-            <a:off x="838200" y="365125"/>
-            <a:ext cx="10515600" cy="1325563"/>
-          </a:xfrm>
-        </p:spPr>
-        <p:txBody>
-          <a:bodyPr/>
-          <a:lstStyle/>
-          <a:p>
-            <a:r>
-              <a:rPr lang="es-ES" dirty="0">
-                <a:latin typeface="Times New Roman" panose="02020603050405020304" pitchFamily="18" charset="0"/>
-                <a:cs typeface="Times New Roman" panose="02020603050405020304" pitchFamily="18" charset="0"/>
-              </a:rPr>
-              <a:t>Conclusiones</a:t>
-            </a:r>
-          </a:p>
-        </p:txBody>
-      </p:sp>
+      <p:pic>
+        <p:nvPicPr>
+          <p:cNvPr id="5" name="Imagen 4" descr="Gráfico&#10;&#10;Descripción generada automáticamente">
+            <a:extLst>
+              <a:ext uri="{FF2B5EF4-FFF2-40B4-BE49-F238E27FC236}">
+                <a16:creationId xmlns:a16="http://schemas.microsoft.com/office/drawing/2014/main" id="{B235EEFA-17CB-BFE5-E54B-F5D7DAFAF53D}"/>
+              </a:ext>
+            </a:extLst>
+          </p:cNvPr>
+          <p:cNvPicPr>
+            <a:picLocks noChangeAspect="1"/>
+          </p:cNvPicPr>
+          <p:nvPr/>
+        </p:nvPicPr>
+        <p:blipFill>
+          <a:blip r:embed="rId2">
+            <a:extLst>
+              <a:ext uri="{28A0092B-C50C-407E-A947-70E740481C1C}">
+                <a14:useLocalDpi xmlns:a14="http://schemas.microsoft.com/office/drawing/2010/main" val="0"/>
+              </a:ext>
+            </a:extLst>
+          </a:blip>
+          <a:stretch>
+            <a:fillRect/>
+          </a:stretch>
+        </p:blipFill>
+        <p:spPr>
+          <a:xfrm>
+            <a:off x="2496000" y="674492"/>
+            <a:ext cx="7200000" cy="4800000"/>
+          </a:xfrm>
+          <a:prstGeom prst="rect">
+            <a:avLst/>
+          </a:prstGeom>
+          <a:ln w="38100" cap="sq">
+            <a:solidFill>
+              <a:srgbClr val="000000"/>
+            </a:solidFill>
+            <a:prstDash val="solid"/>
+            <a:miter lim="800000"/>
+          </a:ln>
+          <a:effectLst>
+            <a:outerShdw blurRad="50800" dist="38100" dir="2700000" algn="tl" rotWithShape="0">
+              <a:srgbClr val="000000">
+                <a:alpha val="43000"/>
+              </a:srgbClr>
+            </a:outerShdw>
+          </a:effectLst>
+        </p:spPr>
+      </p:pic>
       <p:cxnSp>
         <p:nvCxnSpPr>
-          <p:cNvPr id="5" name="Conector recto 4">
-            <a:extLst>
-              <a:ext uri="{FF2B5EF4-FFF2-40B4-BE49-F238E27FC236}">
-                <a16:creationId xmlns:a16="http://schemas.microsoft.com/office/drawing/2014/main" id="{5E4D0FB7-880D-69A9-67D8-C770DBA52C55}"/>
+          <p:cNvPr id="6" name="Conector recto 5">
+            <a:extLst>
+              <a:ext uri="{FF2B5EF4-FFF2-40B4-BE49-F238E27FC236}">
+                <a16:creationId xmlns:a16="http://schemas.microsoft.com/office/drawing/2014/main" id="{BA62FBB7-3E72-7E02-44C7-75C5DDE38D3F}"/>
               </a:ext>
             </a:extLst>
           </p:cNvPr>
@@ -7937,10 +9327,10 @@
       </p:cxnSp>
       <p:sp>
         <p:nvSpPr>
-          <p:cNvPr id="6" name="CuadroTexto 5">
-            <a:extLst>
-              <a:ext uri="{FF2B5EF4-FFF2-40B4-BE49-F238E27FC236}">
-                <a16:creationId xmlns:a16="http://schemas.microsoft.com/office/drawing/2014/main" id="{9EE81433-6111-F00D-2FA2-E098254D6726}"/>
+          <p:cNvPr id="7" name="CuadroTexto 6">
+            <a:extLst>
+              <a:ext uri="{FF2B5EF4-FFF2-40B4-BE49-F238E27FC236}">
+                <a16:creationId xmlns:a16="http://schemas.microsoft.com/office/drawing/2014/main" id="{DCEF7C3E-7114-EDF5-9B32-4793EE521B55}"/>
               </a:ext>
             </a:extLst>
           </p:cNvPr>
@@ -7971,17 +9361,17 @@
                 <a:latin typeface="Times New Roman" panose="02020603050405020304" pitchFamily="18" charset="0"/>
                 <a:cs typeface="Times New Roman" panose="02020603050405020304" pitchFamily="18" charset="0"/>
               </a:rPr>
-              <a:t>17</a:t>
-            </a:r>
-          </a:p>
-        </p:txBody>
-      </p:sp>
-      <p:sp>
-        <p:nvSpPr>
-          <p:cNvPr id="7" name="CuadroTexto 6">
-            <a:extLst>
-              <a:ext uri="{FF2B5EF4-FFF2-40B4-BE49-F238E27FC236}">
-                <a16:creationId xmlns:a16="http://schemas.microsoft.com/office/drawing/2014/main" id="{F7220110-68C2-33C1-059A-862D52E6C536}"/>
+              <a:t>21</a:t>
+            </a:r>
+          </a:p>
+        </p:txBody>
+      </p:sp>
+      <p:sp>
+        <p:nvSpPr>
+          <p:cNvPr id="8" name="CuadroTexto 7">
+            <a:extLst>
+              <a:ext uri="{FF2B5EF4-FFF2-40B4-BE49-F238E27FC236}">
+                <a16:creationId xmlns:a16="http://schemas.microsoft.com/office/drawing/2014/main" id="{969C5E3D-58DE-86A3-05A2-B91A2E22A9BC}"/>
               </a:ext>
             </a:extLst>
           </p:cNvPr>
@@ -8012,7 +9402,7 @@
                 <a:latin typeface="Times New Roman" panose="02020603050405020304" pitchFamily="18" charset="0"/>
                 <a:cs typeface="Times New Roman" panose="02020603050405020304" pitchFamily="18" charset="0"/>
               </a:rPr>
-              <a:t>Conclusiones</a:t>
+              <a:t>Resultados</a:t>
             </a:r>
           </a:p>
         </p:txBody>
@@ -8020,7 +9410,7 @@
     </p:spTree>
     <p:extLst>
       <p:ext uri="{BB962C8B-B14F-4D97-AF65-F5344CB8AC3E}">
-        <p14:creationId xmlns:p14="http://schemas.microsoft.com/office/powerpoint/2010/main" val="2880128807"/>
+        <p14:creationId xmlns:p14="http://schemas.microsoft.com/office/powerpoint/2010/main" val="2430703265"/>
       </p:ext>
     </p:extLst>
   </p:cSld>
@@ -8030,7 +9420,7 @@
 </p:sld>
 </file>
 
-<file path=ppt/slides/slide2.xml><?xml version="1.0" encoding="utf-8"?>
+<file path=ppt/slides/slide24.xml><?xml version="1.0" encoding="utf-8"?>
 <p:sld xmlns:a="http://schemas.openxmlformats.org/drawingml/2006/main" xmlns:r="http://schemas.openxmlformats.org/officeDocument/2006/relationships" xmlns:p="http://schemas.openxmlformats.org/presentationml/2006/main">
   <p:cSld>
     <p:spTree>
@@ -8049,10 +9439,79 @@
       </p:grpSpPr>
       <p:sp>
         <p:nvSpPr>
-          <p:cNvPr id="2" name="Título 1">
-            <a:extLst>
-              <a:ext uri="{FF2B5EF4-FFF2-40B4-BE49-F238E27FC236}">
-                <a16:creationId xmlns:a16="http://schemas.microsoft.com/office/drawing/2014/main" id="{4C970D07-46F1-F92A-ED4F-D63017B7CC69}"/>
+          <p:cNvPr id="3" name="Marcador de contenido 2">
+            <a:extLst>
+              <a:ext uri="{FF2B5EF4-FFF2-40B4-BE49-F238E27FC236}">
+                <a16:creationId xmlns:a16="http://schemas.microsoft.com/office/drawing/2014/main" id="{BA053097-E58F-B771-BDB9-F9817A8395BC}"/>
+              </a:ext>
+            </a:extLst>
+          </p:cNvPr>
+          <p:cNvSpPr>
+            <a:spLocks noGrp="1"/>
+          </p:cNvSpPr>
+          <p:nvPr>
+            <p:ph idx="1"/>
+          </p:nvPr>
+        </p:nvSpPr>
+        <p:spPr>
+          <a:xfrm>
+            <a:off x="838200" y="2142836"/>
+            <a:ext cx="10515600" cy="4034127"/>
+          </a:xfrm>
+        </p:spPr>
+        <p:txBody>
+          <a:bodyPr/>
+          <a:lstStyle/>
+          <a:p>
+            <a:pPr algn="just"/>
+            <a:r>
+              <a:rPr lang="es-ES" sz="2400" dirty="0">
+                <a:latin typeface="Times New Roman" panose="02020603050405020304" pitchFamily="18" charset="0"/>
+                <a:cs typeface="Times New Roman" panose="02020603050405020304" pitchFamily="18" charset="0"/>
+              </a:rPr>
+              <a:t>La aplicación de Design Science facilita en gran medida el desarrollo del proyecto, al integrar los aspectos básicos de una investigación con el desarrollo tradicional de software </a:t>
+            </a:r>
+          </a:p>
+          <a:p>
+            <a:pPr algn="just"/>
+            <a:r>
+              <a:rPr lang="es-ES" sz="2400" dirty="0">
+                <a:latin typeface="Times New Roman" panose="02020603050405020304" pitchFamily="18" charset="0"/>
+                <a:cs typeface="Times New Roman" panose="02020603050405020304" pitchFamily="18" charset="0"/>
+              </a:rPr>
+              <a:t>Se ha conseguido un modelo que permite obtener predicciones buenas en Madrid para todos los contaminantes, utilizando la inteligencia artificial y en concreto las redes neuronales</a:t>
+            </a:r>
+          </a:p>
+          <a:p>
+            <a:pPr algn="just"/>
+            <a:r>
+              <a:rPr lang="es-ES" sz="2400" dirty="0">
+                <a:latin typeface="Times New Roman" panose="02020603050405020304" pitchFamily="18" charset="0"/>
+                <a:cs typeface="Times New Roman" panose="02020603050405020304" pitchFamily="18" charset="0"/>
+              </a:rPr>
+              <a:t>Se ha creado una forma de visualización de los resultados familiar hacia todo tipo de usuarios y centrada en la información</a:t>
+            </a:r>
+          </a:p>
+          <a:p>
+            <a:pPr marL="0" indent="0">
+              <a:buNone/>
+            </a:pPr>
+            <a:endParaRPr lang="es-ES" dirty="0">
+              <a:latin typeface="Times New Roman" panose="02020603050405020304" pitchFamily="18" charset="0"/>
+              <a:cs typeface="Times New Roman" panose="02020603050405020304" pitchFamily="18" charset="0"/>
+            </a:endParaRPr>
+          </a:p>
+          <a:p>
+            <a:endParaRPr lang="es-ES" dirty="0"/>
+          </a:p>
+        </p:txBody>
+      </p:sp>
+      <p:sp>
+        <p:nvSpPr>
+          <p:cNvPr id="4" name="Título 1">
+            <a:extLst>
+              <a:ext uri="{FF2B5EF4-FFF2-40B4-BE49-F238E27FC236}">
+                <a16:creationId xmlns:a16="http://schemas.microsoft.com/office/drawing/2014/main" id="{B64E69CF-16F0-E850-E917-38F12EDED0BA}"/>
               </a:ext>
             </a:extLst>
           </p:cNvPr>
@@ -8063,7 +9522,12 @@
             <p:ph type="title"/>
           </p:nvPr>
         </p:nvSpPr>
-        <p:spPr/>
+        <p:spPr>
+          <a:xfrm>
+            <a:off x="838200" y="365125"/>
+            <a:ext cx="10515600" cy="1325563"/>
+          </a:xfrm>
+        </p:spPr>
         <p:txBody>
           <a:bodyPr/>
           <a:lstStyle/>
@@ -8073,120 +9537,130 @@
                 <a:latin typeface="Times New Roman" panose="02020603050405020304" pitchFamily="18" charset="0"/>
                 <a:cs typeface="Times New Roman" panose="02020603050405020304" pitchFamily="18" charset="0"/>
               </a:rPr>
-              <a:t>Índice</a:t>
-            </a:r>
-          </a:p>
-        </p:txBody>
-      </p:sp>
-      <p:sp>
-        <p:nvSpPr>
-          <p:cNvPr id="3" name="Marcador de contenido 2">
-            <a:extLst>
-              <a:ext uri="{FF2B5EF4-FFF2-40B4-BE49-F238E27FC236}">
-                <a16:creationId xmlns:a16="http://schemas.microsoft.com/office/drawing/2014/main" id="{282E2871-CB4A-AD25-108E-CCF80BD45730}"/>
-              </a:ext>
-            </a:extLst>
-          </p:cNvPr>
-          <p:cNvSpPr>
-            <a:spLocks noGrp="1"/>
-          </p:cNvSpPr>
-          <p:nvPr>
-            <p:ph idx="1"/>
-          </p:nvPr>
-        </p:nvSpPr>
-        <p:spPr>
-          <a:xfrm>
-            <a:off x="1283855" y="1908752"/>
-            <a:ext cx="9864436" cy="4351338"/>
-          </a:xfrm>
-        </p:spPr>
-        <p:txBody>
-          <a:bodyPr>
-            <a:normAutofit/>
+              <a:t>Conclusiones</a:t>
+            </a:r>
+          </a:p>
+        </p:txBody>
+      </p:sp>
+      <p:cxnSp>
+        <p:nvCxnSpPr>
+          <p:cNvPr id="5" name="Conector recto 4">
+            <a:extLst>
+              <a:ext uri="{FF2B5EF4-FFF2-40B4-BE49-F238E27FC236}">
+                <a16:creationId xmlns:a16="http://schemas.microsoft.com/office/drawing/2014/main" id="{5E4D0FB7-880D-69A9-67D8-C770DBA52C55}"/>
+              </a:ext>
+            </a:extLst>
+          </p:cNvPr>
+          <p:cNvCxnSpPr/>
+          <p:nvPr/>
+        </p:nvCxnSpPr>
+        <p:spPr>
+          <a:xfrm>
+            <a:off x="838199" y="6354618"/>
+            <a:ext cx="10716492" cy="0"/>
+          </a:xfrm>
+          <a:prstGeom prst="line">
+            <a:avLst/>
+          </a:prstGeom>
+          <a:ln w="38100">
+            <a:solidFill>
+              <a:srgbClr val="C00000"/>
+            </a:solidFill>
+          </a:ln>
+        </p:spPr>
+        <p:style>
+          <a:lnRef idx="1">
+            <a:schemeClr val="accent1"/>
+          </a:lnRef>
+          <a:fillRef idx="0">
+            <a:schemeClr val="accent1"/>
+          </a:fillRef>
+          <a:effectRef idx="0">
+            <a:schemeClr val="accent1"/>
+          </a:effectRef>
+          <a:fontRef idx="minor">
+            <a:schemeClr val="tx1"/>
+          </a:fontRef>
+        </p:style>
+      </p:cxnSp>
+      <p:sp>
+        <p:nvSpPr>
+          <p:cNvPr id="6" name="CuadroTexto 5">
+            <a:extLst>
+              <a:ext uri="{FF2B5EF4-FFF2-40B4-BE49-F238E27FC236}">
+                <a16:creationId xmlns:a16="http://schemas.microsoft.com/office/drawing/2014/main" id="{9EE81433-6111-F00D-2FA2-E098254D6726}"/>
+              </a:ext>
+            </a:extLst>
+          </p:cNvPr>
+          <p:cNvSpPr txBox="1"/>
+          <p:nvPr/>
+        </p:nvSpPr>
+        <p:spPr>
+          <a:xfrm>
+            <a:off x="11219873" y="6345382"/>
+            <a:ext cx="434109" cy="369332"/>
+          </a:xfrm>
+          <a:prstGeom prst="rect">
+            <a:avLst/>
+          </a:prstGeom>
+          <a:noFill/>
+        </p:spPr>
+        <p:txBody>
+          <a:bodyPr wrap="square" rtlCol="0">
+            <a:spAutoFit/>
           </a:bodyPr>
           <a:lstStyle/>
           <a:p>
-            <a:pPr marL="0" indent="0">
-              <a:buNone/>
-            </a:pPr>
             <a:r>
               <a:rPr lang="es-ES" dirty="0">
-                <a:latin typeface="Times New Roman" panose="02020603050405020304" pitchFamily="18" charset="0"/>
-                <a:cs typeface="Times New Roman" panose="02020603050405020304" pitchFamily="18" charset="0"/>
-              </a:rPr>
-              <a:t>1.  Introducción………………………………….……………….1</a:t>
-            </a:r>
-          </a:p>
-          <a:p>
-            <a:pPr marL="0" indent="0">
-              <a:buNone/>
-            </a:pPr>
+                <a:solidFill>
+                  <a:srgbClr val="C00000"/>
+                </a:solidFill>
+                <a:latin typeface="Times New Roman" panose="02020603050405020304" pitchFamily="18" charset="0"/>
+                <a:cs typeface="Times New Roman" panose="02020603050405020304" pitchFamily="18" charset="0"/>
+              </a:rPr>
+              <a:t>22</a:t>
+            </a:r>
+          </a:p>
+        </p:txBody>
+      </p:sp>
+      <p:sp>
+        <p:nvSpPr>
+          <p:cNvPr id="7" name="CuadroTexto 6">
+            <a:extLst>
+              <a:ext uri="{FF2B5EF4-FFF2-40B4-BE49-F238E27FC236}">
+                <a16:creationId xmlns:a16="http://schemas.microsoft.com/office/drawing/2014/main" id="{F7220110-68C2-33C1-059A-862D52E6C536}"/>
+              </a:ext>
+            </a:extLst>
+          </p:cNvPr>
+          <p:cNvSpPr txBox="1"/>
+          <p:nvPr/>
+        </p:nvSpPr>
+        <p:spPr>
+          <a:xfrm>
+            <a:off x="755072" y="6366142"/>
+            <a:ext cx="4518892" cy="369332"/>
+          </a:xfrm>
+          <a:prstGeom prst="rect">
+            <a:avLst/>
+          </a:prstGeom>
+          <a:noFill/>
+        </p:spPr>
+        <p:txBody>
+          <a:bodyPr wrap="square" rtlCol="0">
+            <a:spAutoFit/>
+          </a:bodyPr>
+          <a:lstStyle/>
+          <a:p>
             <a:r>
               <a:rPr lang="es-ES" dirty="0">
-                <a:latin typeface="Times New Roman" panose="02020603050405020304" pitchFamily="18" charset="0"/>
-                <a:cs typeface="Times New Roman" panose="02020603050405020304" pitchFamily="18" charset="0"/>
-              </a:rPr>
-              <a:t>2.  Objetivos…………………………………………………..….3</a:t>
-            </a:r>
-          </a:p>
-          <a:p>
-            <a:pPr marL="0" indent="0">
-              <a:buNone/>
-            </a:pPr>
-            <a:r>
-              <a:rPr lang="es-ES" dirty="0">
-                <a:latin typeface="Times New Roman" panose="02020603050405020304" pitchFamily="18" charset="0"/>
-                <a:cs typeface="Times New Roman" panose="02020603050405020304" pitchFamily="18" charset="0"/>
-              </a:rPr>
-              <a:t>3.  Conceptos teóricos………………………………………...….4</a:t>
-            </a:r>
-          </a:p>
-          <a:p>
-            <a:pPr marL="0" indent="0">
-              <a:buNone/>
-            </a:pPr>
-            <a:r>
-              <a:rPr lang="es-ES" dirty="0">
-                <a:latin typeface="Times New Roman" panose="02020603050405020304" pitchFamily="18" charset="0"/>
-                <a:cs typeface="Times New Roman" panose="02020603050405020304" pitchFamily="18" charset="0"/>
-              </a:rPr>
-              <a:t>4.  Métodos y herramientas………………………………………5</a:t>
-            </a:r>
-          </a:p>
-          <a:p>
-            <a:pPr marL="0" indent="0">
-              <a:buNone/>
-            </a:pPr>
-            <a:r>
-              <a:rPr lang="es-ES" dirty="0">
-                <a:latin typeface="Times New Roman" panose="02020603050405020304" pitchFamily="18" charset="0"/>
-                <a:cs typeface="Times New Roman" panose="02020603050405020304" pitchFamily="18" charset="0"/>
-              </a:rPr>
-              <a:t>5.  Aspectos relevantes………………………………………...…7</a:t>
-            </a:r>
-          </a:p>
-          <a:p>
-            <a:pPr marL="0" indent="0">
-              <a:buNone/>
-            </a:pPr>
-            <a:r>
-              <a:rPr lang="es-ES" dirty="0">
-                <a:latin typeface="Times New Roman" panose="02020603050405020304" pitchFamily="18" charset="0"/>
-                <a:cs typeface="Times New Roman" panose="02020603050405020304" pitchFamily="18" charset="0"/>
-              </a:rPr>
-              <a:t>6.  Resultados…………………………………………………...15</a:t>
-            </a:r>
-          </a:p>
-          <a:p>
-            <a:pPr marL="0" indent="0">
-              <a:buNone/>
-            </a:pPr>
-            <a:r>
-              <a:rPr lang="es-ES" dirty="0">
-                <a:latin typeface="Times New Roman" panose="02020603050405020304" pitchFamily="18" charset="0"/>
-                <a:cs typeface="Times New Roman" panose="02020603050405020304" pitchFamily="18" charset="0"/>
-              </a:rPr>
-              <a:t>7.  Conclusiones………………………………………………...17</a:t>
+                <a:solidFill>
+                  <a:srgbClr val="C00000"/>
+                </a:solidFill>
+                <a:latin typeface="Times New Roman" panose="02020603050405020304" pitchFamily="18" charset="0"/>
+                <a:cs typeface="Times New Roman" panose="02020603050405020304" pitchFamily="18" charset="0"/>
+              </a:rPr>
+              <a:t>Conclusiones</a:t>
             </a:r>
           </a:p>
         </p:txBody>
@@ -8194,7 +9668,7 @@
     </p:spTree>
     <p:extLst>
       <p:ext uri="{BB962C8B-B14F-4D97-AF65-F5344CB8AC3E}">
-        <p14:creationId xmlns:p14="http://schemas.microsoft.com/office/powerpoint/2010/main" val="2435637241"/>
+        <p14:creationId xmlns:p14="http://schemas.microsoft.com/office/powerpoint/2010/main" val="2880128807"/>
       </p:ext>
     </p:extLst>
   </p:cSld>
@@ -8204,7 +9678,7 @@
 </p:sld>
 </file>
 
-<file path=ppt/slides/slide20.xml><?xml version="1.0" encoding="utf-8"?>
+<file path=ppt/slides/slide25.xml><?xml version="1.0" encoding="utf-8"?>
 <p:sld xmlns:a="http://schemas.openxmlformats.org/drawingml/2006/main" xmlns:r="http://schemas.openxmlformats.org/officeDocument/2006/relationships" xmlns:p="http://schemas.openxmlformats.org/presentationml/2006/main">
   <p:cSld>
     <p:spTree>
@@ -8239,7 +9713,7 @@
         </p:nvSpPr>
         <p:spPr>
           <a:xfrm>
-            <a:off x="838200" y="2105891"/>
+            <a:off x="838200" y="2105892"/>
             <a:ext cx="10515600" cy="4071071"/>
           </a:xfrm>
         </p:spPr>
@@ -8255,7 +9729,7 @@
                 <a:latin typeface="Times New Roman" panose="02020603050405020304" pitchFamily="18" charset="0"/>
                 <a:cs typeface="Times New Roman" panose="02020603050405020304" pitchFamily="18" charset="0"/>
               </a:rPr>
-              <a:t>Mejora en la predicción de eventos singulares.</a:t>
+              <a:t>Mejora en la predicción de eventos singulares</a:t>
             </a:r>
           </a:p>
           <a:p>
@@ -8265,7 +9739,7 @@
                 <a:latin typeface="Times New Roman" panose="02020603050405020304" pitchFamily="18" charset="0"/>
                 <a:cs typeface="Times New Roman" panose="02020603050405020304" pitchFamily="18" charset="0"/>
               </a:rPr>
-              <a:t>Más funcionalidad a la interfaz web como descarga de los datos y exportación de los mismos.</a:t>
+              <a:t>Más funcionalidad a la interfaz web como descarga de los datos y exportación de los mismos</a:t>
             </a:r>
           </a:p>
           <a:p>
@@ -8275,7 +9749,7 @@
                 <a:latin typeface="Times New Roman" panose="02020603050405020304" pitchFamily="18" charset="0"/>
                 <a:cs typeface="Times New Roman" panose="02020603050405020304" pitchFamily="18" charset="0"/>
               </a:rPr>
-              <a:t>Visualización para distintas ciudades, comparando niveles de error.</a:t>
+              <a:t>Visualización para distintas ciudades, comparando niveles de error</a:t>
             </a:r>
           </a:p>
           <a:p>
@@ -8285,8 +9759,19 @@
                 <a:latin typeface="Times New Roman" panose="02020603050405020304" pitchFamily="18" charset="0"/>
                 <a:cs typeface="Times New Roman" panose="02020603050405020304" pitchFamily="18" charset="0"/>
               </a:rPr>
-              <a:t>Comparación del modelo con otros modelos de predicción de la contaminación existentes.</a:t>
-            </a:r>
+              <a:t>Comparación del modelo con otros modelos de predicción de la </a:t>
+            </a:r>
+            <a:r>
+              <a:rPr lang="es-ES" sz="2400">
+                <a:latin typeface="Times New Roman" panose="02020603050405020304" pitchFamily="18" charset="0"/>
+                <a:cs typeface="Times New Roman" panose="02020603050405020304" pitchFamily="18" charset="0"/>
+              </a:rPr>
+              <a:t>contaminación existentes</a:t>
+            </a:r>
+            <a:endParaRPr lang="es-ES" sz="2400" dirty="0">
+              <a:latin typeface="Times New Roman" panose="02020603050405020304" pitchFamily="18" charset="0"/>
+              <a:cs typeface="Times New Roman" panose="02020603050405020304" pitchFamily="18" charset="0"/>
+            </a:endParaRPr>
           </a:p>
         </p:txBody>
       </p:sp>
@@ -8405,7 +9890,7 @@
                 <a:latin typeface="Times New Roman" panose="02020603050405020304" pitchFamily="18" charset="0"/>
                 <a:cs typeface="Times New Roman" panose="02020603050405020304" pitchFamily="18" charset="0"/>
               </a:rPr>
-              <a:t>18</a:t>
+              <a:t>23</a:t>
             </a:r>
           </a:p>
         </p:txBody>
@@ -8530,7 +10015,7 @@
         </p:nvSpPr>
         <p:spPr>
           <a:xfrm>
-            <a:off x="838199" y="1690688"/>
+            <a:off x="838199" y="1699923"/>
             <a:ext cx="4860636" cy="4351338"/>
           </a:xfrm>
         </p:spPr>
@@ -8546,7 +10031,7 @@
                 <a:latin typeface="Times New Roman" panose="02020603050405020304" pitchFamily="18" charset="0"/>
                 <a:cs typeface="Times New Roman" panose="02020603050405020304" pitchFamily="18" charset="0"/>
               </a:rPr>
-              <a:t>La contaminación es el gran problema al que se enfrenta nuestra generación.</a:t>
+              <a:t>La contaminación es el gran problema al que se enfrenta nuestra generación</a:t>
             </a:r>
           </a:p>
           <a:p>
@@ -8556,7 +10041,7 @@
                 <a:latin typeface="Times New Roman" panose="02020603050405020304" pitchFamily="18" charset="0"/>
                 <a:cs typeface="Times New Roman" panose="02020603050405020304" pitchFamily="18" charset="0"/>
               </a:rPr>
-              <a:t>En concreto, la contaminación atmosférica provoca riesgos a la salud y al medio ambiente.</a:t>
+              <a:t>En concreto, la contaminación atmosférica provoca riesgos a la salud y al medio ambiente</a:t>
             </a:r>
           </a:p>
           <a:p>
@@ -8566,8 +10051,15 @@
                 <a:latin typeface="Times New Roman" panose="02020603050405020304" pitchFamily="18" charset="0"/>
                 <a:cs typeface="Times New Roman" panose="02020603050405020304" pitchFamily="18" charset="0"/>
               </a:rPr>
-              <a:t>La sociedad busca maneras de controlar y reducir los niveles de contaminación.</a:t>
-            </a:r>
+              <a:t>La sociedad busca maneras de controlar y reducir los niveles de contaminación</a:t>
+            </a:r>
+          </a:p>
+          <a:p>
+            <a:pPr algn="just"/>
+            <a:endParaRPr lang="es-ES" sz="2400" dirty="0">
+              <a:latin typeface="Times New Roman" panose="02020603050405020304" pitchFamily="18" charset="0"/>
+              <a:cs typeface="Times New Roman" panose="02020603050405020304" pitchFamily="18" charset="0"/>
+            </a:endParaRPr>
           </a:p>
         </p:txBody>
       </p:sp>
@@ -8600,7 +10092,7 @@
         </p:blipFill>
         <p:spPr bwMode="auto">
           <a:xfrm>
-            <a:off x="6457375" y="1788680"/>
+            <a:off x="6493167" y="1933893"/>
             <a:ext cx="5061525" cy="2990215"/>
           </a:xfrm>
           <a:prstGeom prst="rect">
@@ -8794,7 +10286,7 @@
         <p:spPr>
           <a:xfrm>
             <a:off x="588818" y="1270316"/>
-            <a:ext cx="5682673" cy="4317367"/>
+            <a:ext cx="5276273" cy="4317367"/>
           </a:xfrm>
         </p:spPr>
         <p:txBody>
@@ -8809,7 +10301,7 @@
                 <a:latin typeface="Times New Roman" panose="02020603050405020304" pitchFamily="18" charset="0"/>
                 <a:cs typeface="Times New Roman" panose="02020603050405020304" pitchFamily="18" charset="0"/>
               </a:rPr>
-              <a:t>Hay varios contaminantes cuyos niveles se pueden medir con el Índice de Calidad del Aire.</a:t>
+              <a:t>Tener una idea de cómo van a ser los niveles de contaminación en próximas fechas puede ser útil para administraciones y particulares</a:t>
             </a:r>
           </a:p>
           <a:p>
@@ -8819,7 +10311,7 @@
                 <a:latin typeface="Times New Roman" panose="02020603050405020304" pitchFamily="18" charset="0"/>
                 <a:cs typeface="Times New Roman" panose="02020603050405020304" pitchFamily="18" charset="0"/>
               </a:rPr>
-              <a:t>Tener una idea de cómo van a ser los niveles en próximas fechas puede ser útil para administraciones y particulares.</a:t>
+              <a:t>Existen modelos que obtienen sus predicciones utilizando distintas técnicas, entre ellas, la inteligencia artificial</a:t>
             </a:r>
           </a:p>
           <a:p>
@@ -8829,7 +10321,7 @@
                 <a:latin typeface="Times New Roman" panose="02020603050405020304" pitchFamily="18" charset="0"/>
                 <a:cs typeface="Times New Roman" panose="02020603050405020304" pitchFamily="18" charset="0"/>
               </a:rPr>
-              <a:t>Existen modelos que obtienen sus predicciones utilizando distintas técnicas, entre ellas, la inteligencia artificial.</a:t>
+              <a:t>Las redes neuronales son un modelo computacional con varias aplicaciones, entre ellas la predicción</a:t>
             </a:r>
           </a:p>
           <a:p>
@@ -8837,55 +10329,6 @@
           </a:p>
         </p:txBody>
       </p:sp>
-      <p:pic>
-        <p:nvPicPr>
-          <p:cNvPr id="5" name="Imagen 4" descr="Imagen que contiene Tabla&#10;&#10;Descripción generada automáticamente">
-            <a:extLst>
-              <a:ext uri="{FF2B5EF4-FFF2-40B4-BE49-F238E27FC236}">
-                <a16:creationId xmlns:a16="http://schemas.microsoft.com/office/drawing/2014/main" id="{4558D646-1D1E-3061-768A-8AECACF599A5}"/>
-              </a:ext>
-            </a:extLst>
-          </p:cNvPr>
-          <p:cNvPicPr>
-            <a:picLocks noChangeAspect="1"/>
-          </p:cNvPicPr>
-          <p:nvPr/>
-        </p:nvPicPr>
-        <p:blipFill rotWithShape="1">
-          <a:blip r:embed="rId2">
-            <a:extLst>
-              <a:ext uri="{28A0092B-C50C-407E-A947-70E740481C1C}">
-                <a14:useLocalDpi xmlns:a14="http://schemas.microsoft.com/office/drawing/2010/main" val="0"/>
-              </a:ext>
-            </a:extLst>
-          </a:blip>
-          <a:srcRect l="6627" t="9259" r="7273" b="8806"/>
-          <a:stretch/>
-        </p:blipFill>
-        <p:spPr>
-          <a:xfrm>
-            <a:off x="7592504" y="1511312"/>
-            <a:ext cx="3761296" cy="2856322"/>
-          </a:xfrm>
-          <a:prstGeom prst="rect">
-            <a:avLst/>
-          </a:prstGeom>
-          <a:ln w="38100" cap="sq">
-            <a:solidFill>
-              <a:srgbClr val="000000"/>
-            </a:solidFill>
-            <a:prstDash val="solid"/>
-            <a:miter lim="800000"/>
-          </a:ln>
-          <a:effectLst>
-            <a:outerShdw blurRad="50800" dist="38100" dir="2700000" algn="tl" rotWithShape="0">
-              <a:srgbClr val="000000">
-                <a:alpha val="43000"/>
-              </a:srgbClr>
-            </a:outerShdw>
-          </a:effectLst>
-        </p:spPr>
-      </p:pic>
       <p:cxnSp>
         <p:nvCxnSpPr>
           <p:cNvPr id="8" name="Conector recto 7">
@@ -8904,7 +10347,7 @@
         <p:spPr>
           <a:xfrm flipV="1">
             <a:off x="838199" y="6345383"/>
-            <a:ext cx="10680701" cy="9235"/>
+            <a:ext cx="10680701" cy="9236"/>
           </a:xfrm>
           <a:prstGeom prst="line">
             <a:avLst/>
@@ -9012,6 +10455,45 @@
           </a:p>
         </p:txBody>
       </p:sp>
+      <p:pic>
+        <p:nvPicPr>
+          <p:cNvPr id="7" name="Gráfico 19">
+            <a:extLst>
+              <a:ext uri="{FF2B5EF4-FFF2-40B4-BE49-F238E27FC236}">
+                <a16:creationId xmlns:a16="http://schemas.microsoft.com/office/drawing/2014/main" id="{18AB00F8-0B67-71BE-663E-1BD3E1CD0817}"/>
+              </a:ext>
+            </a:extLst>
+          </p:cNvPr>
+          <p:cNvPicPr>
+            <a:picLocks noChangeAspect="1"/>
+          </p:cNvPicPr>
+          <p:nvPr/>
+        </p:nvPicPr>
+        <p:blipFill>
+          <a:blip r:embed="rId2">
+            <a:extLst>
+              <a:ext uri="{28A0092B-C50C-407E-A947-70E740481C1C}">
+                <a14:useLocalDpi xmlns:a14="http://schemas.microsoft.com/office/drawing/2010/main" val="0"/>
+              </a:ext>
+              <a:ext uri="{96DAC541-7B7A-43D3-8B79-37D633B846F1}">
+                <asvg:svgBlip xmlns:asvg="http://schemas.microsoft.com/office/drawing/2016/SVG/main" r:embed="rId3"/>
+              </a:ext>
+            </a:extLst>
+          </a:blip>
+          <a:stretch>
+            <a:fillRect/>
+          </a:stretch>
+        </p:blipFill>
+        <p:spPr>
+          <a:xfrm>
+            <a:off x="5865091" y="1883797"/>
+            <a:ext cx="6108980" cy="3090404"/>
+          </a:xfrm>
+          <a:prstGeom prst="rect">
+            <a:avLst/>
+          </a:prstGeom>
+        </p:spPr>
+      </p:pic>
     </p:spTree>
     <p:extLst>
       <p:ext uri="{BB962C8B-B14F-4D97-AF65-F5344CB8AC3E}">
@@ -9096,7 +10578,7 @@
         </p:nvSpPr>
         <p:spPr>
           <a:xfrm>
-            <a:off x="949037" y="1828798"/>
+            <a:off x="949037" y="1828799"/>
             <a:ext cx="10515600" cy="1447945"/>
           </a:xfrm>
         </p:spPr>
@@ -9112,7 +10594,7 @@
                 <a:latin typeface="Times New Roman" panose="02020603050405020304" pitchFamily="18" charset="0"/>
                 <a:cs typeface="Times New Roman" panose="02020603050405020304" pitchFamily="18" charset="0"/>
               </a:rPr>
-              <a:t>Obtener un modelo para conseguir una predicción fiable de los niveles de contaminación en Madrid, con el mínimo error posible.</a:t>
+              <a:t>Obtener un modelo para conseguir una predicción fiable de los niveles de contaminación en Madrid, con el mínimo error posible</a:t>
             </a:r>
           </a:p>
         </p:txBody>
@@ -9133,7 +10615,7 @@
         </p:nvSpPr>
         <p:spPr>
           <a:xfrm>
-            <a:off x="838200" y="3414853"/>
+            <a:off x="838200" y="3414854"/>
             <a:ext cx="10515600" cy="2293219"/>
           </a:xfrm>
           <a:prstGeom prst="rect">
@@ -9317,7 +10799,7 @@
                 <a:latin typeface="Times New Roman" panose="02020603050405020304" pitchFamily="18" charset="0"/>
                 <a:cs typeface="Times New Roman" panose="02020603050405020304" pitchFamily="18" charset="0"/>
               </a:rPr>
-              <a:t>Crear una forma de comunicación de la predicción obtenida para trasladar la información a usuarios sin conocimientos técnicos.</a:t>
+              <a:t>Crear una forma de comunicación de la predicción obtenida para trasladar la información a usuarios sin conocimientos técnicos</a:t>
             </a:r>
           </a:p>
           <a:p>
@@ -9338,7 +10820,7 @@
                 <a:latin typeface="Times New Roman" panose="02020603050405020304" pitchFamily="18" charset="0"/>
                 <a:cs typeface="Times New Roman" panose="02020603050405020304" pitchFamily="18" charset="0"/>
               </a:rPr>
-              <a:t>Conseguir un despliegue continuo y un entrenamiento continuo del modelo obtenido.</a:t>
+              <a:t>Conseguir un despliegue continuo y un entrenamiento continuo del modelo obtenido</a:t>
             </a:r>
           </a:p>
         </p:txBody>
@@ -9498,10 +10980,46 @@
       </p:grpSpPr>
       <p:sp>
         <p:nvSpPr>
-          <p:cNvPr id="2" name="Título 1">
-            <a:extLst>
-              <a:ext uri="{FF2B5EF4-FFF2-40B4-BE49-F238E27FC236}">
-                <a16:creationId xmlns:a16="http://schemas.microsoft.com/office/drawing/2014/main" id="{227FDB90-51CB-8D5A-B2C7-536564E289B8}"/>
+          <p:cNvPr id="3" name="Marcador de contenido 2">
+            <a:extLst>
+              <a:ext uri="{FF2B5EF4-FFF2-40B4-BE49-F238E27FC236}">
+                <a16:creationId xmlns:a16="http://schemas.microsoft.com/office/drawing/2014/main" id="{7872A202-2F0A-55AD-7F79-C3C7DCE956FD}"/>
+              </a:ext>
+            </a:extLst>
+          </p:cNvPr>
+          <p:cNvSpPr>
+            <a:spLocks noGrp="1"/>
+          </p:cNvSpPr>
+          <p:nvPr>
+            <p:ph idx="1"/>
+          </p:nvPr>
+        </p:nvSpPr>
+        <p:spPr>
+          <a:xfrm>
+            <a:off x="838200" y="1690688"/>
+            <a:ext cx="10515600" cy="4351338"/>
+          </a:xfrm>
+        </p:spPr>
+        <p:txBody>
+          <a:bodyPr/>
+          <a:lstStyle/>
+          <a:p>
+            <a:r>
+              <a:rPr lang="es-ES" u="sng" dirty="0">
+                <a:latin typeface="Times New Roman" panose="02020603050405020304" pitchFamily="18" charset="0"/>
+                <a:cs typeface="Times New Roman" panose="02020603050405020304" pitchFamily="18" charset="0"/>
+              </a:rPr>
+              <a:t>Contaminantes y límites</a:t>
+            </a:r>
+          </a:p>
+        </p:txBody>
+      </p:sp>
+      <p:sp>
+        <p:nvSpPr>
+          <p:cNvPr id="4" name="Título 1">
+            <a:extLst>
+              <a:ext uri="{FF2B5EF4-FFF2-40B4-BE49-F238E27FC236}">
+                <a16:creationId xmlns:a16="http://schemas.microsoft.com/office/drawing/2014/main" id="{8F4AC653-C73B-5BAC-5B74-7A3EC2B95C4B}"/>
               </a:ext>
             </a:extLst>
           </p:cNvPr>
@@ -9512,7 +11030,12 @@
             <p:ph type="title"/>
           </p:nvPr>
         </p:nvSpPr>
-        <p:spPr/>
+        <p:spPr>
+          <a:xfrm>
+            <a:off x="838200" y="365125"/>
+            <a:ext cx="10515600" cy="1325563"/>
+          </a:xfrm>
+        </p:spPr>
         <p:txBody>
           <a:bodyPr/>
           <a:lstStyle/>
@@ -9527,117 +11050,765 @@
           </a:p>
         </p:txBody>
       </p:sp>
-      <p:sp>
-        <p:nvSpPr>
-          <p:cNvPr id="3" name="Marcador de contenido 2">
-            <a:extLst>
-              <a:ext uri="{FF2B5EF4-FFF2-40B4-BE49-F238E27FC236}">
-                <a16:creationId xmlns:a16="http://schemas.microsoft.com/office/drawing/2014/main" id="{0A863876-6258-D60C-9C51-F5FC57921F5C}"/>
-              </a:ext>
-            </a:extLst>
-          </p:cNvPr>
-          <p:cNvSpPr>
-            <a:spLocks noGrp="1"/>
-          </p:cNvSpPr>
+      <p:graphicFrame>
+        <p:nvGraphicFramePr>
+          <p:cNvPr id="5" name="Tabla 4">
+            <a:extLst>
+              <a:ext uri="{FF2B5EF4-FFF2-40B4-BE49-F238E27FC236}">
+                <a16:creationId xmlns:a16="http://schemas.microsoft.com/office/drawing/2014/main" id="{25EB1827-B64D-DC37-FA47-8A67C97272B4}"/>
+              </a:ext>
+            </a:extLst>
+          </p:cNvPr>
+          <p:cNvGraphicFramePr>
+            <a:graphicFrameLocks noGrp="1"/>
+          </p:cNvGraphicFramePr>
           <p:nvPr>
-            <p:ph idx="1"/>
+            <p:extLst>
+              <p:ext uri="{D42A27DB-BD31-4B8C-83A1-F6EECF244321}">
+                <p14:modId xmlns:p14="http://schemas.microsoft.com/office/powerpoint/2010/main" val="2025150134"/>
+              </p:ext>
+            </p:extLst>
           </p:nvPr>
-        </p:nvSpPr>
-        <p:spPr>
-          <a:xfrm>
-            <a:off x="838199" y="3552282"/>
-            <a:ext cx="10420927" cy="2417620"/>
-          </a:xfrm>
-        </p:spPr>
-        <p:txBody>
-          <a:bodyPr>
-            <a:normAutofit/>
-          </a:bodyPr>
-          <a:lstStyle/>
-          <a:p>
-            <a:pPr algn="just"/>
-            <a:r>
-              <a:rPr lang="es-ES" sz="2400" dirty="0">
-                <a:latin typeface="Times New Roman" panose="02020603050405020304" pitchFamily="18" charset="0"/>
-                <a:cs typeface="Times New Roman" panose="02020603050405020304" pitchFamily="18" charset="0"/>
-              </a:rPr>
-              <a:t>Conjunto de datos: son series temporales de los valores de los contaminantes y los valores meteorológicos.</a:t>
-            </a:r>
-          </a:p>
-          <a:p>
-            <a:pPr algn="just"/>
-            <a:r>
-              <a:rPr lang="es-ES" sz="2400" dirty="0">
-                <a:latin typeface="Times New Roman" panose="02020603050405020304" pitchFamily="18" charset="0"/>
-                <a:cs typeface="Times New Roman" panose="02020603050405020304" pitchFamily="18" charset="0"/>
-              </a:rPr>
-              <a:t>Algoritmo de entrenamiento: cálculo de los pesos y sesgos de la red neuronal que proporcionan los mejores resultados.</a:t>
-            </a:r>
-          </a:p>
-          <a:p>
-            <a:pPr algn="just"/>
-            <a:r>
-              <a:rPr lang="es-ES" sz="2400" dirty="0">
-                <a:latin typeface="Times New Roman" panose="02020603050405020304" pitchFamily="18" charset="0"/>
-                <a:cs typeface="Times New Roman" panose="02020603050405020304" pitchFamily="18" charset="0"/>
-              </a:rPr>
-              <a:t>Función de coste: estimación de la calidad de los resultados obtenidos (error).</a:t>
-            </a:r>
-          </a:p>
-        </p:txBody>
-      </p:sp>
-      <p:pic>
-        <p:nvPicPr>
-          <p:cNvPr id="5" name="Gráfico 27">
-            <a:extLst>
-              <a:ext uri="{FF2B5EF4-FFF2-40B4-BE49-F238E27FC236}">
-                <a16:creationId xmlns:a16="http://schemas.microsoft.com/office/drawing/2014/main" id="{0C91964D-C739-75A4-884C-C13723771427}"/>
-              </a:ext>
-            </a:extLst>
-          </p:cNvPr>
-          <p:cNvPicPr>
-            <a:picLocks noChangeAspect="1"/>
-          </p:cNvPicPr>
-          <p:nvPr/>
-        </p:nvPicPr>
-        <p:blipFill rotWithShape="1">
-          <a:blip r:embed="rId2" cstate="print">
-            <a:extLst>
-              <a:ext uri="{28A0092B-C50C-407E-A947-70E740481C1C}">
-                <a14:useLocalDpi xmlns:a14="http://schemas.microsoft.com/office/drawing/2010/main" val="0"/>
-              </a:ext>
-              <a:ext uri="{96DAC541-7B7A-43D3-8B79-37D633B846F1}">
-                <asvg:svgBlip xmlns:asvg="http://schemas.microsoft.com/office/drawing/2016/SVG/main" r:embed="rId3"/>
-              </a:ext>
-            </a:extLst>
-          </a:blip>
-          <a:srcRect t="16737" b="20772"/>
-          <a:stretch/>
-        </p:blipFill>
-        <p:spPr bwMode="auto">
-          <a:xfrm>
-            <a:off x="3817389" y="1792792"/>
-            <a:ext cx="4206240" cy="1374775"/>
-          </a:xfrm>
-          <a:prstGeom prst="rect">
-            <a:avLst/>
-          </a:prstGeom>
-          <a:ln>
-            <a:noFill/>
-          </a:ln>
-          <a:extLst>
-            <a:ext uri="{53640926-AAD7-44D8-BBD7-CCE9431645EC}">
-              <a14:shadowObscured xmlns:a14="http://schemas.microsoft.com/office/drawing/2010/main"/>
-            </a:ext>
-          </a:extLst>
-        </p:spPr>
-      </p:pic>
+        </p:nvGraphicFramePr>
+        <p:xfrm>
+          <a:off x="1047173" y="2711286"/>
+          <a:ext cx="10097655" cy="3052989"/>
+        </p:xfrm>
+        <a:graphic>
+          <a:graphicData uri="http://schemas.openxmlformats.org/drawingml/2006/table">
+            <a:tbl>
+              <a:tblPr firstRow="1" firstCol="1" bandRow="1">
+                <a:tableStyleId>{9D7B26C5-4107-4FEC-AEDC-1716B250A1EF}</a:tableStyleId>
+              </a:tblPr>
+              <a:tblGrid>
+                <a:gridCol w="3365489">
+                  <a:extLst>
+                    <a:ext uri="{9D8B030D-6E8A-4147-A177-3AD203B41FA5}">
+                      <a16:colId xmlns:a16="http://schemas.microsoft.com/office/drawing/2014/main" val="2605914697"/>
+                    </a:ext>
+                  </a:extLst>
+                </a:gridCol>
+                <a:gridCol w="3365489">
+                  <a:extLst>
+                    <a:ext uri="{9D8B030D-6E8A-4147-A177-3AD203B41FA5}">
+                      <a16:colId xmlns:a16="http://schemas.microsoft.com/office/drawing/2014/main" val="651758097"/>
+                    </a:ext>
+                  </a:extLst>
+                </a:gridCol>
+                <a:gridCol w="3366677">
+                  <a:extLst>
+                    <a:ext uri="{9D8B030D-6E8A-4147-A177-3AD203B41FA5}">
+                      <a16:colId xmlns:a16="http://schemas.microsoft.com/office/drawing/2014/main" val="2052869092"/>
+                    </a:ext>
+                  </a:extLst>
+                </a:gridCol>
+              </a:tblGrid>
+              <a:tr h="407444">
+                <a:tc>
+                  <a:txBody>
+                    <a:bodyPr/>
+                    <a:lstStyle/>
+                    <a:p>
+                      <a:pPr indent="450215" algn="ctr">
+                        <a:lnSpc>
+                          <a:spcPct val="150000"/>
+                        </a:lnSpc>
+                        <a:spcAft>
+                          <a:spcPts val="800"/>
+                        </a:spcAft>
+                      </a:pPr>
+                      <a:r>
+                        <a:rPr lang="es-ES" sz="2000" dirty="0">
+                          <a:effectLst/>
+                          <a:latin typeface="Times New Roman" panose="02020603050405020304" pitchFamily="18" charset="0"/>
+                          <a:cs typeface="Times New Roman" panose="02020603050405020304" pitchFamily="18" charset="0"/>
+                        </a:rPr>
+                        <a:t>Contaminante</a:t>
+                      </a:r>
+                      <a:endParaRPr lang="es-ES" sz="2000" dirty="0">
+                        <a:effectLst/>
+                        <a:latin typeface="Times New Roman" panose="02020603050405020304" pitchFamily="18" charset="0"/>
+                        <a:ea typeface="Calibri" panose="020F0502020204030204" pitchFamily="34" charset="0"/>
+                        <a:cs typeface="Times New Roman" panose="02020603050405020304" pitchFamily="18" charset="0"/>
+                      </a:endParaRPr>
+                    </a:p>
+                  </a:txBody>
+                  <a:tcPr marL="68580" marR="68580" marT="0" marB="0"/>
+                </a:tc>
+                <a:tc>
+                  <a:txBody>
+                    <a:bodyPr/>
+                    <a:lstStyle/>
+                    <a:p>
+                      <a:pPr indent="450215" algn="ctr">
+                        <a:lnSpc>
+                          <a:spcPct val="150000"/>
+                        </a:lnSpc>
+                        <a:spcAft>
+                          <a:spcPts val="800"/>
+                        </a:spcAft>
+                      </a:pPr>
+                      <a:r>
+                        <a:rPr lang="es-ES" sz="2000">
+                          <a:effectLst/>
+                          <a:latin typeface="Times New Roman" panose="02020603050405020304" pitchFamily="18" charset="0"/>
+                          <a:cs typeface="Times New Roman" panose="02020603050405020304" pitchFamily="18" charset="0"/>
+                        </a:rPr>
+                        <a:t>Tipo</a:t>
+                      </a:r>
+                      <a:endParaRPr lang="es-ES" sz="2000">
+                        <a:effectLst/>
+                        <a:latin typeface="Times New Roman" panose="02020603050405020304" pitchFamily="18" charset="0"/>
+                        <a:ea typeface="Calibri" panose="020F0502020204030204" pitchFamily="34" charset="0"/>
+                        <a:cs typeface="Times New Roman" panose="02020603050405020304" pitchFamily="18" charset="0"/>
+                      </a:endParaRPr>
+                    </a:p>
+                  </a:txBody>
+                  <a:tcPr marL="68580" marR="68580" marT="0" marB="0"/>
+                </a:tc>
+                <a:tc>
+                  <a:txBody>
+                    <a:bodyPr/>
+                    <a:lstStyle/>
+                    <a:p>
+                      <a:pPr indent="450215" algn="ctr">
+                        <a:lnSpc>
+                          <a:spcPct val="150000"/>
+                        </a:lnSpc>
+                        <a:spcAft>
+                          <a:spcPts val="800"/>
+                        </a:spcAft>
+                      </a:pPr>
+                      <a:r>
+                        <a:rPr lang="es-ES" sz="2000">
+                          <a:effectLst/>
+                          <a:latin typeface="Times New Roman" panose="02020603050405020304" pitchFamily="18" charset="0"/>
+                          <a:cs typeface="Times New Roman" panose="02020603050405020304" pitchFamily="18" charset="0"/>
+                        </a:rPr>
+                        <a:t>Límite</a:t>
+                      </a:r>
+                      <a:endParaRPr lang="es-ES" sz="2000">
+                        <a:effectLst/>
+                        <a:latin typeface="Times New Roman" panose="02020603050405020304" pitchFamily="18" charset="0"/>
+                        <a:ea typeface="Calibri" panose="020F0502020204030204" pitchFamily="34" charset="0"/>
+                        <a:cs typeface="Times New Roman" panose="02020603050405020304" pitchFamily="18" charset="0"/>
+                      </a:endParaRPr>
+                    </a:p>
+                  </a:txBody>
+                  <a:tcPr marL="68580" marR="68580" marT="0" marB="0"/>
+                </a:tc>
+                <a:extLst>
+                  <a:ext uri="{0D108BD9-81ED-4DB2-BD59-A6C34878D82A}">
+                    <a16:rowId xmlns:a16="http://schemas.microsoft.com/office/drawing/2014/main" val="2145697206"/>
+                  </a:ext>
+                </a:extLst>
+              </a:tr>
+              <a:tr h="529109">
+                <a:tc>
+                  <a:txBody>
+                    <a:bodyPr/>
+                    <a:lstStyle/>
+                    <a:p>
+                      <a:pPr indent="450215" algn="just">
+                        <a:lnSpc>
+                          <a:spcPct val="150000"/>
+                        </a:lnSpc>
+                        <a:spcAft>
+                          <a:spcPts val="800"/>
+                        </a:spcAft>
+                      </a:pPr>
+                      <a:r>
+                        <a:rPr lang="es-ES" sz="2000" dirty="0">
+                          <a:effectLst/>
+                          <a:latin typeface="Times New Roman" panose="02020603050405020304" pitchFamily="18" charset="0"/>
+                          <a:cs typeface="Times New Roman" panose="02020603050405020304" pitchFamily="18" charset="0"/>
+                        </a:rPr>
+                        <a:t>PM</a:t>
+                      </a:r>
+                      <a:r>
+                        <a:rPr lang="es-ES" sz="2000" baseline="-25000" dirty="0">
+                          <a:effectLst/>
+                          <a:latin typeface="Times New Roman" panose="02020603050405020304" pitchFamily="18" charset="0"/>
+                          <a:cs typeface="Times New Roman" panose="02020603050405020304" pitchFamily="18" charset="0"/>
+                        </a:rPr>
+                        <a:t>2.5</a:t>
+                      </a:r>
+                      <a:endParaRPr lang="es-ES" sz="2000" dirty="0">
+                        <a:effectLst/>
+                        <a:latin typeface="Times New Roman" panose="02020603050405020304" pitchFamily="18" charset="0"/>
+                        <a:ea typeface="Calibri" panose="020F0502020204030204" pitchFamily="34" charset="0"/>
+                        <a:cs typeface="Times New Roman" panose="02020603050405020304" pitchFamily="18" charset="0"/>
+                      </a:endParaRPr>
+                    </a:p>
+                  </a:txBody>
+                  <a:tcPr marL="68580" marR="68580" marT="0" marB="0"/>
+                </a:tc>
+                <a:tc>
+                  <a:txBody>
+                    <a:bodyPr/>
+                    <a:lstStyle/>
+                    <a:p>
+                      <a:pPr indent="450215" algn="just">
+                        <a:lnSpc>
+                          <a:spcPct val="150000"/>
+                        </a:lnSpc>
+                        <a:spcAft>
+                          <a:spcPts val="800"/>
+                        </a:spcAft>
+                      </a:pPr>
+                      <a:r>
+                        <a:rPr lang="es-ES" sz="2000">
+                          <a:effectLst/>
+                          <a:latin typeface="Times New Roman" panose="02020603050405020304" pitchFamily="18" charset="0"/>
+                          <a:cs typeface="Times New Roman" panose="02020603050405020304" pitchFamily="18" charset="0"/>
+                        </a:rPr>
+                        <a:t>Primario y secundario</a:t>
+                      </a:r>
+                      <a:endParaRPr lang="es-ES" sz="2000">
+                        <a:effectLst/>
+                        <a:latin typeface="Times New Roman" panose="02020603050405020304" pitchFamily="18" charset="0"/>
+                        <a:ea typeface="Calibri" panose="020F0502020204030204" pitchFamily="34" charset="0"/>
+                        <a:cs typeface="Times New Roman" panose="02020603050405020304" pitchFamily="18" charset="0"/>
+                      </a:endParaRPr>
+                    </a:p>
+                  </a:txBody>
+                  <a:tcPr marL="68580" marR="68580" marT="0" marB="0"/>
+                </a:tc>
+                <a:tc>
+                  <a:txBody>
+                    <a:bodyPr/>
+                    <a:lstStyle/>
+                    <a:p>
+                      <a:pPr indent="450215" algn="just">
+                        <a:lnSpc>
+                          <a:spcPct val="150000"/>
+                        </a:lnSpc>
+                        <a:spcAft>
+                          <a:spcPts val="800"/>
+                        </a:spcAft>
+                      </a:pPr>
+                      <a:r>
+                        <a:rPr lang="es-ES" sz="2000">
+                          <a:effectLst/>
+                          <a:latin typeface="Times New Roman" panose="02020603050405020304" pitchFamily="18" charset="0"/>
+                          <a:cs typeface="Times New Roman" panose="02020603050405020304" pitchFamily="18" charset="0"/>
+                        </a:rPr>
+                        <a:t>25 µg/m</a:t>
+                      </a:r>
+                      <a:r>
+                        <a:rPr lang="es-ES" sz="2000" baseline="30000">
+                          <a:effectLst/>
+                          <a:latin typeface="Times New Roman" panose="02020603050405020304" pitchFamily="18" charset="0"/>
+                          <a:cs typeface="Times New Roman" panose="02020603050405020304" pitchFamily="18" charset="0"/>
+                        </a:rPr>
+                        <a:t>3 </a:t>
+                      </a:r>
+                      <a:r>
+                        <a:rPr lang="es-ES" sz="2000">
+                          <a:effectLst/>
+                          <a:latin typeface="Times New Roman" panose="02020603050405020304" pitchFamily="18" charset="0"/>
+                          <a:cs typeface="Times New Roman" panose="02020603050405020304" pitchFamily="18" charset="0"/>
+                        </a:rPr>
+                        <a:t>(media anual)</a:t>
+                      </a:r>
+                      <a:endParaRPr lang="es-ES" sz="2000">
+                        <a:effectLst/>
+                        <a:latin typeface="Times New Roman" panose="02020603050405020304" pitchFamily="18" charset="0"/>
+                        <a:ea typeface="Calibri" panose="020F0502020204030204" pitchFamily="34" charset="0"/>
+                        <a:cs typeface="Times New Roman" panose="02020603050405020304" pitchFamily="18" charset="0"/>
+                      </a:endParaRPr>
+                    </a:p>
+                  </a:txBody>
+                  <a:tcPr marL="68580" marR="68580" marT="0" marB="0"/>
+                </a:tc>
+                <a:extLst>
+                  <a:ext uri="{0D108BD9-81ED-4DB2-BD59-A6C34878D82A}">
+                    <a16:rowId xmlns:a16="http://schemas.microsoft.com/office/drawing/2014/main" val="2459952548"/>
+                  </a:ext>
+                </a:extLst>
+              </a:tr>
+              <a:tr h="529109">
+                <a:tc>
+                  <a:txBody>
+                    <a:bodyPr/>
+                    <a:lstStyle/>
+                    <a:p>
+                      <a:pPr indent="450215" algn="just">
+                        <a:lnSpc>
+                          <a:spcPct val="150000"/>
+                        </a:lnSpc>
+                        <a:spcAft>
+                          <a:spcPts val="800"/>
+                        </a:spcAft>
+                      </a:pPr>
+                      <a:r>
+                        <a:rPr lang="es-ES" sz="2000">
+                          <a:effectLst/>
+                          <a:latin typeface="Times New Roman" panose="02020603050405020304" pitchFamily="18" charset="0"/>
+                          <a:cs typeface="Times New Roman" panose="02020603050405020304" pitchFamily="18" charset="0"/>
+                        </a:rPr>
+                        <a:t>PM</a:t>
+                      </a:r>
+                      <a:r>
+                        <a:rPr lang="es-ES" sz="2000" baseline="-25000">
+                          <a:effectLst/>
+                          <a:latin typeface="Times New Roman" panose="02020603050405020304" pitchFamily="18" charset="0"/>
+                          <a:cs typeface="Times New Roman" panose="02020603050405020304" pitchFamily="18" charset="0"/>
+                        </a:rPr>
+                        <a:t>10</a:t>
+                      </a:r>
+                      <a:endParaRPr lang="es-ES" sz="2000">
+                        <a:effectLst/>
+                        <a:latin typeface="Times New Roman" panose="02020603050405020304" pitchFamily="18" charset="0"/>
+                        <a:ea typeface="Calibri" panose="020F0502020204030204" pitchFamily="34" charset="0"/>
+                        <a:cs typeface="Times New Roman" panose="02020603050405020304" pitchFamily="18" charset="0"/>
+                      </a:endParaRPr>
+                    </a:p>
+                  </a:txBody>
+                  <a:tcPr marL="68580" marR="68580" marT="0" marB="0"/>
+                </a:tc>
+                <a:tc>
+                  <a:txBody>
+                    <a:bodyPr/>
+                    <a:lstStyle/>
+                    <a:p>
+                      <a:pPr indent="450215" algn="just">
+                        <a:lnSpc>
+                          <a:spcPct val="150000"/>
+                        </a:lnSpc>
+                        <a:spcAft>
+                          <a:spcPts val="800"/>
+                        </a:spcAft>
+                      </a:pPr>
+                      <a:r>
+                        <a:rPr lang="es-ES" sz="2000" dirty="0">
+                          <a:effectLst/>
+                          <a:latin typeface="Times New Roman" panose="02020603050405020304" pitchFamily="18" charset="0"/>
+                          <a:cs typeface="Times New Roman" panose="02020603050405020304" pitchFamily="18" charset="0"/>
+                        </a:rPr>
+                        <a:t>Primario y secundario</a:t>
+                      </a:r>
+                      <a:endParaRPr lang="es-ES" sz="2000" dirty="0">
+                        <a:effectLst/>
+                        <a:latin typeface="Times New Roman" panose="02020603050405020304" pitchFamily="18" charset="0"/>
+                        <a:ea typeface="Calibri" panose="020F0502020204030204" pitchFamily="34" charset="0"/>
+                        <a:cs typeface="Times New Roman" panose="02020603050405020304" pitchFamily="18" charset="0"/>
+                      </a:endParaRPr>
+                    </a:p>
+                  </a:txBody>
+                  <a:tcPr marL="68580" marR="68580" marT="0" marB="0"/>
+                </a:tc>
+                <a:tc>
+                  <a:txBody>
+                    <a:bodyPr/>
+                    <a:lstStyle/>
+                    <a:p>
+                      <a:pPr indent="450215" algn="just">
+                        <a:lnSpc>
+                          <a:spcPct val="150000"/>
+                        </a:lnSpc>
+                        <a:spcAft>
+                          <a:spcPts val="800"/>
+                        </a:spcAft>
+                      </a:pPr>
+                      <a:r>
+                        <a:rPr lang="es-ES" sz="2000">
+                          <a:effectLst/>
+                          <a:latin typeface="Times New Roman" panose="02020603050405020304" pitchFamily="18" charset="0"/>
+                          <a:cs typeface="Times New Roman" panose="02020603050405020304" pitchFamily="18" charset="0"/>
+                        </a:rPr>
+                        <a:t>40 µg/m</a:t>
+                      </a:r>
+                      <a:r>
+                        <a:rPr lang="es-ES" sz="2000" baseline="30000">
+                          <a:effectLst/>
+                          <a:latin typeface="Times New Roman" panose="02020603050405020304" pitchFamily="18" charset="0"/>
+                          <a:cs typeface="Times New Roman" panose="02020603050405020304" pitchFamily="18" charset="0"/>
+                        </a:rPr>
+                        <a:t>3 </a:t>
+                      </a:r>
+                      <a:r>
+                        <a:rPr lang="es-ES" sz="2000">
+                          <a:effectLst/>
+                          <a:latin typeface="Times New Roman" panose="02020603050405020304" pitchFamily="18" charset="0"/>
+                          <a:cs typeface="Times New Roman" panose="02020603050405020304" pitchFamily="18" charset="0"/>
+                        </a:rPr>
+                        <a:t>(media anual)</a:t>
+                      </a:r>
+                      <a:endParaRPr lang="es-ES" sz="2000">
+                        <a:effectLst/>
+                        <a:latin typeface="Times New Roman" panose="02020603050405020304" pitchFamily="18" charset="0"/>
+                        <a:ea typeface="Calibri" panose="020F0502020204030204" pitchFamily="34" charset="0"/>
+                        <a:cs typeface="Times New Roman" panose="02020603050405020304" pitchFamily="18" charset="0"/>
+                      </a:endParaRPr>
+                    </a:p>
+                  </a:txBody>
+                  <a:tcPr marL="68580" marR="68580" marT="0" marB="0"/>
+                </a:tc>
+                <a:extLst>
+                  <a:ext uri="{0D108BD9-81ED-4DB2-BD59-A6C34878D82A}">
+                    <a16:rowId xmlns:a16="http://schemas.microsoft.com/office/drawing/2014/main" val="3885911670"/>
+                  </a:ext>
+                </a:extLst>
+              </a:tr>
+              <a:tr h="529109">
+                <a:tc>
+                  <a:txBody>
+                    <a:bodyPr/>
+                    <a:lstStyle/>
+                    <a:p>
+                      <a:pPr indent="450215" algn="just">
+                        <a:lnSpc>
+                          <a:spcPct val="150000"/>
+                        </a:lnSpc>
+                        <a:spcAft>
+                          <a:spcPts val="800"/>
+                        </a:spcAft>
+                      </a:pPr>
+                      <a:r>
+                        <a:rPr lang="es-ES" sz="2000">
+                          <a:effectLst/>
+                          <a:latin typeface="Times New Roman" panose="02020603050405020304" pitchFamily="18" charset="0"/>
+                          <a:cs typeface="Times New Roman" panose="02020603050405020304" pitchFamily="18" charset="0"/>
+                        </a:rPr>
+                        <a:t>O3</a:t>
+                      </a:r>
+                      <a:endParaRPr lang="es-ES" sz="2000">
+                        <a:effectLst/>
+                        <a:latin typeface="Times New Roman" panose="02020603050405020304" pitchFamily="18" charset="0"/>
+                        <a:ea typeface="Calibri" panose="020F0502020204030204" pitchFamily="34" charset="0"/>
+                        <a:cs typeface="Times New Roman" panose="02020603050405020304" pitchFamily="18" charset="0"/>
+                      </a:endParaRPr>
+                    </a:p>
+                  </a:txBody>
+                  <a:tcPr marL="68580" marR="68580" marT="0" marB="0"/>
+                </a:tc>
+                <a:tc>
+                  <a:txBody>
+                    <a:bodyPr/>
+                    <a:lstStyle/>
+                    <a:p>
+                      <a:pPr indent="450215" algn="just">
+                        <a:lnSpc>
+                          <a:spcPct val="150000"/>
+                        </a:lnSpc>
+                        <a:spcAft>
+                          <a:spcPts val="800"/>
+                        </a:spcAft>
+                      </a:pPr>
+                      <a:r>
+                        <a:rPr lang="es-ES" sz="2000" dirty="0">
+                          <a:effectLst/>
+                          <a:latin typeface="Times New Roman" panose="02020603050405020304" pitchFamily="18" charset="0"/>
+                          <a:cs typeface="Times New Roman" panose="02020603050405020304" pitchFamily="18" charset="0"/>
+                        </a:rPr>
+                        <a:t>Secundario</a:t>
+                      </a:r>
+                      <a:endParaRPr lang="es-ES" sz="2000" dirty="0">
+                        <a:effectLst/>
+                        <a:latin typeface="Times New Roman" panose="02020603050405020304" pitchFamily="18" charset="0"/>
+                        <a:ea typeface="Calibri" panose="020F0502020204030204" pitchFamily="34" charset="0"/>
+                        <a:cs typeface="Times New Roman" panose="02020603050405020304" pitchFamily="18" charset="0"/>
+                      </a:endParaRPr>
+                    </a:p>
+                  </a:txBody>
+                  <a:tcPr marL="68580" marR="68580" marT="0" marB="0"/>
+                </a:tc>
+                <a:tc>
+                  <a:txBody>
+                    <a:bodyPr/>
+                    <a:lstStyle/>
+                    <a:p>
+                      <a:pPr indent="450215" algn="just">
+                        <a:lnSpc>
+                          <a:spcPct val="150000"/>
+                        </a:lnSpc>
+                        <a:spcAft>
+                          <a:spcPts val="800"/>
+                        </a:spcAft>
+                      </a:pPr>
+                      <a:r>
+                        <a:rPr lang="es-ES" sz="2000">
+                          <a:effectLst/>
+                          <a:latin typeface="Times New Roman" panose="02020603050405020304" pitchFamily="18" charset="0"/>
+                          <a:cs typeface="Times New Roman" panose="02020603050405020304" pitchFamily="18" charset="0"/>
+                        </a:rPr>
+                        <a:t>120 µg/m</a:t>
+                      </a:r>
+                      <a:r>
+                        <a:rPr lang="es-ES" sz="2000" baseline="30000">
+                          <a:effectLst/>
+                          <a:latin typeface="Times New Roman" panose="02020603050405020304" pitchFamily="18" charset="0"/>
+                          <a:cs typeface="Times New Roman" panose="02020603050405020304" pitchFamily="18" charset="0"/>
+                        </a:rPr>
+                        <a:t>3 </a:t>
+                      </a:r>
+                      <a:r>
+                        <a:rPr lang="es-ES" sz="2000">
+                          <a:effectLst/>
+                          <a:latin typeface="Times New Roman" panose="02020603050405020304" pitchFamily="18" charset="0"/>
+                          <a:cs typeface="Times New Roman" panose="02020603050405020304" pitchFamily="18" charset="0"/>
+                        </a:rPr>
+                        <a:t>(máxima diaria)</a:t>
+                      </a:r>
+                      <a:endParaRPr lang="es-ES" sz="2000">
+                        <a:effectLst/>
+                        <a:latin typeface="Times New Roman" panose="02020603050405020304" pitchFamily="18" charset="0"/>
+                        <a:ea typeface="Calibri" panose="020F0502020204030204" pitchFamily="34" charset="0"/>
+                        <a:cs typeface="Times New Roman" panose="02020603050405020304" pitchFamily="18" charset="0"/>
+                      </a:endParaRPr>
+                    </a:p>
+                  </a:txBody>
+                  <a:tcPr marL="68580" marR="68580" marT="0" marB="0"/>
+                </a:tc>
+                <a:extLst>
+                  <a:ext uri="{0D108BD9-81ED-4DB2-BD59-A6C34878D82A}">
+                    <a16:rowId xmlns:a16="http://schemas.microsoft.com/office/drawing/2014/main" val="4049715608"/>
+                  </a:ext>
+                </a:extLst>
+              </a:tr>
+              <a:tr h="529109">
+                <a:tc>
+                  <a:txBody>
+                    <a:bodyPr/>
+                    <a:lstStyle/>
+                    <a:p>
+                      <a:pPr indent="450215" algn="just">
+                        <a:lnSpc>
+                          <a:spcPct val="150000"/>
+                        </a:lnSpc>
+                        <a:spcAft>
+                          <a:spcPts val="800"/>
+                        </a:spcAft>
+                      </a:pPr>
+                      <a:r>
+                        <a:rPr lang="es-ES" sz="2000">
+                          <a:effectLst/>
+                          <a:latin typeface="Times New Roman" panose="02020603050405020304" pitchFamily="18" charset="0"/>
+                          <a:cs typeface="Times New Roman" panose="02020603050405020304" pitchFamily="18" charset="0"/>
+                        </a:rPr>
+                        <a:t>NO2</a:t>
+                      </a:r>
+                      <a:endParaRPr lang="es-ES" sz="2000">
+                        <a:effectLst/>
+                        <a:latin typeface="Times New Roman" panose="02020603050405020304" pitchFamily="18" charset="0"/>
+                        <a:ea typeface="Calibri" panose="020F0502020204030204" pitchFamily="34" charset="0"/>
+                        <a:cs typeface="Times New Roman" panose="02020603050405020304" pitchFamily="18" charset="0"/>
+                      </a:endParaRPr>
+                    </a:p>
+                  </a:txBody>
+                  <a:tcPr marL="68580" marR="68580" marT="0" marB="0"/>
+                </a:tc>
+                <a:tc>
+                  <a:txBody>
+                    <a:bodyPr/>
+                    <a:lstStyle/>
+                    <a:p>
+                      <a:pPr indent="450215" algn="just">
+                        <a:lnSpc>
+                          <a:spcPct val="150000"/>
+                        </a:lnSpc>
+                        <a:spcAft>
+                          <a:spcPts val="800"/>
+                        </a:spcAft>
+                      </a:pPr>
+                      <a:r>
+                        <a:rPr lang="es-ES" sz="2000" dirty="0">
+                          <a:effectLst/>
+                          <a:latin typeface="Times New Roman" panose="02020603050405020304" pitchFamily="18" charset="0"/>
+                          <a:cs typeface="Times New Roman" panose="02020603050405020304" pitchFamily="18" charset="0"/>
+                        </a:rPr>
+                        <a:t>Primario y secundario</a:t>
+                      </a:r>
+                      <a:endParaRPr lang="es-ES" sz="2000" dirty="0">
+                        <a:effectLst/>
+                        <a:latin typeface="Times New Roman" panose="02020603050405020304" pitchFamily="18" charset="0"/>
+                        <a:ea typeface="Calibri" panose="020F0502020204030204" pitchFamily="34" charset="0"/>
+                        <a:cs typeface="Times New Roman" panose="02020603050405020304" pitchFamily="18" charset="0"/>
+                      </a:endParaRPr>
+                    </a:p>
+                  </a:txBody>
+                  <a:tcPr marL="68580" marR="68580" marT="0" marB="0"/>
+                </a:tc>
+                <a:tc>
+                  <a:txBody>
+                    <a:bodyPr/>
+                    <a:lstStyle/>
+                    <a:p>
+                      <a:pPr indent="450215" algn="just">
+                        <a:lnSpc>
+                          <a:spcPct val="150000"/>
+                        </a:lnSpc>
+                        <a:spcAft>
+                          <a:spcPts val="800"/>
+                        </a:spcAft>
+                      </a:pPr>
+                      <a:r>
+                        <a:rPr lang="es-ES" sz="2000" dirty="0">
+                          <a:effectLst/>
+                          <a:latin typeface="Times New Roman" panose="02020603050405020304" pitchFamily="18" charset="0"/>
+                          <a:cs typeface="Times New Roman" panose="02020603050405020304" pitchFamily="18" charset="0"/>
+                        </a:rPr>
+                        <a:t>40 µg/m</a:t>
+                      </a:r>
+                      <a:r>
+                        <a:rPr lang="es-ES" sz="2000" baseline="30000" dirty="0">
+                          <a:effectLst/>
+                          <a:latin typeface="Times New Roman" panose="02020603050405020304" pitchFamily="18" charset="0"/>
+                          <a:cs typeface="Times New Roman" panose="02020603050405020304" pitchFamily="18" charset="0"/>
+                        </a:rPr>
+                        <a:t>3 </a:t>
+                      </a:r>
+                      <a:r>
+                        <a:rPr lang="es-ES" sz="2000" dirty="0">
+                          <a:effectLst/>
+                          <a:latin typeface="Times New Roman" panose="02020603050405020304" pitchFamily="18" charset="0"/>
+                          <a:cs typeface="Times New Roman" panose="02020603050405020304" pitchFamily="18" charset="0"/>
+                        </a:rPr>
+                        <a:t>(media anual)</a:t>
+                      </a:r>
+                      <a:endParaRPr lang="es-ES" sz="2000" dirty="0">
+                        <a:effectLst/>
+                        <a:latin typeface="Times New Roman" panose="02020603050405020304" pitchFamily="18" charset="0"/>
+                        <a:ea typeface="Calibri" panose="020F0502020204030204" pitchFamily="34" charset="0"/>
+                        <a:cs typeface="Times New Roman" panose="02020603050405020304" pitchFamily="18" charset="0"/>
+                      </a:endParaRPr>
+                    </a:p>
+                  </a:txBody>
+                  <a:tcPr marL="68580" marR="68580" marT="0" marB="0"/>
+                </a:tc>
+                <a:extLst>
+                  <a:ext uri="{0D108BD9-81ED-4DB2-BD59-A6C34878D82A}">
+                    <a16:rowId xmlns:a16="http://schemas.microsoft.com/office/drawing/2014/main" val="899639520"/>
+                  </a:ext>
+                </a:extLst>
+              </a:tr>
+              <a:tr h="529109">
+                <a:tc>
+                  <a:txBody>
+                    <a:bodyPr/>
+                    <a:lstStyle/>
+                    <a:p>
+                      <a:pPr indent="450215" algn="just">
+                        <a:lnSpc>
+                          <a:spcPct val="150000"/>
+                        </a:lnSpc>
+                        <a:spcAft>
+                          <a:spcPts val="800"/>
+                        </a:spcAft>
+                      </a:pPr>
+                      <a:r>
+                        <a:rPr lang="es-ES" sz="2000">
+                          <a:effectLst/>
+                          <a:latin typeface="Times New Roman" panose="02020603050405020304" pitchFamily="18" charset="0"/>
+                          <a:cs typeface="Times New Roman" panose="02020603050405020304" pitchFamily="18" charset="0"/>
+                        </a:rPr>
+                        <a:t>SO2</a:t>
+                      </a:r>
+                      <a:endParaRPr lang="es-ES" sz="2000">
+                        <a:effectLst/>
+                        <a:latin typeface="Times New Roman" panose="02020603050405020304" pitchFamily="18" charset="0"/>
+                        <a:ea typeface="Calibri" panose="020F0502020204030204" pitchFamily="34" charset="0"/>
+                        <a:cs typeface="Times New Roman" panose="02020603050405020304" pitchFamily="18" charset="0"/>
+                      </a:endParaRPr>
+                    </a:p>
+                  </a:txBody>
+                  <a:tcPr marL="68580" marR="68580" marT="0" marB="0"/>
+                </a:tc>
+                <a:tc>
+                  <a:txBody>
+                    <a:bodyPr/>
+                    <a:lstStyle/>
+                    <a:p>
+                      <a:pPr indent="450215" algn="just">
+                        <a:lnSpc>
+                          <a:spcPct val="150000"/>
+                        </a:lnSpc>
+                        <a:spcAft>
+                          <a:spcPts val="800"/>
+                        </a:spcAft>
+                      </a:pPr>
+                      <a:r>
+                        <a:rPr lang="es-ES" sz="2000">
+                          <a:effectLst/>
+                          <a:latin typeface="Times New Roman" panose="02020603050405020304" pitchFamily="18" charset="0"/>
+                          <a:cs typeface="Times New Roman" panose="02020603050405020304" pitchFamily="18" charset="0"/>
+                        </a:rPr>
+                        <a:t>Primario</a:t>
+                      </a:r>
+                      <a:endParaRPr lang="es-ES" sz="2000">
+                        <a:effectLst/>
+                        <a:latin typeface="Times New Roman" panose="02020603050405020304" pitchFamily="18" charset="0"/>
+                        <a:ea typeface="Calibri" panose="020F0502020204030204" pitchFamily="34" charset="0"/>
+                        <a:cs typeface="Times New Roman" panose="02020603050405020304" pitchFamily="18" charset="0"/>
+                      </a:endParaRPr>
+                    </a:p>
+                  </a:txBody>
+                  <a:tcPr marL="68580" marR="68580" marT="0" marB="0"/>
+                </a:tc>
+                <a:tc>
+                  <a:txBody>
+                    <a:bodyPr/>
+                    <a:lstStyle/>
+                    <a:p>
+                      <a:pPr indent="450215" algn="just">
+                        <a:lnSpc>
+                          <a:spcPct val="150000"/>
+                        </a:lnSpc>
+                        <a:spcAft>
+                          <a:spcPts val="800"/>
+                        </a:spcAft>
+                      </a:pPr>
+                      <a:r>
+                        <a:rPr lang="es-ES" sz="2000" dirty="0">
+                          <a:effectLst/>
+                          <a:latin typeface="Times New Roman" panose="02020603050405020304" pitchFamily="18" charset="0"/>
+                          <a:cs typeface="Times New Roman" panose="02020603050405020304" pitchFamily="18" charset="0"/>
+                        </a:rPr>
+                        <a:t>125 µg/m</a:t>
+                      </a:r>
+                      <a:r>
+                        <a:rPr lang="es-ES" sz="2000" baseline="30000" dirty="0">
+                          <a:effectLst/>
+                          <a:latin typeface="Times New Roman" panose="02020603050405020304" pitchFamily="18" charset="0"/>
+                          <a:cs typeface="Times New Roman" panose="02020603050405020304" pitchFamily="18" charset="0"/>
+                        </a:rPr>
+                        <a:t>3 </a:t>
+                      </a:r>
+                      <a:r>
+                        <a:rPr lang="es-ES" sz="2000" dirty="0">
+                          <a:effectLst/>
+                          <a:latin typeface="Times New Roman" panose="02020603050405020304" pitchFamily="18" charset="0"/>
+                          <a:cs typeface="Times New Roman" panose="02020603050405020304" pitchFamily="18" charset="0"/>
+                        </a:rPr>
+                        <a:t>(media diaria)</a:t>
+                      </a:r>
+                      <a:endParaRPr lang="es-ES" sz="2000" dirty="0">
+                        <a:effectLst/>
+                        <a:latin typeface="Times New Roman" panose="02020603050405020304" pitchFamily="18" charset="0"/>
+                        <a:ea typeface="Calibri" panose="020F0502020204030204" pitchFamily="34" charset="0"/>
+                        <a:cs typeface="Times New Roman" panose="02020603050405020304" pitchFamily="18" charset="0"/>
+                      </a:endParaRPr>
+                    </a:p>
+                  </a:txBody>
+                  <a:tcPr marL="68580" marR="68580" marT="0" marB="0"/>
+                </a:tc>
+                <a:extLst>
+                  <a:ext uri="{0D108BD9-81ED-4DB2-BD59-A6C34878D82A}">
+                    <a16:rowId xmlns:a16="http://schemas.microsoft.com/office/drawing/2014/main" val="951153137"/>
+                  </a:ext>
+                </a:extLst>
+              </a:tr>
+            </a:tbl>
+          </a:graphicData>
+        </a:graphic>
+      </p:graphicFrame>
       <p:cxnSp>
         <p:nvCxnSpPr>
           <p:cNvPr id="6" name="Conector recto 5">
             <a:extLst>
               <a:ext uri="{FF2B5EF4-FFF2-40B4-BE49-F238E27FC236}">
-                <a16:creationId xmlns:a16="http://schemas.microsoft.com/office/drawing/2014/main" id="{A49CC12E-2029-EE86-B3F1-9E526AF019A3}"/>
+                <a16:creationId xmlns:a16="http://schemas.microsoft.com/office/drawing/2014/main" id="{1C6EA18F-EC2B-0596-C9DD-3CF8C6F4730A}"/>
               </a:ext>
             </a:extLst>
           </p:cNvPr>
@@ -9678,7 +11849,7 @@
           <p:cNvPr id="7" name="CuadroTexto 6">
             <a:extLst>
               <a:ext uri="{FF2B5EF4-FFF2-40B4-BE49-F238E27FC236}">
-                <a16:creationId xmlns:a16="http://schemas.microsoft.com/office/drawing/2014/main" id="{13F9DC10-FDA4-C429-D84B-16CC1BF3A1FF}"/>
+                <a16:creationId xmlns:a16="http://schemas.microsoft.com/office/drawing/2014/main" id="{E3E3A379-8CB8-4BAC-D6A0-C12160183DA6}"/>
               </a:ext>
             </a:extLst>
           </p:cNvPr>
@@ -9719,7 +11890,7 @@
           <p:cNvPr id="8" name="CuadroTexto 7">
             <a:extLst>
               <a:ext uri="{FF2B5EF4-FFF2-40B4-BE49-F238E27FC236}">
-                <a16:creationId xmlns:a16="http://schemas.microsoft.com/office/drawing/2014/main" id="{175AE15E-534A-44AC-5D11-3133E68AE10A}"/>
+                <a16:creationId xmlns:a16="http://schemas.microsoft.com/office/drawing/2014/main" id="{91F679E8-2F8A-EEC7-A946-47547BC1F2B7}"/>
               </a:ext>
             </a:extLst>
           </p:cNvPr>
@@ -9758,7 +11929,7 @@
     </p:spTree>
     <p:extLst>
       <p:ext uri="{BB962C8B-B14F-4D97-AF65-F5344CB8AC3E}">
-        <p14:creationId xmlns:p14="http://schemas.microsoft.com/office/powerpoint/2010/main" val="3763594052"/>
+        <p14:creationId xmlns:p14="http://schemas.microsoft.com/office/powerpoint/2010/main" val="3760727299"/>
       </p:ext>
     </p:extLst>
   </p:cSld>
@@ -9787,10 +11958,10 @@
       </p:grpSpPr>
       <p:sp>
         <p:nvSpPr>
-          <p:cNvPr id="2" name="Título 1">
-            <a:extLst>
-              <a:ext uri="{FF2B5EF4-FFF2-40B4-BE49-F238E27FC236}">
-                <a16:creationId xmlns:a16="http://schemas.microsoft.com/office/drawing/2014/main" id="{2D845FAF-10D9-A2BF-C13C-04B0B1C734F8}"/>
+          <p:cNvPr id="4" name="Marcador de contenido 2">
+            <a:extLst>
+              <a:ext uri="{FF2B5EF4-FFF2-40B4-BE49-F238E27FC236}">
+                <a16:creationId xmlns:a16="http://schemas.microsoft.com/office/drawing/2014/main" id="{EF588F97-079A-1AE3-5CF9-B37D7AA33CA1}"/>
               </a:ext>
             </a:extLst>
           </p:cNvPr>
@@ -9798,66 +11969,56 @@
             <a:spLocks noGrp="1"/>
           </p:cNvSpPr>
           <p:nvPr>
-            <p:ph type="title"/>
+            <p:ph idx="1"/>
           </p:nvPr>
         </p:nvSpPr>
-        <p:spPr/>
+        <p:spPr>
+          <a:xfrm>
+            <a:off x="838200" y="665679"/>
+            <a:ext cx="10515600" cy="4351338"/>
+          </a:xfrm>
+        </p:spPr>
         <p:txBody>
           <a:bodyPr/>
           <a:lstStyle/>
           <a:p>
             <a:r>
-              <a:rPr lang="es-ES" dirty="0">
-                <a:latin typeface="Times New Roman" panose="02020603050405020304" pitchFamily="18" charset="0"/>
-                <a:cs typeface="Times New Roman" panose="02020603050405020304" pitchFamily="18" charset="0"/>
-              </a:rPr>
-              <a:t>Métodos y herramientas</a:t>
-            </a:r>
+              <a:rPr lang="es-ES" u="sng" dirty="0">
+                <a:latin typeface="Times New Roman" panose="02020603050405020304" pitchFamily="18" charset="0"/>
+                <a:cs typeface="Times New Roman" panose="02020603050405020304" pitchFamily="18" charset="0"/>
+              </a:rPr>
+              <a:t>Índice de Calidad del Aire</a:t>
+            </a:r>
+          </a:p>
+          <a:p>
+            <a:pPr marL="0" indent="0">
+              <a:buNone/>
+            </a:pPr>
+            <a:r>
+              <a:rPr lang="es-ES" sz="2400" dirty="0">
+                <a:latin typeface="Times New Roman" panose="02020603050405020304" pitchFamily="18" charset="0"/>
+                <a:cs typeface="Times New Roman" panose="02020603050405020304" pitchFamily="18" charset="0"/>
+              </a:rPr>
+              <a:t>Transforma las concentraciones a un valor entre 0 y 500.</a:t>
+            </a:r>
+          </a:p>
+          <a:p>
+            <a:pPr marL="0" indent="0">
+              <a:buNone/>
+            </a:pPr>
+            <a:endParaRPr lang="es-ES" u="sng" dirty="0">
+              <a:latin typeface="Times New Roman" panose="02020603050405020304" pitchFamily="18" charset="0"/>
+              <a:cs typeface="Times New Roman" panose="02020603050405020304" pitchFamily="18" charset="0"/>
+            </a:endParaRPr>
           </a:p>
         </p:txBody>
       </p:sp>
       <p:pic>
         <p:nvPicPr>
-          <p:cNvPr id="15" name="Imagen 14" descr="Diagrama&#10;&#10;Descripción generada automáticamente">
-            <a:extLst>
-              <a:ext uri="{FF2B5EF4-FFF2-40B4-BE49-F238E27FC236}">
-                <a16:creationId xmlns:a16="http://schemas.microsoft.com/office/drawing/2014/main" id="{1EC2CDA7-0A21-13BA-DA0A-01829807969E}"/>
-              </a:ext>
-            </a:extLst>
-          </p:cNvPr>
-          <p:cNvPicPr>
-            <a:picLocks noChangeAspect="1"/>
-          </p:cNvPicPr>
-          <p:nvPr/>
-        </p:nvPicPr>
-        <p:blipFill>
-          <a:blip r:embed="rId2">
-            <a:extLst>
-              <a:ext uri="{28A0092B-C50C-407E-A947-70E740481C1C}">
-                <a14:useLocalDpi xmlns:a14="http://schemas.microsoft.com/office/drawing/2010/main" val="0"/>
-              </a:ext>
-            </a:extLst>
-          </a:blip>
-          <a:stretch>
-            <a:fillRect/>
-          </a:stretch>
-        </p:blipFill>
-        <p:spPr>
-          <a:xfrm>
-            <a:off x="838199" y="1907576"/>
-            <a:ext cx="7544725" cy="3042847"/>
-          </a:xfrm>
-          <a:prstGeom prst="rect">
-            <a:avLst/>
-          </a:prstGeom>
-        </p:spPr>
-      </p:pic>
-      <p:pic>
-        <p:nvPicPr>
-          <p:cNvPr id="17" name="Imagen 16" descr="Un letrero de color negro&#10;&#10;Descripción generada automáticamente con confianza media">
-            <a:extLst>
-              <a:ext uri="{FF2B5EF4-FFF2-40B4-BE49-F238E27FC236}">
-                <a16:creationId xmlns:a16="http://schemas.microsoft.com/office/drawing/2014/main" id="{1FB56E7C-975C-30AD-B77D-14A5E1D859B5}"/>
+          <p:cNvPr id="5" name="Imagen 4" descr="Imagen que contiene Tabla&#10;&#10;Descripción generada automáticamente">
+            <a:extLst>
+              <a:ext uri="{FF2B5EF4-FFF2-40B4-BE49-F238E27FC236}">
+                <a16:creationId xmlns:a16="http://schemas.microsoft.com/office/drawing/2014/main" id="{CE97C757-BE2C-FBFC-A983-4DBA4AFC5DCD}"/>
               </a:ext>
             </a:extLst>
           </p:cNvPr>
@@ -9867,32 +12028,46 @@
           <p:nvPr/>
         </p:nvPicPr>
         <p:blipFill rotWithShape="1">
-          <a:blip r:embed="rId3">
+          <a:blip r:embed="rId2">
             <a:extLst>
               <a:ext uri="{28A0092B-C50C-407E-A947-70E740481C1C}">
                 <a14:useLocalDpi xmlns:a14="http://schemas.microsoft.com/office/drawing/2010/main" val="0"/>
               </a:ext>
             </a:extLst>
           </a:blip>
-          <a:srcRect r="11533"/>
+          <a:srcRect l="6627" t="9259" r="7273" b="8806"/>
           <a:stretch/>
         </p:blipFill>
         <p:spPr>
           <a:xfrm>
-            <a:off x="8766011" y="1907576"/>
-            <a:ext cx="2611883" cy="2952381"/>
+            <a:off x="3533471" y="1908475"/>
+            <a:ext cx="5125058" cy="3891961"/>
           </a:xfrm>
           <a:prstGeom prst="rect">
             <a:avLst/>
           </a:prstGeom>
+          <a:ln w="38100" cap="sq">
+            <a:solidFill>
+              <a:srgbClr val="000000"/>
+            </a:solidFill>
+            <a:prstDash val="solid"/>
+            <a:miter lim="800000"/>
+          </a:ln>
+          <a:effectLst>
+            <a:outerShdw blurRad="50800" dist="38100" dir="2700000" algn="tl" rotWithShape="0">
+              <a:srgbClr val="000000">
+                <a:alpha val="43000"/>
+              </a:srgbClr>
+            </a:outerShdw>
+          </a:effectLst>
         </p:spPr>
       </p:pic>
       <p:cxnSp>
         <p:nvCxnSpPr>
-          <p:cNvPr id="18" name="Conector recto 17">
-            <a:extLst>
-              <a:ext uri="{FF2B5EF4-FFF2-40B4-BE49-F238E27FC236}">
-                <a16:creationId xmlns:a16="http://schemas.microsoft.com/office/drawing/2014/main" id="{3E64844F-D1E6-ECEE-CE31-1295FDAAECFD}"/>
+          <p:cNvPr id="6" name="Conector recto 5">
+            <a:extLst>
+              <a:ext uri="{FF2B5EF4-FFF2-40B4-BE49-F238E27FC236}">
+                <a16:creationId xmlns:a16="http://schemas.microsoft.com/office/drawing/2014/main" id="{BC9167CA-1CE5-CD79-0B85-C349C4A5C37D}"/>
               </a:ext>
             </a:extLst>
           </p:cNvPr>
@@ -9930,10 +12105,10 @@
       </p:cxnSp>
       <p:sp>
         <p:nvSpPr>
-          <p:cNvPr id="19" name="CuadroTexto 18">
-            <a:extLst>
-              <a:ext uri="{FF2B5EF4-FFF2-40B4-BE49-F238E27FC236}">
-                <a16:creationId xmlns:a16="http://schemas.microsoft.com/office/drawing/2014/main" id="{D730C5D1-C68A-0241-C51F-30339C0BF72A}"/>
+          <p:cNvPr id="7" name="CuadroTexto 6">
+            <a:extLst>
+              <a:ext uri="{FF2B5EF4-FFF2-40B4-BE49-F238E27FC236}">
+                <a16:creationId xmlns:a16="http://schemas.microsoft.com/office/drawing/2014/main" id="{E4F6E14D-69C2-26B5-6E2A-F3CE2A6B1CFD}"/>
               </a:ext>
             </a:extLst>
           </p:cNvPr>
@@ -9971,10 +12146,10 @@
       </p:sp>
       <p:sp>
         <p:nvSpPr>
-          <p:cNvPr id="20" name="CuadroTexto 19">
-            <a:extLst>
-              <a:ext uri="{FF2B5EF4-FFF2-40B4-BE49-F238E27FC236}">
-                <a16:creationId xmlns:a16="http://schemas.microsoft.com/office/drawing/2014/main" id="{39C76F7C-9F00-566C-E23F-2A391A327F9C}"/>
+          <p:cNvPr id="8" name="CuadroTexto 7">
+            <a:extLst>
+              <a:ext uri="{FF2B5EF4-FFF2-40B4-BE49-F238E27FC236}">
+                <a16:creationId xmlns:a16="http://schemas.microsoft.com/office/drawing/2014/main" id="{136BFF18-74D7-424F-84EA-C7408313550A}"/>
               </a:ext>
             </a:extLst>
           </p:cNvPr>
@@ -9984,7 +12159,7 @@
         <p:spPr>
           <a:xfrm>
             <a:off x="755072" y="6366142"/>
-            <a:ext cx="4518892" cy="369332"/>
+            <a:ext cx="2366819" cy="369332"/>
           </a:xfrm>
           <a:prstGeom prst="rect">
             <a:avLst/>
@@ -10005,7 +12180,7 @@
                 <a:latin typeface="Times New Roman" panose="02020603050405020304" pitchFamily="18" charset="0"/>
                 <a:cs typeface="Times New Roman" panose="02020603050405020304" pitchFamily="18" charset="0"/>
               </a:rPr>
-              <a:t>Métodos y herramientas</a:t>
+              <a:t>Conceptos teóricos</a:t>
             </a:r>
           </a:p>
         </p:txBody>
@@ -10013,7 +12188,7 @@
     </p:spTree>
     <p:extLst>
       <p:ext uri="{BB962C8B-B14F-4D97-AF65-F5344CB8AC3E}">
-        <p14:creationId xmlns:p14="http://schemas.microsoft.com/office/powerpoint/2010/main" val="3400125560"/>
+        <p14:creationId xmlns:p14="http://schemas.microsoft.com/office/powerpoint/2010/main" val="3846936728"/>
       </p:ext>
     </p:extLst>
   </p:cSld>
@@ -10040,47 +12215,71 @@
           <a:chExt cx="0" cy="0"/>
         </a:xfrm>
       </p:grpSpPr>
-      <p:pic>
-        <p:nvPicPr>
-          <p:cNvPr id="5" name="Marcador de contenido 4" descr="Imagen que contiene plato, tren, taza, alimentos&#10;&#10;Descripción generada automáticamente">
-            <a:extLst>
-              <a:ext uri="{FF2B5EF4-FFF2-40B4-BE49-F238E27FC236}">
-                <a16:creationId xmlns:a16="http://schemas.microsoft.com/office/drawing/2014/main" id="{D44144E4-03C9-BBD3-49CF-298BDB671481}"/>
-              </a:ext>
-            </a:extLst>
-          </p:cNvPr>
-          <p:cNvPicPr>
-            <a:picLocks noGrp="1" noChangeAspect="1"/>
-          </p:cNvPicPr>
+      <p:sp>
+        <p:nvSpPr>
+          <p:cNvPr id="3" name="Marcador de contenido 2">
+            <a:extLst>
+              <a:ext uri="{FF2B5EF4-FFF2-40B4-BE49-F238E27FC236}">
+                <a16:creationId xmlns:a16="http://schemas.microsoft.com/office/drawing/2014/main" id="{0A863876-6258-D60C-9C51-F5FC57921F5C}"/>
+              </a:ext>
+            </a:extLst>
+          </p:cNvPr>
+          <p:cNvSpPr>
+            <a:spLocks noGrp="1"/>
+          </p:cNvSpPr>
           <p:nvPr>
             <p:ph idx="1"/>
           </p:nvPr>
-        </p:nvPicPr>
-        <p:blipFill>
-          <a:blip r:embed="rId2">
-            <a:extLst>
-              <a:ext uri="{28A0092B-C50C-407E-A947-70E740481C1C}">
-                <a14:useLocalDpi xmlns:a14="http://schemas.microsoft.com/office/drawing/2010/main" val="0"/>
-              </a:ext>
-            </a:extLst>
-          </a:blip>
-          <a:stretch>
-            <a:fillRect/>
-          </a:stretch>
-        </p:blipFill>
-        <p:spPr>
-          <a:xfrm>
-            <a:off x="1214566" y="997309"/>
-            <a:ext cx="4734154" cy="1325563"/>
-          </a:xfrm>
-        </p:spPr>
-      </p:pic>
+        </p:nvSpPr>
+        <p:spPr>
+          <a:xfrm>
+            <a:off x="838199" y="3081697"/>
+            <a:ext cx="10420927" cy="2417620"/>
+          </a:xfrm>
+        </p:spPr>
+        <p:txBody>
+          <a:bodyPr>
+            <a:normAutofit/>
+          </a:bodyPr>
+          <a:lstStyle/>
+          <a:p>
+            <a:pPr algn="just"/>
+            <a:r>
+              <a:rPr lang="es-ES" sz="2400" dirty="0">
+                <a:latin typeface="Times New Roman" panose="02020603050405020304" pitchFamily="18" charset="0"/>
+                <a:cs typeface="Times New Roman" panose="02020603050405020304" pitchFamily="18" charset="0"/>
+              </a:rPr>
+              <a:t>Conjunto de datos: son series temporales de los valores de los contaminantes y los valores meteorológicos</a:t>
+            </a:r>
+          </a:p>
+          <a:p>
+            <a:pPr algn="just"/>
+            <a:r>
+              <a:rPr lang="es-ES" sz="2400" dirty="0">
+                <a:latin typeface="Times New Roman" panose="02020603050405020304" pitchFamily="18" charset="0"/>
+                <a:cs typeface="Times New Roman" panose="02020603050405020304" pitchFamily="18" charset="0"/>
+              </a:rPr>
+              <a:t>Algoritmo de entrenamiento: cálculo de los pesos y sesgos de la red neuronal que proporcionan los mejores resultados</a:t>
+            </a:r>
+          </a:p>
+          <a:p>
+            <a:pPr algn="just"/>
+            <a:r>
+              <a:rPr lang="es-ES" sz="2400" dirty="0">
+                <a:latin typeface="Times New Roman" panose="02020603050405020304" pitchFamily="18" charset="0"/>
+                <a:cs typeface="Times New Roman" panose="02020603050405020304" pitchFamily="18" charset="0"/>
+              </a:rPr>
+              <a:t>Función de coste: estimación de la calidad de los resultados obtenidos (error)</a:t>
+            </a:r>
+          </a:p>
+        </p:txBody>
+      </p:sp>
       <p:pic>
         <p:nvPicPr>
-          <p:cNvPr id="12" name="Imagen 11" descr="Icono&#10;&#10;Descripción generada automáticamente">
-            <a:extLst>
-              <a:ext uri="{FF2B5EF4-FFF2-40B4-BE49-F238E27FC236}">
-                <a16:creationId xmlns:a16="http://schemas.microsoft.com/office/drawing/2014/main" id="{B28E6F26-BC5F-FB97-60CC-7B8CC8D7B897}"/>
+          <p:cNvPr id="5" name="Gráfico 27">
+            <a:extLst>
+              <a:ext uri="{FF2B5EF4-FFF2-40B4-BE49-F238E27FC236}">
+                <a16:creationId xmlns:a16="http://schemas.microsoft.com/office/drawing/2014/main" id="{0C91964D-C739-75A4-884C-C13723771427}"/>
               </a:ext>
             </a:extLst>
           </p:cNvPr>
@@ -10089,106 +12288,44 @@
           </p:cNvPicPr>
           <p:nvPr/>
         </p:nvPicPr>
-        <p:blipFill>
-          <a:blip r:embed="rId3">
+        <p:blipFill rotWithShape="1">
+          <a:blip r:embed="rId2" cstate="print">
             <a:extLst>
               <a:ext uri="{28A0092B-C50C-407E-A947-70E740481C1C}">
                 <a14:useLocalDpi xmlns:a14="http://schemas.microsoft.com/office/drawing/2010/main" val="0"/>
               </a:ext>
+              <a:ext uri="{96DAC541-7B7A-43D3-8B79-37D633B846F1}">
+                <asvg:svgBlip xmlns:asvg="http://schemas.microsoft.com/office/drawing/2016/SVG/main" r:embed="rId3"/>
+              </a:ext>
             </a:extLst>
           </a:blip>
-          <a:stretch>
-            <a:fillRect/>
-          </a:stretch>
+          <a:srcRect t="16737" b="20772"/>
+          <a:stretch/>
         </p:blipFill>
-        <p:spPr>
-          <a:xfrm>
-            <a:off x="2135158" y="4170435"/>
-            <a:ext cx="2892969" cy="1488050"/>
+        <p:spPr bwMode="auto">
+          <a:xfrm>
+            <a:off x="3992880" y="1358684"/>
+            <a:ext cx="4206240" cy="1374775"/>
           </a:xfrm>
           <a:prstGeom prst="rect">
             <a:avLst/>
           </a:prstGeom>
-        </p:spPr>
-      </p:pic>
-      <p:pic>
-        <p:nvPicPr>
-          <p:cNvPr id="14" name="Imagen 13" descr="Imagen que contiene Icono&#10;&#10;Descripción generada automáticamente">
-            <a:extLst>
-              <a:ext uri="{FF2B5EF4-FFF2-40B4-BE49-F238E27FC236}">
-                <a16:creationId xmlns:a16="http://schemas.microsoft.com/office/drawing/2014/main" id="{0903F05B-36C5-3B34-FB26-E3E15148FC1F}"/>
-              </a:ext>
-            </a:extLst>
-          </p:cNvPr>
-          <p:cNvPicPr>
-            <a:picLocks noChangeAspect="1"/>
-          </p:cNvPicPr>
-          <p:nvPr/>
-        </p:nvPicPr>
-        <p:blipFill>
-          <a:blip r:embed="rId4">
-            <a:extLst>
-              <a:ext uri="{28A0092B-C50C-407E-A947-70E740481C1C}">
-                <a14:useLocalDpi xmlns:a14="http://schemas.microsoft.com/office/drawing/2010/main" val="0"/>
-              </a:ext>
-            </a:extLst>
-          </a:blip>
-          <a:stretch>
-            <a:fillRect/>
-          </a:stretch>
-        </p:blipFill>
-        <p:spPr>
-          <a:xfrm>
-            <a:off x="7155286" y="4241097"/>
-            <a:ext cx="3038448" cy="1417388"/>
-          </a:xfrm>
-          <a:prstGeom prst="rect">
-            <a:avLst/>
-          </a:prstGeom>
-        </p:spPr>
-      </p:pic>
-      <p:pic>
-        <p:nvPicPr>
-          <p:cNvPr id="16" name="Imagen 15" descr="Imagen que contiene señal, dibujo&#10;&#10;Descripción generada automáticamente">
-            <a:extLst>
-              <a:ext uri="{FF2B5EF4-FFF2-40B4-BE49-F238E27FC236}">
-                <a16:creationId xmlns:a16="http://schemas.microsoft.com/office/drawing/2014/main" id="{8A4DD52D-2C94-21FC-40AB-965F3EF0758C}"/>
-              </a:ext>
-            </a:extLst>
-          </p:cNvPr>
-          <p:cNvPicPr>
-            <a:picLocks noChangeAspect="1"/>
-          </p:cNvPicPr>
-          <p:nvPr/>
-        </p:nvPicPr>
-        <p:blipFill>
-          <a:blip r:embed="rId5">
-            <a:extLst>
-              <a:ext uri="{28A0092B-C50C-407E-A947-70E740481C1C}">
-                <a14:useLocalDpi xmlns:a14="http://schemas.microsoft.com/office/drawing/2010/main" val="0"/>
-              </a:ext>
-            </a:extLst>
-          </a:blip>
-          <a:stretch>
-            <a:fillRect/>
-          </a:stretch>
-        </p:blipFill>
-        <p:spPr>
-          <a:xfrm>
-            <a:off x="7812377" y="693167"/>
-            <a:ext cx="1724266" cy="1933845"/>
-          </a:xfrm>
-          <a:prstGeom prst="rect">
-            <a:avLst/>
-          </a:prstGeom>
+          <a:ln>
+            <a:noFill/>
+          </a:ln>
+          <a:extLst>
+            <a:ext uri="{53640926-AAD7-44D8-BBD7-CCE9431645EC}">
+              <a14:shadowObscured xmlns:a14="http://schemas.microsoft.com/office/drawing/2010/main"/>
+            </a:ext>
+          </a:extLst>
         </p:spPr>
       </p:pic>
       <p:cxnSp>
         <p:nvCxnSpPr>
-          <p:cNvPr id="17" name="Conector recto 16">
-            <a:extLst>
-              <a:ext uri="{FF2B5EF4-FFF2-40B4-BE49-F238E27FC236}">
-                <a16:creationId xmlns:a16="http://schemas.microsoft.com/office/drawing/2014/main" id="{1B51D1C6-EC09-7EB4-D54B-89E2C5DA5129}"/>
+          <p:cNvPr id="6" name="Conector recto 5">
+            <a:extLst>
+              <a:ext uri="{FF2B5EF4-FFF2-40B4-BE49-F238E27FC236}">
+                <a16:creationId xmlns:a16="http://schemas.microsoft.com/office/drawing/2014/main" id="{A49CC12E-2029-EE86-B3F1-9E526AF019A3}"/>
               </a:ext>
             </a:extLst>
           </p:cNvPr>
@@ -10226,10 +12363,10 @@
       </p:cxnSp>
       <p:sp>
         <p:nvSpPr>
-          <p:cNvPr id="18" name="CuadroTexto 17">
-            <a:extLst>
-              <a:ext uri="{FF2B5EF4-FFF2-40B4-BE49-F238E27FC236}">
-                <a16:creationId xmlns:a16="http://schemas.microsoft.com/office/drawing/2014/main" id="{0759037C-D4F3-555E-7866-216EC106842A}"/>
+          <p:cNvPr id="7" name="CuadroTexto 6">
+            <a:extLst>
+              <a:ext uri="{FF2B5EF4-FFF2-40B4-BE49-F238E27FC236}">
+                <a16:creationId xmlns:a16="http://schemas.microsoft.com/office/drawing/2014/main" id="{13F9DC10-FDA4-C429-D84B-16CC1BF3A1FF}"/>
               </a:ext>
             </a:extLst>
           </p:cNvPr>
@@ -10267,10 +12404,10 @@
       </p:sp>
       <p:sp>
         <p:nvSpPr>
-          <p:cNvPr id="19" name="CuadroTexto 18">
-            <a:extLst>
-              <a:ext uri="{FF2B5EF4-FFF2-40B4-BE49-F238E27FC236}">
-                <a16:creationId xmlns:a16="http://schemas.microsoft.com/office/drawing/2014/main" id="{BB61D424-2C02-C6A9-EA16-08CC5D179E31}"/>
+          <p:cNvPr id="8" name="CuadroTexto 7">
+            <a:extLst>
+              <a:ext uri="{FF2B5EF4-FFF2-40B4-BE49-F238E27FC236}">
+                <a16:creationId xmlns:a16="http://schemas.microsoft.com/office/drawing/2014/main" id="{175AE15E-534A-44AC-5D11-3133E68AE10A}"/>
               </a:ext>
             </a:extLst>
           </p:cNvPr>
@@ -10280,7 +12417,7 @@
         <p:spPr>
           <a:xfrm>
             <a:off x="755072" y="6366142"/>
-            <a:ext cx="4518892" cy="369332"/>
+            <a:ext cx="2366819" cy="369332"/>
           </a:xfrm>
           <a:prstGeom prst="rect">
             <a:avLst/>
@@ -10301,15 +12438,60 @@
                 <a:latin typeface="Times New Roman" panose="02020603050405020304" pitchFamily="18" charset="0"/>
                 <a:cs typeface="Times New Roman" panose="02020603050405020304" pitchFamily="18" charset="0"/>
               </a:rPr>
-              <a:t>Métodos y herramientas</a:t>
-            </a:r>
+              <a:t>Conceptos teóricos</a:t>
+            </a:r>
+          </a:p>
+        </p:txBody>
+      </p:sp>
+      <p:sp>
+        <p:nvSpPr>
+          <p:cNvPr id="9" name="CuadroTexto 8">
+            <a:extLst>
+              <a:ext uri="{FF2B5EF4-FFF2-40B4-BE49-F238E27FC236}">
+                <a16:creationId xmlns:a16="http://schemas.microsoft.com/office/drawing/2014/main" id="{7F8EE935-379B-2675-1AEC-54D69C9465F4}"/>
+              </a:ext>
+            </a:extLst>
+          </p:cNvPr>
+          <p:cNvSpPr txBox="1"/>
+          <p:nvPr/>
+        </p:nvSpPr>
+        <p:spPr>
+          <a:xfrm>
+            <a:off x="838199" y="503381"/>
+            <a:ext cx="3075709" cy="954107"/>
+          </a:xfrm>
+          <a:prstGeom prst="rect">
+            <a:avLst/>
+          </a:prstGeom>
+          <a:noFill/>
+        </p:spPr>
+        <p:txBody>
+          <a:bodyPr wrap="square" rtlCol="0">
+            <a:spAutoFit/>
+          </a:bodyPr>
+          <a:lstStyle/>
+          <a:p>
+            <a:pPr marL="285753" indent="-285753">
+              <a:buFont typeface="Arial" panose="020B0604020202020204" pitchFamily="34" charset="0"/>
+              <a:buChar char="•"/>
+            </a:pPr>
+            <a:r>
+              <a:rPr lang="es-ES" sz="2800" u="sng" dirty="0">
+                <a:latin typeface="Times New Roman" panose="02020603050405020304" pitchFamily="18" charset="0"/>
+                <a:cs typeface="Times New Roman" panose="02020603050405020304" pitchFamily="18" charset="0"/>
+              </a:rPr>
+              <a:t>Red neuronal</a:t>
+            </a:r>
+          </a:p>
+          <a:p>
+            <a:endParaRPr lang="es-ES" sz="2800" dirty="0"/>
           </a:p>
         </p:txBody>
       </p:sp>
     </p:spTree>
     <p:extLst>
       <p:ext uri="{BB962C8B-B14F-4D97-AF65-F5344CB8AC3E}">
-        <p14:creationId xmlns:p14="http://schemas.microsoft.com/office/powerpoint/2010/main" val="2245884287"/>
+        <p14:creationId xmlns:p14="http://schemas.microsoft.com/office/powerpoint/2010/main" val="3763594052"/>
       </p:ext>
     </p:extLst>
   </p:cSld>
@@ -10341,7 +12523,7 @@
           <p:cNvPr id="2" name="Título 1">
             <a:extLst>
               <a:ext uri="{FF2B5EF4-FFF2-40B4-BE49-F238E27FC236}">
-                <a16:creationId xmlns:a16="http://schemas.microsoft.com/office/drawing/2014/main" id="{C73C47E1-B090-6E84-2A82-CA7DC3EFED77}"/>
+                <a16:creationId xmlns:a16="http://schemas.microsoft.com/office/drawing/2014/main" id="{2D845FAF-10D9-A2BF-C13C-04B0B1C734F8}"/>
               </a:ext>
             </a:extLst>
           </p:cNvPr>
@@ -10352,7 +12534,12 @@
             <p:ph type="title"/>
           </p:nvPr>
         </p:nvSpPr>
-        <p:spPr/>
+        <p:spPr>
+          <a:xfrm>
+            <a:off x="755072" y="31027"/>
+            <a:ext cx="10515600" cy="1325563"/>
+          </a:xfrm>
+        </p:spPr>
         <p:txBody>
           <a:bodyPr/>
           <a:lstStyle/>
@@ -10362,120 +12549,52 @@
                 <a:latin typeface="Times New Roman" panose="02020603050405020304" pitchFamily="18" charset="0"/>
                 <a:cs typeface="Times New Roman" panose="02020603050405020304" pitchFamily="18" charset="0"/>
               </a:rPr>
-              <a:t>Aspectos relevantes</a:t>
-            </a:r>
-          </a:p>
-        </p:txBody>
-      </p:sp>
-      <p:sp>
-        <p:nvSpPr>
-          <p:cNvPr id="3" name="Marcador de contenido 2">
-            <a:extLst>
-              <a:ext uri="{FF2B5EF4-FFF2-40B4-BE49-F238E27FC236}">
-                <a16:creationId xmlns:a16="http://schemas.microsoft.com/office/drawing/2014/main" id="{0E0935B8-DCA6-85AA-5CC5-9424ACE88EE1}"/>
-              </a:ext>
-            </a:extLst>
-          </p:cNvPr>
-          <p:cNvSpPr>
-            <a:spLocks noGrp="1"/>
-          </p:cNvSpPr>
-          <p:nvPr>
-            <p:ph idx="1"/>
-          </p:nvPr>
-        </p:nvSpPr>
-        <p:spPr>
-          <a:xfrm>
-            <a:off x="838201" y="1921165"/>
-            <a:ext cx="10515599" cy="3904818"/>
-          </a:xfrm>
-        </p:spPr>
-        <p:txBody>
-          <a:bodyPr/>
-          <a:lstStyle/>
-          <a:p>
-            <a:r>
-              <a:rPr lang="es-ES" u="sng" dirty="0">
-                <a:latin typeface="Times New Roman" panose="02020603050405020304" pitchFamily="18" charset="0"/>
-                <a:cs typeface="Times New Roman" panose="02020603050405020304" pitchFamily="18" charset="0"/>
-              </a:rPr>
-              <a:t>Metodología</a:t>
-            </a:r>
-          </a:p>
-          <a:p>
-            <a:pPr marL="0" indent="0">
-              <a:buNone/>
-            </a:pPr>
-            <a:r>
-              <a:rPr lang="es-ES" dirty="0">
-                <a:latin typeface="Times New Roman" panose="02020603050405020304" pitchFamily="18" charset="0"/>
-                <a:cs typeface="Times New Roman" panose="02020603050405020304" pitchFamily="18" charset="0"/>
-              </a:rPr>
-              <a:t>	</a:t>
-            </a:r>
-            <a:r>
-              <a:rPr lang="es-ES" sz="2400" dirty="0">
-                <a:latin typeface="Times New Roman" panose="02020603050405020304" pitchFamily="18" charset="0"/>
-                <a:cs typeface="Times New Roman" panose="02020603050405020304" pitchFamily="18" charset="0"/>
-              </a:rPr>
-              <a:t>- Product Backlog e historias de usuario.</a:t>
-            </a:r>
-          </a:p>
-          <a:p>
-            <a:pPr marL="0" indent="0">
-              <a:buNone/>
-            </a:pPr>
-            <a:r>
-              <a:rPr lang="es-ES" sz="2400" dirty="0">
-                <a:latin typeface="Times New Roman" panose="02020603050405020304" pitchFamily="18" charset="0"/>
-                <a:cs typeface="Times New Roman" panose="02020603050405020304" pitchFamily="18" charset="0"/>
-              </a:rPr>
-              <a:t>	- Proceso iterativo e incremental, división en sprints.</a:t>
-            </a:r>
-          </a:p>
-          <a:p>
-            <a:pPr marL="0" indent="0">
-              <a:buNone/>
-            </a:pPr>
-            <a:r>
-              <a:rPr lang="es-ES" sz="2400" dirty="0">
-                <a:latin typeface="Times New Roman" panose="02020603050405020304" pitchFamily="18" charset="0"/>
-                <a:cs typeface="Times New Roman" panose="02020603050405020304" pitchFamily="18" charset="0"/>
-              </a:rPr>
-              <a:t>	- Enfoque científico.</a:t>
-            </a:r>
-          </a:p>
-          <a:p>
-            <a:pPr marL="0" indent="0">
-              <a:buNone/>
-            </a:pPr>
-            <a:r>
-              <a:rPr lang="es-ES" sz="2400" dirty="0">
-                <a:latin typeface="Times New Roman" panose="02020603050405020304" pitchFamily="18" charset="0"/>
-                <a:cs typeface="Times New Roman" panose="02020603050405020304" pitchFamily="18" charset="0"/>
-              </a:rPr>
-              <a:t>	- Comunicación de resultados a todo tipo de público.</a:t>
-            </a:r>
-          </a:p>
-          <a:p>
-            <a:pPr marL="0" indent="0">
-              <a:buNone/>
-            </a:pPr>
-            <a:r>
-              <a:rPr lang="es-ES" sz="2400" dirty="0">
-                <a:latin typeface="Times New Roman" panose="02020603050405020304" pitchFamily="18" charset="0"/>
-                <a:cs typeface="Times New Roman" panose="02020603050405020304" pitchFamily="18" charset="0"/>
-              </a:rPr>
-              <a:t>	- Documentación mínima y necesaria.	</a:t>
-            </a:r>
-          </a:p>
-        </p:txBody>
-      </p:sp>
+              <a:t>Métodos y herramientas</a:t>
+            </a:r>
+          </a:p>
+        </p:txBody>
+      </p:sp>
+      <p:pic>
+        <p:nvPicPr>
+          <p:cNvPr id="17" name="Imagen 16" descr="Un letrero de color negro&#10;&#10;Descripción generada automáticamente con confianza media">
+            <a:extLst>
+              <a:ext uri="{FF2B5EF4-FFF2-40B4-BE49-F238E27FC236}">
+                <a16:creationId xmlns:a16="http://schemas.microsoft.com/office/drawing/2014/main" id="{1FB56E7C-975C-30AD-B77D-14A5E1D859B5}"/>
+              </a:ext>
+            </a:extLst>
+          </p:cNvPr>
+          <p:cNvPicPr>
+            <a:picLocks noChangeAspect="1"/>
+          </p:cNvPicPr>
+          <p:nvPr/>
+        </p:nvPicPr>
+        <p:blipFill rotWithShape="1">
+          <a:blip r:embed="rId2">
+            <a:extLst>
+              <a:ext uri="{28A0092B-C50C-407E-A947-70E740481C1C}">
+                <a14:useLocalDpi xmlns:a14="http://schemas.microsoft.com/office/drawing/2010/main" val="0"/>
+              </a:ext>
+            </a:extLst>
+          </a:blip>
+          <a:srcRect r="11533"/>
+          <a:stretch/>
+        </p:blipFill>
+        <p:spPr>
+          <a:xfrm>
+            <a:off x="9760680" y="2455650"/>
+            <a:ext cx="2221107" cy="2510662"/>
+          </a:xfrm>
+          <a:prstGeom prst="rect">
+            <a:avLst/>
+          </a:prstGeom>
+        </p:spPr>
+      </p:pic>
       <p:cxnSp>
         <p:nvCxnSpPr>
-          <p:cNvPr id="4" name="Conector recto 3">
-            <a:extLst>
-              <a:ext uri="{FF2B5EF4-FFF2-40B4-BE49-F238E27FC236}">
-                <a16:creationId xmlns:a16="http://schemas.microsoft.com/office/drawing/2014/main" id="{46A81AC3-89ED-1BD9-1BE2-720BACBE86D1}"/>
+          <p:cNvPr id="18" name="Conector recto 17">
+            <a:extLst>
+              <a:ext uri="{FF2B5EF4-FFF2-40B4-BE49-F238E27FC236}">
+                <a16:creationId xmlns:a16="http://schemas.microsoft.com/office/drawing/2014/main" id="{3E64844F-D1E6-ECEE-CE31-1295FDAAECFD}"/>
               </a:ext>
             </a:extLst>
           </p:cNvPr>
@@ -10513,10 +12632,10 @@
       </p:cxnSp>
       <p:sp>
         <p:nvSpPr>
-          <p:cNvPr id="5" name="CuadroTexto 4">
-            <a:extLst>
-              <a:ext uri="{FF2B5EF4-FFF2-40B4-BE49-F238E27FC236}">
-                <a16:creationId xmlns:a16="http://schemas.microsoft.com/office/drawing/2014/main" id="{994103F3-5C09-B9FE-6634-F48C9B046CBB}"/>
+          <p:cNvPr id="19" name="CuadroTexto 18">
+            <a:extLst>
+              <a:ext uri="{FF2B5EF4-FFF2-40B4-BE49-F238E27FC236}">
+                <a16:creationId xmlns:a16="http://schemas.microsoft.com/office/drawing/2014/main" id="{D730C5D1-C68A-0241-C51F-30339C0BF72A}"/>
               </a:ext>
             </a:extLst>
           </p:cNvPr>
@@ -10554,10 +12673,10 @@
       </p:sp>
       <p:sp>
         <p:nvSpPr>
-          <p:cNvPr id="6" name="CuadroTexto 5">
-            <a:extLst>
-              <a:ext uri="{FF2B5EF4-FFF2-40B4-BE49-F238E27FC236}">
-                <a16:creationId xmlns:a16="http://schemas.microsoft.com/office/drawing/2014/main" id="{45D55A43-9DD2-C46D-1611-A733FD0FFA80}"/>
+          <p:cNvPr id="20" name="CuadroTexto 19">
+            <a:extLst>
+              <a:ext uri="{FF2B5EF4-FFF2-40B4-BE49-F238E27FC236}">
+                <a16:creationId xmlns:a16="http://schemas.microsoft.com/office/drawing/2014/main" id="{39C76F7C-9F00-566C-E23F-2A391A327F9C}"/>
               </a:ext>
             </a:extLst>
           </p:cNvPr>
@@ -10588,15 +12707,174 @@
                 <a:latin typeface="Times New Roman" panose="02020603050405020304" pitchFamily="18" charset="0"/>
                 <a:cs typeface="Times New Roman" panose="02020603050405020304" pitchFamily="18" charset="0"/>
               </a:rPr>
-              <a:t>Aspectos relevantes</a:t>
-            </a:r>
+              <a:t>Métodos y herramientas</a:t>
+            </a:r>
+          </a:p>
+        </p:txBody>
+      </p:sp>
+      <p:pic>
+        <p:nvPicPr>
+          <p:cNvPr id="9" name="Imagen 8" descr="Diagrama&#10;&#10;Descripción generada automáticamente">
+            <a:extLst>
+              <a:ext uri="{FF2B5EF4-FFF2-40B4-BE49-F238E27FC236}">
+                <a16:creationId xmlns:a16="http://schemas.microsoft.com/office/drawing/2014/main" id="{AB14A057-2DBD-1A27-2F39-27A25449208C}"/>
+              </a:ext>
+            </a:extLst>
+          </p:cNvPr>
+          <p:cNvPicPr>
+            <a:picLocks noChangeAspect="1"/>
+          </p:cNvPicPr>
+          <p:nvPr/>
+        </p:nvPicPr>
+        <p:blipFill>
+          <a:blip r:embed="rId3">
+            <a:extLst>
+              <a:ext uri="{28A0092B-C50C-407E-A947-70E740481C1C}">
+                <a14:useLocalDpi xmlns:a14="http://schemas.microsoft.com/office/drawing/2010/main" val="0"/>
+              </a:ext>
+            </a:extLst>
+          </a:blip>
+          <a:srcRect/>
+          <a:stretch>
+            <a:fillRect/>
+          </a:stretch>
+        </p:blipFill>
+        <p:spPr bwMode="auto">
+          <a:xfrm>
+            <a:off x="210213" y="1817531"/>
+            <a:ext cx="9234392" cy="3786901"/>
+          </a:xfrm>
+          <a:prstGeom prst="rect">
+            <a:avLst/>
+          </a:prstGeom>
+          <a:ln w="38100" cap="sq">
+            <a:solidFill>
+              <a:srgbClr val="000000"/>
+            </a:solidFill>
+            <a:prstDash val="solid"/>
+            <a:miter lim="800000"/>
+          </a:ln>
+          <a:effectLst>
+            <a:outerShdw blurRad="50800" dist="38100" dir="2700000" algn="tl" rotWithShape="0">
+              <a:srgbClr val="000000">
+                <a:alpha val="43000"/>
+              </a:srgbClr>
+            </a:outerShdw>
+          </a:effectLst>
+        </p:spPr>
+      </p:pic>
+      <p:sp>
+        <p:nvSpPr>
+          <p:cNvPr id="4" name="CuadroTexto 3">
+            <a:extLst>
+              <a:ext uri="{FF2B5EF4-FFF2-40B4-BE49-F238E27FC236}">
+                <a16:creationId xmlns:a16="http://schemas.microsoft.com/office/drawing/2014/main" id="{153DC0F9-BE5B-ECF1-86F4-A4191B1C14AB}"/>
+              </a:ext>
+            </a:extLst>
+          </p:cNvPr>
+          <p:cNvSpPr txBox="1"/>
+          <p:nvPr/>
+        </p:nvSpPr>
+        <p:spPr>
+          <a:xfrm>
+            <a:off x="2852559" y="5696041"/>
+            <a:ext cx="3949700" cy="369332"/>
+          </a:xfrm>
+          <a:prstGeom prst="rect">
+            <a:avLst/>
+          </a:prstGeom>
+          <a:noFill/>
+        </p:spPr>
+        <p:txBody>
+          <a:bodyPr wrap="square" rtlCol="0">
+            <a:spAutoFit/>
+          </a:bodyPr>
+          <a:lstStyle/>
+          <a:p>
+            <a:r>
+              <a:rPr lang="es-ES" b="1" dirty="0">
+                <a:latin typeface="Times New Roman" panose="02020603050405020304" pitchFamily="18" charset="0"/>
+                <a:cs typeface="Times New Roman" panose="02020603050405020304" pitchFamily="18" charset="0"/>
+              </a:rPr>
+              <a:t>Design Science </a:t>
+            </a:r>
+            <a:r>
+              <a:rPr lang="es-ES" b="1" dirty="0" err="1">
+                <a:latin typeface="Times New Roman" panose="02020603050405020304" pitchFamily="18" charset="0"/>
+                <a:cs typeface="Times New Roman" panose="02020603050405020304" pitchFamily="18" charset="0"/>
+              </a:rPr>
+              <a:t>Research</a:t>
+            </a:r>
+            <a:r>
+              <a:rPr lang="es-ES" b="1" dirty="0">
+                <a:latin typeface="Times New Roman" panose="02020603050405020304" pitchFamily="18" charset="0"/>
+                <a:cs typeface="Times New Roman" panose="02020603050405020304" pitchFamily="18" charset="0"/>
+              </a:rPr>
+              <a:t> </a:t>
+            </a:r>
+            <a:r>
+              <a:rPr lang="es-ES" b="1" dirty="0" err="1">
+                <a:latin typeface="Times New Roman" panose="02020603050405020304" pitchFamily="18" charset="0"/>
+                <a:cs typeface="Times New Roman" panose="02020603050405020304" pitchFamily="18" charset="0"/>
+              </a:rPr>
+              <a:t>Methodology</a:t>
+            </a:r>
+            <a:endParaRPr lang="es-ES" b="1" dirty="0">
+              <a:latin typeface="Times New Roman" panose="02020603050405020304" pitchFamily="18" charset="0"/>
+              <a:cs typeface="Times New Roman" panose="02020603050405020304" pitchFamily="18" charset="0"/>
+            </a:endParaRPr>
+          </a:p>
+        </p:txBody>
+      </p:sp>
+      <p:sp>
+        <p:nvSpPr>
+          <p:cNvPr id="5" name="CuadroTexto 4">
+            <a:extLst>
+              <a:ext uri="{FF2B5EF4-FFF2-40B4-BE49-F238E27FC236}">
+                <a16:creationId xmlns:a16="http://schemas.microsoft.com/office/drawing/2014/main" id="{B1BFE5BB-9BDB-AC9A-37DD-6464F49C357B}"/>
+              </a:ext>
+            </a:extLst>
+          </p:cNvPr>
+          <p:cNvSpPr txBox="1"/>
+          <p:nvPr/>
+        </p:nvSpPr>
+        <p:spPr>
+          <a:xfrm>
+            <a:off x="838199" y="1103231"/>
+            <a:ext cx="3075709" cy="954107"/>
+          </a:xfrm>
+          <a:prstGeom prst="rect">
+            <a:avLst/>
+          </a:prstGeom>
+          <a:noFill/>
+        </p:spPr>
+        <p:txBody>
+          <a:bodyPr wrap="square" rtlCol="0">
+            <a:spAutoFit/>
+          </a:bodyPr>
+          <a:lstStyle/>
+          <a:p>
+            <a:pPr marL="285753" indent="-285753">
+              <a:buFont typeface="Arial" panose="020B0604020202020204" pitchFamily="34" charset="0"/>
+              <a:buChar char="•"/>
+            </a:pPr>
+            <a:r>
+              <a:rPr lang="es-ES" sz="2800" u="sng" dirty="0">
+                <a:latin typeface="Times New Roman" panose="02020603050405020304" pitchFamily="18" charset="0"/>
+                <a:cs typeface="Times New Roman" panose="02020603050405020304" pitchFamily="18" charset="0"/>
+              </a:rPr>
+              <a:t>Metodologías</a:t>
+            </a:r>
+          </a:p>
+          <a:p>
+            <a:endParaRPr lang="es-ES" sz="2800" dirty="0"/>
           </a:p>
         </p:txBody>
       </p:sp>
     </p:spTree>
     <p:extLst>
       <p:ext uri="{BB962C8B-B14F-4D97-AF65-F5344CB8AC3E}">
-        <p14:creationId xmlns:p14="http://schemas.microsoft.com/office/powerpoint/2010/main" val="2718727595"/>
+        <p14:creationId xmlns:p14="http://schemas.microsoft.com/office/powerpoint/2010/main" val="3400125560"/>
       </p:ext>
     </p:extLst>
   </p:cSld>

--- a/PresentacionTFG.pptx
+++ b/PresentacionTFG.pptx
@@ -12,24 +12,23 @@
     <p:sldId id="260" r:id="rId6"/>
     <p:sldId id="276" r:id="rId7"/>
     <p:sldId id="278" r:id="rId8"/>
-    <p:sldId id="261" r:id="rId9"/>
-    <p:sldId id="262" r:id="rId10"/>
-    <p:sldId id="263" r:id="rId11"/>
-    <p:sldId id="277" r:id="rId12"/>
-    <p:sldId id="264" r:id="rId13"/>
-    <p:sldId id="265" r:id="rId14"/>
-    <p:sldId id="267" r:id="rId15"/>
-    <p:sldId id="269" r:id="rId16"/>
-    <p:sldId id="266" r:id="rId17"/>
-    <p:sldId id="268" r:id="rId18"/>
-    <p:sldId id="270" r:id="rId19"/>
-    <p:sldId id="271" r:id="rId20"/>
-    <p:sldId id="272" r:id="rId21"/>
-    <p:sldId id="273" r:id="rId22"/>
-    <p:sldId id="279" r:id="rId23"/>
-    <p:sldId id="280" r:id="rId24"/>
-    <p:sldId id="274" r:id="rId25"/>
-    <p:sldId id="275" r:id="rId26"/>
+    <p:sldId id="262" r:id="rId9"/>
+    <p:sldId id="263" r:id="rId10"/>
+    <p:sldId id="277" r:id="rId11"/>
+    <p:sldId id="264" r:id="rId12"/>
+    <p:sldId id="265" r:id="rId13"/>
+    <p:sldId id="267" r:id="rId14"/>
+    <p:sldId id="269" r:id="rId15"/>
+    <p:sldId id="266" r:id="rId16"/>
+    <p:sldId id="268" r:id="rId17"/>
+    <p:sldId id="270" r:id="rId18"/>
+    <p:sldId id="271" r:id="rId19"/>
+    <p:sldId id="272" r:id="rId20"/>
+    <p:sldId id="273" r:id="rId21"/>
+    <p:sldId id="279" r:id="rId22"/>
+    <p:sldId id="280" r:id="rId23"/>
+    <p:sldId id="274" r:id="rId24"/>
+    <p:sldId id="275" r:id="rId25"/>
   </p:sldIdLst>
   <p:sldSz cx="12192000" cy="6858000"/>
   <p:notesSz cx="6858000" cy="9144000"/>
@@ -283,7 +282,7 @@
           <a:p>
             <a:fld id="{20F9F306-28D2-4AAE-852B-09E86991560A}" type="datetimeFigureOut">
               <a:rPr lang="es-ES" smtClean="0"/>
-              <a:t>17/07/2022</a:t>
+              <a:t>18/07/2022</a:t>
             </a:fld>
             <a:endParaRPr lang="es-ES"/>
           </a:p>
@@ -481,7 +480,7 @@
           <a:p>
             <a:fld id="{20F9F306-28D2-4AAE-852B-09E86991560A}" type="datetimeFigureOut">
               <a:rPr lang="es-ES" smtClean="0"/>
-              <a:t>17/07/2022</a:t>
+              <a:t>18/07/2022</a:t>
             </a:fld>
             <a:endParaRPr lang="es-ES"/>
           </a:p>
@@ -689,7 +688,7 @@
           <a:p>
             <a:fld id="{20F9F306-28D2-4AAE-852B-09E86991560A}" type="datetimeFigureOut">
               <a:rPr lang="es-ES" smtClean="0"/>
-              <a:t>17/07/2022</a:t>
+              <a:t>18/07/2022</a:t>
             </a:fld>
             <a:endParaRPr lang="es-ES"/>
           </a:p>
@@ -887,7 +886,7 @@
           <a:p>
             <a:fld id="{20F9F306-28D2-4AAE-852B-09E86991560A}" type="datetimeFigureOut">
               <a:rPr lang="es-ES" smtClean="0"/>
-              <a:t>17/07/2022</a:t>
+              <a:t>18/07/2022</a:t>
             </a:fld>
             <a:endParaRPr lang="es-ES"/>
           </a:p>
@@ -1162,7 +1161,7 @@
           <a:p>
             <a:fld id="{20F9F306-28D2-4AAE-852B-09E86991560A}" type="datetimeFigureOut">
               <a:rPr lang="es-ES" smtClean="0"/>
-              <a:t>17/07/2022</a:t>
+              <a:t>18/07/2022</a:t>
             </a:fld>
             <a:endParaRPr lang="es-ES"/>
           </a:p>
@@ -1427,7 +1426,7 @@
           <a:p>
             <a:fld id="{20F9F306-28D2-4AAE-852B-09E86991560A}" type="datetimeFigureOut">
               <a:rPr lang="es-ES" smtClean="0"/>
-              <a:t>17/07/2022</a:t>
+              <a:t>18/07/2022</a:t>
             </a:fld>
             <a:endParaRPr lang="es-ES"/>
           </a:p>
@@ -1839,7 +1838,7 @@
           <a:p>
             <a:fld id="{20F9F306-28D2-4AAE-852B-09E86991560A}" type="datetimeFigureOut">
               <a:rPr lang="es-ES" smtClean="0"/>
-              <a:t>17/07/2022</a:t>
+              <a:t>18/07/2022</a:t>
             </a:fld>
             <a:endParaRPr lang="es-ES"/>
           </a:p>
@@ -1980,7 +1979,7 @@
           <a:p>
             <a:fld id="{20F9F306-28D2-4AAE-852B-09E86991560A}" type="datetimeFigureOut">
               <a:rPr lang="es-ES" smtClean="0"/>
-              <a:t>17/07/2022</a:t>
+              <a:t>18/07/2022</a:t>
             </a:fld>
             <a:endParaRPr lang="es-ES"/>
           </a:p>
@@ -2093,7 +2092,7 @@
           <a:p>
             <a:fld id="{20F9F306-28D2-4AAE-852B-09E86991560A}" type="datetimeFigureOut">
               <a:rPr lang="es-ES" smtClean="0"/>
-              <a:t>17/07/2022</a:t>
+              <a:t>18/07/2022</a:t>
             </a:fld>
             <a:endParaRPr lang="es-ES"/>
           </a:p>
@@ -2404,7 +2403,7 @@
           <a:p>
             <a:fld id="{20F9F306-28D2-4AAE-852B-09E86991560A}" type="datetimeFigureOut">
               <a:rPr lang="es-ES" smtClean="0"/>
-              <a:t>17/07/2022</a:t>
+              <a:t>18/07/2022</a:t>
             </a:fld>
             <a:endParaRPr lang="es-ES"/>
           </a:p>
@@ -2692,7 +2691,7 @@
           <a:p>
             <a:fld id="{20F9F306-28D2-4AAE-852B-09E86991560A}" type="datetimeFigureOut">
               <a:rPr lang="es-ES" smtClean="0"/>
-              <a:t>17/07/2022</a:t>
+              <a:t>18/07/2022</a:t>
             </a:fld>
             <a:endParaRPr lang="es-ES"/>
           </a:p>
@@ -2936,7 +2935,7 @@
           <a:p>
             <a:fld id="{20F9F306-28D2-4AAE-852B-09E86991560A}" type="datetimeFigureOut">
               <a:rPr lang="es-ES" smtClean="0"/>
-              <a:t>17/07/2022</a:t>
+              <a:t>18/07/2022</a:t>
             </a:fld>
             <a:endParaRPr lang="es-ES"/>
           </a:p>
@@ -3812,19 +3811,17 @@
       </p:grpSpPr>
       <p:pic>
         <p:nvPicPr>
-          <p:cNvPr id="5" name="Marcador de contenido 4" descr="Imagen que contiene plato, tren, taza, alimentos&#10;&#10;Descripción generada automáticamente">
-            <a:extLst>
-              <a:ext uri="{FF2B5EF4-FFF2-40B4-BE49-F238E27FC236}">
-                <a16:creationId xmlns:a16="http://schemas.microsoft.com/office/drawing/2014/main" id="{D44144E4-03C9-BBD3-49CF-298BDB671481}"/>
+          <p:cNvPr id="4" name="Imagen 3" descr="Icono&#10;&#10;Descripción generada automáticamente">
+            <a:extLst>
+              <a:ext uri="{FF2B5EF4-FFF2-40B4-BE49-F238E27FC236}">
+                <a16:creationId xmlns:a16="http://schemas.microsoft.com/office/drawing/2014/main" id="{8037732F-C0FC-B31B-229C-8F9BB9A01CA0}"/>
               </a:ext>
             </a:extLst>
           </p:cNvPr>
           <p:cNvPicPr>
-            <a:picLocks noGrp="1" noChangeAspect="1"/>
+            <a:picLocks noChangeAspect="1"/>
           </p:cNvPicPr>
-          <p:nvPr>
-            <p:ph idx="1"/>
-          </p:nvPr>
+          <p:nvPr/>
         </p:nvPicPr>
         <p:blipFill>
           <a:blip r:embed="rId2">
@@ -3840,17 +3837,20 @@
         </p:blipFill>
         <p:spPr>
           <a:xfrm>
-            <a:off x="6096000" y="2023319"/>
-            <a:ext cx="4734154" cy="1325563"/>
-          </a:xfrm>
+            <a:off x="1329616" y="2693193"/>
+            <a:ext cx="4671134" cy="2402681"/>
+          </a:xfrm>
+          <a:prstGeom prst="rect">
+            <a:avLst/>
+          </a:prstGeom>
         </p:spPr>
       </p:pic>
       <p:pic>
         <p:nvPicPr>
-          <p:cNvPr id="16" name="Imagen 15" descr="Imagen que contiene señal, dibujo&#10;&#10;Descripción generada automáticamente">
-            <a:extLst>
-              <a:ext uri="{FF2B5EF4-FFF2-40B4-BE49-F238E27FC236}">
-                <a16:creationId xmlns:a16="http://schemas.microsoft.com/office/drawing/2014/main" id="{8A4DD52D-2C94-21FC-40AB-965F3EF0758C}"/>
+          <p:cNvPr id="5" name="Imagen 4" descr="Imagen que contiene Icono&#10;&#10;Descripción generada automáticamente">
+            <a:extLst>
+              <a:ext uri="{FF2B5EF4-FFF2-40B4-BE49-F238E27FC236}">
+                <a16:creationId xmlns:a16="http://schemas.microsoft.com/office/drawing/2014/main" id="{2D2DDCFE-14C2-4FA7-FF0E-86DCF17E536F}"/>
               </a:ext>
             </a:extLst>
           </p:cNvPr>
@@ -3873,20 +3873,65 @@
         </p:blipFill>
         <p:spPr>
           <a:xfrm>
-            <a:off x="2152385" y="1712233"/>
-            <a:ext cx="1724266" cy="1933845"/>
+            <a:off x="6468400" y="2869671"/>
+            <a:ext cx="4393984" cy="2049724"/>
           </a:xfrm>
           <a:prstGeom prst="rect">
             <a:avLst/>
           </a:prstGeom>
         </p:spPr>
       </p:pic>
+      <p:sp>
+        <p:nvSpPr>
+          <p:cNvPr id="6" name="CuadroTexto 5">
+            <a:extLst>
+              <a:ext uri="{FF2B5EF4-FFF2-40B4-BE49-F238E27FC236}">
+                <a16:creationId xmlns:a16="http://schemas.microsoft.com/office/drawing/2014/main" id="{487ACD83-0334-F05A-0309-320FEAF24C48}"/>
+              </a:ext>
+            </a:extLst>
+          </p:cNvPr>
+          <p:cNvSpPr txBox="1"/>
+          <p:nvPr/>
+        </p:nvSpPr>
+        <p:spPr>
+          <a:xfrm>
+            <a:off x="838199" y="1103231"/>
+            <a:ext cx="4972051" cy="954107"/>
+          </a:xfrm>
+          <a:prstGeom prst="rect">
+            <a:avLst/>
+          </a:prstGeom>
+          <a:noFill/>
+        </p:spPr>
+        <p:txBody>
+          <a:bodyPr wrap="square" rtlCol="0">
+            <a:spAutoFit/>
+          </a:bodyPr>
+          <a:lstStyle/>
+          <a:p>
+            <a:pPr marL="285753" indent="-285753">
+              <a:buFont typeface="Arial" panose="020B0604020202020204" pitchFamily="34" charset="0"/>
+              <a:buChar char="•"/>
+            </a:pPr>
+            <a:r>
+              <a:rPr lang="es-ES" sz="2800" u="sng" dirty="0">
+                <a:latin typeface="Times New Roman" panose="02020603050405020304" pitchFamily="18" charset="0"/>
+                <a:cs typeface="Times New Roman" panose="02020603050405020304" pitchFamily="18" charset="0"/>
+              </a:rPr>
+              <a:t>Herramientas (comunicación)</a:t>
+            </a:r>
+          </a:p>
+          <a:p>
+            <a:endParaRPr lang="es-ES" sz="2800" dirty="0"/>
+          </a:p>
+        </p:txBody>
+      </p:sp>
       <p:cxnSp>
         <p:nvCxnSpPr>
-          <p:cNvPr id="17" name="Conector recto 16">
-            <a:extLst>
-              <a:ext uri="{FF2B5EF4-FFF2-40B4-BE49-F238E27FC236}">
-                <a16:creationId xmlns:a16="http://schemas.microsoft.com/office/drawing/2014/main" id="{1B51D1C6-EC09-7EB4-D54B-89E2C5DA5129}"/>
+          <p:cNvPr id="7" name="Conector recto 6">
+            <a:extLst>
+              <a:ext uri="{FF2B5EF4-FFF2-40B4-BE49-F238E27FC236}">
+                <a16:creationId xmlns:a16="http://schemas.microsoft.com/office/drawing/2014/main" id="{23EEF376-EA6E-1B4D-27CF-C39B000CFC47}"/>
               </a:ext>
             </a:extLst>
           </p:cNvPr>
@@ -3924,407 +3969,6 @@
       </p:cxnSp>
       <p:sp>
         <p:nvSpPr>
-          <p:cNvPr id="18" name="CuadroTexto 17">
-            <a:extLst>
-              <a:ext uri="{FF2B5EF4-FFF2-40B4-BE49-F238E27FC236}">
-                <a16:creationId xmlns:a16="http://schemas.microsoft.com/office/drawing/2014/main" id="{0759037C-D4F3-555E-7866-216EC106842A}"/>
-              </a:ext>
-            </a:extLst>
-          </p:cNvPr>
-          <p:cNvSpPr txBox="1"/>
-          <p:nvPr/>
-        </p:nvSpPr>
-        <p:spPr>
-          <a:xfrm>
-            <a:off x="11353800" y="6345383"/>
-            <a:ext cx="330200" cy="369332"/>
-          </a:xfrm>
-          <a:prstGeom prst="rect">
-            <a:avLst/>
-          </a:prstGeom>
-          <a:noFill/>
-        </p:spPr>
-        <p:txBody>
-          <a:bodyPr wrap="square" rtlCol="0">
-            <a:spAutoFit/>
-          </a:bodyPr>
-          <a:lstStyle/>
-          <a:p>
-            <a:r>
-              <a:rPr lang="es-ES" dirty="0">
-                <a:solidFill>
-                  <a:srgbClr val="C00000"/>
-                </a:solidFill>
-                <a:latin typeface="Times New Roman" panose="02020603050405020304" pitchFamily="18" charset="0"/>
-                <a:cs typeface="Times New Roman" panose="02020603050405020304" pitchFamily="18" charset="0"/>
-              </a:rPr>
-              <a:t>8</a:t>
-            </a:r>
-          </a:p>
-        </p:txBody>
-      </p:sp>
-      <p:sp>
-        <p:nvSpPr>
-          <p:cNvPr id="19" name="CuadroTexto 18">
-            <a:extLst>
-              <a:ext uri="{FF2B5EF4-FFF2-40B4-BE49-F238E27FC236}">
-                <a16:creationId xmlns:a16="http://schemas.microsoft.com/office/drawing/2014/main" id="{BB61D424-2C02-C6A9-EA16-08CC5D179E31}"/>
-              </a:ext>
-            </a:extLst>
-          </p:cNvPr>
-          <p:cNvSpPr txBox="1"/>
-          <p:nvPr/>
-        </p:nvSpPr>
-        <p:spPr>
-          <a:xfrm>
-            <a:off x="755072" y="6366142"/>
-            <a:ext cx="4518892" cy="369332"/>
-          </a:xfrm>
-          <a:prstGeom prst="rect">
-            <a:avLst/>
-          </a:prstGeom>
-          <a:noFill/>
-        </p:spPr>
-        <p:txBody>
-          <a:bodyPr wrap="square" rtlCol="0">
-            <a:spAutoFit/>
-          </a:bodyPr>
-          <a:lstStyle/>
-          <a:p>
-            <a:r>
-              <a:rPr lang="es-ES" dirty="0">
-                <a:solidFill>
-                  <a:srgbClr val="C00000"/>
-                </a:solidFill>
-                <a:latin typeface="Times New Roman" panose="02020603050405020304" pitchFamily="18" charset="0"/>
-                <a:cs typeface="Times New Roman" panose="02020603050405020304" pitchFamily="18" charset="0"/>
-              </a:rPr>
-              <a:t>Métodos y herramientas</a:t>
-            </a:r>
-          </a:p>
-        </p:txBody>
-      </p:sp>
-      <p:sp>
-        <p:nvSpPr>
-          <p:cNvPr id="9" name="CuadroTexto 8">
-            <a:extLst>
-              <a:ext uri="{FF2B5EF4-FFF2-40B4-BE49-F238E27FC236}">
-                <a16:creationId xmlns:a16="http://schemas.microsoft.com/office/drawing/2014/main" id="{AD2B5BFF-F3E3-E75F-705B-BA9B5CC5883E}"/>
-              </a:ext>
-            </a:extLst>
-          </p:cNvPr>
-          <p:cNvSpPr txBox="1"/>
-          <p:nvPr/>
-        </p:nvSpPr>
-        <p:spPr>
-          <a:xfrm>
-            <a:off x="838199" y="758126"/>
-            <a:ext cx="4972051" cy="954107"/>
-          </a:xfrm>
-          <a:prstGeom prst="rect">
-            <a:avLst/>
-          </a:prstGeom>
-          <a:noFill/>
-        </p:spPr>
-        <p:txBody>
-          <a:bodyPr wrap="square" rtlCol="0">
-            <a:spAutoFit/>
-          </a:bodyPr>
-          <a:lstStyle/>
-          <a:p>
-            <a:pPr marL="285753" indent="-285753">
-              <a:buFont typeface="Arial" panose="020B0604020202020204" pitchFamily="34" charset="0"/>
-              <a:buChar char="•"/>
-            </a:pPr>
-            <a:r>
-              <a:rPr lang="es-ES" sz="2800" u="sng" dirty="0">
-                <a:latin typeface="Times New Roman" panose="02020603050405020304" pitchFamily="18" charset="0"/>
-                <a:cs typeface="Times New Roman" panose="02020603050405020304" pitchFamily="18" charset="0"/>
-              </a:rPr>
-              <a:t>Herramientas (red neuronal)</a:t>
-            </a:r>
-          </a:p>
-          <a:p>
-            <a:endParaRPr lang="es-ES" sz="2800" dirty="0"/>
-          </a:p>
-        </p:txBody>
-      </p:sp>
-      <p:sp>
-        <p:nvSpPr>
-          <p:cNvPr id="2" name="CuadroTexto 1">
-            <a:extLst>
-              <a:ext uri="{FF2B5EF4-FFF2-40B4-BE49-F238E27FC236}">
-                <a16:creationId xmlns:a16="http://schemas.microsoft.com/office/drawing/2014/main" id="{0C616354-3BEB-F4A0-544B-C1A1691F6C64}"/>
-              </a:ext>
-            </a:extLst>
-          </p:cNvPr>
-          <p:cNvSpPr txBox="1"/>
-          <p:nvPr/>
-        </p:nvSpPr>
-        <p:spPr>
-          <a:xfrm>
-            <a:off x="838199" y="4089944"/>
-            <a:ext cx="10378354" cy="1569660"/>
-          </a:xfrm>
-          <a:prstGeom prst="rect">
-            <a:avLst/>
-          </a:prstGeom>
-          <a:noFill/>
-        </p:spPr>
-        <p:txBody>
-          <a:bodyPr wrap="square" rtlCol="0">
-            <a:spAutoFit/>
-          </a:bodyPr>
-          <a:lstStyle/>
-          <a:p>
-            <a:pPr marL="285753" indent="-285753">
-              <a:buFont typeface="Arial" panose="020B0604020202020204" pitchFamily="34" charset="0"/>
-              <a:buChar char="•"/>
-            </a:pPr>
-            <a:r>
-              <a:rPr lang="es-ES" sz="2400" dirty="0" err="1">
-                <a:latin typeface="Times New Roman" panose="02020603050405020304" pitchFamily="18" charset="0"/>
-                <a:cs typeface="Times New Roman" panose="02020603050405020304" pitchFamily="18" charset="0"/>
-              </a:rPr>
-              <a:t>OpenNN</a:t>
-            </a:r>
-            <a:r>
-              <a:rPr lang="es-ES" sz="2400" dirty="0">
-                <a:latin typeface="Times New Roman" panose="02020603050405020304" pitchFamily="18" charset="0"/>
-                <a:cs typeface="Times New Roman" panose="02020603050405020304" pitchFamily="18" charset="0"/>
-              </a:rPr>
-              <a:t> es una biblioteca de código abierto que permite construir modelos a partir de redes neuronales en C++</a:t>
-            </a:r>
-          </a:p>
-          <a:p>
-            <a:pPr marL="285753" indent="-285753">
-              <a:buFont typeface="Arial" panose="020B0604020202020204" pitchFamily="34" charset="0"/>
-              <a:buChar char="•"/>
-            </a:pPr>
-            <a:r>
-              <a:rPr lang="es-ES" sz="2400" dirty="0">
-                <a:latin typeface="Times New Roman" panose="02020603050405020304" pitchFamily="18" charset="0"/>
-                <a:cs typeface="Times New Roman" panose="02020603050405020304" pitchFamily="18" charset="0"/>
-              </a:rPr>
-              <a:t>Diferentes tipos de problemas: aproximación, clasificación, predicción</a:t>
-            </a:r>
-          </a:p>
-          <a:p>
-            <a:pPr marL="285753" indent="-285753">
-              <a:buFont typeface="Arial" panose="020B0604020202020204" pitchFamily="34" charset="0"/>
-              <a:buChar char="•"/>
-            </a:pPr>
-            <a:r>
-              <a:rPr lang="es-ES" sz="2400" dirty="0">
-                <a:latin typeface="Times New Roman" panose="02020603050405020304" pitchFamily="18" charset="0"/>
-                <a:cs typeface="Times New Roman" panose="02020603050405020304" pitchFamily="18" charset="0"/>
-              </a:rPr>
-              <a:t>Similar a bibliotecas de Python como </a:t>
-            </a:r>
-            <a:r>
-              <a:rPr lang="es-ES" sz="2400" dirty="0" err="1">
-                <a:latin typeface="Times New Roman" panose="02020603050405020304" pitchFamily="18" charset="0"/>
-                <a:cs typeface="Times New Roman" panose="02020603050405020304" pitchFamily="18" charset="0"/>
-              </a:rPr>
-              <a:t>TensorFlow</a:t>
-            </a:r>
-            <a:endParaRPr lang="es-ES" sz="2400" dirty="0">
-              <a:latin typeface="Times New Roman" panose="02020603050405020304" pitchFamily="18" charset="0"/>
-              <a:cs typeface="Times New Roman" panose="02020603050405020304" pitchFamily="18" charset="0"/>
-            </a:endParaRPr>
-          </a:p>
-        </p:txBody>
-      </p:sp>
-    </p:spTree>
-    <p:extLst>
-      <p:ext uri="{BB962C8B-B14F-4D97-AF65-F5344CB8AC3E}">
-        <p14:creationId xmlns:p14="http://schemas.microsoft.com/office/powerpoint/2010/main" val="2245884287"/>
-      </p:ext>
-    </p:extLst>
-  </p:cSld>
-  <p:clrMapOvr>
-    <a:masterClrMapping/>
-  </p:clrMapOvr>
-</p:sld>
-</file>
-
-<file path=ppt/slides/slide11.xml><?xml version="1.0" encoding="utf-8"?>
-<p:sld xmlns:a="http://schemas.openxmlformats.org/drawingml/2006/main" xmlns:r="http://schemas.openxmlformats.org/officeDocument/2006/relationships" xmlns:p="http://schemas.openxmlformats.org/presentationml/2006/main">
-  <p:cSld>
-    <p:spTree>
-      <p:nvGrpSpPr>
-        <p:cNvPr id="1" name=""/>
-        <p:cNvGrpSpPr/>
-        <p:nvPr/>
-      </p:nvGrpSpPr>
-      <p:grpSpPr>
-        <a:xfrm>
-          <a:off x="0" y="0"/>
-          <a:ext cx="0" cy="0"/>
-          <a:chOff x="0" y="0"/>
-          <a:chExt cx="0" cy="0"/>
-        </a:xfrm>
-      </p:grpSpPr>
-      <p:pic>
-        <p:nvPicPr>
-          <p:cNvPr id="4" name="Imagen 3" descr="Icono&#10;&#10;Descripción generada automáticamente">
-            <a:extLst>
-              <a:ext uri="{FF2B5EF4-FFF2-40B4-BE49-F238E27FC236}">
-                <a16:creationId xmlns:a16="http://schemas.microsoft.com/office/drawing/2014/main" id="{8037732F-C0FC-B31B-229C-8F9BB9A01CA0}"/>
-              </a:ext>
-            </a:extLst>
-          </p:cNvPr>
-          <p:cNvPicPr>
-            <a:picLocks noChangeAspect="1"/>
-          </p:cNvPicPr>
-          <p:nvPr/>
-        </p:nvPicPr>
-        <p:blipFill>
-          <a:blip r:embed="rId2">
-            <a:extLst>
-              <a:ext uri="{28A0092B-C50C-407E-A947-70E740481C1C}">
-                <a14:useLocalDpi xmlns:a14="http://schemas.microsoft.com/office/drawing/2010/main" val="0"/>
-              </a:ext>
-            </a:extLst>
-          </a:blip>
-          <a:stretch>
-            <a:fillRect/>
-          </a:stretch>
-        </p:blipFill>
-        <p:spPr>
-          <a:xfrm>
-            <a:off x="1329616" y="2693193"/>
-            <a:ext cx="4671134" cy="2402681"/>
-          </a:xfrm>
-          <a:prstGeom prst="rect">
-            <a:avLst/>
-          </a:prstGeom>
-        </p:spPr>
-      </p:pic>
-      <p:pic>
-        <p:nvPicPr>
-          <p:cNvPr id="5" name="Imagen 4" descr="Imagen que contiene Icono&#10;&#10;Descripción generada automáticamente">
-            <a:extLst>
-              <a:ext uri="{FF2B5EF4-FFF2-40B4-BE49-F238E27FC236}">
-                <a16:creationId xmlns:a16="http://schemas.microsoft.com/office/drawing/2014/main" id="{2D2DDCFE-14C2-4FA7-FF0E-86DCF17E536F}"/>
-              </a:ext>
-            </a:extLst>
-          </p:cNvPr>
-          <p:cNvPicPr>
-            <a:picLocks noChangeAspect="1"/>
-          </p:cNvPicPr>
-          <p:nvPr/>
-        </p:nvPicPr>
-        <p:blipFill>
-          <a:blip r:embed="rId3">
-            <a:extLst>
-              <a:ext uri="{28A0092B-C50C-407E-A947-70E740481C1C}">
-                <a14:useLocalDpi xmlns:a14="http://schemas.microsoft.com/office/drawing/2010/main" val="0"/>
-              </a:ext>
-            </a:extLst>
-          </a:blip>
-          <a:stretch>
-            <a:fillRect/>
-          </a:stretch>
-        </p:blipFill>
-        <p:spPr>
-          <a:xfrm>
-            <a:off x="6468400" y="2869671"/>
-            <a:ext cx="4393984" cy="2049724"/>
-          </a:xfrm>
-          <a:prstGeom prst="rect">
-            <a:avLst/>
-          </a:prstGeom>
-        </p:spPr>
-      </p:pic>
-      <p:sp>
-        <p:nvSpPr>
-          <p:cNvPr id="6" name="CuadroTexto 5">
-            <a:extLst>
-              <a:ext uri="{FF2B5EF4-FFF2-40B4-BE49-F238E27FC236}">
-                <a16:creationId xmlns:a16="http://schemas.microsoft.com/office/drawing/2014/main" id="{487ACD83-0334-F05A-0309-320FEAF24C48}"/>
-              </a:ext>
-            </a:extLst>
-          </p:cNvPr>
-          <p:cNvSpPr txBox="1"/>
-          <p:nvPr/>
-        </p:nvSpPr>
-        <p:spPr>
-          <a:xfrm>
-            <a:off x="838199" y="1103231"/>
-            <a:ext cx="4972051" cy="954107"/>
-          </a:xfrm>
-          <a:prstGeom prst="rect">
-            <a:avLst/>
-          </a:prstGeom>
-          <a:noFill/>
-        </p:spPr>
-        <p:txBody>
-          <a:bodyPr wrap="square" rtlCol="0">
-            <a:spAutoFit/>
-          </a:bodyPr>
-          <a:lstStyle/>
-          <a:p>
-            <a:pPr marL="285753" indent="-285753">
-              <a:buFont typeface="Arial" panose="020B0604020202020204" pitchFamily="34" charset="0"/>
-              <a:buChar char="•"/>
-            </a:pPr>
-            <a:r>
-              <a:rPr lang="es-ES" sz="2800" u="sng" dirty="0">
-                <a:latin typeface="Times New Roman" panose="02020603050405020304" pitchFamily="18" charset="0"/>
-                <a:cs typeface="Times New Roman" panose="02020603050405020304" pitchFamily="18" charset="0"/>
-              </a:rPr>
-              <a:t>Herramientas (comunicación)</a:t>
-            </a:r>
-          </a:p>
-          <a:p>
-            <a:endParaRPr lang="es-ES" sz="2800" dirty="0"/>
-          </a:p>
-        </p:txBody>
-      </p:sp>
-      <p:cxnSp>
-        <p:nvCxnSpPr>
-          <p:cNvPr id="7" name="Conector recto 6">
-            <a:extLst>
-              <a:ext uri="{FF2B5EF4-FFF2-40B4-BE49-F238E27FC236}">
-                <a16:creationId xmlns:a16="http://schemas.microsoft.com/office/drawing/2014/main" id="{23EEF376-EA6E-1B4D-27CF-C39B000CFC47}"/>
-              </a:ext>
-            </a:extLst>
-          </p:cNvPr>
-          <p:cNvCxnSpPr/>
-          <p:nvPr/>
-        </p:nvCxnSpPr>
-        <p:spPr>
-          <a:xfrm>
-            <a:off x="838199" y="6354618"/>
-            <a:ext cx="10716492" cy="0"/>
-          </a:xfrm>
-          <a:prstGeom prst="line">
-            <a:avLst/>
-          </a:prstGeom>
-          <a:ln w="38100">
-            <a:solidFill>
-              <a:srgbClr val="C00000"/>
-            </a:solidFill>
-          </a:ln>
-        </p:spPr>
-        <p:style>
-          <a:lnRef idx="1">
-            <a:schemeClr val="accent1"/>
-          </a:lnRef>
-          <a:fillRef idx="0">
-            <a:schemeClr val="accent1"/>
-          </a:fillRef>
-          <a:effectRef idx="0">
-            <a:schemeClr val="accent1"/>
-          </a:effectRef>
-          <a:fontRef idx="minor">
-            <a:schemeClr val="tx1"/>
-          </a:fontRef>
-        </p:style>
-      </p:cxnSp>
-      <p:sp>
-        <p:nvSpPr>
           <p:cNvPr id="8" name="CuadroTexto 7">
             <a:extLst>
               <a:ext uri="{FF2B5EF4-FFF2-40B4-BE49-F238E27FC236}">
@@ -4418,7 +4062,7 @@
 </p:sld>
 </file>
 
-<file path=ppt/slides/slide12.xml><?xml version="1.0" encoding="utf-8"?>
+<file path=ppt/slides/slide11.xml><?xml version="1.0" encoding="utf-8"?>
 <p:sld xmlns:a="http://schemas.openxmlformats.org/drawingml/2006/main" xmlns:r="http://schemas.openxmlformats.org/officeDocument/2006/relationships" xmlns:p="http://schemas.openxmlformats.org/presentationml/2006/main">
   <p:cSld>
     <p:spTree>
@@ -4920,6 +4564,308 @@
 </p:sld>
 </file>
 
+<file path=ppt/slides/slide12.xml><?xml version="1.0" encoding="utf-8"?>
+<p:sld xmlns:a="http://schemas.openxmlformats.org/drawingml/2006/main" xmlns:r="http://schemas.openxmlformats.org/officeDocument/2006/relationships" xmlns:p="http://schemas.openxmlformats.org/presentationml/2006/main">
+  <p:cSld>
+    <p:spTree>
+      <p:nvGrpSpPr>
+        <p:cNvPr id="1" name=""/>
+        <p:cNvGrpSpPr/>
+        <p:nvPr/>
+      </p:nvGrpSpPr>
+      <p:grpSpPr>
+        <a:xfrm>
+          <a:off x="0" y="0"/>
+          <a:ext cx="0" cy="0"/>
+          <a:chOff x="0" y="0"/>
+          <a:chExt cx="0" cy="0"/>
+        </a:xfrm>
+      </p:grpSpPr>
+      <p:sp>
+        <p:nvSpPr>
+          <p:cNvPr id="3" name="Marcador de contenido 2">
+            <a:extLst>
+              <a:ext uri="{FF2B5EF4-FFF2-40B4-BE49-F238E27FC236}">
+                <a16:creationId xmlns:a16="http://schemas.microsoft.com/office/drawing/2014/main" id="{23202239-0B1F-A6DD-B954-BAA0AF5F30B0}"/>
+              </a:ext>
+            </a:extLst>
+          </p:cNvPr>
+          <p:cNvSpPr>
+            <a:spLocks noGrp="1"/>
+          </p:cNvSpPr>
+          <p:nvPr>
+            <p:ph idx="1"/>
+          </p:nvPr>
+        </p:nvSpPr>
+        <p:spPr>
+          <a:xfrm>
+            <a:off x="838200" y="997527"/>
+            <a:ext cx="10515600" cy="5179436"/>
+          </a:xfrm>
+        </p:spPr>
+        <p:txBody>
+          <a:bodyPr/>
+          <a:lstStyle/>
+          <a:p>
+            <a:r>
+              <a:rPr lang="es-ES" u="sng" dirty="0">
+                <a:latin typeface="Times New Roman" panose="02020603050405020304" pitchFamily="18" charset="0"/>
+                <a:cs typeface="Times New Roman" panose="02020603050405020304" pitchFamily="18" charset="0"/>
+              </a:rPr>
+              <a:t>Diseño del modelo</a:t>
+            </a:r>
+          </a:p>
+          <a:p>
+            <a:pPr marL="0" indent="0">
+              <a:buNone/>
+            </a:pPr>
+            <a:r>
+              <a:rPr lang="es-ES" sz="2400" b="1" dirty="0">
+                <a:latin typeface="Times New Roman" panose="02020603050405020304" pitchFamily="18" charset="0"/>
+                <a:cs typeface="Times New Roman" panose="02020603050405020304" pitchFamily="18" charset="0"/>
+              </a:rPr>
+              <a:t>Obtención de datos históricos</a:t>
+            </a:r>
+          </a:p>
+          <a:p>
+            <a:pPr marL="0" indent="0" algn="just">
+              <a:buNone/>
+            </a:pPr>
+            <a:r>
+              <a:rPr lang="es-ES" sz="2400" dirty="0">
+                <a:latin typeface="Times New Roman" panose="02020603050405020304" pitchFamily="18" charset="0"/>
+                <a:cs typeface="Times New Roman" panose="02020603050405020304" pitchFamily="18" charset="0"/>
+              </a:rPr>
+              <a:t>Tanto contaminantes como meteorológicos. En la transformación a series temporales, se elige el número de </a:t>
+            </a:r>
+            <a:r>
+              <a:rPr lang="es-ES" sz="2400" i="1" dirty="0">
+                <a:latin typeface="Times New Roman" panose="02020603050405020304" pitchFamily="18" charset="0"/>
+                <a:cs typeface="Times New Roman" panose="02020603050405020304" pitchFamily="18" charset="0"/>
+              </a:rPr>
+              <a:t>lags</a:t>
+            </a:r>
+            <a:r>
+              <a:rPr lang="es-ES" sz="2400" dirty="0">
+                <a:latin typeface="Times New Roman" panose="02020603050405020304" pitchFamily="18" charset="0"/>
+                <a:cs typeface="Times New Roman" panose="02020603050405020304" pitchFamily="18" charset="0"/>
+              </a:rPr>
+              <a:t> y </a:t>
+            </a:r>
+            <a:r>
+              <a:rPr lang="es-ES" sz="2400" i="1" dirty="0" err="1">
+                <a:latin typeface="Times New Roman" panose="02020603050405020304" pitchFamily="18" charset="0"/>
+                <a:cs typeface="Times New Roman" panose="02020603050405020304" pitchFamily="18" charset="0"/>
+              </a:rPr>
+              <a:t>steps</a:t>
+            </a:r>
+            <a:r>
+              <a:rPr lang="es-ES" sz="2400" i="1" dirty="0">
+                <a:latin typeface="Times New Roman" panose="02020603050405020304" pitchFamily="18" charset="0"/>
+                <a:cs typeface="Times New Roman" panose="02020603050405020304" pitchFamily="18" charset="0"/>
+              </a:rPr>
+              <a:t> </a:t>
+            </a:r>
+            <a:r>
+              <a:rPr lang="es-ES" sz="2400" i="1" dirty="0" err="1">
+                <a:latin typeface="Times New Roman" panose="02020603050405020304" pitchFamily="18" charset="0"/>
+                <a:cs typeface="Times New Roman" panose="02020603050405020304" pitchFamily="18" charset="0"/>
+              </a:rPr>
+              <a:t>ahead</a:t>
+            </a:r>
+            <a:endParaRPr lang="es-ES" sz="2400" dirty="0">
+              <a:latin typeface="Times New Roman" panose="02020603050405020304" pitchFamily="18" charset="0"/>
+              <a:cs typeface="Times New Roman" panose="02020603050405020304" pitchFamily="18" charset="0"/>
+            </a:endParaRPr>
+          </a:p>
+        </p:txBody>
+      </p:sp>
+      <p:pic>
+        <p:nvPicPr>
+          <p:cNvPr id="5" name="Imagen 4" descr="Imagen que contiene interior, computadora, escritorio, tabla&#10;&#10;Descripción generada automáticamente">
+            <a:extLst>
+              <a:ext uri="{FF2B5EF4-FFF2-40B4-BE49-F238E27FC236}">
+                <a16:creationId xmlns:a16="http://schemas.microsoft.com/office/drawing/2014/main" id="{F994101D-E30F-649D-AA9D-66CF993056A5}"/>
+              </a:ext>
+            </a:extLst>
+          </p:cNvPr>
+          <p:cNvPicPr>
+            <a:picLocks noChangeAspect="1"/>
+          </p:cNvPicPr>
+          <p:nvPr/>
+        </p:nvPicPr>
+        <p:blipFill>
+          <a:blip r:embed="rId2">
+            <a:extLst>
+              <a:ext uri="{28A0092B-C50C-407E-A947-70E740481C1C}">
+                <a14:useLocalDpi xmlns:a14="http://schemas.microsoft.com/office/drawing/2010/main" val="0"/>
+              </a:ext>
+            </a:extLst>
+          </a:blip>
+          <a:stretch>
+            <a:fillRect/>
+          </a:stretch>
+        </p:blipFill>
+        <p:spPr>
+          <a:xfrm>
+            <a:off x="919019" y="3081700"/>
+            <a:ext cx="10353963" cy="2550862"/>
+          </a:xfrm>
+          <a:prstGeom prst="rect">
+            <a:avLst/>
+          </a:prstGeom>
+          <a:ln w="38100" cap="sq">
+            <a:solidFill>
+              <a:srgbClr val="000000"/>
+            </a:solidFill>
+            <a:prstDash val="solid"/>
+            <a:miter lim="800000"/>
+          </a:ln>
+          <a:effectLst>
+            <a:outerShdw blurRad="50800" dist="38100" dir="2700000" algn="tl" rotWithShape="0">
+              <a:srgbClr val="000000">
+                <a:alpha val="43000"/>
+              </a:srgbClr>
+            </a:outerShdw>
+          </a:effectLst>
+        </p:spPr>
+      </p:pic>
+      <p:cxnSp>
+        <p:nvCxnSpPr>
+          <p:cNvPr id="12" name="Conector recto 11">
+            <a:extLst>
+              <a:ext uri="{FF2B5EF4-FFF2-40B4-BE49-F238E27FC236}">
+                <a16:creationId xmlns:a16="http://schemas.microsoft.com/office/drawing/2014/main" id="{FDECA4C9-F2CC-149E-DA29-52A289D4F46D}"/>
+              </a:ext>
+            </a:extLst>
+          </p:cNvPr>
+          <p:cNvCxnSpPr/>
+          <p:nvPr/>
+        </p:nvCxnSpPr>
+        <p:spPr>
+          <a:xfrm>
+            <a:off x="838199" y="6354618"/>
+            <a:ext cx="10716492" cy="0"/>
+          </a:xfrm>
+          <a:prstGeom prst="line">
+            <a:avLst/>
+          </a:prstGeom>
+          <a:ln w="38100">
+            <a:solidFill>
+              <a:srgbClr val="C00000"/>
+            </a:solidFill>
+          </a:ln>
+        </p:spPr>
+        <p:style>
+          <a:lnRef idx="1">
+            <a:schemeClr val="accent1"/>
+          </a:lnRef>
+          <a:fillRef idx="0">
+            <a:schemeClr val="accent1"/>
+          </a:fillRef>
+          <a:effectRef idx="0">
+            <a:schemeClr val="accent1"/>
+          </a:effectRef>
+          <a:fontRef idx="minor">
+            <a:schemeClr val="tx1"/>
+          </a:fontRef>
+        </p:style>
+      </p:cxnSp>
+      <p:sp>
+        <p:nvSpPr>
+          <p:cNvPr id="13" name="CuadroTexto 12">
+            <a:extLst>
+              <a:ext uri="{FF2B5EF4-FFF2-40B4-BE49-F238E27FC236}">
+                <a16:creationId xmlns:a16="http://schemas.microsoft.com/office/drawing/2014/main" id="{10D0C899-FC5C-0032-0F29-4C15F1ECE059}"/>
+              </a:ext>
+            </a:extLst>
+          </p:cNvPr>
+          <p:cNvSpPr txBox="1"/>
+          <p:nvPr/>
+        </p:nvSpPr>
+        <p:spPr>
+          <a:xfrm>
+            <a:off x="11240654" y="6345383"/>
+            <a:ext cx="443345" cy="369332"/>
+          </a:xfrm>
+          <a:prstGeom prst="rect">
+            <a:avLst/>
+          </a:prstGeom>
+          <a:noFill/>
+        </p:spPr>
+        <p:txBody>
+          <a:bodyPr wrap="square" rtlCol="0">
+            <a:spAutoFit/>
+          </a:bodyPr>
+          <a:lstStyle/>
+          <a:p>
+            <a:r>
+              <a:rPr lang="es-ES" dirty="0">
+                <a:solidFill>
+                  <a:srgbClr val="C00000"/>
+                </a:solidFill>
+                <a:latin typeface="Times New Roman" panose="02020603050405020304" pitchFamily="18" charset="0"/>
+                <a:cs typeface="Times New Roman" panose="02020603050405020304" pitchFamily="18" charset="0"/>
+              </a:rPr>
+              <a:t>11</a:t>
+            </a:r>
+          </a:p>
+        </p:txBody>
+      </p:sp>
+      <p:sp>
+        <p:nvSpPr>
+          <p:cNvPr id="14" name="CuadroTexto 13">
+            <a:extLst>
+              <a:ext uri="{FF2B5EF4-FFF2-40B4-BE49-F238E27FC236}">
+                <a16:creationId xmlns:a16="http://schemas.microsoft.com/office/drawing/2014/main" id="{5F189C49-B7FF-3E0B-EC7F-42691F94ED72}"/>
+              </a:ext>
+            </a:extLst>
+          </p:cNvPr>
+          <p:cNvSpPr txBox="1"/>
+          <p:nvPr/>
+        </p:nvSpPr>
+        <p:spPr>
+          <a:xfrm>
+            <a:off x="755072" y="6366142"/>
+            <a:ext cx="4518892" cy="369332"/>
+          </a:xfrm>
+          <a:prstGeom prst="rect">
+            <a:avLst/>
+          </a:prstGeom>
+          <a:noFill/>
+        </p:spPr>
+        <p:txBody>
+          <a:bodyPr wrap="square" rtlCol="0">
+            <a:spAutoFit/>
+          </a:bodyPr>
+          <a:lstStyle/>
+          <a:p>
+            <a:r>
+              <a:rPr lang="es-ES" dirty="0">
+                <a:solidFill>
+                  <a:srgbClr val="C00000"/>
+                </a:solidFill>
+                <a:latin typeface="Times New Roman" panose="02020603050405020304" pitchFamily="18" charset="0"/>
+                <a:cs typeface="Times New Roman" panose="02020603050405020304" pitchFamily="18" charset="0"/>
+              </a:rPr>
+              <a:t>Aspectos relevantes</a:t>
+            </a:r>
+          </a:p>
+        </p:txBody>
+      </p:sp>
+    </p:spTree>
+    <p:extLst>
+      <p:ext uri="{BB962C8B-B14F-4D97-AF65-F5344CB8AC3E}">
+        <p14:creationId xmlns:p14="http://schemas.microsoft.com/office/powerpoint/2010/main" val="534640137"/>
+      </p:ext>
+    </p:extLst>
+  </p:cSld>
+  <p:clrMapOvr>
+    <a:masterClrMapping/>
+  </p:clrMapOvr>
+</p:sld>
+</file>
+
 <file path=ppt/slides/slide13.xml><?xml version="1.0" encoding="utf-8"?>
 <p:sld xmlns:a="http://schemas.openxmlformats.org/drawingml/2006/main" xmlns:r="http://schemas.openxmlformats.org/officeDocument/2006/relationships" xmlns:p="http://schemas.openxmlformats.org/presentationml/2006/main">
   <p:cSld>
@@ -4942,7 +4888,7 @@
           <p:cNvPr id="3" name="Marcador de contenido 2">
             <a:extLst>
               <a:ext uri="{FF2B5EF4-FFF2-40B4-BE49-F238E27FC236}">
-                <a16:creationId xmlns:a16="http://schemas.microsoft.com/office/drawing/2014/main" id="{23202239-0B1F-A6DD-B954-BAA0AF5F30B0}"/>
+                <a16:creationId xmlns:a16="http://schemas.microsoft.com/office/drawing/2014/main" id="{B1D3C8EE-916A-B01F-8E3F-D4B505354946}"/>
               </a:ext>
             </a:extLst>
           </p:cNvPr>
@@ -4955,93 +4901,42 @@
         </p:nvSpPr>
         <p:spPr>
           <a:xfrm>
-            <a:off x="838200" y="997527"/>
-            <a:ext cx="10515600" cy="5179436"/>
+            <a:off x="838200" y="923636"/>
+            <a:ext cx="10515600" cy="5253327"/>
           </a:xfrm>
         </p:spPr>
         <p:txBody>
           <a:bodyPr/>
           <a:lstStyle/>
-          <a:p>
-            <a:r>
-              <a:rPr lang="es-ES" u="sng" dirty="0">
-                <a:latin typeface="Times New Roman" panose="02020603050405020304" pitchFamily="18" charset="0"/>
-                <a:cs typeface="Times New Roman" panose="02020603050405020304" pitchFamily="18" charset="0"/>
-              </a:rPr>
-              <a:t>Diseño del modelo</a:t>
-            </a:r>
-          </a:p>
           <a:p>
             <a:pPr marL="0" indent="0">
               <a:buNone/>
             </a:pPr>
             <a:r>
-              <a:rPr lang="es-ES" sz="2400" b="1" dirty="0">
-                <a:latin typeface="Times New Roman" panose="02020603050405020304" pitchFamily="18" charset="0"/>
-                <a:cs typeface="Times New Roman" panose="02020603050405020304" pitchFamily="18" charset="0"/>
-              </a:rPr>
-              <a:t>Obtención de datos históricos</a:t>
-            </a:r>
-          </a:p>
-          <a:p>
-            <a:pPr marL="0" indent="0" algn="just">
+              <a:rPr lang="es-ES" sz="2400" dirty="0">
+                <a:latin typeface="Times New Roman" panose="02020603050405020304" pitchFamily="18" charset="0"/>
+                <a:cs typeface="Times New Roman" panose="02020603050405020304" pitchFamily="18" charset="0"/>
+              </a:rPr>
+              <a:t>A partir de este conjunto de datos ya podemos obtener información útil como por ejemplo las correlaciones entre las variables de entrada y de salida</a:t>
+            </a:r>
+          </a:p>
+          <a:p>
+            <a:endParaRPr lang="es-ES" dirty="0"/>
+          </a:p>
+          <a:p>
+            <a:pPr marL="0" indent="0">
               <a:buNone/>
             </a:pPr>
-            <a:r>
-              <a:rPr lang="es-ES" sz="2400" dirty="0">
-                <a:latin typeface="Times New Roman" panose="02020603050405020304" pitchFamily="18" charset="0"/>
-                <a:cs typeface="Times New Roman" panose="02020603050405020304" pitchFamily="18" charset="0"/>
-              </a:rPr>
-              <a:t>Tanto contaminantes como meteorológicos. En la transformación a series temporales, se elige el número de </a:t>
-            </a:r>
-            <a:r>
-              <a:rPr lang="es-ES" sz="2400" i="1" dirty="0">
-                <a:latin typeface="Times New Roman" panose="02020603050405020304" pitchFamily="18" charset="0"/>
-                <a:cs typeface="Times New Roman" panose="02020603050405020304" pitchFamily="18" charset="0"/>
-              </a:rPr>
-              <a:t>lags</a:t>
-            </a:r>
-            <a:r>
-              <a:rPr lang="es-ES" sz="2400" dirty="0">
-                <a:latin typeface="Times New Roman" panose="02020603050405020304" pitchFamily="18" charset="0"/>
-                <a:cs typeface="Times New Roman" panose="02020603050405020304" pitchFamily="18" charset="0"/>
-              </a:rPr>
-              <a:t> y </a:t>
-            </a:r>
-            <a:r>
-              <a:rPr lang="es-ES" sz="2400" i="1" dirty="0" err="1">
-                <a:latin typeface="Times New Roman" panose="02020603050405020304" pitchFamily="18" charset="0"/>
-                <a:cs typeface="Times New Roman" panose="02020603050405020304" pitchFamily="18" charset="0"/>
-              </a:rPr>
-              <a:t>steps</a:t>
-            </a:r>
-            <a:r>
-              <a:rPr lang="es-ES" sz="2400" i="1" dirty="0">
-                <a:latin typeface="Times New Roman" panose="02020603050405020304" pitchFamily="18" charset="0"/>
-                <a:cs typeface="Times New Roman" panose="02020603050405020304" pitchFamily="18" charset="0"/>
-              </a:rPr>
-              <a:t> </a:t>
-            </a:r>
-            <a:r>
-              <a:rPr lang="es-ES" sz="2400" i="1" dirty="0" err="1">
-                <a:latin typeface="Times New Roman" panose="02020603050405020304" pitchFamily="18" charset="0"/>
-                <a:cs typeface="Times New Roman" panose="02020603050405020304" pitchFamily="18" charset="0"/>
-              </a:rPr>
-              <a:t>ahead</a:t>
-            </a:r>
-            <a:endParaRPr lang="es-ES" sz="2400" dirty="0">
-              <a:latin typeface="Times New Roman" panose="02020603050405020304" pitchFamily="18" charset="0"/>
-              <a:cs typeface="Times New Roman" panose="02020603050405020304" pitchFamily="18" charset="0"/>
-            </a:endParaRPr>
+            <a:endParaRPr lang="es-ES" dirty="0"/>
           </a:p>
         </p:txBody>
       </p:sp>
       <p:pic>
         <p:nvPicPr>
-          <p:cNvPr id="5" name="Imagen 4" descr="Imagen que contiene interior, computadora, escritorio, tabla&#10;&#10;Descripción generada automáticamente">
-            <a:extLst>
-              <a:ext uri="{FF2B5EF4-FFF2-40B4-BE49-F238E27FC236}">
-                <a16:creationId xmlns:a16="http://schemas.microsoft.com/office/drawing/2014/main" id="{F994101D-E30F-649D-AA9D-66CF993056A5}"/>
+          <p:cNvPr id="4" name="Imagen 3" descr="Gráfico&#10;&#10;Descripción generada automáticamente">
+            <a:extLst>
+              <a:ext uri="{FF2B5EF4-FFF2-40B4-BE49-F238E27FC236}">
+                <a16:creationId xmlns:a16="http://schemas.microsoft.com/office/drawing/2014/main" id="{949403FB-4054-2DEB-0CF2-8F450F688A6B}"/>
               </a:ext>
             </a:extLst>
           </p:cNvPr>
@@ -5050,7 +4945,7 @@
           </p:cNvPicPr>
           <p:nvPr/>
         </p:nvPicPr>
-        <p:blipFill>
+        <p:blipFill rotWithShape="1">
           <a:blip r:embed="rId2">
             <a:extLst>
               <a:ext uri="{28A0092B-C50C-407E-A947-70E740481C1C}">
@@ -5058,14 +4953,13 @@
               </a:ext>
             </a:extLst>
           </a:blip>
-          <a:stretch>
-            <a:fillRect/>
-          </a:stretch>
+          <a:srcRect l="7394" t="4447" b="5698"/>
+          <a:stretch/>
         </p:blipFill>
-        <p:spPr>
-          <a:xfrm>
-            <a:off x="919019" y="3081700"/>
-            <a:ext cx="10353963" cy="2550862"/>
+        <p:spPr bwMode="auto">
+          <a:xfrm>
+            <a:off x="4137889" y="1992907"/>
+            <a:ext cx="3482109" cy="3941457"/>
           </a:xfrm>
           <a:prstGeom prst="rect">
             <a:avLst/>
@@ -5084,14 +4978,19 @@
               </a:srgbClr>
             </a:outerShdw>
           </a:effectLst>
+          <a:extLst>
+            <a:ext uri="{53640926-AAD7-44D8-BBD7-CCE9431645EC}">
+              <a14:shadowObscured xmlns:a14="http://schemas.microsoft.com/office/drawing/2010/main"/>
+            </a:ext>
+          </a:extLst>
         </p:spPr>
       </p:pic>
       <p:cxnSp>
         <p:nvCxnSpPr>
-          <p:cNvPr id="12" name="Conector recto 11">
-            <a:extLst>
-              <a:ext uri="{FF2B5EF4-FFF2-40B4-BE49-F238E27FC236}">
-                <a16:creationId xmlns:a16="http://schemas.microsoft.com/office/drawing/2014/main" id="{FDECA4C9-F2CC-149E-DA29-52A289D4F46D}"/>
+          <p:cNvPr id="5" name="Conector recto 4">
+            <a:extLst>
+              <a:ext uri="{FF2B5EF4-FFF2-40B4-BE49-F238E27FC236}">
+                <a16:creationId xmlns:a16="http://schemas.microsoft.com/office/drawing/2014/main" id="{D257FE62-82CA-6149-8142-1A566D604ED3}"/>
               </a:ext>
             </a:extLst>
           </p:cNvPr>
@@ -5129,10 +5028,10 @@
       </p:cxnSp>
       <p:sp>
         <p:nvSpPr>
-          <p:cNvPr id="13" name="CuadroTexto 12">
-            <a:extLst>
-              <a:ext uri="{FF2B5EF4-FFF2-40B4-BE49-F238E27FC236}">
-                <a16:creationId xmlns:a16="http://schemas.microsoft.com/office/drawing/2014/main" id="{10D0C899-FC5C-0032-0F29-4C15F1ECE059}"/>
+          <p:cNvPr id="6" name="CuadroTexto 5">
+            <a:extLst>
+              <a:ext uri="{FF2B5EF4-FFF2-40B4-BE49-F238E27FC236}">
+                <a16:creationId xmlns:a16="http://schemas.microsoft.com/office/drawing/2014/main" id="{8EB412B4-BF18-0778-7E3E-95289E72690B}"/>
               </a:ext>
             </a:extLst>
           </p:cNvPr>
@@ -5163,17 +5062,17 @@
                 <a:latin typeface="Times New Roman" panose="02020603050405020304" pitchFamily="18" charset="0"/>
                 <a:cs typeface="Times New Roman" panose="02020603050405020304" pitchFamily="18" charset="0"/>
               </a:rPr>
-              <a:t>11</a:t>
-            </a:r>
-          </a:p>
-        </p:txBody>
-      </p:sp>
-      <p:sp>
-        <p:nvSpPr>
-          <p:cNvPr id="14" name="CuadroTexto 13">
-            <a:extLst>
-              <a:ext uri="{FF2B5EF4-FFF2-40B4-BE49-F238E27FC236}">
-                <a16:creationId xmlns:a16="http://schemas.microsoft.com/office/drawing/2014/main" id="{5F189C49-B7FF-3E0B-EC7F-42691F94ED72}"/>
+              <a:t>12</a:t>
+            </a:r>
+          </a:p>
+        </p:txBody>
+      </p:sp>
+      <p:sp>
+        <p:nvSpPr>
+          <p:cNvPr id="7" name="CuadroTexto 6">
+            <a:extLst>
+              <a:ext uri="{FF2B5EF4-FFF2-40B4-BE49-F238E27FC236}">
+                <a16:creationId xmlns:a16="http://schemas.microsoft.com/office/drawing/2014/main" id="{2E5128A6-5EEB-2461-6940-CE871A6DF2A1}"/>
               </a:ext>
             </a:extLst>
           </p:cNvPr>
@@ -5212,7 +5111,7 @@
     </p:spTree>
     <p:extLst>
       <p:ext uri="{BB962C8B-B14F-4D97-AF65-F5344CB8AC3E}">
-        <p14:creationId xmlns:p14="http://schemas.microsoft.com/office/powerpoint/2010/main" val="534640137"/>
+        <p14:creationId xmlns:p14="http://schemas.microsoft.com/office/powerpoint/2010/main" val="3824210248"/>
       </p:ext>
     </p:extLst>
   </p:cSld>
@@ -5239,60 +5138,12 @@
           <a:chExt cx="0" cy="0"/>
         </a:xfrm>
       </p:grpSpPr>
-      <p:sp>
-        <p:nvSpPr>
-          <p:cNvPr id="3" name="Marcador de contenido 2">
-            <a:extLst>
-              <a:ext uri="{FF2B5EF4-FFF2-40B4-BE49-F238E27FC236}">
-                <a16:creationId xmlns:a16="http://schemas.microsoft.com/office/drawing/2014/main" id="{B1D3C8EE-916A-B01F-8E3F-D4B505354946}"/>
-              </a:ext>
-            </a:extLst>
-          </p:cNvPr>
-          <p:cNvSpPr>
-            <a:spLocks noGrp="1"/>
-          </p:cNvSpPr>
-          <p:nvPr>
-            <p:ph idx="1"/>
-          </p:nvPr>
-        </p:nvSpPr>
-        <p:spPr>
-          <a:xfrm>
-            <a:off x="838200" y="923636"/>
-            <a:ext cx="10515600" cy="5253327"/>
-          </a:xfrm>
-        </p:spPr>
-        <p:txBody>
-          <a:bodyPr/>
-          <a:lstStyle/>
-          <a:p>
-            <a:pPr marL="0" indent="0">
-              <a:buNone/>
-            </a:pPr>
-            <a:r>
-              <a:rPr lang="es-ES" sz="2400" dirty="0">
-                <a:latin typeface="Times New Roman" panose="02020603050405020304" pitchFamily="18" charset="0"/>
-                <a:cs typeface="Times New Roman" panose="02020603050405020304" pitchFamily="18" charset="0"/>
-              </a:rPr>
-              <a:t>A partir de este conjunto de datos ya podemos obtener información útil como por ejemplo las correlaciones entre las variables de entrada y de salida</a:t>
-            </a:r>
-          </a:p>
-          <a:p>
-            <a:endParaRPr lang="es-ES" dirty="0"/>
-          </a:p>
-          <a:p>
-            <a:pPr marL="0" indent="0">
-              <a:buNone/>
-            </a:pPr>
-            <a:endParaRPr lang="es-ES" dirty="0"/>
-          </a:p>
-        </p:txBody>
-      </p:sp>
       <p:pic>
         <p:nvPicPr>
-          <p:cNvPr id="4" name="Imagen 3" descr="Gráfico&#10;&#10;Descripción generada automáticamente">
-            <a:extLst>
-              <a:ext uri="{FF2B5EF4-FFF2-40B4-BE49-F238E27FC236}">
-                <a16:creationId xmlns:a16="http://schemas.microsoft.com/office/drawing/2014/main" id="{949403FB-4054-2DEB-0CF2-8F450F688A6B}"/>
+          <p:cNvPr id="5" name="Imagen 4" descr="Diagrama&#10;&#10;Descripción generada automáticamente">
+            <a:extLst>
+              <a:ext uri="{FF2B5EF4-FFF2-40B4-BE49-F238E27FC236}">
+                <a16:creationId xmlns:a16="http://schemas.microsoft.com/office/drawing/2014/main" id="{242875AD-90FA-F1F9-690E-8FAEED41DA6F}"/>
               </a:ext>
             </a:extLst>
           </p:cNvPr>
@@ -5301,52 +5152,184 @@
           </p:cNvPicPr>
           <p:nvPr/>
         </p:nvPicPr>
-        <p:blipFill rotWithShape="1">
-          <a:blip r:embed="rId2">
+        <p:blipFill>
+          <a:blip r:embed="rId2" cstate="print">
             <a:extLst>
               <a:ext uri="{28A0092B-C50C-407E-A947-70E740481C1C}">
                 <a14:useLocalDpi xmlns:a14="http://schemas.microsoft.com/office/drawing/2010/main" val="0"/>
               </a:ext>
             </a:extLst>
           </a:blip>
-          <a:srcRect l="7394" t="4447" b="5698"/>
-          <a:stretch/>
+          <a:stretch>
+            <a:fillRect/>
+          </a:stretch>
         </p:blipFill>
-        <p:spPr bwMode="auto">
-          <a:xfrm>
-            <a:off x="4137889" y="1992907"/>
-            <a:ext cx="3482109" cy="3941457"/>
+        <p:spPr>
+          <a:xfrm>
+            <a:off x="6220690" y="279746"/>
+            <a:ext cx="5029200" cy="2073910"/>
           </a:xfrm>
           <a:prstGeom prst="rect">
             <a:avLst/>
           </a:prstGeom>
-          <a:ln w="38100" cap="sq">
-            <a:solidFill>
-              <a:srgbClr val="000000"/>
-            </a:solidFill>
-            <a:prstDash val="solid"/>
-            <a:miter lim="800000"/>
-          </a:ln>
-          <a:effectLst>
-            <a:outerShdw blurRad="50800" dist="38100" dir="2700000" algn="tl" rotWithShape="0">
-              <a:srgbClr val="000000">
-                <a:alpha val="43000"/>
-              </a:srgbClr>
-            </a:outerShdw>
-          </a:effectLst>
-          <a:extLst>
-            <a:ext uri="{53640926-AAD7-44D8-BBD7-CCE9431645EC}">
-              <a14:shadowObscured xmlns:a14="http://schemas.microsoft.com/office/drawing/2010/main"/>
-            </a:ext>
-          </a:extLst>
+        </p:spPr>
+      </p:pic>
+      <p:pic>
+        <p:nvPicPr>
+          <p:cNvPr id="7" name="Gráfico 6">
+            <a:extLst>
+              <a:ext uri="{FF2B5EF4-FFF2-40B4-BE49-F238E27FC236}">
+                <a16:creationId xmlns:a16="http://schemas.microsoft.com/office/drawing/2014/main" id="{B43E4B5E-7651-1CE0-3698-F8B73B00383E}"/>
+              </a:ext>
+            </a:extLst>
+          </p:cNvPr>
+          <p:cNvPicPr>
+            <a:picLocks noChangeAspect="1"/>
+          </p:cNvPicPr>
+          <p:nvPr/>
+        </p:nvPicPr>
+        <p:blipFill>
+          <a:blip r:embed="rId3">
+            <a:extLst>
+              <a:ext uri="{28A0092B-C50C-407E-A947-70E740481C1C}">
+                <a14:useLocalDpi xmlns:a14="http://schemas.microsoft.com/office/drawing/2010/main" val="0"/>
+              </a:ext>
+              <a:ext uri="{96DAC541-7B7A-43D3-8B79-37D633B846F1}">
+                <asvg:svgBlip xmlns:asvg="http://schemas.microsoft.com/office/drawing/2016/SVG/main" r:embed="rId4"/>
+              </a:ext>
+            </a:extLst>
+          </a:blip>
+          <a:stretch>
+            <a:fillRect/>
+          </a:stretch>
+        </p:blipFill>
+        <p:spPr>
+          <a:xfrm>
+            <a:off x="6782940" y="2623290"/>
+            <a:ext cx="3897745" cy="2381955"/>
+          </a:xfrm>
+          <a:prstGeom prst="rect">
+            <a:avLst/>
+          </a:prstGeom>
+        </p:spPr>
+      </p:pic>
+      <p:sp>
+        <p:nvSpPr>
+          <p:cNvPr id="9" name="CuadroTexto 8">
+            <a:extLst>
+              <a:ext uri="{FF2B5EF4-FFF2-40B4-BE49-F238E27FC236}">
+                <a16:creationId xmlns:a16="http://schemas.microsoft.com/office/drawing/2014/main" id="{1EE3976A-5A7D-124C-6822-C6C9A702524D}"/>
+              </a:ext>
+            </a:extLst>
+          </p:cNvPr>
+          <p:cNvSpPr txBox="1"/>
+          <p:nvPr/>
+        </p:nvSpPr>
+        <p:spPr>
+          <a:xfrm>
+            <a:off x="987136" y="2332703"/>
+            <a:ext cx="4674740" cy="1569660"/>
+          </a:xfrm>
+          <a:prstGeom prst="rect">
+            <a:avLst/>
+          </a:prstGeom>
+          <a:noFill/>
+        </p:spPr>
+        <p:txBody>
+          <a:bodyPr wrap="square">
+            <a:spAutoFit/>
+          </a:bodyPr>
+          <a:lstStyle/>
+          <a:p>
+            <a:pPr algn="just"/>
+            <a:endParaRPr lang="es-ES" sz="2400" dirty="0">
+              <a:latin typeface="Times New Roman" panose="02020603050405020304" pitchFamily="18" charset="0"/>
+              <a:cs typeface="Times New Roman" panose="02020603050405020304" pitchFamily="18" charset="0"/>
+            </a:endParaRPr>
+          </a:p>
+          <a:p>
+            <a:pPr marL="342900" indent="-342900" algn="just">
+              <a:buFont typeface="Arial" panose="020B0604020202020204" pitchFamily="34" charset="0"/>
+              <a:buChar char="•"/>
+            </a:pPr>
+            <a:r>
+              <a:rPr lang="es-ES" sz="2400" dirty="0">
+                <a:latin typeface="Times New Roman" panose="02020603050405020304" pitchFamily="18" charset="0"/>
+                <a:cs typeface="Times New Roman" panose="02020603050405020304" pitchFamily="18" charset="0"/>
+              </a:rPr>
+              <a:t>Capas </a:t>
+            </a:r>
+          </a:p>
+          <a:p>
+            <a:pPr marL="342900" indent="-342900" algn="just">
+              <a:buFont typeface="Arial" panose="020B0604020202020204" pitchFamily="34" charset="0"/>
+              <a:buChar char="•"/>
+            </a:pPr>
+            <a:r>
+              <a:rPr lang="es-ES" sz="2400" dirty="0">
+                <a:latin typeface="Times New Roman" panose="02020603050405020304" pitchFamily="18" charset="0"/>
+                <a:cs typeface="Times New Roman" panose="02020603050405020304" pitchFamily="18" charset="0"/>
+              </a:rPr>
+              <a:t>Algoritmo de entrenamiento</a:t>
+            </a:r>
+          </a:p>
+          <a:p>
+            <a:pPr marL="342900" indent="-342900" algn="just">
+              <a:buFont typeface="Arial" panose="020B0604020202020204" pitchFamily="34" charset="0"/>
+              <a:buChar char="•"/>
+            </a:pPr>
+            <a:r>
+              <a:rPr lang="es-ES" sz="2400" dirty="0">
+                <a:latin typeface="Times New Roman" panose="02020603050405020304" pitchFamily="18" charset="0"/>
+                <a:cs typeface="Times New Roman" panose="02020603050405020304" pitchFamily="18" charset="0"/>
+              </a:rPr>
+              <a:t>Función de coste</a:t>
+            </a:r>
+          </a:p>
+        </p:txBody>
+      </p:sp>
+      <p:pic>
+        <p:nvPicPr>
+          <p:cNvPr id="11" name="Imagen 10" descr="Texto&#10;&#10;Descripción generada automáticamente">
+            <a:extLst>
+              <a:ext uri="{FF2B5EF4-FFF2-40B4-BE49-F238E27FC236}">
+                <a16:creationId xmlns:a16="http://schemas.microsoft.com/office/drawing/2014/main" id="{C506EC84-8BC1-34BF-87C0-0EF9B598AAB5}"/>
+              </a:ext>
+            </a:extLst>
+          </p:cNvPr>
+          <p:cNvPicPr>
+            <a:picLocks noChangeAspect="1"/>
+          </p:cNvPicPr>
+          <p:nvPr/>
+        </p:nvPicPr>
+        <p:blipFill>
+          <a:blip r:embed="rId5">
+            <a:extLst>
+              <a:ext uri="{28A0092B-C50C-407E-A947-70E740481C1C}">
+                <a14:useLocalDpi xmlns:a14="http://schemas.microsoft.com/office/drawing/2010/main" val="0"/>
+              </a:ext>
+            </a:extLst>
+          </a:blip>
+          <a:stretch>
+            <a:fillRect/>
+          </a:stretch>
+        </p:blipFill>
+        <p:spPr>
+          <a:xfrm>
+            <a:off x="6016807" y="5274877"/>
+            <a:ext cx="5430008" cy="743054"/>
+          </a:xfrm>
+          <a:prstGeom prst="rect">
+            <a:avLst/>
+          </a:prstGeom>
         </p:spPr>
       </p:pic>
       <p:cxnSp>
         <p:nvCxnSpPr>
-          <p:cNvPr id="5" name="Conector recto 4">
-            <a:extLst>
-              <a:ext uri="{FF2B5EF4-FFF2-40B4-BE49-F238E27FC236}">
-                <a16:creationId xmlns:a16="http://schemas.microsoft.com/office/drawing/2014/main" id="{D257FE62-82CA-6149-8142-1A566D604ED3}"/>
+          <p:cNvPr id="12" name="Conector recto 11">
+            <a:extLst>
+              <a:ext uri="{FF2B5EF4-FFF2-40B4-BE49-F238E27FC236}">
+                <a16:creationId xmlns:a16="http://schemas.microsoft.com/office/drawing/2014/main" id="{9FDEB9DE-F1CC-EE77-C417-B274C7BDAF69}"/>
               </a:ext>
             </a:extLst>
           </p:cNvPr>
@@ -5384,10 +5367,10 @@
       </p:cxnSp>
       <p:sp>
         <p:nvSpPr>
-          <p:cNvPr id="6" name="CuadroTexto 5">
-            <a:extLst>
-              <a:ext uri="{FF2B5EF4-FFF2-40B4-BE49-F238E27FC236}">
-                <a16:creationId xmlns:a16="http://schemas.microsoft.com/office/drawing/2014/main" id="{8EB412B4-BF18-0778-7E3E-95289E72690B}"/>
+          <p:cNvPr id="13" name="CuadroTexto 12">
+            <a:extLst>
+              <a:ext uri="{FF2B5EF4-FFF2-40B4-BE49-F238E27FC236}">
+                <a16:creationId xmlns:a16="http://schemas.microsoft.com/office/drawing/2014/main" id="{58608329-1C4F-4826-8C6C-DFC651870104}"/>
               </a:ext>
             </a:extLst>
           </p:cNvPr>
@@ -5396,8 +5379,8 @@
         </p:nvSpPr>
         <p:spPr>
           <a:xfrm>
-            <a:off x="11240654" y="6345383"/>
-            <a:ext cx="443345" cy="369332"/>
+            <a:off x="11219873" y="6345382"/>
+            <a:ext cx="434109" cy="369332"/>
           </a:xfrm>
           <a:prstGeom prst="rect">
             <a:avLst/>
@@ -5418,17 +5401,17 @@
                 <a:latin typeface="Times New Roman" panose="02020603050405020304" pitchFamily="18" charset="0"/>
                 <a:cs typeface="Times New Roman" panose="02020603050405020304" pitchFamily="18" charset="0"/>
               </a:rPr>
-              <a:t>12</a:t>
-            </a:r>
-          </a:p>
-        </p:txBody>
-      </p:sp>
-      <p:sp>
-        <p:nvSpPr>
-          <p:cNvPr id="7" name="CuadroTexto 6">
-            <a:extLst>
-              <a:ext uri="{FF2B5EF4-FFF2-40B4-BE49-F238E27FC236}">
-                <a16:creationId xmlns:a16="http://schemas.microsoft.com/office/drawing/2014/main" id="{2E5128A6-5EEB-2461-6940-CE871A6DF2A1}"/>
+              <a:t>13</a:t>
+            </a:r>
+          </a:p>
+        </p:txBody>
+      </p:sp>
+      <p:sp>
+        <p:nvSpPr>
+          <p:cNvPr id="14" name="CuadroTexto 13">
+            <a:extLst>
+              <a:ext uri="{FF2B5EF4-FFF2-40B4-BE49-F238E27FC236}">
+                <a16:creationId xmlns:a16="http://schemas.microsoft.com/office/drawing/2014/main" id="{CBA6BC73-D697-7F4C-71FE-3BEA02B52189}"/>
               </a:ext>
             </a:extLst>
           </p:cNvPr>
@@ -5464,10 +5447,51 @@
           </a:p>
         </p:txBody>
       </p:sp>
+      <p:sp>
+        <p:nvSpPr>
+          <p:cNvPr id="10" name="Marcador de contenido 2">
+            <a:extLst>
+              <a:ext uri="{FF2B5EF4-FFF2-40B4-BE49-F238E27FC236}">
+                <a16:creationId xmlns:a16="http://schemas.microsoft.com/office/drawing/2014/main" id="{92DF79D3-C6A4-204A-0AB6-EFED8F0A48D7}"/>
+              </a:ext>
+            </a:extLst>
+          </p:cNvPr>
+          <p:cNvSpPr>
+            <a:spLocks noGrp="1"/>
+          </p:cNvSpPr>
+          <p:nvPr>
+            <p:ph idx="1"/>
+          </p:nvPr>
+        </p:nvSpPr>
+        <p:spPr>
+          <a:xfrm>
+            <a:off x="987136" y="868218"/>
+            <a:ext cx="4904508" cy="581890"/>
+          </a:xfrm>
+        </p:spPr>
+        <p:txBody>
+          <a:bodyPr>
+            <a:normAutofit/>
+          </a:bodyPr>
+          <a:lstStyle/>
+          <a:p>
+            <a:pPr marL="0" lvl="1" indent="0">
+              <a:buNone/>
+            </a:pPr>
+            <a:r>
+              <a:rPr lang="es-ES" sz="2600" b="1" dirty="0">
+                <a:latin typeface="Times New Roman" panose="02020603050405020304" pitchFamily="18" charset="0"/>
+                <a:cs typeface="Times New Roman" panose="02020603050405020304" pitchFamily="18" charset="0"/>
+              </a:rPr>
+              <a:t>Arquitectura de la red neuronal</a:t>
+            </a:r>
+          </a:p>
+        </p:txBody>
+      </p:sp>
     </p:spTree>
     <p:extLst>
       <p:ext uri="{BB962C8B-B14F-4D97-AF65-F5344CB8AC3E}">
-        <p14:creationId xmlns:p14="http://schemas.microsoft.com/office/powerpoint/2010/main" val="3824210248"/>
+        <p14:creationId xmlns:p14="http://schemas.microsoft.com/office/powerpoint/2010/main" val="4035187825"/>
       </p:ext>
     </p:extLst>
   </p:cSld>
@@ -5496,386 +5520,6 @@
       </p:grpSpPr>
       <p:pic>
         <p:nvPicPr>
-          <p:cNvPr id="5" name="Imagen 4" descr="Diagrama&#10;&#10;Descripción generada automáticamente">
-            <a:extLst>
-              <a:ext uri="{FF2B5EF4-FFF2-40B4-BE49-F238E27FC236}">
-                <a16:creationId xmlns:a16="http://schemas.microsoft.com/office/drawing/2014/main" id="{242875AD-90FA-F1F9-690E-8FAEED41DA6F}"/>
-              </a:ext>
-            </a:extLst>
-          </p:cNvPr>
-          <p:cNvPicPr>
-            <a:picLocks noChangeAspect="1"/>
-          </p:cNvPicPr>
-          <p:nvPr/>
-        </p:nvPicPr>
-        <p:blipFill>
-          <a:blip r:embed="rId2" cstate="print">
-            <a:extLst>
-              <a:ext uri="{28A0092B-C50C-407E-A947-70E740481C1C}">
-                <a14:useLocalDpi xmlns:a14="http://schemas.microsoft.com/office/drawing/2010/main" val="0"/>
-              </a:ext>
-            </a:extLst>
-          </a:blip>
-          <a:stretch>
-            <a:fillRect/>
-          </a:stretch>
-        </p:blipFill>
-        <p:spPr>
-          <a:xfrm>
-            <a:off x="6220690" y="279746"/>
-            <a:ext cx="5029200" cy="2073910"/>
-          </a:xfrm>
-          <a:prstGeom prst="rect">
-            <a:avLst/>
-          </a:prstGeom>
-        </p:spPr>
-      </p:pic>
-      <p:pic>
-        <p:nvPicPr>
-          <p:cNvPr id="7" name="Gráfico 6">
-            <a:extLst>
-              <a:ext uri="{FF2B5EF4-FFF2-40B4-BE49-F238E27FC236}">
-                <a16:creationId xmlns:a16="http://schemas.microsoft.com/office/drawing/2014/main" id="{B43E4B5E-7651-1CE0-3698-F8B73B00383E}"/>
-              </a:ext>
-            </a:extLst>
-          </p:cNvPr>
-          <p:cNvPicPr>
-            <a:picLocks noChangeAspect="1"/>
-          </p:cNvPicPr>
-          <p:nvPr/>
-        </p:nvPicPr>
-        <p:blipFill>
-          <a:blip r:embed="rId3">
-            <a:extLst>
-              <a:ext uri="{28A0092B-C50C-407E-A947-70E740481C1C}">
-                <a14:useLocalDpi xmlns:a14="http://schemas.microsoft.com/office/drawing/2010/main" val="0"/>
-              </a:ext>
-              <a:ext uri="{96DAC541-7B7A-43D3-8B79-37D633B846F1}">
-                <asvg:svgBlip xmlns:asvg="http://schemas.microsoft.com/office/drawing/2016/SVG/main" r:embed="rId4"/>
-              </a:ext>
-            </a:extLst>
-          </a:blip>
-          <a:stretch>
-            <a:fillRect/>
-          </a:stretch>
-        </p:blipFill>
-        <p:spPr>
-          <a:xfrm>
-            <a:off x="6782940" y="2623290"/>
-            <a:ext cx="3897745" cy="2381955"/>
-          </a:xfrm>
-          <a:prstGeom prst="rect">
-            <a:avLst/>
-          </a:prstGeom>
-        </p:spPr>
-      </p:pic>
-      <p:sp>
-        <p:nvSpPr>
-          <p:cNvPr id="9" name="CuadroTexto 8">
-            <a:extLst>
-              <a:ext uri="{FF2B5EF4-FFF2-40B4-BE49-F238E27FC236}">
-                <a16:creationId xmlns:a16="http://schemas.microsoft.com/office/drawing/2014/main" id="{1EE3976A-5A7D-124C-6822-C6C9A702524D}"/>
-              </a:ext>
-            </a:extLst>
-          </p:cNvPr>
-          <p:cNvSpPr txBox="1"/>
-          <p:nvPr/>
-        </p:nvSpPr>
-        <p:spPr>
-          <a:xfrm>
-            <a:off x="987136" y="2332703"/>
-            <a:ext cx="4674740" cy="1569660"/>
-          </a:xfrm>
-          <a:prstGeom prst="rect">
-            <a:avLst/>
-          </a:prstGeom>
-          <a:noFill/>
-        </p:spPr>
-        <p:txBody>
-          <a:bodyPr wrap="square">
-            <a:spAutoFit/>
-          </a:bodyPr>
-          <a:lstStyle/>
-          <a:p>
-            <a:pPr algn="just"/>
-            <a:endParaRPr lang="es-ES" sz="2400" dirty="0">
-              <a:latin typeface="Times New Roman" panose="02020603050405020304" pitchFamily="18" charset="0"/>
-              <a:cs typeface="Times New Roman" panose="02020603050405020304" pitchFamily="18" charset="0"/>
-            </a:endParaRPr>
-          </a:p>
-          <a:p>
-            <a:pPr marL="342900" indent="-342900" algn="just">
-              <a:buFont typeface="Arial" panose="020B0604020202020204" pitchFamily="34" charset="0"/>
-              <a:buChar char="•"/>
-            </a:pPr>
-            <a:r>
-              <a:rPr lang="es-ES" sz="2400" dirty="0">
-                <a:latin typeface="Times New Roman" panose="02020603050405020304" pitchFamily="18" charset="0"/>
-                <a:cs typeface="Times New Roman" panose="02020603050405020304" pitchFamily="18" charset="0"/>
-              </a:rPr>
-              <a:t>Capas </a:t>
-            </a:r>
-          </a:p>
-          <a:p>
-            <a:pPr marL="342900" indent="-342900" algn="just">
-              <a:buFont typeface="Arial" panose="020B0604020202020204" pitchFamily="34" charset="0"/>
-              <a:buChar char="•"/>
-            </a:pPr>
-            <a:r>
-              <a:rPr lang="es-ES" sz="2400" dirty="0">
-                <a:latin typeface="Times New Roman" panose="02020603050405020304" pitchFamily="18" charset="0"/>
-                <a:cs typeface="Times New Roman" panose="02020603050405020304" pitchFamily="18" charset="0"/>
-              </a:rPr>
-              <a:t>Algoritmo de entrenamiento</a:t>
-            </a:r>
-          </a:p>
-          <a:p>
-            <a:pPr marL="342900" indent="-342900" algn="just">
-              <a:buFont typeface="Arial" panose="020B0604020202020204" pitchFamily="34" charset="0"/>
-              <a:buChar char="•"/>
-            </a:pPr>
-            <a:r>
-              <a:rPr lang="es-ES" sz="2400" dirty="0">
-                <a:latin typeface="Times New Roman" panose="02020603050405020304" pitchFamily="18" charset="0"/>
-                <a:cs typeface="Times New Roman" panose="02020603050405020304" pitchFamily="18" charset="0"/>
-              </a:rPr>
-              <a:t>Función de coste</a:t>
-            </a:r>
-          </a:p>
-        </p:txBody>
-      </p:sp>
-      <p:pic>
-        <p:nvPicPr>
-          <p:cNvPr id="11" name="Imagen 10" descr="Texto&#10;&#10;Descripción generada automáticamente">
-            <a:extLst>
-              <a:ext uri="{FF2B5EF4-FFF2-40B4-BE49-F238E27FC236}">
-                <a16:creationId xmlns:a16="http://schemas.microsoft.com/office/drawing/2014/main" id="{C506EC84-8BC1-34BF-87C0-0EF9B598AAB5}"/>
-              </a:ext>
-            </a:extLst>
-          </p:cNvPr>
-          <p:cNvPicPr>
-            <a:picLocks noChangeAspect="1"/>
-          </p:cNvPicPr>
-          <p:nvPr/>
-        </p:nvPicPr>
-        <p:blipFill>
-          <a:blip r:embed="rId5">
-            <a:extLst>
-              <a:ext uri="{28A0092B-C50C-407E-A947-70E740481C1C}">
-                <a14:useLocalDpi xmlns:a14="http://schemas.microsoft.com/office/drawing/2010/main" val="0"/>
-              </a:ext>
-            </a:extLst>
-          </a:blip>
-          <a:stretch>
-            <a:fillRect/>
-          </a:stretch>
-        </p:blipFill>
-        <p:spPr>
-          <a:xfrm>
-            <a:off x="6016807" y="5274877"/>
-            <a:ext cx="5430008" cy="743054"/>
-          </a:xfrm>
-          <a:prstGeom prst="rect">
-            <a:avLst/>
-          </a:prstGeom>
-        </p:spPr>
-      </p:pic>
-      <p:cxnSp>
-        <p:nvCxnSpPr>
-          <p:cNvPr id="12" name="Conector recto 11">
-            <a:extLst>
-              <a:ext uri="{FF2B5EF4-FFF2-40B4-BE49-F238E27FC236}">
-                <a16:creationId xmlns:a16="http://schemas.microsoft.com/office/drawing/2014/main" id="{9FDEB9DE-F1CC-EE77-C417-B274C7BDAF69}"/>
-              </a:ext>
-            </a:extLst>
-          </p:cNvPr>
-          <p:cNvCxnSpPr/>
-          <p:nvPr/>
-        </p:nvCxnSpPr>
-        <p:spPr>
-          <a:xfrm>
-            <a:off x="838199" y="6354618"/>
-            <a:ext cx="10716492" cy="0"/>
-          </a:xfrm>
-          <a:prstGeom prst="line">
-            <a:avLst/>
-          </a:prstGeom>
-          <a:ln w="38100">
-            <a:solidFill>
-              <a:srgbClr val="C00000"/>
-            </a:solidFill>
-          </a:ln>
-        </p:spPr>
-        <p:style>
-          <a:lnRef idx="1">
-            <a:schemeClr val="accent1"/>
-          </a:lnRef>
-          <a:fillRef idx="0">
-            <a:schemeClr val="accent1"/>
-          </a:fillRef>
-          <a:effectRef idx="0">
-            <a:schemeClr val="accent1"/>
-          </a:effectRef>
-          <a:fontRef idx="minor">
-            <a:schemeClr val="tx1"/>
-          </a:fontRef>
-        </p:style>
-      </p:cxnSp>
-      <p:sp>
-        <p:nvSpPr>
-          <p:cNvPr id="13" name="CuadroTexto 12">
-            <a:extLst>
-              <a:ext uri="{FF2B5EF4-FFF2-40B4-BE49-F238E27FC236}">
-                <a16:creationId xmlns:a16="http://schemas.microsoft.com/office/drawing/2014/main" id="{58608329-1C4F-4826-8C6C-DFC651870104}"/>
-              </a:ext>
-            </a:extLst>
-          </p:cNvPr>
-          <p:cNvSpPr txBox="1"/>
-          <p:nvPr/>
-        </p:nvSpPr>
-        <p:spPr>
-          <a:xfrm>
-            <a:off x="11219873" y="6345382"/>
-            <a:ext cx="434109" cy="369332"/>
-          </a:xfrm>
-          <a:prstGeom prst="rect">
-            <a:avLst/>
-          </a:prstGeom>
-          <a:noFill/>
-        </p:spPr>
-        <p:txBody>
-          <a:bodyPr wrap="square" rtlCol="0">
-            <a:spAutoFit/>
-          </a:bodyPr>
-          <a:lstStyle/>
-          <a:p>
-            <a:r>
-              <a:rPr lang="es-ES" dirty="0">
-                <a:solidFill>
-                  <a:srgbClr val="C00000"/>
-                </a:solidFill>
-                <a:latin typeface="Times New Roman" panose="02020603050405020304" pitchFamily="18" charset="0"/>
-                <a:cs typeface="Times New Roman" panose="02020603050405020304" pitchFamily="18" charset="0"/>
-              </a:rPr>
-              <a:t>13</a:t>
-            </a:r>
-          </a:p>
-        </p:txBody>
-      </p:sp>
-      <p:sp>
-        <p:nvSpPr>
-          <p:cNvPr id="14" name="CuadroTexto 13">
-            <a:extLst>
-              <a:ext uri="{FF2B5EF4-FFF2-40B4-BE49-F238E27FC236}">
-                <a16:creationId xmlns:a16="http://schemas.microsoft.com/office/drawing/2014/main" id="{CBA6BC73-D697-7F4C-71FE-3BEA02B52189}"/>
-              </a:ext>
-            </a:extLst>
-          </p:cNvPr>
-          <p:cNvSpPr txBox="1"/>
-          <p:nvPr/>
-        </p:nvSpPr>
-        <p:spPr>
-          <a:xfrm>
-            <a:off x="755072" y="6366142"/>
-            <a:ext cx="4518892" cy="369332"/>
-          </a:xfrm>
-          <a:prstGeom prst="rect">
-            <a:avLst/>
-          </a:prstGeom>
-          <a:noFill/>
-        </p:spPr>
-        <p:txBody>
-          <a:bodyPr wrap="square" rtlCol="0">
-            <a:spAutoFit/>
-          </a:bodyPr>
-          <a:lstStyle/>
-          <a:p>
-            <a:r>
-              <a:rPr lang="es-ES" dirty="0">
-                <a:solidFill>
-                  <a:srgbClr val="C00000"/>
-                </a:solidFill>
-                <a:latin typeface="Times New Roman" panose="02020603050405020304" pitchFamily="18" charset="0"/>
-                <a:cs typeface="Times New Roman" panose="02020603050405020304" pitchFamily="18" charset="0"/>
-              </a:rPr>
-              <a:t>Aspectos relevantes</a:t>
-            </a:r>
-          </a:p>
-        </p:txBody>
-      </p:sp>
-      <p:sp>
-        <p:nvSpPr>
-          <p:cNvPr id="10" name="Marcador de contenido 2">
-            <a:extLst>
-              <a:ext uri="{FF2B5EF4-FFF2-40B4-BE49-F238E27FC236}">
-                <a16:creationId xmlns:a16="http://schemas.microsoft.com/office/drawing/2014/main" id="{92DF79D3-C6A4-204A-0AB6-EFED8F0A48D7}"/>
-              </a:ext>
-            </a:extLst>
-          </p:cNvPr>
-          <p:cNvSpPr>
-            <a:spLocks noGrp="1"/>
-          </p:cNvSpPr>
-          <p:nvPr>
-            <p:ph idx="1"/>
-          </p:nvPr>
-        </p:nvSpPr>
-        <p:spPr>
-          <a:xfrm>
-            <a:off x="987136" y="868218"/>
-            <a:ext cx="4904508" cy="581890"/>
-          </a:xfrm>
-        </p:spPr>
-        <p:txBody>
-          <a:bodyPr>
-            <a:normAutofit/>
-          </a:bodyPr>
-          <a:lstStyle/>
-          <a:p>
-            <a:pPr marL="0" lvl="1" indent="0">
-              <a:buNone/>
-            </a:pPr>
-            <a:r>
-              <a:rPr lang="es-ES" sz="2600" b="1" dirty="0">
-                <a:latin typeface="Times New Roman" panose="02020603050405020304" pitchFamily="18" charset="0"/>
-                <a:cs typeface="Times New Roman" panose="02020603050405020304" pitchFamily="18" charset="0"/>
-              </a:rPr>
-              <a:t>Arquitectura de la red neuronal</a:t>
-            </a:r>
-          </a:p>
-        </p:txBody>
-      </p:sp>
-    </p:spTree>
-    <p:extLst>
-      <p:ext uri="{BB962C8B-B14F-4D97-AF65-F5344CB8AC3E}">
-        <p14:creationId xmlns:p14="http://schemas.microsoft.com/office/powerpoint/2010/main" val="4035187825"/>
-      </p:ext>
-    </p:extLst>
-  </p:cSld>
-  <p:clrMapOvr>
-    <a:masterClrMapping/>
-  </p:clrMapOvr>
-</p:sld>
-</file>
-
-<file path=ppt/slides/slide16.xml><?xml version="1.0" encoding="utf-8"?>
-<p:sld xmlns:a="http://schemas.openxmlformats.org/drawingml/2006/main" xmlns:r="http://schemas.openxmlformats.org/officeDocument/2006/relationships" xmlns:p="http://schemas.openxmlformats.org/presentationml/2006/main">
-  <p:cSld>
-    <p:spTree>
-      <p:nvGrpSpPr>
-        <p:cNvPr id="1" name=""/>
-        <p:cNvGrpSpPr/>
-        <p:nvPr/>
-      </p:nvGrpSpPr>
-      <p:grpSpPr>
-        <a:xfrm>
-          <a:off x="0" y="0"/>
-          <a:ext cx="0" cy="0"/>
-          <a:chOff x="0" y="0"/>
-          <a:chExt cx="0" cy="0"/>
-        </a:xfrm>
-      </p:grpSpPr>
-      <p:pic>
-        <p:nvPicPr>
           <p:cNvPr id="4" name="Imagen 3" descr="Tabla&#10;&#10;Descripción generada automáticamente con confianza baja">
             <a:hlinkClick r:id="rId2" action="ppaction://hlinkfile"/>
             <a:extLst>
@@ -6108,7 +5752,7 @@
 </p:sld>
 </file>
 
-<file path=ppt/slides/slide17.xml><?xml version="1.0" encoding="utf-8"?>
+<file path=ppt/slides/slide16.xml><?xml version="1.0" encoding="utf-8"?>
 <p:sld xmlns:a="http://schemas.openxmlformats.org/drawingml/2006/main" xmlns:r="http://schemas.openxmlformats.org/officeDocument/2006/relationships" xmlns:p="http://schemas.openxmlformats.org/presentationml/2006/main">
   <p:cSld>
     <p:spTree>
@@ -6617,7 +6261,7 @@
 </p:sld>
 </file>
 
-<file path=ppt/slides/slide18.xml><?xml version="1.0" encoding="utf-8"?>
+<file path=ppt/slides/slide17.xml><?xml version="1.0" encoding="utf-8"?>
 <p:sld xmlns:a="http://schemas.openxmlformats.org/drawingml/2006/main" xmlns:r="http://schemas.openxmlformats.org/officeDocument/2006/relationships" xmlns:p="http://schemas.openxmlformats.org/presentationml/2006/main">
   <p:cSld>
     <p:spTree>
@@ -7121,7 +6765,7 @@
 </p:sld>
 </file>
 
-<file path=ppt/slides/slide19.xml><?xml version="1.0" encoding="utf-8"?>
+<file path=ppt/slides/slide18.xml><?xml version="1.0" encoding="utf-8"?>
 <p:sld xmlns:a="http://schemas.openxmlformats.org/drawingml/2006/main" xmlns:r="http://schemas.openxmlformats.org/officeDocument/2006/relationships" xmlns:p="http://schemas.openxmlformats.org/presentationml/2006/main">
   <p:cSld>
     <p:spTree>
@@ -7532,193 +7176,7 @@
 </p:sld>
 </file>
 
-<file path=ppt/slides/slide2.xml><?xml version="1.0" encoding="utf-8"?>
-<p:sld xmlns:a="http://schemas.openxmlformats.org/drawingml/2006/main" xmlns:r="http://schemas.openxmlformats.org/officeDocument/2006/relationships" xmlns:p="http://schemas.openxmlformats.org/presentationml/2006/main">
-  <p:cSld>
-    <p:spTree>
-      <p:nvGrpSpPr>
-        <p:cNvPr id="1" name=""/>
-        <p:cNvGrpSpPr/>
-        <p:nvPr/>
-      </p:nvGrpSpPr>
-      <p:grpSpPr>
-        <a:xfrm>
-          <a:off x="0" y="0"/>
-          <a:ext cx="0" cy="0"/>
-          <a:chOff x="0" y="0"/>
-          <a:chExt cx="0" cy="0"/>
-        </a:xfrm>
-      </p:grpSpPr>
-      <p:sp>
-        <p:nvSpPr>
-          <p:cNvPr id="2" name="Título 1">
-            <a:extLst>
-              <a:ext uri="{FF2B5EF4-FFF2-40B4-BE49-F238E27FC236}">
-                <a16:creationId xmlns:a16="http://schemas.microsoft.com/office/drawing/2014/main" id="{4C970D07-46F1-F92A-ED4F-D63017B7CC69}"/>
-              </a:ext>
-            </a:extLst>
-          </p:cNvPr>
-          <p:cNvSpPr>
-            <a:spLocks noGrp="1"/>
-          </p:cNvSpPr>
-          <p:nvPr>
-            <p:ph type="title"/>
-          </p:nvPr>
-        </p:nvSpPr>
-        <p:spPr/>
-        <p:txBody>
-          <a:bodyPr/>
-          <a:lstStyle/>
-          <a:p>
-            <a:r>
-              <a:rPr lang="es-ES" dirty="0">
-                <a:latin typeface="Times New Roman" panose="02020603050405020304" pitchFamily="18" charset="0"/>
-                <a:cs typeface="Times New Roman" panose="02020603050405020304" pitchFamily="18" charset="0"/>
-              </a:rPr>
-              <a:t>Índice</a:t>
-            </a:r>
-          </a:p>
-        </p:txBody>
-      </p:sp>
-      <p:sp>
-        <p:nvSpPr>
-          <p:cNvPr id="3" name="Marcador de contenido 2">
-            <a:extLst>
-              <a:ext uri="{FF2B5EF4-FFF2-40B4-BE49-F238E27FC236}">
-                <a16:creationId xmlns:a16="http://schemas.microsoft.com/office/drawing/2014/main" id="{282E2871-CB4A-AD25-108E-CCF80BD45730}"/>
-              </a:ext>
-            </a:extLst>
-          </p:cNvPr>
-          <p:cNvSpPr>
-            <a:spLocks noGrp="1"/>
-          </p:cNvSpPr>
-          <p:nvPr>
-            <p:ph idx="1"/>
-          </p:nvPr>
-        </p:nvSpPr>
-        <p:spPr>
-          <a:xfrm>
-            <a:off x="1653311" y="1690688"/>
-            <a:ext cx="9864436" cy="4351338"/>
-          </a:xfrm>
-        </p:spPr>
-        <p:txBody>
-          <a:bodyPr>
-            <a:normAutofit/>
-          </a:bodyPr>
-          <a:lstStyle/>
-          <a:p>
-            <a:pPr marL="514356" indent="-514356">
-              <a:buAutoNum type="arabicPeriod"/>
-            </a:pPr>
-            <a:r>
-              <a:rPr lang="es-ES" dirty="0">
-                <a:latin typeface="Times New Roman" panose="02020603050405020304" pitchFamily="18" charset="0"/>
-                <a:cs typeface="Times New Roman" panose="02020603050405020304" pitchFamily="18" charset="0"/>
-              </a:rPr>
-              <a:t>Introducción</a:t>
-            </a:r>
-          </a:p>
-          <a:p>
-            <a:pPr marL="514356" indent="-514356">
-              <a:buAutoNum type="arabicPeriod"/>
-            </a:pPr>
-            <a:r>
-              <a:rPr lang="es-ES" dirty="0">
-                <a:latin typeface="Times New Roman" panose="02020603050405020304" pitchFamily="18" charset="0"/>
-                <a:cs typeface="Times New Roman" panose="02020603050405020304" pitchFamily="18" charset="0"/>
-              </a:rPr>
-              <a:t>Objetivos</a:t>
-            </a:r>
-          </a:p>
-          <a:p>
-            <a:pPr marL="514356" indent="-514356">
-              <a:buAutoNum type="arabicPeriod"/>
-            </a:pPr>
-            <a:r>
-              <a:rPr lang="es-ES" dirty="0">
-                <a:latin typeface="Times New Roman" panose="02020603050405020304" pitchFamily="18" charset="0"/>
-                <a:cs typeface="Times New Roman" panose="02020603050405020304" pitchFamily="18" charset="0"/>
-              </a:rPr>
-              <a:t>Conceptos teóricos</a:t>
-            </a:r>
-          </a:p>
-          <a:p>
-            <a:pPr marL="514356" indent="-514356">
-              <a:buAutoNum type="arabicPeriod"/>
-            </a:pPr>
-            <a:r>
-              <a:rPr lang="es-ES" dirty="0">
-                <a:latin typeface="Times New Roman" panose="02020603050405020304" pitchFamily="18" charset="0"/>
-                <a:cs typeface="Times New Roman" panose="02020603050405020304" pitchFamily="18" charset="0"/>
-              </a:rPr>
-              <a:t>Métodos y herramientas</a:t>
-            </a:r>
-          </a:p>
-          <a:p>
-            <a:pPr marL="514356" indent="-514356">
-              <a:buAutoNum type="arabicPeriod"/>
-            </a:pPr>
-            <a:r>
-              <a:rPr lang="es-ES" dirty="0">
-                <a:latin typeface="Times New Roman" panose="02020603050405020304" pitchFamily="18" charset="0"/>
-                <a:cs typeface="Times New Roman" panose="02020603050405020304" pitchFamily="18" charset="0"/>
-              </a:rPr>
-              <a:t>Aspectos relevantes</a:t>
-            </a:r>
-          </a:p>
-          <a:p>
-            <a:pPr marL="514356" indent="-514356">
-              <a:buAutoNum type="arabicPeriod"/>
-            </a:pPr>
-            <a:r>
-              <a:rPr lang="es-ES" dirty="0">
-                <a:latin typeface="Times New Roman" panose="02020603050405020304" pitchFamily="18" charset="0"/>
-                <a:cs typeface="Times New Roman" panose="02020603050405020304" pitchFamily="18" charset="0"/>
-              </a:rPr>
-              <a:t>Demostración</a:t>
-            </a:r>
-          </a:p>
-          <a:p>
-            <a:pPr marL="514356" indent="-514356">
-              <a:buAutoNum type="arabicPeriod"/>
-            </a:pPr>
-            <a:r>
-              <a:rPr lang="es-ES" dirty="0">
-                <a:latin typeface="Times New Roman" panose="02020603050405020304" pitchFamily="18" charset="0"/>
-                <a:cs typeface="Times New Roman" panose="02020603050405020304" pitchFamily="18" charset="0"/>
-              </a:rPr>
-              <a:t>Resultados</a:t>
-            </a:r>
-          </a:p>
-          <a:p>
-            <a:pPr marL="514356" indent="-514356">
-              <a:buAutoNum type="arabicPeriod"/>
-            </a:pPr>
-            <a:r>
-              <a:rPr lang="es-ES" dirty="0">
-                <a:latin typeface="Times New Roman" panose="02020603050405020304" pitchFamily="18" charset="0"/>
-                <a:cs typeface="Times New Roman" panose="02020603050405020304" pitchFamily="18" charset="0"/>
-              </a:rPr>
-              <a:t>Conclusiones</a:t>
-            </a:r>
-          </a:p>
-        </p:txBody>
-      </p:sp>
-    </p:spTree>
-    <p:extLst>
-      <p:ext uri="{BB962C8B-B14F-4D97-AF65-F5344CB8AC3E}">
-        <p14:creationId xmlns:p14="http://schemas.microsoft.com/office/powerpoint/2010/main" val="2435637241"/>
-      </p:ext>
-    </p:extLst>
-  </p:cSld>
-  <p:clrMapOvr>
-    <a:masterClrMapping/>
-  </p:clrMapOvr>
-</p:sld>
-</file>
-
-<file path=ppt/slides/slide20.xml><?xml version="1.0" encoding="utf-8"?>
+<file path=ppt/slides/slide19.xml><?xml version="1.0" encoding="utf-8"?>
 <p:sld xmlns:a="http://schemas.openxmlformats.org/drawingml/2006/main" xmlns:r="http://schemas.openxmlformats.org/officeDocument/2006/relationships" xmlns:p="http://schemas.openxmlformats.org/presentationml/2006/main">
   <p:cSld>
     <p:spTree>
@@ -8809,7 +8267,193 @@
 </p:sld>
 </file>
 
-<file path=ppt/slides/slide21.xml><?xml version="1.0" encoding="utf-8"?>
+<file path=ppt/slides/slide2.xml><?xml version="1.0" encoding="utf-8"?>
+<p:sld xmlns:a="http://schemas.openxmlformats.org/drawingml/2006/main" xmlns:r="http://schemas.openxmlformats.org/officeDocument/2006/relationships" xmlns:p="http://schemas.openxmlformats.org/presentationml/2006/main">
+  <p:cSld>
+    <p:spTree>
+      <p:nvGrpSpPr>
+        <p:cNvPr id="1" name=""/>
+        <p:cNvGrpSpPr/>
+        <p:nvPr/>
+      </p:nvGrpSpPr>
+      <p:grpSpPr>
+        <a:xfrm>
+          <a:off x="0" y="0"/>
+          <a:ext cx="0" cy="0"/>
+          <a:chOff x="0" y="0"/>
+          <a:chExt cx="0" cy="0"/>
+        </a:xfrm>
+      </p:grpSpPr>
+      <p:sp>
+        <p:nvSpPr>
+          <p:cNvPr id="2" name="Título 1">
+            <a:extLst>
+              <a:ext uri="{FF2B5EF4-FFF2-40B4-BE49-F238E27FC236}">
+                <a16:creationId xmlns:a16="http://schemas.microsoft.com/office/drawing/2014/main" id="{4C970D07-46F1-F92A-ED4F-D63017B7CC69}"/>
+              </a:ext>
+            </a:extLst>
+          </p:cNvPr>
+          <p:cNvSpPr>
+            <a:spLocks noGrp="1"/>
+          </p:cNvSpPr>
+          <p:nvPr>
+            <p:ph type="title"/>
+          </p:nvPr>
+        </p:nvSpPr>
+        <p:spPr/>
+        <p:txBody>
+          <a:bodyPr/>
+          <a:lstStyle/>
+          <a:p>
+            <a:r>
+              <a:rPr lang="es-ES" dirty="0">
+                <a:latin typeface="Times New Roman" panose="02020603050405020304" pitchFamily="18" charset="0"/>
+                <a:cs typeface="Times New Roman" panose="02020603050405020304" pitchFamily="18" charset="0"/>
+              </a:rPr>
+              <a:t>Índice</a:t>
+            </a:r>
+          </a:p>
+        </p:txBody>
+      </p:sp>
+      <p:sp>
+        <p:nvSpPr>
+          <p:cNvPr id="3" name="Marcador de contenido 2">
+            <a:extLst>
+              <a:ext uri="{FF2B5EF4-FFF2-40B4-BE49-F238E27FC236}">
+                <a16:creationId xmlns:a16="http://schemas.microsoft.com/office/drawing/2014/main" id="{282E2871-CB4A-AD25-108E-CCF80BD45730}"/>
+              </a:ext>
+            </a:extLst>
+          </p:cNvPr>
+          <p:cNvSpPr>
+            <a:spLocks noGrp="1"/>
+          </p:cNvSpPr>
+          <p:nvPr>
+            <p:ph idx="1"/>
+          </p:nvPr>
+        </p:nvSpPr>
+        <p:spPr>
+          <a:xfrm>
+            <a:off x="1653311" y="1690688"/>
+            <a:ext cx="9864436" cy="4351338"/>
+          </a:xfrm>
+        </p:spPr>
+        <p:txBody>
+          <a:bodyPr>
+            <a:normAutofit/>
+          </a:bodyPr>
+          <a:lstStyle/>
+          <a:p>
+            <a:pPr marL="514356" indent="-514356">
+              <a:buAutoNum type="arabicPeriod"/>
+            </a:pPr>
+            <a:r>
+              <a:rPr lang="es-ES" dirty="0">
+                <a:latin typeface="Times New Roman" panose="02020603050405020304" pitchFamily="18" charset="0"/>
+                <a:cs typeface="Times New Roman" panose="02020603050405020304" pitchFamily="18" charset="0"/>
+              </a:rPr>
+              <a:t>Introducción</a:t>
+            </a:r>
+          </a:p>
+          <a:p>
+            <a:pPr marL="514356" indent="-514356">
+              <a:buAutoNum type="arabicPeriod"/>
+            </a:pPr>
+            <a:r>
+              <a:rPr lang="es-ES" dirty="0">
+                <a:latin typeface="Times New Roman" panose="02020603050405020304" pitchFamily="18" charset="0"/>
+                <a:cs typeface="Times New Roman" panose="02020603050405020304" pitchFamily="18" charset="0"/>
+              </a:rPr>
+              <a:t>Objetivos</a:t>
+            </a:r>
+          </a:p>
+          <a:p>
+            <a:pPr marL="514356" indent="-514356">
+              <a:buAutoNum type="arabicPeriod"/>
+            </a:pPr>
+            <a:r>
+              <a:rPr lang="es-ES" dirty="0">
+                <a:latin typeface="Times New Roman" panose="02020603050405020304" pitchFamily="18" charset="0"/>
+                <a:cs typeface="Times New Roman" panose="02020603050405020304" pitchFamily="18" charset="0"/>
+              </a:rPr>
+              <a:t>Conceptos teóricos</a:t>
+            </a:r>
+          </a:p>
+          <a:p>
+            <a:pPr marL="514356" indent="-514356">
+              <a:buAutoNum type="arabicPeriod"/>
+            </a:pPr>
+            <a:r>
+              <a:rPr lang="es-ES" dirty="0">
+                <a:latin typeface="Times New Roman" panose="02020603050405020304" pitchFamily="18" charset="0"/>
+                <a:cs typeface="Times New Roman" panose="02020603050405020304" pitchFamily="18" charset="0"/>
+              </a:rPr>
+              <a:t>Métodos y herramientas</a:t>
+            </a:r>
+          </a:p>
+          <a:p>
+            <a:pPr marL="514356" indent="-514356">
+              <a:buAutoNum type="arabicPeriod"/>
+            </a:pPr>
+            <a:r>
+              <a:rPr lang="es-ES" dirty="0">
+                <a:latin typeface="Times New Roman" panose="02020603050405020304" pitchFamily="18" charset="0"/>
+                <a:cs typeface="Times New Roman" panose="02020603050405020304" pitchFamily="18" charset="0"/>
+              </a:rPr>
+              <a:t>Aspectos relevantes</a:t>
+            </a:r>
+          </a:p>
+          <a:p>
+            <a:pPr marL="514356" indent="-514356">
+              <a:buAutoNum type="arabicPeriod"/>
+            </a:pPr>
+            <a:r>
+              <a:rPr lang="es-ES" dirty="0">
+                <a:latin typeface="Times New Roman" panose="02020603050405020304" pitchFamily="18" charset="0"/>
+                <a:cs typeface="Times New Roman" panose="02020603050405020304" pitchFamily="18" charset="0"/>
+              </a:rPr>
+              <a:t>Demostración</a:t>
+            </a:r>
+          </a:p>
+          <a:p>
+            <a:pPr marL="514356" indent="-514356">
+              <a:buAutoNum type="arabicPeriod"/>
+            </a:pPr>
+            <a:r>
+              <a:rPr lang="es-ES" dirty="0">
+                <a:latin typeface="Times New Roman" panose="02020603050405020304" pitchFamily="18" charset="0"/>
+                <a:cs typeface="Times New Roman" panose="02020603050405020304" pitchFamily="18" charset="0"/>
+              </a:rPr>
+              <a:t>Resultados</a:t>
+            </a:r>
+          </a:p>
+          <a:p>
+            <a:pPr marL="514356" indent="-514356">
+              <a:buAutoNum type="arabicPeriod"/>
+            </a:pPr>
+            <a:r>
+              <a:rPr lang="es-ES" dirty="0">
+                <a:latin typeface="Times New Roman" panose="02020603050405020304" pitchFamily="18" charset="0"/>
+                <a:cs typeface="Times New Roman" panose="02020603050405020304" pitchFamily="18" charset="0"/>
+              </a:rPr>
+              <a:t>Conclusiones</a:t>
+            </a:r>
+          </a:p>
+        </p:txBody>
+      </p:sp>
+    </p:spTree>
+    <p:extLst>
+      <p:ext uri="{BB962C8B-B14F-4D97-AF65-F5344CB8AC3E}">
+        <p14:creationId xmlns:p14="http://schemas.microsoft.com/office/powerpoint/2010/main" val="2435637241"/>
+      </p:ext>
+    </p:extLst>
+  </p:cSld>
+  <p:clrMapOvr>
+    <a:masterClrMapping/>
+  </p:clrMapOvr>
+</p:sld>
+</file>
+
+<file path=ppt/slides/slide20.xml><?xml version="1.0" encoding="utf-8"?>
 <p:sld xmlns:a="http://schemas.openxmlformats.org/drawingml/2006/main" xmlns:r="http://schemas.openxmlformats.org/officeDocument/2006/relationships" xmlns:p="http://schemas.openxmlformats.org/presentationml/2006/main">
   <p:cSld>
     <p:spTree>
@@ -9003,6 +8647,211 @@
     <p:extLst>
       <p:ext uri="{BB962C8B-B14F-4D97-AF65-F5344CB8AC3E}">
         <p14:creationId xmlns:p14="http://schemas.microsoft.com/office/powerpoint/2010/main" val="171726412"/>
+      </p:ext>
+    </p:extLst>
+  </p:cSld>
+  <p:clrMapOvr>
+    <a:masterClrMapping/>
+  </p:clrMapOvr>
+</p:sld>
+</file>
+
+<file path=ppt/slides/slide21.xml><?xml version="1.0" encoding="utf-8"?>
+<p:sld xmlns:a="http://schemas.openxmlformats.org/drawingml/2006/main" xmlns:r="http://schemas.openxmlformats.org/officeDocument/2006/relationships" xmlns:p="http://schemas.openxmlformats.org/presentationml/2006/main">
+  <p:cSld>
+    <p:spTree>
+      <p:nvGrpSpPr>
+        <p:cNvPr id="1" name=""/>
+        <p:cNvGrpSpPr/>
+        <p:nvPr/>
+      </p:nvGrpSpPr>
+      <p:grpSpPr>
+        <a:xfrm>
+          <a:off x="0" y="0"/>
+          <a:ext cx="0" cy="0"/>
+          <a:chOff x="0" y="0"/>
+          <a:chExt cx="0" cy="0"/>
+        </a:xfrm>
+      </p:grpSpPr>
+      <p:pic>
+        <p:nvPicPr>
+          <p:cNvPr id="5" name="Marcador de contenido 4" descr="Gráfico, Histograma&#10;&#10;Descripción generada automáticamente">
+            <a:extLst>
+              <a:ext uri="{FF2B5EF4-FFF2-40B4-BE49-F238E27FC236}">
+                <a16:creationId xmlns:a16="http://schemas.microsoft.com/office/drawing/2014/main" id="{A355695C-4622-1FB5-BACF-2942782B2001}"/>
+              </a:ext>
+            </a:extLst>
+          </p:cNvPr>
+          <p:cNvPicPr>
+            <a:picLocks noGrp="1" noChangeAspect="1"/>
+          </p:cNvPicPr>
+          <p:nvPr>
+            <p:ph idx="1"/>
+          </p:nvPr>
+        </p:nvPicPr>
+        <p:blipFill>
+          <a:blip r:embed="rId2">
+            <a:extLst>
+              <a:ext uri="{28A0092B-C50C-407E-A947-70E740481C1C}">
+                <a14:useLocalDpi xmlns:a14="http://schemas.microsoft.com/office/drawing/2010/main" val="0"/>
+              </a:ext>
+            </a:extLst>
+          </a:blip>
+          <a:stretch>
+            <a:fillRect/>
+          </a:stretch>
+        </p:blipFill>
+        <p:spPr>
+          <a:xfrm>
+            <a:off x="2496000" y="674130"/>
+            <a:ext cx="7200000" cy="4799999"/>
+          </a:xfrm>
+          <a:prstGeom prst="rect">
+            <a:avLst/>
+          </a:prstGeom>
+          <a:ln w="38100" cap="sq">
+            <a:solidFill>
+              <a:srgbClr val="000000"/>
+            </a:solidFill>
+            <a:prstDash val="solid"/>
+            <a:miter lim="800000"/>
+          </a:ln>
+          <a:effectLst>
+            <a:outerShdw blurRad="50800" dist="38100" dir="2700000" algn="tl" rotWithShape="0">
+              <a:srgbClr val="000000">
+                <a:alpha val="43000"/>
+              </a:srgbClr>
+            </a:outerShdw>
+          </a:effectLst>
+        </p:spPr>
+      </p:pic>
+      <p:cxnSp>
+        <p:nvCxnSpPr>
+          <p:cNvPr id="6" name="Conector recto 5">
+            <a:extLst>
+              <a:ext uri="{FF2B5EF4-FFF2-40B4-BE49-F238E27FC236}">
+                <a16:creationId xmlns:a16="http://schemas.microsoft.com/office/drawing/2014/main" id="{DC5044B1-4072-0695-9107-D4FAB75AEB63}"/>
+              </a:ext>
+            </a:extLst>
+          </p:cNvPr>
+          <p:cNvCxnSpPr/>
+          <p:nvPr/>
+        </p:nvCxnSpPr>
+        <p:spPr>
+          <a:xfrm>
+            <a:off x="838199" y="6354618"/>
+            <a:ext cx="10716492" cy="0"/>
+          </a:xfrm>
+          <a:prstGeom prst="line">
+            <a:avLst/>
+          </a:prstGeom>
+          <a:ln w="38100">
+            <a:solidFill>
+              <a:srgbClr val="C00000"/>
+            </a:solidFill>
+          </a:ln>
+        </p:spPr>
+        <p:style>
+          <a:lnRef idx="1">
+            <a:schemeClr val="accent1"/>
+          </a:lnRef>
+          <a:fillRef idx="0">
+            <a:schemeClr val="accent1"/>
+          </a:fillRef>
+          <a:effectRef idx="0">
+            <a:schemeClr val="accent1"/>
+          </a:effectRef>
+          <a:fontRef idx="minor">
+            <a:schemeClr val="tx1"/>
+          </a:fontRef>
+        </p:style>
+      </p:cxnSp>
+      <p:sp>
+        <p:nvSpPr>
+          <p:cNvPr id="7" name="CuadroTexto 6">
+            <a:extLst>
+              <a:ext uri="{FF2B5EF4-FFF2-40B4-BE49-F238E27FC236}">
+                <a16:creationId xmlns:a16="http://schemas.microsoft.com/office/drawing/2014/main" id="{8A33EAC0-81AA-D596-C72A-F130FF959FBC}"/>
+              </a:ext>
+            </a:extLst>
+          </p:cNvPr>
+          <p:cNvSpPr txBox="1"/>
+          <p:nvPr/>
+        </p:nvSpPr>
+        <p:spPr>
+          <a:xfrm>
+            <a:off x="11219873" y="6345382"/>
+            <a:ext cx="434109" cy="369332"/>
+          </a:xfrm>
+          <a:prstGeom prst="rect">
+            <a:avLst/>
+          </a:prstGeom>
+          <a:noFill/>
+        </p:spPr>
+        <p:txBody>
+          <a:bodyPr wrap="square" rtlCol="0">
+            <a:spAutoFit/>
+          </a:bodyPr>
+          <a:lstStyle/>
+          <a:p>
+            <a:r>
+              <a:rPr lang="es-ES" dirty="0">
+                <a:solidFill>
+                  <a:srgbClr val="C00000"/>
+                </a:solidFill>
+                <a:latin typeface="Times New Roman" panose="02020603050405020304" pitchFamily="18" charset="0"/>
+                <a:cs typeface="Times New Roman" panose="02020603050405020304" pitchFamily="18" charset="0"/>
+              </a:rPr>
+              <a:t>20</a:t>
+            </a:r>
+          </a:p>
+        </p:txBody>
+      </p:sp>
+      <p:sp>
+        <p:nvSpPr>
+          <p:cNvPr id="8" name="CuadroTexto 7">
+            <a:extLst>
+              <a:ext uri="{FF2B5EF4-FFF2-40B4-BE49-F238E27FC236}">
+                <a16:creationId xmlns:a16="http://schemas.microsoft.com/office/drawing/2014/main" id="{D4B69749-799D-2A37-99FA-DB8A55B097D0}"/>
+              </a:ext>
+            </a:extLst>
+          </p:cNvPr>
+          <p:cNvSpPr txBox="1"/>
+          <p:nvPr/>
+        </p:nvSpPr>
+        <p:spPr>
+          <a:xfrm>
+            <a:off x="755072" y="6366142"/>
+            <a:ext cx="4518892" cy="369332"/>
+          </a:xfrm>
+          <a:prstGeom prst="rect">
+            <a:avLst/>
+          </a:prstGeom>
+          <a:noFill/>
+        </p:spPr>
+        <p:txBody>
+          <a:bodyPr wrap="square" rtlCol="0">
+            <a:spAutoFit/>
+          </a:bodyPr>
+          <a:lstStyle/>
+          <a:p>
+            <a:r>
+              <a:rPr lang="es-ES" dirty="0">
+                <a:solidFill>
+                  <a:srgbClr val="C00000"/>
+                </a:solidFill>
+                <a:latin typeface="Times New Roman" panose="02020603050405020304" pitchFamily="18" charset="0"/>
+                <a:cs typeface="Times New Roman" panose="02020603050405020304" pitchFamily="18" charset="0"/>
+              </a:rPr>
+              <a:t>Resultados</a:t>
+            </a:r>
+          </a:p>
+        </p:txBody>
+      </p:sp>
+    </p:spTree>
+    <p:extLst>
+      <p:ext uri="{BB962C8B-B14F-4D97-AF65-F5344CB8AC3E}">
+        <p14:creationId xmlns:p14="http://schemas.microsoft.com/office/powerpoint/2010/main" val="4240669184"/>
       </p:ext>
     </p:extLst>
   </p:cSld>
@@ -9031,19 +8880,17 @@
       </p:grpSpPr>
       <p:pic>
         <p:nvPicPr>
-          <p:cNvPr id="5" name="Marcador de contenido 4" descr="Gráfico, Histograma&#10;&#10;Descripción generada automáticamente">
-            <a:extLst>
-              <a:ext uri="{FF2B5EF4-FFF2-40B4-BE49-F238E27FC236}">
-                <a16:creationId xmlns:a16="http://schemas.microsoft.com/office/drawing/2014/main" id="{A355695C-4622-1FB5-BACF-2942782B2001}"/>
+          <p:cNvPr id="5" name="Imagen 4" descr="Gráfico&#10;&#10;Descripción generada automáticamente">
+            <a:extLst>
+              <a:ext uri="{FF2B5EF4-FFF2-40B4-BE49-F238E27FC236}">
+                <a16:creationId xmlns:a16="http://schemas.microsoft.com/office/drawing/2014/main" id="{B235EEFA-17CB-BFE5-E54B-F5D7DAFAF53D}"/>
               </a:ext>
             </a:extLst>
           </p:cNvPr>
           <p:cNvPicPr>
-            <a:picLocks noGrp="1" noChangeAspect="1"/>
+            <a:picLocks noChangeAspect="1"/>
           </p:cNvPicPr>
-          <p:nvPr>
-            <p:ph idx="1"/>
-          </p:nvPr>
+          <p:nvPr/>
         </p:nvPicPr>
         <p:blipFill>
           <a:blip r:embed="rId2">
@@ -9059,8 +8906,8 @@
         </p:blipFill>
         <p:spPr>
           <a:xfrm>
-            <a:off x="2496000" y="674130"/>
-            <a:ext cx="7200000" cy="4799999"/>
+            <a:off x="2496000" y="674492"/>
+            <a:ext cx="7200000" cy="4800000"/>
           </a:xfrm>
           <a:prstGeom prst="rect">
             <a:avLst/>
@@ -9086,7 +8933,7 @@
           <p:cNvPr id="6" name="Conector recto 5">
             <a:extLst>
               <a:ext uri="{FF2B5EF4-FFF2-40B4-BE49-F238E27FC236}">
-                <a16:creationId xmlns:a16="http://schemas.microsoft.com/office/drawing/2014/main" id="{DC5044B1-4072-0695-9107-D4FAB75AEB63}"/>
+                <a16:creationId xmlns:a16="http://schemas.microsoft.com/office/drawing/2014/main" id="{BA62FBB7-3E72-7E02-44C7-75C5DDE38D3F}"/>
               </a:ext>
             </a:extLst>
           </p:cNvPr>
@@ -9127,7 +8974,7 @@
           <p:cNvPr id="7" name="CuadroTexto 6">
             <a:extLst>
               <a:ext uri="{FF2B5EF4-FFF2-40B4-BE49-F238E27FC236}">
-                <a16:creationId xmlns:a16="http://schemas.microsoft.com/office/drawing/2014/main" id="{8A33EAC0-81AA-D596-C72A-F130FF959FBC}"/>
+                <a16:creationId xmlns:a16="http://schemas.microsoft.com/office/drawing/2014/main" id="{DCEF7C3E-7114-EDF5-9B32-4793EE521B55}"/>
               </a:ext>
             </a:extLst>
           </p:cNvPr>
@@ -9158,7 +9005,7 @@
                 <a:latin typeface="Times New Roman" panose="02020603050405020304" pitchFamily="18" charset="0"/>
                 <a:cs typeface="Times New Roman" panose="02020603050405020304" pitchFamily="18" charset="0"/>
               </a:rPr>
-              <a:t>20</a:t>
+              <a:t>21</a:t>
             </a:r>
           </a:p>
         </p:txBody>
@@ -9168,7 +9015,7 @@
           <p:cNvPr id="8" name="CuadroTexto 7">
             <a:extLst>
               <a:ext uri="{FF2B5EF4-FFF2-40B4-BE49-F238E27FC236}">
-                <a16:creationId xmlns:a16="http://schemas.microsoft.com/office/drawing/2014/main" id="{D4B69749-799D-2A37-99FA-DB8A55B097D0}"/>
+                <a16:creationId xmlns:a16="http://schemas.microsoft.com/office/drawing/2014/main" id="{969C5E3D-58DE-86A3-05A2-B91A2E22A9BC}"/>
               </a:ext>
             </a:extLst>
           </p:cNvPr>
@@ -9207,7 +9054,7 @@
     </p:spTree>
     <p:extLst>
       <p:ext uri="{BB962C8B-B14F-4D97-AF65-F5344CB8AC3E}">
-        <p14:creationId xmlns:p14="http://schemas.microsoft.com/office/powerpoint/2010/main" val="4240669184"/>
+        <p14:creationId xmlns:p14="http://schemas.microsoft.com/office/powerpoint/2010/main" val="2430703265"/>
       </p:ext>
     </p:extLst>
   </p:cSld>
@@ -9234,62 +9081,117 @@
           <a:chExt cx="0" cy="0"/>
         </a:xfrm>
       </p:grpSpPr>
-      <p:pic>
-        <p:nvPicPr>
-          <p:cNvPr id="5" name="Imagen 4" descr="Gráfico&#10;&#10;Descripción generada automáticamente">
-            <a:extLst>
-              <a:ext uri="{FF2B5EF4-FFF2-40B4-BE49-F238E27FC236}">
-                <a16:creationId xmlns:a16="http://schemas.microsoft.com/office/drawing/2014/main" id="{B235EEFA-17CB-BFE5-E54B-F5D7DAFAF53D}"/>
-              </a:ext>
-            </a:extLst>
-          </p:cNvPr>
-          <p:cNvPicPr>
-            <a:picLocks noChangeAspect="1"/>
-          </p:cNvPicPr>
-          <p:nvPr/>
-        </p:nvPicPr>
-        <p:blipFill>
-          <a:blip r:embed="rId2">
-            <a:extLst>
-              <a:ext uri="{28A0092B-C50C-407E-A947-70E740481C1C}">
-                <a14:useLocalDpi xmlns:a14="http://schemas.microsoft.com/office/drawing/2010/main" val="0"/>
-              </a:ext>
-            </a:extLst>
-          </a:blip>
-          <a:stretch>
-            <a:fillRect/>
-          </a:stretch>
-        </p:blipFill>
-        <p:spPr>
-          <a:xfrm>
-            <a:off x="2496000" y="674492"/>
-            <a:ext cx="7200000" cy="4800000"/>
-          </a:xfrm>
-          <a:prstGeom prst="rect">
-            <a:avLst/>
-          </a:prstGeom>
-          <a:ln w="38100" cap="sq">
-            <a:solidFill>
-              <a:srgbClr val="000000"/>
-            </a:solidFill>
-            <a:prstDash val="solid"/>
-            <a:miter lim="800000"/>
-          </a:ln>
-          <a:effectLst>
-            <a:outerShdw blurRad="50800" dist="38100" dir="2700000" algn="tl" rotWithShape="0">
-              <a:srgbClr val="000000">
-                <a:alpha val="43000"/>
-              </a:srgbClr>
-            </a:outerShdw>
-          </a:effectLst>
-        </p:spPr>
-      </p:pic>
+      <p:sp>
+        <p:nvSpPr>
+          <p:cNvPr id="3" name="Marcador de contenido 2">
+            <a:extLst>
+              <a:ext uri="{FF2B5EF4-FFF2-40B4-BE49-F238E27FC236}">
+                <a16:creationId xmlns:a16="http://schemas.microsoft.com/office/drawing/2014/main" id="{BA053097-E58F-B771-BDB9-F9817A8395BC}"/>
+              </a:ext>
+            </a:extLst>
+          </p:cNvPr>
+          <p:cNvSpPr>
+            <a:spLocks noGrp="1"/>
+          </p:cNvSpPr>
+          <p:nvPr>
+            <p:ph idx="1"/>
+          </p:nvPr>
+        </p:nvSpPr>
+        <p:spPr>
+          <a:xfrm>
+            <a:off x="838200" y="2142836"/>
+            <a:ext cx="10515600" cy="4034127"/>
+          </a:xfrm>
+        </p:spPr>
+        <p:txBody>
+          <a:bodyPr/>
+          <a:lstStyle/>
+          <a:p>
+            <a:pPr algn="just"/>
+            <a:r>
+              <a:rPr lang="es-ES" sz="2400" dirty="0">
+                <a:latin typeface="Times New Roman" panose="02020603050405020304" pitchFamily="18" charset="0"/>
+                <a:cs typeface="Times New Roman" panose="02020603050405020304" pitchFamily="18" charset="0"/>
+              </a:rPr>
+              <a:t>La aplicación de Design Science facilita en gran medida el desarrollo del proyecto, al integrar los aspectos básicos de una investigación con el desarrollo tradicional de software </a:t>
+            </a:r>
+          </a:p>
+          <a:p>
+            <a:pPr algn="just"/>
+            <a:r>
+              <a:rPr lang="es-ES" sz="2400" dirty="0">
+                <a:latin typeface="Times New Roman" panose="02020603050405020304" pitchFamily="18" charset="0"/>
+                <a:cs typeface="Times New Roman" panose="02020603050405020304" pitchFamily="18" charset="0"/>
+              </a:rPr>
+              <a:t>Se ha conseguido un modelo que permite obtener predicciones buenas en Madrid para todos los contaminantes, utilizando la inteligencia artificial y en concreto las redes neuronales</a:t>
+            </a:r>
+          </a:p>
+          <a:p>
+            <a:pPr algn="just"/>
+            <a:r>
+              <a:rPr lang="es-ES" sz="2400" dirty="0">
+                <a:latin typeface="Times New Roman" panose="02020603050405020304" pitchFamily="18" charset="0"/>
+                <a:cs typeface="Times New Roman" panose="02020603050405020304" pitchFamily="18" charset="0"/>
+              </a:rPr>
+              <a:t>Se ha creado una forma de visualización de los resultados familiar hacia todo tipo de usuarios y centrada en la información</a:t>
+            </a:r>
+          </a:p>
+          <a:p>
+            <a:pPr marL="0" indent="0">
+              <a:buNone/>
+            </a:pPr>
+            <a:endParaRPr lang="es-ES" dirty="0">
+              <a:latin typeface="Times New Roman" panose="02020603050405020304" pitchFamily="18" charset="0"/>
+              <a:cs typeface="Times New Roman" panose="02020603050405020304" pitchFamily="18" charset="0"/>
+            </a:endParaRPr>
+          </a:p>
+          <a:p>
+            <a:endParaRPr lang="es-ES" dirty="0"/>
+          </a:p>
+        </p:txBody>
+      </p:sp>
+      <p:sp>
+        <p:nvSpPr>
+          <p:cNvPr id="4" name="Título 1">
+            <a:extLst>
+              <a:ext uri="{FF2B5EF4-FFF2-40B4-BE49-F238E27FC236}">
+                <a16:creationId xmlns:a16="http://schemas.microsoft.com/office/drawing/2014/main" id="{B64E69CF-16F0-E850-E917-38F12EDED0BA}"/>
+              </a:ext>
+            </a:extLst>
+          </p:cNvPr>
+          <p:cNvSpPr>
+            <a:spLocks noGrp="1"/>
+          </p:cNvSpPr>
+          <p:nvPr>
+            <p:ph type="title"/>
+          </p:nvPr>
+        </p:nvSpPr>
+        <p:spPr>
+          <a:xfrm>
+            <a:off x="838200" y="365125"/>
+            <a:ext cx="10515600" cy="1325563"/>
+          </a:xfrm>
+        </p:spPr>
+        <p:txBody>
+          <a:bodyPr/>
+          <a:lstStyle/>
+          <a:p>
+            <a:r>
+              <a:rPr lang="es-ES" dirty="0">
+                <a:latin typeface="Times New Roman" panose="02020603050405020304" pitchFamily="18" charset="0"/>
+                <a:cs typeface="Times New Roman" panose="02020603050405020304" pitchFamily="18" charset="0"/>
+              </a:rPr>
+              <a:t>Conclusiones</a:t>
+            </a:r>
+          </a:p>
+        </p:txBody>
+      </p:sp>
       <p:cxnSp>
         <p:nvCxnSpPr>
-          <p:cNvPr id="6" name="Conector recto 5">
-            <a:extLst>
-              <a:ext uri="{FF2B5EF4-FFF2-40B4-BE49-F238E27FC236}">
-                <a16:creationId xmlns:a16="http://schemas.microsoft.com/office/drawing/2014/main" id="{BA62FBB7-3E72-7E02-44C7-75C5DDE38D3F}"/>
+          <p:cNvPr id="5" name="Conector recto 4">
+            <a:extLst>
+              <a:ext uri="{FF2B5EF4-FFF2-40B4-BE49-F238E27FC236}">
+                <a16:creationId xmlns:a16="http://schemas.microsoft.com/office/drawing/2014/main" id="{5E4D0FB7-880D-69A9-67D8-C770DBA52C55}"/>
               </a:ext>
             </a:extLst>
           </p:cNvPr>
@@ -9327,264 +9229,6 @@
       </p:cxnSp>
       <p:sp>
         <p:nvSpPr>
-          <p:cNvPr id="7" name="CuadroTexto 6">
-            <a:extLst>
-              <a:ext uri="{FF2B5EF4-FFF2-40B4-BE49-F238E27FC236}">
-                <a16:creationId xmlns:a16="http://schemas.microsoft.com/office/drawing/2014/main" id="{DCEF7C3E-7114-EDF5-9B32-4793EE521B55}"/>
-              </a:ext>
-            </a:extLst>
-          </p:cNvPr>
-          <p:cNvSpPr txBox="1"/>
-          <p:nvPr/>
-        </p:nvSpPr>
-        <p:spPr>
-          <a:xfrm>
-            <a:off x="11219873" y="6345382"/>
-            <a:ext cx="434109" cy="369332"/>
-          </a:xfrm>
-          <a:prstGeom prst="rect">
-            <a:avLst/>
-          </a:prstGeom>
-          <a:noFill/>
-        </p:spPr>
-        <p:txBody>
-          <a:bodyPr wrap="square" rtlCol="0">
-            <a:spAutoFit/>
-          </a:bodyPr>
-          <a:lstStyle/>
-          <a:p>
-            <a:r>
-              <a:rPr lang="es-ES" dirty="0">
-                <a:solidFill>
-                  <a:srgbClr val="C00000"/>
-                </a:solidFill>
-                <a:latin typeface="Times New Roman" panose="02020603050405020304" pitchFamily="18" charset="0"/>
-                <a:cs typeface="Times New Roman" panose="02020603050405020304" pitchFamily="18" charset="0"/>
-              </a:rPr>
-              <a:t>21</a:t>
-            </a:r>
-          </a:p>
-        </p:txBody>
-      </p:sp>
-      <p:sp>
-        <p:nvSpPr>
-          <p:cNvPr id="8" name="CuadroTexto 7">
-            <a:extLst>
-              <a:ext uri="{FF2B5EF4-FFF2-40B4-BE49-F238E27FC236}">
-                <a16:creationId xmlns:a16="http://schemas.microsoft.com/office/drawing/2014/main" id="{969C5E3D-58DE-86A3-05A2-B91A2E22A9BC}"/>
-              </a:ext>
-            </a:extLst>
-          </p:cNvPr>
-          <p:cNvSpPr txBox="1"/>
-          <p:nvPr/>
-        </p:nvSpPr>
-        <p:spPr>
-          <a:xfrm>
-            <a:off x="755072" y="6366142"/>
-            <a:ext cx="4518892" cy="369332"/>
-          </a:xfrm>
-          <a:prstGeom prst="rect">
-            <a:avLst/>
-          </a:prstGeom>
-          <a:noFill/>
-        </p:spPr>
-        <p:txBody>
-          <a:bodyPr wrap="square" rtlCol="0">
-            <a:spAutoFit/>
-          </a:bodyPr>
-          <a:lstStyle/>
-          <a:p>
-            <a:r>
-              <a:rPr lang="es-ES" dirty="0">
-                <a:solidFill>
-                  <a:srgbClr val="C00000"/>
-                </a:solidFill>
-                <a:latin typeface="Times New Roman" panose="02020603050405020304" pitchFamily="18" charset="0"/>
-                <a:cs typeface="Times New Roman" panose="02020603050405020304" pitchFamily="18" charset="0"/>
-              </a:rPr>
-              <a:t>Resultados</a:t>
-            </a:r>
-          </a:p>
-        </p:txBody>
-      </p:sp>
-    </p:spTree>
-    <p:extLst>
-      <p:ext uri="{BB962C8B-B14F-4D97-AF65-F5344CB8AC3E}">
-        <p14:creationId xmlns:p14="http://schemas.microsoft.com/office/powerpoint/2010/main" val="2430703265"/>
-      </p:ext>
-    </p:extLst>
-  </p:cSld>
-  <p:clrMapOvr>
-    <a:masterClrMapping/>
-  </p:clrMapOvr>
-</p:sld>
-</file>
-
-<file path=ppt/slides/slide24.xml><?xml version="1.0" encoding="utf-8"?>
-<p:sld xmlns:a="http://schemas.openxmlformats.org/drawingml/2006/main" xmlns:r="http://schemas.openxmlformats.org/officeDocument/2006/relationships" xmlns:p="http://schemas.openxmlformats.org/presentationml/2006/main">
-  <p:cSld>
-    <p:spTree>
-      <p:nvGrpSpPr>
-        <p:cNvPr id="1" name=""/>
-        <p:cNvGrpSpPr/>
-        <p:nvPr/>
-      </p:nvGrpSpPr>
-      <p:grpSpPr>
-        <a:xfrm>
-          <a:off x="0" y="0"/>
-          <a:ext cx="0" cy="0"/>
-          <a:chOff x="0" y="0"/>
-          <a:chExt cx="0" cy="0"/>
-        </a:xfrm>
-      </p:grpSpPr>
-      <p:sp>
-        <p:nvSpPr>
-          <p:cNvPr id="3" name="Marcador de contenido 2">
-            <a:extLst>
-              <a:ext uri="{FF2B5EF4-FFF2-40B4-BE49-F238E27FC236}">
-                <a16:creationId xmlns:a16="http://schemas.microsoft.com/office/drawing/2014/main" id="{BA053097-E58F-B771-BDB9-F9817A8395BC}"/>
-              </a:ext>
-            </a:extLst>
-          </p:cNvPr>
-          <p:cNvSpPr>
-            <a:spLocks noGrp="1"/>
-          </p:cNvSpPr>
-          <p:nvPr>
-            <p:ph idx="1"/>
-          </p:nvPr>
-        </p:nvSpPr>
-        <p:spPr>
-          <a:xfrm>
-            <a:off x="838200" y="2142836"/>
-            <a:ext cx="10515600" cy="4034127"/>
-          </a:xfrm>
-        </p:spPr>
-        <p:txBody>
-          <a:bodyPr/>
-          <a:lstStyle/>
-          <a:p>
-            <a:pPr algn="just"/>
-            <a:r>
-              <a:rPr lang="es-ES" sz="2400" dirty="0">
-                <a:latin typeface="Times New Roman" panose="02020603050405020304" pitchFamily="18" charset="0"/>
-                <a:cs typeface="Times New Roman" panose="02020603050405020304" pitchFamily="18" charset="0"/>
-              </a:rPr>
-              <a:t>La aplicación de Design Science facilita en gran medida el desarrollo del proyecto, al integrar los aspectos básicos de una investigación con el desarrollo tradicional de software </a:t>
-            </a:r>
-          </a:p>
-          <a:p>
-            <a:pPr algn="just"/>
-            <a:r>
-              <a:rPr lang="es-ES" sz="2400" dirty="0">
-                <a:latin typeface="Times New Roman" panose="02020603050405020304" pitchFamily="18" charset="0"/>
-                <a:cs typeface="Times New Roman" panose="02020603050405020304" pitchFamily="18" charset="0"/>
-              </a:rPr>
-              <a:t>Se ha conseguido un modelo que permite obtener predicciones buenas en Madrid para todos los contaminantes, utilizando la inteligencia artificial y en concreto las redes neuronales</a:t>
-            </a:r>
-          </a:p>
-          <a:p>
-            <a:pPr algn="just"/>
-            <a:r>
-              <a:rPr lang="es-ES" sz="2400" dirty="0">
-                <a:latin typeface="Times New Roman" panose="02020603050405020304" pitchFamily="18" charset="0"/>
-                <a:cs typeface="Times New Roman" panose="02020603050405020304" pitchFamily="18" charset="0"/>
-              </a:rPr>
-              <a:t>Se ha creado una forma de visualización de los resultados familiar hacia todo tipo de usuarios y centrada en la información</a:t>
-            </a:r>
-          </a:p>
-          <a:p>
-            <a:pPr marL="0" indent="0">
-              <a:buNone/>
-            </a:pPr>
-            <a:endParaRPr lang="es-ES" dirty="0">
-              <a:latin typeface="Times New Roman" panose="02020603050405020304" pitchFamily="18" charset="0"/>
-              <a:cs typeface="Times New Roman" panose="02020603050405020304" pitchFamily="18" charset="0"/>
-            </a:endParaRPr>
-          </a:p>
-          <a:p>
-            <a:endParaRPr lang="es-ES" dirty="0"/>
-          </a:p>
-        </p:txBody>
-      </p:sp>
-      <p:sp>
-        <p:nvSpPr>
-          <p:cNvPr id="4" name="Título 1">
-            <a:extLst>
-              <a:ext uri="{FF2B5EF4-FFF2-40B4-BE49-F238E27FC236}">
-                <a16:creationId xmlns:a16="http://schemas.microsoft.com/office/drawing/2014/main" id="{B64E69CF-16F0-E850-E917-38F12EDED0BA}"/>
-              </a:ext>
-            </a:extLst>
-          </p:cNvPr>
-          <p:cNvSpPr>
-            <a:spLocks noGrp="1"/>
-          </p:cNvSpPr>
-          <p:nvPr>
-            <p:ph type="title"/>
-          </p:nvPr>
-        </p:nvSpPr>
-        <p:spPr>
-          <a:xfrm>
-            <a:off x="838200" y="365125"/>
-            <a:ext cx="10515600" cy="1325563"/>
-          </a:xfrm>
-        </p:spPr>
-        <p:txBody>
-          <a:bodyPr/>
-          <a:lstStyle/>
-          <a:p>
-            <a:r>
-              <a:rPr lang="es-ES" dirty="0">
-                <a:latin typeface="Times New Roman" panose="02020603050405020304" pitchFamily="18" charset="0"/>
-                <a:cs typeface="Times New Roman" panose="02020603050405020304" pitchFamily="18" charset="0"/>
-              </a:rPr>
-              <a:t>Conclusiones</a:t>
-            </a:r>
-          </a:p>
-        </p:txBody>
-      </p:sp>
-      <p:cxnSp>
-        <p:nvCxnSpPr>
-          <p:cNvPr id="5" name="Conector recto 4">
-            <a:extLst>
-              <a:ext uri="{FF2B5EF4-FFF2-40B4-BE49-F238E27FC236}">
-                <a16:creationId xmlns:a16="http://schemas.microsoft.com/office/drawing/2014/main" id="{5E4D0FB7-880D-69A9-67D8-C770DBA52C55}"/>
-              </a:ext>
-            </a:extLst>
-          </p:cNvPr>
-          <p:cNvCxnSpPr/>
-          <p:nvPr/>
-        </p:nvCxnSpPr>
-        <p:spPr>
-          <a:xfrm>
-            <a:off x="838199" y="6354618"/>
-            <a:ext cx="10716492" cy="0"/>
-          </a:xfrm>
-          <a:prstGeom prst="line">
-            <a:avLst/>
-          </a:prstGeom>
-          <a:ln w="38100">
-            <a:solidFill>
-              <a:srgbClr val="C00000"/>
-            </a:solidFill>
-          </a:ln>
-        </p:spPr>
-        <p:style>
-          <a:lnRef idx="1">
-            <a:schemeClr val="accent1"/>
-          </a:lnRef>
-          <a:fillRef idx="0">
-            <a:schemeClr val="accent1"/>
-          </a:fillRef>
-          <a:effectRef idx="0">
-            <a:schemeClr val="accent1"/>
-          </a:effectRef>
-          <a:fontRef idx="minor">
-            <a:schemeClr val="tx1"/>
-          </a:fontRef>
-        </p:style>
-      </p:cxnSp>
-      <p:sp>
-        <p:nvSpPr>
           <p:cNvPr id="6" name="CuadroTexto 5">
             <a:extLst>
               <a:ext uri="{FF2B5EF4-FFF2-40B4-BE49-F238E27FC236}">
@@ -9678,7 +9322,7 @@
 </p:sld>
 </file>
 
-<file path=ppt/slides/slide25.xml><?xml version="1.0" encoding="utf-8"?>
+<file path=ppt/slides/slide24.xml><?xml version="1.0" encoding="utf-8"?>
 <p:sld xmlns:a="http://schemas.openxmlformats.org/drawingml/2006/main" xmlns:r="http://schemas.openxmlformats.org/officeDocument/2006/relationships" xmlns:p="http://schemas.openxmlformats.org/presentationml/2006/main">
   <p:cSld>
     <p:spTree>
@@ -11065,14 +10709,14 @@
           <p:nvPr>
             <p:extLst>
               <p:ext uri="{D42A27DB-BD31-4B8C-83A1-F6EECF244321}">
-                <p14:modId xmlns:p14="http://schemas.microsoft.com/office/powerpoint/2010/main" val="2025150134"/>
+                <p14:modId xmlns:p14="http://schemas.microsoft.com/office/powerpoint/2010/main" val="2852812746"/>
               </p:ext>
             </p:extLst>
           </p:nvPr>
         </p:nvGraphicFramePr>
         <p:xfrm>
-          <a:off x="1047173" y="2711286"/>
-          <a:ext cx="10097655" cy="3052989"/>
+          <a:off x="2729917" y="2665104"/>
+          <a:ext cx="6732166" cy="3052989"/>
         </p:xfrm>
         <a:graphic>
           <a:graphicData uri="http://schemas.openxmlformats.org/drawingml/2006/table">
@@ -11085,13 +10729,6 @@
                   <a:extLst>
                     <a:ext uri="{9D8B030D-6E8A-4147-A177-3AD203B41FA5}">
                       <a16:colId xmlns:a16="http://schemas.microsoft.com/office/drawing/2014/main" val="2605914697"/>
-                    </a:ext>
-                  </a:extLst>
-                </a:gridCol>
-                <a:gridCol w="3365489">
-                  <a:extLst>
-                    <a:ext uri="{9D8B030D-6E8A-4147-A177-3AD203B41FA5}">
-                      <a16:colId xmlns:a16="http://schemas.microsoft.com/office/drawing/2014/main" val="651758097"/>
                     </a:ext>
                   </a:extLst>
                 </a:gridCol>
@@ -11126,37 +10763,6 @@
                         <a:t>Contaminante</a:t>
                       </a:r>
                       <a:endParaRPr lang="es-ES" sz="2000" dirty="0">
-                        <a:effectLst/>
-                        <a:latin typeface="Times New Roman" panose="02020603050405020304" pitchFamily="18" charset="0"/>
-                        <a:ea typeface="Calibri" panose="020F0502020204030204" pitchFamily="34" charset="0"/>
-                        <a:cs typeface="Times New Roman" panose="02020603050405020304" pitchFamily="18" charset="0"/>
-                      </a:endParaRPr>
-                    </a:p>
-                  </a:txBody>
-                  <a:tcPr marL="68580" marR="68580" marT="0" marB="0"/>
-                </a:tc>
-                <a:tc>
-                  <a:txBody>
-                    <a:bodyPr/>
-                    <a:lstStyle/>
-                    <a:p>
-                      <a:pPr indent="450215" algn="ctr">
-                        <a:lnSpc>
-                          <a:spcPct val="150000"/>
-                        </a:lnSpc>
-                        <a:spcAft>
-                          <a:spcPts val="800"/>
-                        </a:spcAft>
-                      </a:pPr>
-                      <a:r>
-                        <a:rPr lang="es-ES" sz="2000">
-                          <a:effectLst/>
-                          <a:latin typeface="Times New Roman" panose="02020603050405020304" pitchFamily="18" charset="0"/>
-                          <a:cs typeface="Times New Roman" panose="02020603050405020304" pitchFamily="18" charset="0"/>
-                        </a:rPr>
-                        <a:t>Tipo</a:t>
-                      </a:r>
-                      <a:endParaRPr lang="es-ES" sz="2000">
                         <a:effectLst/>
                         <a:latin typeface="Times New Roman" panose="02020603050405020304" pitchFamily="18" charset="0"/>
                         <a:ea typeface="Calibri" panose="020F0502020204030204" pitchFamily="34" charset="0"/>
@@ -11234,37 +10840,6 @@
                         <a:t>2.5</a:t>
                       </a:r>
                       <a:endParaRPr lang="es-ES" sz="2000" dirty="0">
-                        <a:effectLst/>
-                        <a:latin typeface="Times New Roman" panose="02020603050405020304" pitchFamily="18" charset="0"/>
-                        <a:ea typeface="Calibri" panose="020F0502020204030204" pitchFamily="34" charset="0"/>
-                        <a:cs typeface="Times New Roman" panose="02020603050405020304" pitchFamily="18" charset="0"/>
-                      </a:endParaRPr>
-                    </a:p>
-                  </a:txBody>
-                  <a:tcPr marL="68580" marR="68580" marT="0" marB="0"/>
-                </a:tc>
-                <a:tc>
-                  <a:txBody>
-                    <a:bodyPr/>
-                    <a:lstStyle/>
-                    <a:p>
-                      <a:pPr indent="450215" algn="just">
-                        <a:lnSpc>
-                          <a:spcPct val="150000"/>
-                        </a:lnSpc>
-                        <a:spcAft>
-                          <a:spcPts val="800"/>
-                        </a:spcAft>
-                      </a:pPr>
-                      <a:r>
-                        <a:rPr lang="es-ES" sz="2000">
-                          <a:effectLst/>
-                          <a:latin typeface="Times New Roman" panose="02020603050405020304" pitchFamily="18" charset="0"/>
-                          <a:cs typeface="Times New Roman" panose="02020603050405020304" pitchFamily="18" charset="0"/>
-                        </a:rPr>
-                        <a:t>Primario y secundario</a:t>
-                      </a:r>
-                      <a:endParaRPr lang="es-ES" sz="2000">
                         <a:effectLst/>
                         <a:latin typeface="Times New Roman" panose="02020603050405020304" pitchFamily="18" charset="0"/>
                         <a:ea typeface="Calibri" panose="020F0502020204030204" pitchFamily="34" charset="0"/>
@@ -11381,37 +10956,6 @@
                         </a:spcAft>
                       </a:pPr>
                       <a:r>
-                        <a:rPr lang="es-ES" sz="2000" dirty="0">
-                          <a:effectLst/>
-                          <a:latin typeface="Times New Roman" panose="02020603050405020304" pitchFamily="18" charset="0"/>
-                          <a:cs typeface="Times New Roman" panose="02020603050405020304" pitchFamily="18" charset="0"/>
-                        </a:rPr>
-                        <a:t>Primario y secundario</a:t>
-                      </a:r>
-                      <a:endParaRPr lang="es-ES" sz="2000" dirty="0">
-                        <a:effectLst/>
-                        <a:latin typeface="Times New Roman" panose="02020603050405020304" pitchFamily="18" charset="0"/>
-                        <a:ea typeface="Calibri" panose="020F0502020204030204" pitchFamily="34" charset="0"/>
-                        <a:cs typeface="Times New Roman" panose="02020603050405020304" pitchFamily="18" charset="0"/>
-                      </a:endParaRPr>
-                    </a:p>
-                  </a:txBody>
-                  <a:tcPr marL="68580" marR="68580" marT="0" marB="0"/>
-                </a:tc>
-                <a:tc>
-                  <a:txBody>
-                    <a:bodyPr/>
-                    <a:lstStyle/>
-                    <a:p>
-                      <a:pPr indent="450215" algn="just">
-                        <a:lnSpc>
-                          <a:spcPct val="150000"/>
-                        </a:lnSpc>
-                        <a:spcAft>
-                          <a:spcPts val="800"/>
-                        </a:spcAft>
-                      </a:pPr>
-                      <a:r>
                         <a:rPr lang="es-ES" sz="2000">
                           <a:effectLst/>
                           <a:latin typeface="Times New Roman" panose="02020603050405020304" pitchFamily="18" charset="0"/>
@@ -11474,37 +11018,6 @@
                         <a:t>O3</a:t>
                       </a:r>
                       <a:endParaRPr lang="es-ES" sz="2000">
-                        <a:effectLst/>
-                        <a:latin typeface="Times New Roman" panose="02020603050405020304" pitchFamily="18" charset="0"/>
-                        <a:ea typeface="Calibri" panose="020F0502020204030204" pitchFamily="34" charset="0"/>
-                        <a:cs typeface="Times New Roman" panose="02020603050405020304" pitchFamily="18" charset="0"/>
-                      </a:endParaRPr>
-                    </a:p>
-                  </a:txBody>
-                  <a:tcPr marL="68580" marR="68580" marT="0" marB="0"/>
-                </a:tc>
-                <a:tc>
-                  <a:txBody>
-                    <a:bodyPr/>
-                    <a:lstStyle/>
-                    <a:p>
-                      <a:pPr indent="450215" algn="just">
-                        <a:lnSpc>
-                          <a:spcPct val="150000"/>
-                        </a:lnSpc>
-                        <a:spcAft>
-                          <a:spcPts val="800"/>
-                        </a:spcAft>
-                      </a:pPr>
-                      <a:r>
-                        <a:rPr lang="es-ES" sz="2000" dirty="0">
-                          <a:effectLst/>
-                          <a:latin typeface="Times New Roman" panose="02020603050405020304" pitchFamily="18" charset="0"/>
-                          <a:cs typeface="Times New Roman" panose="02020603050405020304" pitchFamily="18" charset="0"/>
-                        </a:rPr>
-                        <a:t>Secundario</a:t>
-                      </a:r>
-                      <a:endParaRPr lang="es-ES" sz="2000" dirty="0">
                         <a:effectLst/>
                         <a:latin typeface="Times New Roman" panose="02020603050405020304" pitchFamily="18" charset="0"/>
                         <a:ea typeface="Calibri" panose="020F0502020204030204" pitchFamily="34" charset="0"/>
@@ -11618,37 +11131,6 @@
                           <a:latin typeface="Times New Roman" panose="02020603050405020304" pitchFamily="18" charset="0"/>
                           <a:cs typeface="Times New Roman" panose="02020603050405020304" pitchFamily="18" charset="0"/>
                         </a:rPr>
-                        <a:t>Primario y secundario</a:t>
-                      </a:r>
-                      <a:endParaRPr lang="es-ES" sz="2000" dirty="0">
-                        <a:effectLst/>
-                        <a:latin typeface="Times New Roman" panose="02020603050405020304" pitchFamily="18" charset="0"/>
-                        <a:ea typeface="Calibri" panose="020F0502020204030204" pitchFamily="34" charset="0"/>
-                        <a:cs typeface="Times New Roman" panose="02020603050405020304" pitchFamily="18" charset="0"/>
-                      </a:endParaRPr>
-                    </a:p>
-                  </a:txBody>
-                  <a:tcPr marL="68580" marR="68580" marT="0" marB="0"/>
-                </a:tc>
-                <a:tc>
-                  <a:txBody>
-                    <a:bodyPr/>
-                    <a:lstStyle/>
-                    <a:p>
-                      <a:pPr indent="450215" algn="just">
-                        <a:lnSpc>
-                          <a:spcPct val="150000"/>
-                        </a:lnSpc>
-                        <a:spcAft>
-                          <a:spcPts val="800"/>
-                        </a:spcAft>
-                      </a:pPr>
-                      <a:r>
-                        <a:rPr lang="es-ES" sz="2000" dirty="0">
-                          <a:effectLst/>
-                          <a:latin typeface="Times New Roman" panose="02020603050405020304" pitchFamily="18" charset="0"/>
-                          <a:cs typeface="Times New Roman" panose="02020603050405020304" pitchFamily="18" charset="0"/>
-                        </a:rPr>
                         <a:t>40 µg/m</a:t>
                       </a:r>
                       <a:r>
@@ -11729,37 +11211,6 @@
                         </a:spcAft>
                       </a:pPr>
                       <a:r>
-                        <a:rPr lang="es-ES" sz="2000">
-                          <a:effectLst/>
-                          <a:latin typeface="Times New Roman" panose="02020603050405020304" pitchFamily="18" charset="0"/>
-                          <a:cs typeface="Times New Roman" panose="02020603050405020304" pitchFamily="18" charset="0"/>
-                        </a:rPr>
-                        <a:t>Primario</a:t>
-                      </a:r>
-                      <a:endParaRPr lang="es-ES" sz="2000">
-                        <a:effectLst/>
-                        <a:latin typeface="Times New Roman" panose="02020603050405020304" pitchFamily="18" charset="0"/>
-                        <a:ea typeface="Calibri" panose="020F0502020204030204" pitchFamily="34" charset="0"/>
-                        <a:cs typeface="Times New Roman" panose="02020603050405020304" pitchFamily="18" charset="0"/>
-                      </a:endParaRPr>
-                    </a:p>
-                  </a:txBody>
-                  <a:tcPr marL="68580" marR="68580" marT="0" marB="0"/>
-                </a:tc>
-                <a:tc>
-                  <a:txBody>
-                    <a:bodyPr/>
-                    <a:lstStyle/>
-                    <a:p>
-                      <a:pPr indent="450215" algn="just">
-                        <a:lnSpc>
-                          <a:spcPct val="150000"/>
-                        </a:lnSpc>
-                        <a:spcAft>
-                          <a:spcPts val="800"/>
-                        </a:spcAft>
-                      </a:pPr>
-                      <a:r>
                         <a:rPr lang="es-ES" sz="2000" dirty="0">
                           <a:effectLst/>
                           <a:latin typeface="Times New Roman" panose="02020603050405020304" pitchFamily="18" charset="0"/>
@@ -12217,10 +11668,10 @@
       </p:grpSpPr>
       <p:sp>
         <p:nvSpPr>
-          <p:cNvPr id="3" name="Marcador de contenido 2">
-            <a:extLst>
-              <a:ext uri="{FF2B5EF4-FFF2-40B4-BE49-F238E27FC236}">
-                <a16:creationId xmlns:a16="http://schemas.microsoft.com/office/drawing/2014/main" id="{0A863876-6258-D60C-9C51-F5FC57921F5C}"/>
+          <p:cNvPr id="2" name="Título 1">
+            <a:extLst>
+              <a:ext uri="{FF2B5EF4-FFF2-40B4-BE49-F238E27FC236}">
+                <a16:creationId xmlns:a16="http://schemas.microsoft.com/office/drawing/2014/main" id="{2D845FAF-10D9-A2BF-C13C-04B0B1C734F8}"/>
               </a:ext>
             </a:extLst>
           </p:cNvPr>
@@ -12228,58 +11679,35 @@
             <a:spLocks noGrp="1"/>
           </p:cNvSpPr>
           <p:nvPr>
-            <p:ph idx="1"/>
+            <p:ph type="title"/>
           </p:nvPr>
         </p:nvSpPr>
         <p:spPr>
           <a:xfrm>
-            <a:off x="838199" y="3081697"/>
-            <a:ext cx="10420927" cy="2417620"/>
-          </a:xfrm>
-        </p:spPr>
-        <p:txBody>
-          <a:bodyPr>
-            <a:normAutofit/>
-          </a:bodyPr>
-          <a:lstStyle/>
-          <a:p>
-            <a:pPr algn="just"/>
-            <a:r>
-              <a:rPr lang="es-ES" sz="2400" dirty="0">
-                <a:latin typeface="Times New Roman" panose="02020603050405020304" pitchFamily="18" charset="0"/>
-                <a:cs typeface="Times New Roman" panose="02020603050405020304" pitchFamily="18" charset="0"/>
-              </a:rPr>
-              <a:t>Conjunto de datos: son series temporales de los valores de los contaminantes y los valores meteorológicos</a:t>
-            </a:r>
-          </a:p>
-          <a:p>
-            <a:pPr algn="just"/>
-            <a:r>
-              <a:rPr lang="es-ES" sz="2400" dirty="0">
-                <a:latin typeface="Times New Roman" panose="02020603050405020304" pitchFamily="18" charset="0"/>
-                <a:cs typeface="Times New Roman" panose="02020603050405020304" pitchFamily="18" charset="0"/>
-              </a:rPr>
-              <a:t>Algoritmo de entrenamiento: cálculo de los pesos y sesgos de la red neuronal que proporcionan los mejores resultados</a:t>
-            </a:r>
-          </a:p>
-          <a:p>
-            <a:pPr algn="just"/>
-            <a:r>
-              <a:rPr lang="es-ES" sz="2400" dirty="0">
-                <a:latin typeface="Times New Roman" panose="02020603050405020304" pitchFamily="18" charset="0"/>
-                <a:cs typeface="Times New Roman" panose="02020603050405020304" pitchFamily="18" charset="0"/>
-              </a:rPr>
-              <a:t>Función de coste: estimación de la calidad de los resultados obtenidos (error)</a:t>
+            <a:off x="755072" y="31027"/>
+            <a:ext cx="10515600" cy="1325563"/>
+          </a:xfrm>
+        </p:spPr>
+        <p:txBody>
+          <a:bodyPr/>
+          <a:lstStyle/>
+          <a:p>
+            <a:r>
+              <a:rPr lang="es-ES" dirty="0">
+                <a:latin typeface="Times New Roman" panose="02020603050405020304" pitchFamily="18" charset="0"/>
+                <a:cs typeface="Times New Roman" panose="02020603050405020304" pitchFamily="18" charset="0"/>
+              </a:rPr>
+              <a:t>Métodos y herramientas</a:t>
             </a:r>
           </a:p>
         </p:txBody>
       </p:sp>
       <p:pic>
         <p:nvPicPr>
-          <p:cNvPr id="5" name="Gráfico 27">
-            <a:extLst>
-              <a:ext uri="{FF2B5EF4-FFF2-40B4-BE49-F238E27FC236}">
-                <a16:creationId xmlns:a16="http://schemas.microsoft.com/office/drawing/2014/main" id="{0C91964D-C739-75A4-884C-C13723771427}"/>
+          <p:cNvPr id="17" name="Imagen 16" descr="Un letrero de color negro&#10;&#10;Descripción generada automáticamente con confianza media">
+            <a:extLst>
+              <a:ext uri="{FF2B5EF4-FFF2-40B4-BE49-F238E27FC236}">
+                <a16:creationId xmlns:a16="http://schemas.microsoft.com/office/drawing/2014/main" id="{1FB56E7C-975C-30AD-B77D-14A5E1D859B5}"/>
               </a:ext>
             </a:extLst>
           </p:cNvPr>
@@ -12289,43 +11717,32 @@
           <p:nvPr/>
         </p:nvPicPr>
         <p:blipFill rotWithShape="1">
-          <a:blip r:embed="rId2" cstate="print">
+          <a:blip r:embed="rId2">
             <a:extLst>
               <a:ext uri="{28A0092B-C50C-407E-A947-70E740481C1C}">
                 <a14:useLocalDpi xmlns:a14="http://schemas.microsoft.com/office/drawing/2010/main" val="0"/>
               </a:ext>
-              <a:ext uri="{96DAC541-7B7A-43D3-8B79-37D633B846F1}">
-                <asvg:svgBlip xmlns:asvg="http://schemas.microsoft.com/office/drawing/2016/SVG/main" r:embed="rId3"/>
-              </a:ext>
             </a:extLst>
           </a:blip>
-          <a:srcRect t="16737" b="20772"/>
+          <a:srcRect r="11533"/>
           <a:stretch/>
         </p:blipFill>
-        <p:spPr bwMode="auto">
-          <a:xfrm>
-            <a:off x="3992880" y="1358684"/>
-            <a:ext cx="4206240" cy="1374775"/>
+        <p:spPr>
+          <a:xfrm>
+            <a:off x="9760680" y="2455650"/>
+            <a:ext cx="2221107" cy="2510662"/>
           </a:xfrm>
           <a:prstGeom prst="rect">
             <a:avLst/>
           </a:prstGeom>
-          <a:ln>
-            <a:noFill/>
-          </a:ln>
-          <a:extLst>
-            <a:ext uri="{53640926-AAD7-44D8-BBD7-CCE9431645EC}">
-              <a14:shadowObscured xmlns:a14="http://schemas.microsoft.com/office/drawing/2010/main"/>
-            </a:ext>
-          </a:extLst>
         </p:spPr>
       </p:pic>
       <p:cxnSp>
         <p:nvCxnSpPr>
-          <p:cNvPr id="6" name="Conector recto 5">
-            <a:extLst>
-              <a:ext uri="{FF2B5EF4-FFF2-40B4-BE49-F238E27FC236}">
-                <a16:creationId xmlns:a16="http://schemas.microsoft.com/office/drawing/2014/main" id="{A49CC12E-2029-EE86-B3F1-9E526AF019A3}"/>
+          <p:cNvPr id="18" name="Conector recto 17">
+            <a:extLst>
+              <a:ext uri="{FF2B5EF4-FFF2-40B4-BE49-F238E27FC236}">
+                <a16:creationId xmlns:a16="http://schemas.microsoft.com/office/drawing/2014/main" id="{3E64844F-D1E6-ECEE-CE31-1295FDAAECFD}"/>
               </a:ext>
             </a:extLst>
           </p:cNvPr>
@@ -12363,10 +11780,10 @@
       </p:cxnSp>
       <p:sp>
         <p:nvSpPr>
-          <p:cNvPr id="7" name="CuadroTexto 6">
-            <a:extLst>
-              <a:ext uri="{FF2B5EF4-FFF2-40B4-BE49-F238E27FC236}">
-                <a16:creationId xmlns:a16="http://schemas.microsoft.com/office/drawing/2014/main" id="{13F9DC10-FDA4-C429-D84B-16CC1BF3A1FF}"/>
+          <p:cNvPr id="19" name="CuadroTexto 18">
+            <a:extLst>
+              <a:ext uri="{FF2B5EF4-FFF2-40B4-BE49-F238E27FC236}">
+                <a16:creationId xmlns:a16="http://schemas.microsoft.com/office/drawing/2014/main" id="{D730C5D1-C68A-0241-C51F-30339C0BF72A}"/>
               </a:ext>
             </a:extLst>
           </p:cNvPr>
@@ -12397,17 +11814,17 @@
                 <a:latin typeface="Times New Roman" panose="02020603050405020304" pitchFamily="18" charset="0"/>
                 <a:cs typeface="Times New Roman" panose="02020603050405020304" pitchFamily="18" charset="0"/>
               </a:rPr>
-              <a:t>6</a:t>
-            </a:r>
-          </a:p>
-        </p:txBody>
-      </p:sp>
-      <p:sp>
-        <p:nvSpPr>
-          <p:cNvPr id="8" name="CuadroTexto 7">
-            <a:extLst>
-              <a:ext uri="{FF2B5EF4-FFF2-40B4-BE49-F238E27FC236}">
-                <a16:creationId xmlns:a16="http://schemas.microsoft.com/office/drawing/2014/main" id="{175AE15E-534A-44AC-5D11-3133E68AE10A}"/>
+              <a:t>7</a:t>
+            </a:r>
+          </a:p>
+        </p:txBody>
+      </p:sp>
+      <p:sp>
+        <p:nvSpPr>
+          <p:cNvPr id="20" name="CuadroTexto 19">
+            <a:extLst>
+              <a:ext uri="{FF2B5EF4-FFF2-40B4-BE49-F238E27FC236}">
+                <a16:creationId xmlns:a16="http://schemas.microsoft.com/office/drawing/2014/main" id="{39C76F7C-9F00-566C-E23F-2A391A327F9C}"/>
               </a:ext>
             </a:extLst>
           </p:cNvPr>
@@ -12417,7 +11834,7 @@
         <p:spPr>
           <a:xfrm>
             <a:off x="755072" y="6366142"/>
-            <a:ext cx="2366819" cy="369332"/>
+            <a:ext cx="4518892" cy="369332"/>
           </a:xfrm>
           <a:prstGeom prst="rect">
             <a:avLst/>
@@ -12438,17 +11855,68 @@
                 <a:latin typeface="Times New Roman" panose="02020603050405020304" pitchFamily="18" charset="0"/>
                 <a:cs typeface="Times New Roman" panose="02020603050405020304" pitchFamily="18" charset="0"/>
               </a:rPr>
-              <a:t>Conceptos teóricos</a:t>
-            </a:r>
-          </a:p>
-        </p:txBody>
-      </p:sp>
-      <p:sp>
-        <p:nvSpPr>
-          <p:cNvPr id="9" name="CuadroTexto 8">
-            <a:extLst>
-              <a:ext uri="{FF2B5EF4-FFF2-40B4-BE49-F238E27FC236}">
-                <a16:creationId xmlns:a16="http://schemas.microsoft.com/office/drawing/2014/main" id="{7F8EE935-379B-2675-1AEC-54D69C9465F4}"/>
+              <a:t>Métodos y herramientas</a:t>
+            </a:r>
+          </a:p>
+        </p:txBody>
+      </p:sp>
+      <p:pic>
+        <p:nvPicPr>
+          <p:cNvPr id="9" name="Imagen 8" descr="Diagrama&#10;&#10;Descripción generada automáticamente">
+            <a:extLst>
+              <a:ext uri="{FF2B5EF4-FFF2-40B4-BE49-F238E27FC236}">
+                <a16:creationId xmlns:a16="http://schemas.microsoft.com/office/drawing/2014/main" id="{AB14A057-2DBD-1A27-2F39-27A25449208C}"/>
+              </a:ext>
+            </a:extLst>
+          </p:cNvPr>
+          <p:cNvPicPr>
+            <a:picLocks noChangeAspect="1"/>
+          </p:cNvPicPr>
+          <p:nvPr/>
+        </p:nvPicPr>
+        <p:blipFill>
+          <a:blip r:embed="rId3">
+            <a:extLst>
+              <a:ext uri="{28A0092B-C50C-407E-A947-70E740481C1C}">
+                <a14:useLocalDpi xmlns:a14="http://schemas.microsoft.com/office/drawing/2010/main" val="0"/>
+              </a:ext>
+            </a:extLst>
+          </a:blip>
+          <a:srcRect/>
+          <a:stretch>
+            <a:fillRect/>
+          </a:stretch>
+        </p:blipFill>
+        <p:spPr bwMode="auto">
+          <a:xfrm>
+            <a:off x="210213" y="1817531"/>
+            <a:ext cx="9234392" cy="3786901"/>
+          </a:xfrm>
+          <a:prstGeom prst="rect">
+            <a:avLst/>
+          </a:prstGeom>
+          <a:ln w="38100" cap="sq">
+            <a:solidFill>
+              <a:srgbClr val="000000"/>
+            </a:solidFill>
+            <a:prstDash val="solid"/>
+            <a:miter lim="800000"/>
+          </a:ln>
+          <a:effectLst>
+            <a:outerShdw blurRad="50800" dist="38100" dir="2700000" algn="tl" rotWithShape="0">
+              <a:srgbClr val="000000">
+                <a:alpha val="43000"/>
+              </a:srgbClr>
+            </a:outerShdw>
+          </a:effectLst>
+        </p:spPr>
+      </p:pic>
+      <p:sp>
+        <p:nvSpPr>
+          <p:cNvPr id="4" name="CuadroTexto 3">
+            <a:extLst>
+              <a:ext uri="{FF2B5EF4-FFF2-40B4-BE49-F238E27FC236}">
+                <a16:creationId xmlns:a16="http://schemas.microsoft.com/office/drawing/2014/main" id="{153DC0F9-BE5B-ECF1-86F4-A4191B1C14AB}"/>
               </a:ext>
             </a:extLst>
           </p:cNvPr>
@@ -12457,8 +11925,8 @@
         </p:nvSpPr>
         <p:spPr>
           <a:xfrm>
-            <a:off x="838199" y="503381"/>
-            <a:ext cx="3075709" cy="954107"/>
+            <a:off x="2852559" y="5696041"/>
+            <a:ext cx="3949700" cy="369332"/>
           </a:xfrm>
           <a:prstGeom prst="rect">
             <a:avLst/>
@@ -12471,6 +11939,69 @@
           </a:bodyPr>
           <a:lstStyle/>
           <a:p>
+            <a:r>
+              <a:rPr lang="es-ES" b="1" dirty="0">
+                <a:latin typeface="Times New Roman" panose="02020603050405020304" pitchFamily="18" charset="0"/>
+                <a:cs typeface="Times New Roman" panose="02020603050405020304" pitchFamily="18" charset="0"/>
+              </a:rPr>
+              <a:t>Design Science </a:t>
+            </a:r>
+            <a:r>
+              <a:rPr lang="es-ES" b="1" dirty="0" err="1">
+                <a:latin typeface="Times New Roman" panose="02020603050405020304" pitchFamily="18" charset="0"/>
+                <a:cs typeface="Times New Roman" panose="02020603050405020304" pitchFamily="18" charset="0"/>
+              </a:rPr>
+              <a:t>Research</a:t>
+            </a:r>
+            <a:r>
+              <a:rPr lang="es-ES" b="1" dirty="0">
+                <a:latin typeface="Times New Roman" panose="02020603050405020304" pitchFamily="18" charset="0"/>
+                <a:cs typeface="Times New Roman" panose="02020603050405020304" pitchFamily="18" charset="0"/>
+              </a:rPr>
+              <a:t> </a:t>
+            </a:r>
+            <a:r>
+              <a:rPr lang="es-ES" b="1" dirty="0" err="1">
+                <a:latin typeface="Times New Roman" panose="02020603050405020304" pitchFamily="18" charset="0"/>
+                <a:cs typeface="Times New Roman" panose="02020603050405020304" pitchFamily="18" charset="0"/>
+              </a:rPr>
+              <a:t>Methodology</a:t>
+            </a:r>
+            <a:endParaRPr lang="es-ES" b="1" dirty="0">
+              <a:latin typeface="Times New Roman" panose="02020603050405020304" pitchFamily="18" charset="0"/>
+              <a:cs typeface="Times New Roman" panose="02020603050405020304" pitchFamily="18" charset="0"/>
+            </a:endParaRPr>
+          </a:p>
+        </p:txBody>
+      </p:sp>
+      <p:sp>
+        <p:nvSpPr>
+          <p:cNvPr id="5" name="CuadroTexto 4">
+            <a:extLst>
+              <a:ext uri="{FF2B5EF4-FFF2-40B4-BE49-F238E27FC236}">
+                <a16:creationId xmlns:a16="http://schemas.microsoft.com/office/drawing/2014/main" id="{B1BFE5BB-9BDB-AC9A-37DD-6464F49C357B}"/>
+              </a:ext>
+            </a:extLst>
+          </p:cNvPr>
+          <p:cNvSpPr txBox="1"/>
+          <p:nvPr/>
+        </p:nvSpPr>
+        <p:spPr>
+          <a:xfrm>
+            <a:off x="838199" y="1103231"/>
+            <a:ext cx="3075709" cy="954107"/>
+          </a:xfrm>
+          <a:prstGeom prst="rect">
+            <a:avLst/>
+          </a:prstGeom>
+          <a:noFill/>
+        </p:spPr>
+        <p:txBody>
+          <a:bodyPr wrap="square" rtlCol="0">
+            <a:spAutoFit/>
+          </a:bodyPr>
+          <a:lstStyle/>
+          <a:p>
             <a:pPr marL="285753" indent="-285753">
               <a:buFont typeface="Arial" panose="020B0604020202020204" pitchFamily="34" charset="0"/>
               <a:buChar char="•"/>
@@ -12480,7 +12011,7 @@
                 <a:latin typeface="Times New Roman" panose="02020603050405020304" pitchFamily="18" charset="0"/>
                 <a:cs typeface="Times New Roman" panose="02020603050405020304" pitchFamily="18" charset="0"/>
               </a:rPr>
-              <a:t>Red neuronal</a:t>
+              <a:t>Metodologías</a:t>
             </a:r>
           </a:p>
           <a:p>
@@ -12491,7 +12022,7 @@
     </p:spTree>
     <p:extLst>
       <p:ext uri="{BB962C8B-B14F-4D97-AF65-F5344CB8AC3E}">
-        <p14:creationId xmlns:p14="http://schemas.microsoft.com/office/powerpoint/2010/main" val="3763594052"/>
+        <p14:creationId xmlns:p14="http://schemas.microsoft.com/office/powerpoint/2010/main" val="3400125560"/>
       </p:ext>
     </p:extLst>
   </p:cSld>
@@ -12518,48 +12049,47 @@
           <a:chExt cx="0" cy="0"/>
         </a:xfrm>
       </p:grpSpPr>
-      <p:sp>
-        <p:nvSpPr>
-          <p:cNvPr id="2" name="Título 1">
-            <a:extLst>
-              <a:ext uri="{FF2B5EF4-FFF2-40B4-BE49-F238E27FC236}">
-                <a16:creationId xmlns:a16="http://schemas.microsoft.com/office/drawing/2014/main" id="{2D845FAF-10D9-A2BF-C13C-04B0B1C734F8}"/>
-              </a:ext>
-            </a:extLst>
-          </p:cNvPr>
-          <p:cNvSpPr>
-            <a:spLocks noGrp="1"/>
-          </p:cNvSpPr>
-          <p:nvPr>
-            <p:ph type="title"/>
-          </p:nvPr>
-        </p:nvSpPr>
-        <p:spPr>
-          <a:xfrm>
-            <a:off x="755072" y="31027"/>
-            <a:ext cx="10515600" cy="1325563"/>
-          </a:xfrm>
-        </p:spPr>
-        <p:txBody>
-          <a:bodyPr/>
-          <a:lstStyle/>
-          <a:p>
-            <a:r>
-              <a:rPr lang="es-ES" dirty="0">
-                <a:latin typeface="Times New Roman" panose="02020603050405020304" pitchFamily="18" charset="0"/>
-                <a:cs typeface="Times New Roman" panose="02020603050405020304" pitchFamily="18" charset="0"/>
-              </a:rPr>
-              <a:t>Métodos y herramientas</a:t>
-            </a:r>
-          </a:p>
-        </p:txBody>
-      </p:sp>
       <p:pic>
         <p:nvPicPr>
-          <p:cNvPr id="17" name="Imagen 16" descr="Un letrero de color negro&#10;&#10;Descripción generada automáticamente con confianza media">
-            <a:extLst>
-              <a:ext uri="{FF2B5EF4-FFF2-40B4-BE49-F238E27FC236}">
-                <a16:creationId xmlns:a16="http://schemas.microsoft.com/office/drawing/2014/main" id="{1FB56E7C-975C-30AD-B77D-14A5E1D859B5}"/>
+          <p:cNvPr id="5" name="Marcador de contenido 4" descr="Imagen que contiene plato, tren, taza, alimentos&#10;&#10;Descripción generada automáticamente">
+            <a:extLst>
+              <a:ext uri="{FF2B5EF4-FFF2-40B4-BE49-F238E27FC236}">
+                <a16:creationId xmlns:a16="http://schemas.microsoft.com/office/drawing/2014/main" id="{D44144E4-03C9-BBD3-49CF-298BDB671481}"/>
+              </a:ext>
+            </a:extLst>
+          </p:cNvPr>
+          <p:cNvPicPr>
+            <a:picLocks noGrp="1" noChangeAspect="1"/>
+          </p:cNvPicPr>
+          <p:nvPr>
+            <p:ph idx="1"/>
+          </p:nvPr>
+        </p:nvPicPr>
+        <p:blipFill>
+          <a:blip r:embed="rId2">
+            <a:extLst>
+              <a:ext uri="{28A0092B-C50C-407E-A947-70E740481C1C}">
+                <a14:useLocalDpi xmlns:a14="http://schemas.microsoft.com/office/drawing/2010/main" val="0"/>
+              </a:ext>
+            </a:extLst>
+          </a:blip>
+          <a:stretch>
+            <a:fillRect/>
+          </a:stretch>
+        </p:blipFill>
+        <p:spPr>
+          <a:xfrm>
+            <a:off x="6096000" y="2023319"/>
+            <a:ext cx="4734154" cy="1325563"/>
+          </a:xfrm>
+        </p:spPr>
+      </p:pic>
+      <p:pic>
+        <p:nvPicPr>
+          <p:cNvPr id="16" name="Imagen 15" descr="Imagen que contiene señal, dibujo&#10;&#10;Descripción generada automáticamente">
+            <a:extLst>
+              <a:ext uri="{FF2B5EF4-FFF2-40B4-BE49-F238E27FC236}">
+                <a16:creationId xmlns:a16="http://schemas.microsoft.com/office/drawing/2014/main" id="{8A4DD52D-2C94-21FC-40AB-965F3EF0758C}"/>
               </a:ext>
             </a:extLst>
           </p:cNvPr>
@@ -12568,21 +12098,22 @@
           </p:cNvPicPr>
           <p:nvPr/>
         </p:nvPicPr>
-        <p:blipFill rotWithShape="1">
-          <a:blip r:embed="rId2">
+        <p:blipFill>
+          <a:blip r:embed="rId3">
             <a:extLst>
               <a:ext uri="{28A0092B-C50C-407E-A947-70E740481C1C}">
                 <a14:useLocalDpi xmlns:a14="http://schemas.microsoft.com/office/drawing/2010/main" val="0"/>
               </a:ext>
             </a:extLst>
           </a:blip>
-          <a:srcRect r="11533"/>
-          <a:stretch/>
+          <a:stretch>
+            <a:fillRect/>
+          </a:stretch>
         </p:blipFill>
         <p:spPr>
           <a:xfrm>
-            <a:off x="9760680" y="2455650"/>
-            <a:ext cx="2221107" cy="2510662"/>
+            <a:off x="2152385" y="1712233"/>
+            <a:ext cx="1724266" cy="1933845"/>
           </a:xfrm>
           <a:prstGeom prst="rect">
             <a:avLst/>
@@ -12591,10 +12122,10 @@
       </p:pic>
       <p:cxnSp>
         <p:nvCxnSpPr>
-          <p:cNvPr id="18" name="Conector recto 17">
-            <a:extLst>
-              <a:ext uri="{FF2B5EF4-FFF2-40B4-BE49-F238E27FC236}">
-                <a16:creationId xmlns:a16="http://schemas.microsoft.com/office/drawing/2014/main" id="{3E64844F-D1E6-ECEE-CE31-1295FDAAECFD}"/>
+          <p:cNvPr id="17" name="Conector recto 16">
+            <a:extLst>
+              <a:ext uri="{FF2B5EF4-FFF2-40B4-BE49-F238E27FC236}">
+                <a16:creationId xmlns:a16="http://schemas.microsoft.com/office/drawing/2014/main" id="{1B51D1C6-EC09-7EB4-D54B-89E2C5DA5129}"/>
               </a:ext>
             </a:extLst>
           </p:cNvPr>
@@ -12632,10 +12163,10 @@
       </p:cxnSp>
       <p:sp>
         <p:nvSpPr>
-          <p:cNvPr id="19" name="CuadroTexto 18">
-            <a:extLst>
-              <a:ext uri="{FF2B5EF4-FFF2-40B4-BE49-F238E27FC236}">
-                <a16:creationId xmlns:a16="http://schemas.microsoft.com/office/drawing/2014/main" id="{D730C5D1-C68A-0241-C51F-30339C0BF72A}"/>
+          <p:cNvPr id="18" name="CuadroTexto 17">
+            <a:extLst>
+              <a:ext uri="{FF2B5EF4-FFF2-40B4-BE49-F238E27FC236}">
+                <a16:creationId xmlns:a16="http://schemas.microsoft.com/office/drawing/2014/main" id="{0759037C-D4F3-555E-7866-216EC106842A}"/>
               </a:ext>
             </a:extLst>
           </p:cNvPr>
@@ -12666,17 +12197,17 @@
                 <a:latin typeface="Times New Roman" panose="02020603050405020304" pitchFamily="18" charset="0"/>
                 <a:cs typeface="Times New Roman" panose="02020603050405020304" pitchFamily="18" charset="0"/>
               </a:rPr>
-              <a:t>7</a:t>
-            </a:r>
-          </a:p>
-        </p:txBody>
-      </p:sp>
-      <p:sp>
-        <p:nvSpPr>
-          <p:cNvPr id="20" name="CuadroTexto 19">
-            <a:extLst>
-              <a:ext uri="{FF2B5EF4-FFF2-40B4-BE49-F238E27FC236}">
-                <a16:creationId xmlns:a16="http://schemas.microsoft.com/office/drawing/2014/main" id="{39C76F7C-9F00-566C-E23F-2A391A327F9C}"/>
+              <a:t>8</a:t>
+            </a:r>
+          </a:p>
+        </p:txBody>
+      </p:sp>
+      <p:sp>
+        <p:nvSpPr>
+          <p:cNvPr id="19" name="CuadroTexto 18">
+            <a:extLst>
+              <a:ext uri="{FF2B5EF4-FFF2-40B4-BE49-F238E27FC236}">
+                <a16:creationId xmlns:a16="http://schemas.microsoft.com/office/drawing/2014/main" id="{BB61D424-2C02-C6A9-EA16-08CC5D179E31}"/>
               </a:ext>
             </a:extLst>
           </p:cNvPr>
@@ -12712,63 +12243,12 @@
           </a:p>
         </p:txBody>
       </p:sp>
-      <p:pic>
-        <p:nvPicPr>
-          <p:cNvPr id="9" name="Imagen 8" descr="Diagrama&#10;&#10;Descripción generada automáticamente">
-            <a:extLst>
-              <a:ext uri="{FF2B5EF4-FFF2-40B4-BE49-F238E27FC236}">
-                <a16:creationId xmlns:a16="http://schemas.microsoft.com/office/drawing/2014/main" id="{AB14A057-2DBD-1A27-2F39-27A25449208C}"/>
-              </a:ext>
-            </a:extLst>
-          </p:cNvPr>
-          <p:cNvPicPr>
-            <a:picLocks noChangeAspect="1"/>
-          </p:cNvPicPr>
-          <p:nvPr/>
-        </p:nvPicPr>
-        <p:blipFill>
-          <a:blip r:embed="rId3">
-            <a:extLst>
-              <a:ext uri="{28A0092B-C50C-407E-A947-70E740481C1C}">
-                <a14:useLocalDpi xmlns:a14="http://schemas.microsoft.com/office/drawing/2010/main" val="0"/>
-              </a:ext>
-            </a:extLst>
-          </a:blip>
-          <a:srcRect/>
-          <a:stretch>
-            <a:fillRect/>
-          </a:stretch>
-        </p:blipFill>
-        <p:spPr bwMode="auto">
-          <a:xfrm>
-            <a:off x="210213" y="1817531"/>
-            <a:ext cx="9234392" cy="3786901"/>
-          </a:xfrm>
-          <a:prstGeom prst="rect">
-            <a:avLst/>
-          </a:prstGeom>
-          <a:ln w="38100" cap="sq">
-            <a:solidFill>
-              <a:srgbClr val="000000"/>
-            </a:solidFill>
-            <a:prstDash val="solid"/>
-            <a:miter lim="800000"/>
-          </a:ln>
-          <a:effectLst>
-            <a:outerShdw blurRad="50800" dist="38100" dir="2700000" algn="tl" rotWithShape="0">
-              <a:srgbClr val="000000">
-                <a:alpha val="43000"/>
-              </a:srgbClr>
-            </a:outerShdw>
-          </a:effectLst>
-        </p:spPr>
-      </p:pic>
-      <p:sp>
-        <p:nvSpPr>
-          <p:cNvPr id="4" name="CuadroTexto 3">
-            <a:extLst>
-              <a:ext uri="{FF2B5EF4-FFF2-40B4-BE49-F238E27FC236}">
-                <a16:creationId xmlns:a16="http://schemas.microsoft.com/office/drawing/2014/main" id="{153DC0F9-BE5B-ECF1-86F4-A4191B1C14AB}"/>
+      <p:sp>
+        <p:nvSpPr>
+          <p:cNvPr id="9" name="CuadroTexto 8">
+            <a:extLst>
+              <a:ext uri="{FF2B5EF4-FFF2-40B4-BE49-F238E27FC236}">
+                <a16:creationId xmlns:a16="http://schemas.microsoft.com/office/drawing/2014/main" id="{AD2B5BFF-F3E3-E75F-705B-BA9B5CC5883E}"/>
               </a:ext>
             </a:extLst>
           </p:cNvPr>
@@ -12777,8 +12257,8 @@
         </p:nvSpPr>
         <p:spPr>
           <a:xfrm>
-            <a:off x="2852559" y="5696041"/>
-            <a:ext cx="3949700" cy="369332"/>
+            <a:off x="838199" y="758126"/>
+            <a:ext cx="4972051" cy="954107"/>
           </a:xfrm>
           <a:prstGeom prst="rect">
             <a:avLst/>
@@ -12791,47 +12271,29 @@
           </a:bodyPr>
           <a:lstStyle/>
           <a:p>
-            <a:r>
-              <a:rPr lang="es-ES" b="1" dirty="0">
-                <a:latin typeface="Times New Roman" panose="02020603050405020304" pitchFamily="18" charset="0"/>
-                <a:cs typeface="Times New Roman" panose="02020603050405020304" pitchFamily="18" charset="0"/>
-              </a:rPr>
-              <a:t>Design Science </a:t>
-            </a:r>
-            <a:r>
-              <a:rPr lang="es-ES" b="1" dirty="0" err="1">
-                <a:latin typeface="Times New Roman" panose="02020603050405020304" pitchFamily="18" charset="0"/>
-                <a:cs typeface="Times New Roman" panose="02020603050405020304" pitchFamily="18" charset="0"/>
-              </a:rPr>
-              <a:t>Research</a:t>
-            </a:r>
-            <a:r>
-              <a:rPr lang="es-ES" b="1" dirty="0">
-                <a:latin typeface="Times New Roman" panose="02020603050405020304" pitchFamily="18" charset="0"/>
-                <a:cs typeface="Times New Roman" panose="02020603050405020304" pitchFamily="18" charset="0"/>
-              </a:rPr>
-              <a:t> </a:t>
-            </a:r>
-            <a:r>
-              <a:rPr lang="es-ES" b="1" dirty="0" err="1">
-                <a:latin typeface="Times New Roman" panose="02020603050405020304" pitchFamily="18" charset="0"/>
-                <a:cs typeface="Times New Roman" panose="02020603050405020304" pitchFamily="18" charset="0"/>
-              </a:rPr>
-              <a:t>Methodology</a:t>
-            </a:r>
-            <a:endParaRPr lang="es-ES" b="1" dirty="0">
-              <a:latin typeface="Times New Roman" panose="02020603050405020304" pitchFamily="18" charset="0"/>
-              <a:cs typeface="Times New Roman" panose="02020603050405020304" pitchFamily="18" charset="0"/>
-            </a:endParaRPr>
-          </a:p>
-        </p:txBody>
-      </p:sp>
-      <p:sp>
-        <p:nvSpPr>
-          <p:cNvPr id="5" name="CuadroTexto 4">
-            <a:extLst>
-              <a:ext uri="{FF2B5EF4-FFF2-40B4-BE49-F238E27FC236}">
-                <a16:creationId xmlns:a16="http://schemas.microsoft.com/office/drawing/2014/main" id="{B1BFE5BB-9BDB-AC9A-37DD-6464F49C357B}"/>
+            <a:pPr marL="285753" indent="-285753">
+              <a:buFont typeface="Arial" panose="020B0604020202020204" pitchFamily="34" charset="0"/>
+              <a:buChar char="•"/>
+            </a:pPr>
+            <a:r>
+              <a:rPr lang="es-ES" sz="2800" u="sng" dirty="0">
+                <a:latin typeface="Times New Roman" panose="02020603050405020304" pitchFamily="18" charset="0"/>
+                <a:cs typeface="Times New Roman" panose="02020603050405020304" pitchFamily="18" charset="0"/>
+              </a:rPr>
+              <a:t>Herramientas (red neuronal)</a:t>
+            </a:r>
+          </a:p>
+          <a:p>
+            <a:endParaRPr lang="es-ES" sz="2800" dirty="0"/>
+          </a:p>
+        </p:txBody>
+      </p:sp>
+      <p:sp>
+        <p:nvSpPr>
+          <p:cNvPr id="2" name="CuadroTexto 1">
+            <a:extLst>
+              <a:ext uri="{FF2B5EF4-FFF2-40B4-BE49-F238E27FC236}">
+                <a16:creationId xmlns:a16="http://schemas.microsoft.com/office/drawing/2014/main" id="{0C616354-3BEB-F4A0-544B-C1A1691F6C64}"/>
               </a:ext>
             </a:extLst>
           </p:cNvPr>
@@ -12840,8 +12302,8 @@
         </p:nvSpPr>
         <p:spPr>
           <a:xfrm>
-            <a:off x="838199" y="1103231"/>
-            <a:ext cx="3075709" cy="954107"/>
+            <a:off x="838199" y="4089944"/>
+            <a:ext cx="10378354" cy="1569660"/>
           </a:xfrm>
           <a:prstGeom prst="rect">
             <a:avLst/>
@@ -12859,22 +12321,63 @@
               <a:buChar char="•"/>
             </a:pPr>
             <a:r>
-              <a:rPr lang="es-ES" sz="2800" u="sng" dirty="0">
-                <a:latin typeface="Times New Roman" panose="02020603050405020304" pitchFamily="18" charset="0"/>
-                <a:cs typeface="Times New Roman" panose="02020603050405020304" pitchFamily="18" charset="0"/>
-              </a:rPr>
-              <a:t>Metodologías</a:t>
-            </a:r>
-          </a:p>
-          <a:p>
-            <a:endParaRPr lang="es-ES" sz="2800" dirty="0"/>
+              <a:rPr lang="es-ES" sz="2400" dirty="0" err="1">
+                <a:latin typeface="Times New Roman" panose="02020603050405020304" pitchFamily="18" charset="0"/>
+                <a:cs typeface="Times New Roman" panose="02020603050405020304" pitchFamily="18" charset="0"/>
+              </a:rPr>
+              <a:t>OpenNN</a:t>
+            </a:r>
+            <a:r>
+              <a:rPr lang="es-ES" sz="2400" dirty="0">
+                <a:latin typeface="Times New Roman" panose="02020603050405020304" pitchFamily="18" charset="0"/>
+                <a:cs typeface="Times New Roman" panose="02020603050405020304" pitchFamily="18" charset="0"/>
+              </a:rPr>
+              <a:t> es una biblioteca de código abierto que permite construir modelos a partir de redes neuronales en C++</a:t>
+            </a:r>
+          </a:p>
+          <a:p>
+            <a:pPr marL="285753" indent="-285753">
+              <a:buFont typeface="Arial" panose="020B0604020202020204" pitchFamily="34" charset="0"/>
+              <a:buChar char="•"/>
+            </a:pPr>
+            <a:r>
+              <a:rPr lang="es-ES" sz="2400" dirty="0">
+                <a:latin typeface="Times New Roman" panose="02020603050405020304" pitchFamily="18" charset="0"/>
+                <a:cs typeface="Times New Roman" panose="02020603050405020304" pitchFamily="18" charset="0"/>
+              </a:rPr>
+              <a:t>Diferentes tipos de problemas: aproximación, clasificación, predicción</a:t>
+            </a:r>
+          </a:p>
+          <a:p>
+            <a:pPr marL="285753" indent="-285753">
+              <a:buFont typeface="Arial" panose="020B0604020202020204" pitchFamily="34" charset="0"/>
+              <a:buChar char="•"/>
+            </a:pPr>
+            <a:r>
+              <a:rPr lang="es-ES" sz="2400" dirty="0">
+                <a:latin typeface="Times New Roman" panose="02020603050405020304" pitchFamily="18" charset="0"/>
+                <a:cs typeface="Times New Roman" panose="02020603050405020304" pitchFamily="18" charset="0"/>
+              </a:rPr>
+              <a:t>Similar a bibliotecas de Python como </a:t>
+            </a:r>
+            <a:r>
+              <a:rPr lang="es-ES" sz="2400" dirty="0" err="1">
+                <a:latin typeface="Times New Roman" panose="02020603050405020304" pitchFamily="18" charset="0"/>
+                <a:cs typeface="Times New Roman" panose="02020603050405020304" pitchFamily="18" charset="0"/>
+              </a:rPr>
+              <a:t>TensorFlow</a:t>
+            </a:r>
+            <a:endParaRPr lang="es-ES" sz="2400" dirty="0">
+              <a:latin typeface="Times New Roman" panose="02020603050405020304" pitchFamily="18" charset="0"/>
+              <a:cs typeface="Times New Roman" panose="02020603050405020304" pitchFamily="18" charset="0"/>
+            </a:endParaRPr>
           </a:p>
         </p:txBody>
       </p:sp>
     </p:spTree>
     <p:extLst>
       <p:ext uri="{BB962C8B-B14F-4D97-AF65-F5344CB8AC3E}">
-        <p14:creationId xmlns:p14="http://schemas.microsoft.com/office/powerpoint/2010/main" val="3400125560"/>
+        <p14:creationId xmlns:p14="http://schemas.microsoft.com/office/powerpoint/2010/main" val="2245884287"/>
       </p:ext>
     </p:extLst>
   </p:cSld>

--- a/PresentacionTFG.pptx
+++ b/PresentacionTFG.pptx
@@ -23,12 +23,13 @@
     <p:sldId id="268" r:id="rId17"/>
     <p:sldId id="270" r:id="rId18"/>
     <p:sldId id="271" r:id="rId19"/>
-    <p:sldId id="272" r:id="rId20"/>
-    <p:sldId id="273" r:id="rId21"/>
-    <p:sldId id="279" r:id="rId22"/>
-    <p:sldId id="280" r:id="rId23"/>
-    <p:sldId id="274" r:id="rId24"/>
-    <p:sldId id="275" r:id="rId25"/>
+    <p:sldId id="281" r:id="rId20"/>
+    <p:sldId id="272" r:id="rId21"/>
+    <p:sldId id="273" r:id="rId22"/>
+    <p:sldId id="279" r:id="rId23"/>
+    <p:sldId id="280" r:id="rId24"/>
+    <p:sldId id="274" r:id="rId25"/>
+    <p:sldId id="275" r:id="rId26"/>
   </p:sldIdLst>
   <p:sldSz cx="12192000" cy="6858000"/>
   <p:notesSz cx="6858000" cy="9144000"/>
@@ -7177,6 +7178,258 @@
 </file>
 
 <file path=ppt/slides/slide19.xml><?xml version="1.0" encoding="utf-8"?>
+<p:sld xmlns:a="http://schemas.openxmlformats.org/drawingml/2006/main" xmlns:r="http://schemas.openxmlformats.org/officeDocument/2006/relationships" xmlns:p="http://schemas.openxmlformats.org/presentationml/2006/main">
+  <p:cSld>
+    <p:spTree>
+      <p:nvGrpSpPr>
+        <p:cNvPr id="1" name=""/>
+        <p:cNvGrpSpPr/>
+        <p:nvPr/>
+      </p:nvGrpSpPr>
+      <p:grpSpPr>
+        <a:xfrm>
+          <a:off x="0" y="0"/>
+          <a:ext cx="0" cy="0"/>
+          <a:chOff x="0" y="0"/>
+          <a:chExt cx="0" cy="0"/>
+        </a:xfrm>
+      </p:grpSpPr>
+      <p:sp>
+        <p:nvSpPr>
+          <p:cNvPr id="4" name="Título 1">
+            <a:extLst>
+              <a:ext uri="{FF2B5EF4-FFF2-40B4-BE49-F238E27FC236}">
+                <a16:creationId xmlns:a16="http://schemas.microsoft.com/office/drawing/2014/main" id="{360D8EF6-7F64-95C7-4AE8-2E61383D23BE}"/>
+              </a:ext>
+            </a:extLst>
+          </p:cNvPr>
+          <p:cNvSpPr>
+            <a:spLocks noGrp="1"/>
+          </p:cNvSpPr>
+          <p:nvPr>
+            <p:ph type="title"/>
+          </p:nvPr>
+        </p:nvSpPr>
+        <p:spPr>
+          <a:xfrm>
+            <a:off x="838200" y="365125"/>
+            <a:ext cx="10515600" cy="1325563"/>
+          </a:xfrm>
+        </p:spPr>
+        <p:txBody>
+          <a:bodyPr/>
+          <a:lstStyle/>
+          <a:p>
+            <a:r>
+              <a:rPr lang="es-ES" dirty="0">
+                <a:latin typeface="Times New Roman" panose="02020603050405020304" pitchFamily="18" charset="0"/>
+                <a:cs typeface="Times New Roman" panose="02020603050405020304" pitchFamily="18" charset="0"/>
+              </a:rPr>
+              <a:t>Demostración</a:t>
+            </a:r>
+          </a:p>
+        </p:txBody>
+      </p:sp>
+    </p:spTree>
+    <p:extLst>
+      <p:ext uri="{BB962C8B-B14F-4D97-AF65-F5344CB8AC3E}">
+        <p14:creationId xmlns:p14="http://schemas.microsoft.com/office/powerpoint/2010/main" val="1279216782"/>
+      </p:ext>
+    </p:extLst>
+  </p:cSld>
+  <p:clrMapOvr>
+    <a:masterClrMapping/>
+  </p:clrMapOvr>
+</p:sld>
+</file>
+
+<file path=ppt/slides/slide2.xml><?xml version="1.0" encoding="utf-8"?>
+<p:sld xmlns:a="http://schemas.openxmlformats.org/drawingml/2006/main" xmlns:r="http://schemas.openxmlformats.org/officeDocument/2006/relationships" xmlns:p="http://schemas.openxmlformats.org/presentationml/2006/main">
+  <p:cSld>
+    <p:spTree>
+      <p:nvGrpSpPr>
+        <p:cNvPr id="1" name=""/>
+        <p:cNvGrpSpPr/>
+        <p:nvPr/>
+      </p:nvGrpSpPr>
+      <p:grpSpPr>
+        <a:xfrm>
+          <a:off x="0" y="0"/>
+          <a:ext cx="0" cy="0"/>
+          <a:chOff x="0" y="0"/>
+          <a:chExt cx="0" cy="0"/>
+        </a:xfrm>
+      </p:grpSpPr>
+      <p:sp>
+        <p:nvSpPr>
+          <p:cNvPr id="2" name="Título 1">
+            <a:extLst>
+              <a:ext uri="{FF2B5EF4-FFF2-40B4-BE49-F238E27FC236}">
+                <a16:creationId xmlns:a16="http://schemas.microsoft.com/office/drawing/2014/main" id="{4C970D07-46F1-F92A-ED4F-D63017B7CC69}"/>
+              </a:ext>
+            </a:extLst>
+          </p:cNvPr>
+          <p:cNvSpPr>
+            <a:spLocks noGrp="1"/>
+          </p:cNvSpPr>
+          <p:nvPr>
+            <p:ph type="title"/>
+          </p:nvPr>
+        </p:nvSpPr>
+        <p:spPr/>
+        <p:txBody>
+          <a:bodyPr/>
+          <a:lstStyle/>
+          <a:p>
+            <a:r>
+              <a:rPr lang="es-ES" dirty="0">
+                <a:latin typeface="Times New Roman" panose="02020603050405020304" pitchFamily="18" charset="0"/>
+                <a:cs typeface="Times New Roman" panose="02020603050405020304" pitchFamily="18" charset="0"/>
+              </a:rPr>
+              <a:t>Índice</a:t>
+            </a:r>
+          </a:p>
+        </p:txBody>
+      </p:sp>
+      <p:sp>
+        <p:nvSpPr>
+          <p:cNvPr id="3" name="Marcador de contenido 2">
+            <a:extLst>
+              <a:ext uri="{FF2B5EF4-FFF2-40B4-BE49-F238E27FC236}">
+                <a16:creationId xmlns:a16="http://schemas.microsoft.com/office/drawing/2014/main" id="{282E2871-CB4A-AD25-108E-CCF80BD45730}"/>
+              </a:ext>
+            </a:extLst>
+          </p:cNvPr>
+          <p:cNvSpPr>
+            <a:spLocks noGrp="1"/>
+          </p:cNvSpPr>
+          <p:nvPr>
+            <p:ph idx="1"/>
+          </p:nvPr>
+        </p:nvSpPr>
+        <p:spPr>
+          <a:xfrm>
+            <a:off x="1653311" y="1690688"/>
+            <a:ext cx="9864436" cy="4351338"/>
+          </a:xfrm>
+        </p:spPr>
+        <p:txBody>
+          <a:bodyPr>
+            <a:normAutofit/>
+          </a:bodyPr>
+          <a:lstStyle/>
+          <a:p>
+            <a:pPr marL="514356" indent="-514356">
+              <a:buAutoNum type="arabicPeriod"/>
+            </a:pPr>
+            <a:r>
+              <a:rPr lang="es-ES" dirty="0">
+                <a:latin typeface="Times New Roman" panose="02020603050405020304" pitchFamily="18" charset="0"/>
+                <a:cs typeface="Times New Roman" panose="02020603050405020304" pitchFamily="18" charset="0"/>
+              </a:rPr>
+              <a:t>Introducción</a:t>
+            </a:r>
+          </a:p>
+          <a:p>
+            <a:pPr marL="514356" indent="-514356">
+              <a:buAutoNum type="arabicPeriod"/>
+            </a:pPr>
+            <a:r>
+              <a:rPr lang="es-ES" dirty="0">
+                <a:latin typeface="Times New Roman" panose="02020603050405020304" pitchFamily="18" charset="0"/>
+                <a:cs typeface="Times New Roman" panose="02020603050405020304" pitchFamily="18" charset="0"/>
+              </a:rPr>
+              <a:t>Objetivos</a:t>
+            </a:r>
+          </a:p>
+          <a:p>
+            <a:pPr marL="514356" indent="-514356">
+              <a:buAutoNum type="arabicPeriod"/>
+            </a:pPr>
+            <a:r>
+              <a:rPr lang="es-ES" dirty="0">
+                <a:latin typeface="Times New Roman" panose="02020603050405020304" pitchFamily="18" charset="0"/>
+                <a:cs typeface="Times New Roman" panose="02020603050405020304" pitchFamily="18" charset="0"/>
+              </a:rPr>
+              <a:t>Conceptos teóricos</a:t>
+            </a:r>
+          </a:p>
+          <a:p>
+            <a:pPr marL="514356" indent="-514356">
+              <a:buAutoNum type="arabicPeriod"/>
+            </a:pPr>
+            <a:r>
+              <a:rPr lang="es-ES" dirty="0">
+                <a:latin typeface="Times New Roman" panose="02020603050405020304" pitchFamily="18" charset="0"/>
+                <a:cs typeface="Times New Roman" panose="02020603050405020304" pitchFamily="18" charset="0"/>
+              </a:rPr>
+              <a:t>Métodos y herramientas</a:t>
+            </a:r>
+          </a:p>
+          <a:p>
+            <a:pPr marL="514356" indent="-514356">
+              <a:buAutoNum type="arabicPeriod"/>
+            </a:pPr>
+            <a:r>
+              <a:rPr lang="es-ES" dirty="0">
+                <a:latin typeface="Times New Roman" panose="02020603050405020304" pitchFamily="18" charset="0"/>
+                <a:cs typeface="Times New Roman" panose="02020603050405020304" pitchFamily="18" charset="0"/>
+              </a:rPr>
+              <a:t>Aspectos relevantes</a:t>
+            </a:r>
+          </a:p>
+          <a:p>
+            <a:pPr marL="514356" indent="-514356">
+              <a:buAutoNum type="arabicPeriod"/>
+            </a:pPr>
+            <a:r>
+              <a:rPr lang="es-ES" dirty="0">
+                <a:latin typeface="Times New Roman" panose="02020603050405020304" pitchFamily="18" charset="0"/>
+                <a:cs typeface="Times New Roman" panose="02020603050405020304" pitchFamily="18" charset="0"/>
+              </a:rPr>
+              <a:t>Demostración</a:t>
+            </a:r>
+          </a:p>
+          <a:p>
+            <a:pPr marL="514356" indent="-514356">
+              <a:buAutoNum type="arabicPeriod"/>
+            </a:pPr>
+            <a:r>
+              <a:rPr lang="es-ES" dirty="0">
+                <a:latin typeface="Times New Roman" panose="02020603050405020304" pitchFamily="18" charset="0"/>
+                <a:cs typeface="Times New Roman" panose="02020603050405020304" pitchFamily="18" charset="0"/>
+              </a:rPr>
+              <a:t>Resultados</a:t>
+            </a:r>
+          </a:p>
+          <a:p>
+            <a:pPr marL="514356" indent="-514356">
+              <a:buAutoNum type="arabicPeriod"/>
+            </a:pPr>
+            <a:r>
+              <a:rPr lang="es-ES" dirty="0">
+                <a:latin typeface="Times New Roman" panose="02020603050405020304" pitchFamily="18" charset="0"/>
+                <a:cs typeface="Times New Roman" panose="02020603050405020304" pitchFamily="18" charset="0"/>
+              </a:rPr>
+              <a:t>Conclusiones</a:t>
+            </a:r>
+          </a:p>
+        </p:txBody>
+      </p:sp>
+    </p:spTree>
+    <p:extLst>
+      <p:ext uri="{BB962C8B-B14F-4D97-AF65-F5344CB8AC3E}">
+        <p14:creationId xmlns:p14="http://schemas.microsoft.com/office/powerpoint/2010/main" val="2435637241"/>
+      </p:ext>
+    </p:extLst>
+  </p:cSld>
+  <p:clrMapOvr>
+    <a:masterClrMapping/>
+  </p:clrMapOvr>
+</p:sld>
+</file>
+
+<file path=ppt/slides/slide20.xml><?xml version="1.0" encoding="utf-8"?>
 <p:sld xmlns:a="http://schemas.openxmlformats.org/drawingml/2006/main" xmlns:r="http://schemas.openxmlformats.org/officeDocument/2006/relationships" xmlns:p="http://schemas.openxmlformats.org/presentationml/2006/main">
   <p:cSld>
     <p:spTree>
@@ -8267,193 +8520,7 @@
 </p:sld>
 </file>
 
-<file path=ppt/slides/slide2.xml><?xml version="1.0" encoding="utf-8"?>
-<p:sld xmlns:a="http://schemas.openxmlformats.org/drawingml/2006/main" xmlns:r="http://schemas.openxmlformats.org/officeDocument/2006/relationships" xmlns:p="http://schemas.openxmlformats.org/presentationml/2006/main">
-  <p:cSld>
-    <p:spTree>
-      <p:nvGrpSpPr>
-        <p:cNvPr id="1" name=""/>
-        <p:cNvGrpSpPr/>
-        <p:nvPr/>
-      </p:nvGrpSpPr>
-      <p:grpSpPr>
-        <a:xfrm>
-          <a:off x="0" y="0"/>
-          <a:ext cx="0" cy="0"/>
-          <a:chOff x="0" y="0"/>
-          <a:chExt cx="0" cy="0"/>
-        </a:xfrm>
-      </p:grpSpPr>
-      <p:sp>
-        <p:nvSpPr>
-          <p:cNvPr id="2" name="Título 1">
-            <a:extLst>
-              <a:ext uri="{FF2B5EF4-FFF2-40B4-BE49-F238E27FC236}">
-                <a16:creationId xmlns:a16="http://schemas.microsoft.com/office/drawing/2014/main" id="{4C970D07-46F1-F92A-ED4F-D63017B7CC69}"/>
-              </a:ext>
-            </a:extLst>
-          </p:cNvPr>
-          <p:cNvSpPr>
-            <a:spLocks noGrp="1"/>
-          </p:cNvSpPr>
-          <p:nvPr>
-            <p:ph type="title"/>
-          </p:nvPr>
-        </p:nvSpPr>
-        <p:spPr/>
-        <p:txBody>
-          <a:bodyPr/>
-          <a:lstStyle/>
-          <a:p>
-            <a:r>
-              <a:rPr lang="es-ES" dirty="0">
-                <a:latin typeface="Times New Roman" panose="02020603050405020304" pitchFamily="18" charset="0"/>
-                <a:cs typeface="Times New Roman" panose="02020603050405020304" pitchFamily="18" charset="0"/>
-              </a:rPr>
-              <a:t>Índice</a:t>
-            </a:r>
-          </a:p>
-        </p:txBody>
-      </p:sp>
-      <p:sp>
-        <p:nvSpPr>
-          <p:cNvPr id="3" name="Marcador de contenido 2">
-            <a:extLst>
-              <a:ext uri="{FF2B5EF4-FFF2-40B4-BE49-F238E27FC236}">
-                <a16:creationId xmlns:a16="http://schemas.microsoft.com/office/drawing/2014/main" id="{282E2871-CB4A-AD25-108E-CCF80BD45730}"/>
-              </a:ext>
-            </a:extLst>
-          </p:cNvPr>
-          <p:cNvSpPr>
-            <a:spLocks noGrp="1"/>
-          </p:cNvSpPr>
-          <p:nvPr>
-            <p:ph idx="1"/>
-          </p:nvPr>
-        </p:nvSpPr>
-        <p:spPr>
-          <a:xfrm>
-            <a:off x="1653311" y="1690688"/>
-            <a:ext cx="9864436" cy="4351338"/>
-          </a:xfrm>
-        </p:spPr>
-        <p:txBody>
-          <a:bodyPr>
-            <a:normAutofit/>
-          </a:bodyPr>
-          <a:lstStyle/>
-          <a:p>
-            <a:pPr marL="514356" indent="-514356">
-              <a:buAutoNum type="arabicPeriod"/>
-            </a:pPr>
-            <a:r>
-              <a:rPr lang="es-ES" dirty="0">
-                <a:latin typeface="Times New Roman" panose="02020603050405020304" pitchFamily="18" charset="0"/>
-                <a:cs typeface="Times New Roman" panose="02020603050405020304" pitchFamily="18" charset="0"/>
-              </a:rPr>
-              <a:t>Introducción</a:t>
-            </a:r>
-          </a:p>
-          <a:p>
-            <a:pPr marL="514356" indent="-514356">
-              <a:buAutoNum type="arabicPeriod"/>
-            </a:pPr>
-            <a:r>
-              <a:rPr lang="es-ES" dirty="0">
-                <a:latin typeface="Times New Roman" panose="02020603050405020304" pitchFamily="18" charset="0"/>
-                <a:cs typeface="Times New Roman" panose="02020603050405020304" pitchFamily="18" charset="0"/>
-              </a:rPr>
-              <a:t>Objetivos</a:t>
-            </a:r>
-          </a:p>
-          <a:p>
-            <a:pPr marL="514356" indent="-514356">
-              <a:buAutoNum type="arabicPeriod"/>
-            </a:pPr>
-            <a:r>
-              <a:rPr lang="es-ES" dirty="0">
-                <a:latin typeface="Times New Roman" panose="02020603050405020304" pitchFamily="18" charset="0"/>
-                <a:cs typeface="Times New Roman" panose="02020603050405020304" pitchFamily="18" charset="0"/>
-              </a:rPr>
-              <a:t>Conceptos teóricos</a:t>
-            </a:r>
-          </a:p>
-          <a:p>
-            <a:pPr marL="514356" indent="-514356">
-              <a:buAutoNum type="arabicPeriod"/>
-            </a:pPr>
-            <a:r>
-              <a:rPr lang="es-ES" dirty="0">
-                <a:latin typeface="Times New Roman" panose="02020603050405020304" pitchFamily="18" charset="0"/>
-                <a:cs typeface="Times New Roman" panose="02020603050405020304" pitchFamily="18" charset="0"/>
-              </a:rPr>
-              <a:t>Métodos y herramientas</a:t>
-            </a:r>
-          </a:p>
-          <a:p>
-            <a:pPr marL="514356" indent="-514356">
-              <a:buAutoNum type="arabicPeriod"/>
-            </a:pPr>
-            <a:r>
-              <a:rPr lang="es-ES" dirty="0">
-                <a:latin typeface="Times New Roman" panose="02020603050405020304" pitchFamily="18" charset="0"/>
-                <a:cs typeface="Times New Roman" panose="02020603050405020304" pitchFamily="18" charset="0"/>
-              </a:rPr>
-              <a:t>Aspectos relevantes</a:t>
-            </a:r>
-          </a:p>
-          <a:p>
-            <a:pPr marL="514356" indent="-514356">
-              <a:buAutoNum type="arabicPeriod"/>
-            </a:pPr>
-            <a:r>
-              <a:rPr lang="es-ES" dirty="0">
-                <a:latin typeface="Times New Roman" panose="02020603050405020304" pitchFamily="18" charset="0"/>
-                <a:cs typeface="Times New Roman" panose="02020603050405020304" pitchFamily="18" charset="0"/>
-              </a:rPr>
-              <a:t>Demostración</a:t>
-            </a:r>
-          </a:p>
-          <a:p>
-            <a:pPr marL="514356" indent="-514356">
-              <a:buAutoNum type="arabicPeriod"/>
-            </a:pPr>
-            <a:r>
-              <a:rPr lang="es-ES" dirty="0">
-                <a:latin typeface="Times New Roman" panose="02020603050405020304" pitchFamily="18" charset="0"/>
-                <a:cs typeface="Times New Roman" panose="02020603050405020304" pitchFamily="18" charset="0"/>
-              </a:rPr>
-              <a:t>Resultados</a:t>
-            </a:r>
-          </a:p>
-          <a:p>
-            <a:pPr marL="514356" indent="-514356">
-              <a:buAutoNum type="arabicPeriod"/>
-            </a:pPr>
-            <a:r>
-              <a:rPr lang="es-ES" dirty="0">
-                <a:latin typeface="Times New Roman" panose="02020603050405020304" pitchFamily="18" charset="0"/>
-                <a:cs typeface="Times New Roman" panose="02020603050405020304" pitchFamily="18" charset="0"/>
-              </a:rPr>
-              <a:t>Conclusiones</a:t>
-            </a:r>
-          </a:p>
-        </p:txBody>
-      </p:sp>
-    </p:spTree>
-    <p:extLst>
-      <p:ext uri="{BB962C8B-B14F-4D97-AF65-F5344CB8AC3E}">
-        <p14:creationId xmlns:p14="http://schemas.microsoft.com/office/powerpoint/2010/main" val="2435637241"/>
-      </p:ext>
-    </p:extLst>
-  </p:cSld>
-  <p:clrMapOvr>
-    <a:masterClrMapping/>
-  </p:clrMapOvr>
-</p:sld>
-</file>
-
-<file path=ppt/slides/slide20.xml><?xml version="1.0" encoding="utf-8"?>
+<file path=ppt/slides/slide21.xml><?xml version="1.0" encoding="utf-8"?>
 <p:sld xmlns:a="http://schemas.openxmlformats.org/drawingml/2006/main" xmlns:r="http://schemas.openxmlformats.org/officeDocument/2006/relationships" xmlns:p="http://schemas.openxmlformats.org/presentationml/2006/main">
   <p:cSld>
     <p:spTree>
@@ -8647,211 +8714,6 @@
     <p:extLst>
       <p:ext uri="{BB962C8B-B14F-4D97-AF65-F5344CB8AC3E}">
         <p14:creationId xmlns:p14="http://schemas.microsoft.com/office/powerpoint/2010/main" val="171726412"/>
-      </p:ext>
-    </p:extLst>
-  </p:cSld>
-  <p:clrMapOvr>
-    <a:masterClrMapping/>
-  </p:clrMapOvr>
-</p:sld>
-</file>
-
-<file path=ppt/slides/slide21.xml><?xml version="1.0" encoding="utf-8"?>
-<p:sld xmlns:a="http://schemas.openxmlformats.org/drawingml/2006/main" xmlns:r="http://schemas.openxmlformats.org/officeDocument/2006/relationships" xmlns:p="http://schemas.openxmlformats.org/presentationml/2006/main">
-  <p:cSld>
-    <p:spTree>
-      <p:nvGrpSpPr>
-        <p:cNvPr id="1" name=""/>
-        <p:cNvGrpSpPr/>
-        <p:nvPr/>
-      </p:nvGrpSpPr>
-      <p:grpSpPr>
-        <a:xfrm>
-          <a:off x="0" y="0"/>
-          <a:ext cx="0" cy="0"/>
-          <a:chOff x="0" y="0"/>
-          <a:chExt cx="0" cy="0"/>
-        </a:xfrm>
-      </p:grpSpPr>
-      <p:pic>
-        <p:nvPicPr>
-          <p:cNvPr id="5" name="Marcador de contenido 4" descr="Gráfico, Histograma&#10;&#10;Descripción generada automáticamente">
-            <a:extLst>
-              <a:ext uri="{FF2B5EF4-FFF2-40B4-BE49-F238E27FC236}">
-                <a16:creationId xmlns:a16="http://schemas.microsoft.com/office/drawing/2014/main" id="{A355695C-4622-1FB5-BACF-2942782B2001}"/>
-              </a:ext>
-            </a:extLst>
-          </p:cNvPr>
-          <p:cNvPicPr>
-            <a:picLocks noGrp="1" noChangeAspect="1"/>
-          </p:cNvPicPr>
-          <p:nvPr>
-            <p:ph idx="1"/>
-          </p:nvPr>
-        </p:nvPicPr>
-        <p:blipFill>
-          <a:blip r:embed="rId2">
-            <a:extLst>
-              <a:ext uri="{28A0092B-C50C-407E-A947-70E740481C1C}">
-                <a14:useLocalDpi xmlns:a14="http://schemas.microsoft.com/office/drawing/2010/main" val="0"/>
-              </a:ext>
-            </a:extLst>
-          </a:blip>
-          <a:stretch>
-            <a:fillRect/>
-          </a:stretch>
-        </p:blipFill>
-        <p:spPr>
-          <a:xfrm>
-            <a:off x="2496000" y="674130"/>
-            <a:ext cx="7200000" cy="4799999"/>
-          </a:xfrm>
-          <a:prstGeom prst="rect">
-            <a:avLst/>
-          </a:prstGeom>
-          <a:ln w="38100" cap="sq">
-            <a:solidFill>
-              <a:srgbClr val="000000"/>
-            </a:solidFill>
-            <a:prstDash val="solid"/>
-            <a:miter lim="800000"/>
-          </a:ln>
-          <a:effectLst>
-            <a:outerShdw blurRad="50800" dist="38100" dir="2700000" algn="tl" rotWithShape="0">
-              <a:srgbClr val="000000">
-                <a:alpha val="43000"/>
-              </a:srgbClr>
-            </a:outerShdw>
-          </a:effectLst>
-        </p:spPr>
-      </p:pic>
-      <p:cxnSp>
-        <p:nvCxnSpPr>
-          <p:cNvPr id="6" name="Conector recto 5">
-            <a:extLst>
-              <a:ext uri="{FF2B5EF4-FFF2-40B4-BE49-F238E27FC236}">
-                <a16:creationId xmlns:a16="http://schemas.microsoft.com/office/drawing/2014/main" id="{DC5044B1-4072-0695-9107-D4FAB75AEB63}"/>
-              </a:ext>
-            </a:extLst>
-          </p:cNvPr>
-          <p:cNvCxnSpPr/>
-          <p:nvPr/>
-        </p:nvCxnSpPr>
-        <p:spPr>
-          <a:xfrm>
-            <a:off x="838199" y="6354618"/>
-            <a:ext cx="10716492" cy="0"/>
-          </a:xfrm>
-          <a:prstGeom prst="line">
-            <a:avLst/>
-          </a:prstGeom>
-          <a:ln w="38100">
-            <a:solidFill>
-              <a:srgbClr val="C00000"/>
-            </a:solidFill>
-          </a:ln>
-        </p:spPr>
-        <p:style>
-          <a:lnRef idx="1">
-            <a:schemeClr val="accent1"/>
-          </a:lnRef>
-          <a:fillRef idx="0">
-            <a:schemeClr val="accent1"/>
-          </a:fillRef>
-          <a:effectRef idx="0">
-            <a:schemeClr val="accent1"/>
-          </a:effectRef>
-          <a:fontRef idx="minor">
-            <a:schemeClr val="tx1"/>
-          </a:fontRef>
-        </p:style>
-      </p:cxnSp>
-      <p:sp>
-        <p:nvSpPr>
-          <p:cNvPr id="7" name="CuadroTexto 6">
-            <a:extLst>
-              <a:ext uri="{FF2B5EF4-FFF2-40B4-BE49-F238E27FC236}">
-                <a16:creationId xmlns:a16="http://schemas.microsoft.com/office/drawing/2014/main" id="{8A33EAC0-81AA-D596-C72A-F130FF959FBC}"/>
-              </a:ext>
-            </a:extLst>
-          </p:cNvPr>
-          <p:cNvSpPr txBox="1"/>
-          <p:nvPr/>
-        </p:nvSpPr>
-        <p:spPr>
-          <a:xfrm>
-            <a:off x="11219873" y="6345382"/>
-            <a:ext cx="434109" cy="369332"/>
-          </a:xfrm>
-          <a:prstGeom prst="rect">
-            <a:avLst/>
-          </a:prstGeom>
-          <a:noFill/>
-        </p:spPr>
-        <p:txBody>
-          <a:bodyPr wrap="square" rtlCol="0">
-            <a:spAutoFit/>
-          </a:bodyPr>
-          <a:lstStyle/>
-          <a:p>
-            <a:r>
-              <a:rPr lang="es-ES" dirty="0">
-                <a:solidFill>
-                  <a:srgbClr val="C00000"/>
-                </a:solidFill>
-                <a:latin typeface="Times New Roman" panose="02020603050405020304" pitchFamily="18" charset="0"/>
-                <a:cs typeface="Times New Roman" panose="02020603050405020304" pitchFamily="18" charset="0"/>
-              </a:rPr>
-              <a:t>20</a:t>
-            </a:r>
-          </a:p>
-        </p:txBody>
-      </p:sp>
-      <p:sp>
-        <p:nvSpPr>
-          <p:cNvPr id="8" name="CuadroTexto 7">
-            <a:extLst>
-              <a:ext uri="{FF2B5EF4-FFF2-40B4-BE49-F238E27FC236}">
-                <a16:creationId xmlns:a16="http://schemas.microsoft.com/office/drawing/2014/main" id="{D4B69749-799D-2A37-99FA-DB8A55B097D0}"/>
-              </a:ext>
-            </a:extLst>
-          </p:cNvPr>
-          <p:cNvSpPr txBox="1"/>
-          <p:nvPr/>
-        </p:nvSpPr>
-        <p:spPr>
-          <a:xfrm>
-            <a:off x="755072" y="6366142"/>
-            <a:ext cx="4518892" cy="369332"/>
-          </a:xfrm>
-          <a:prstGeom prst="rect">
-            <a:avLst/>
-          </a:prstGeom>
-          <a:noFill/>
-        </p:spPr>
-        <p:txBody>
-          <a:bodyPr wrap="square" rtlCol="0">
-            <a:spAutoFit/>
-          </a:bodyPr>
-          <a:lstStyle/>
-          <a:p>
-            <a:r>
-              <a:rPr lang="es-ES" dirty="0">
-                <a:solidFill>
-                  <a:srgbClr val="C00000"/>
-                </a:solidFill>
-                <a:latin typeface="Times New Roman" panose="02020603050405020304" pitchFamily="18" charset="0"/>
-                <a:cs typeface="Times New Roman" panose="02020603050405020304" pitchFamily="18" charset="0"/>
-              </a:rPr>
-              <a:t>Resultados</a:t>
-            </a:r>
-          </a:p>
-        </p:txBody>
-      </p:sp>
-    </p:spTree>
-    <p:extLst>
-      <p:ext uri="{BB962C8B-B14F-4D97-AF65-F5344CB8AC3E}">
-        <p14:creationId xmlns:p14="http://schemas.microsoft.com/office/powerpoint/2010/main" val="4240669184"/>
       </p:ext>
     </p:extLst>
   </p:cSld>
@@ -8880,17 +8742,19 @@
       </p:grpSpPr>
       <p:pic>
         <p:nvPicPr>
-          <p:cNvPr id="5" name="Imagen 4" descr="Gráfico&#10;&#10;Descripción generada automáticamente">
-            <a:extLst>
-              <a:ext uri="{FF2B5EF4-FFF2-40B4-BE49-F238E27FC236}">
-                <a16:creationId xmlns:a16="http://schemas.microsoft.com/office/drawing/2014/main" id="{B235EEFA-17CB-BFE5-E54B-F5D7DAFAF53D}"/>
+          <p:cNvPr id="5" name="Marcador de contenido 4" descr="Gráfico, Histograma&#10;&#10;Descripción generada automáticamente">
+            <a:extLst>
+              <a:ext uri="{FF2B5EF4-FFF2-40B4-BE49-F238E27FC236}">
+                <a16:creationId xmlns:a16="http://schemas.microsoft.com/office/drawing/2014/main" id="{A355695C-4622-1FB5-BACF-2942782B2001}"/>
               </a:ext>
             </a:extLst>
           </p:cNvPr>
           <p:cNvPicPr>
-            <a:picLocks noChangeAspect="1"/>
+            <a:picLocks noGrp="1" noChangeAspect="1"/>
           </p:cNvPicPr>
-          <p:nvPr/>
+          <p:nvPr>
+            <p:ph idx="1"/>
+          </p:nvPr>
         </p:nvPicPr>
         <p:blipFill>
           <a:blip r:embed="rId2">
@@ -8906,8 +8770,8 @@
         </p:blipFill>
         <p:spPr>
           <a:xfrm>
-            <a:off x="2496000" y="674492"/>
-            <a:ext cx="7200000" cy="4800000"/>
+            <a:off x="2496000" y="674130"/>
+            <a:ext cx="7200000" cy="4799999"/>
           </a:xfrm>
           <a:prstGeom prst="rect">
             <a:avLst/>
@@ -8933,7 +8797,7 @@
           <p:cNvPr id="6" name="Conector recto 5">
             <a:extLst>
               <a:ext uri="{FF2B5EF4-FFF2-40B4-BE49-F238E27FC236}">
-                <a16:creationId xmlns:a16="http://schemas.microsoft.com/office/drawing/2014/main" id="{BA62FBB7-3E72-7E02-44C7-75C5DDE38D3F}"/>
+                <a16:creationId xmlns:a16="http://schemas.microsoft.com/office/drawing/2014/main" id="{DC5044B1-4072-0695-9107-D4FAB75AEB63}"/>
               </a:ext>
             </a:extLst>
           </p:cNvPr>
@@ -8974,7 +8838,7 @@
           <p:cNvPr id="7" name="CuadroTexto 6">
             <a:extLst>
               <a:ext uri="{FF2B5EF4-FFF2-40B4-BE49-F238E27FC236}">
-                <a16:creationId xmlns:a16="http://schemas.microsoft.com/office/drawing/2014/main" id="{DCEF7C3E-7114-EDF5-9B32-4793EE521B55}"/>
+                <a16:creationId xmlns:a16="http://schemas.microsoft.com/office/drawing/2014/main" id="{8A33EAC0-81AA-D596-C72A-F130FF959FBC}"/>
               </a:ext>
             </a:extLst>
           </p:cNvPr>
@@ -9005,7 +8869,7 @@
                 <a:latin typeface="Times New Roman" panose="02020603050405020304" pitchFamily="18" charset="0"/>
                 <a:cs typeface="Times New Roman" panose="02020603050405020304" pitchFamily="18" charset="0"/>
               </a:rPr>
-              <a:t>21</a:t>
+              <a:t>20</a:t>
             </a:r>
           </a:p>
         </p:txBody>
@@ -9015,7 +8879,7 @@
           <p:cNvPr id="8" name="CuadroTexto 7">
             <a:extLst>
               <a:ext uri="{FF2B5EF4-FFF2-40B4-BE49-F238E27FC236}">
-                <a16:creationId xmlns:a16="http://schemas.microsoft.com/office/drawing/2014/main" id="{969C5E3D-58DE-86A3-05A2-B91A2E22A9BC}"/>
+                <a16:creationId xmlns:a16="http://schemas.microsoft.com/office/drawing/2014/main" id="{D4B69749-799D-2A37-99FA-DB8A55B097D0}"/>
               </a:ext>
             </a:extLst>
           </p:cNvPr>
@@ -9054,7 +8918,7 @@
     </p:spTree>
     <p:extLst>
       <p:ext uri="{BB962C8B-B14F-4D97-AF65-F5344CB8AC3E}">
-        <p14:creationId xmlns:p14="http://schemas.microsoft.com/office/powerpoint/2010/main" val="2430703265"/>
+        <p14:creationId xmlns:p14="http://schemas.microsoft.com/office/powerpoint/2010/main" val="4240669184"/>
       </p:ext>
     </p:extLst>
   </p:cSld>
@@ -9081,117 +8945,62 @@
           <a:chExt cx="0" cy="0"/>
         </a:xfrm>
       </p:grpSpPr>
-      <p:sp>
-        <p:nvSpPr>
-          <p:cNvPr id="3" name="Marcador de contenido 2">
-            <a:extLst>
-              <a:ext uri="{FF2B5EF4-FFF2-40B4-BE49-F238E27FC236}">
-                <a16:creationId xmlns:a16="http://schemas.microsoft.com/office/drawing/2014/main" id="{BA053097-E58F-B771-BDB9-F9817A8395BC}"/>
-              </a:ext>
-            </a:extLst>
-          </p:cNvPr>
-          <p:cNvSpPr>
-            <a:spLocks noGrp="1"/>
-          </p:cNvSpPr>
-          <p:nvPr>
-            <p:ph idx="1"/>
-          </p:nvPr>
-        </p:nvSpPr>
-        <p:spPr>
-          <a:xfrm>
-            <a:off x="838200" y="2142836"/>
-            <a:ext cx="10515600" cy="4034127"/>
-          </a:xfrm>
-        </p:spPr>
-        <p:txBody>
-          <a:bodyPr/>
-          <a:lstStyle/>
-          <a:p>
-            <a:pPr algn="just"/>
-            <a:r>
-              <a:rPr lang="es-ES" sz="2400" dirty="0">
-                <a:latin typeface="Times New Roman" panose="02020603050405020304" pitchFamily="18" charset="0"/>
-                <a:cs typeface="Times New Roman" panose="02020603050405020304" pitchFamily="18" charset="0"/>
-              </a:rPr>
-              <a:t>La aplicación de Design Science facilita en gran medida el desarrollo del proyecto, al integrar los aspectos básicos de una investigación con el desarrollo tradicional de software </a:t>
-            </a:r>
-          </a:p>
-          <a:p>
-            <a:pPr algn="just"/>
-            <a:r>
-              <a:rPr lang="es-ES" sz="2400" dirty="0">
-                <a:latin typeface="Times New Roman" panose="02020603050405020304" pitchFamily="18" charset="0"/>
-                <a:cs typeface="Times New Roman" panose="02020603050405020304" pitchFamily="18" charset="0"/>
-              </a:rPr>
-              <a:t>Se ha conseguido un modelo que permite obtener predicciones buenas en Madrid para todos los contaminantes, utilizando la inteligencia artificial y en concreto las redes neuronales</a:t>
-            </a:r>
-          </a:p>
-          <a:p>
-            <a:pPr algn="just"/>
-            <a:r>
-              <a:rPr lang="es-ES" sz="2400" dirty="0">
-                <a:latin typeface="Times New Roman" panose="02020603050405020304" pitchFamily="18" charset="0"/>
-                <a:cs typeface="Times New Roman" panose="02020603050405020304" pitchFamily="18" charset="0"/>
-              </a:rPr>
-              <a:t>Se ha creado una forma de visualización de los resultados familiar hacia todo tipo de usuarios y centrada en la información</a:t>
-            </a:r>
-          </a:p>
-          <a:p>
-            <a:pPr marL="0" indent="0">
-              <a:buNone/>
-            </a:pPr>
-            <a:endParaRPr lang="es-ES" dirty="0">
-              <a:latin typeface="Times New Roman" panose="02020603050405020304" pitchFamily="18" charset="0"/>
-              <a:cs typeface="Times New Roman" panose="02020603050405020304" pitchFamily="18" charset="0"/>
-            </a:endParaRPr>
-          </a:p>
-          <a:p>
-            <a:endParaRPr lang="es-ES" dirty="0"/>
-          </a:p>
-        </p:txBody>
-      </p:sp>
-      <p:sp>
-        <p:nvSpPr>
-          <p:cNvPr id="4" name="Título 1">
-            <a:extLst>
-              <a:ext uri="{FF2B5EF4-FFF2-40B4-BE49-F238E27FC236}">
-                <a16:creationId xmlns:a16="http://schemas.microsoft.com/office/drawing/2014/main" id="{B64E69CF-16F0-E850-E917-38F12EDED0BA}"/>
-              </a:ext>
-            </a:extLst>
-          </p:cNvPr>
-          <p:cNvSpPr>
-            <a:spLocks noGrp="1"/>
-          </p:cNvSpPr>
-          <p:nvPr>
-            <p:ph type="title"/>
-          </p:nvPr>
-        </p:nvSpPr>
-        <p:spPr>
-          <a:xfrm>
-            <a:off x="838200" y="365125"/>
-            <a:ext cx="10515600" cy="1325563"/>
-          </a:xfrm>
-        </p:spPr>
-        <p:txBody>
-          <a:bodyPr/>
-          <a:lstStyle/>
-          <a:p>
-            <a:r>
-              <a:rPr lang="es-ES" dirty="0">
-                <a:latin typeface="Times New Roman" panose="02020603050405020304" pitchFamily="18" charset="0"/>
-                <a:cs typeface="Times New Roman" panose="02020603050405020304" pitchFamily="18" charset="0"/>
-              </a:rPr>
-              <a:t>Conclusiones</a:t>
-            </a:r>
-          </a:p>
-        </p:txBody>
-      </p:sp>
+      <p:pic>
+        <p:nvPicPr>
+          <p:cNvPr id="5" name="Imagen 4" descr="Gráfico&#10;&#10;Descripción generada automáticamente">
+            <a:extLst>
+              <a:ext uri="{FF2B5EF4-FFF2-40B4-BE49-F238E27FC236}">
+                <a16:creationId xmlns:a16="http://schemas.microsoft.com/office/drawing/2014/main" id="{B235EEFA-17CB-BFE5-E54B-F5D7DAFAF53D}"/>
+              </a:ext>
+            </a:extLst>
+          </p:cNvPr>
+          <p:cNvPicPr>
+            <a:picLocks noChangeAspect="1"/>
+          </p:cNvPicPr>
+          <p:nvPr/>
+        </p:nvPicPr>
+        <p:blipFill>
+          <a:blip r:embed="rId2">
+            <a:extLst>
+              <a:ext uri="{28A0092B-C50C-407E-A947-70E740481C1C}">
+                <a14:useLocalDpi xmlns:a14="http://schemas.microsoft.com/office/drawing/2010/main" val="0"/>
+              </a:ext>
+            </a:extLst>
+          </a:blip>
+          <a:stretch>
+            <a:fillRect/>
+          </a:stretch>
+        </p:blipFill>
+        <p:spPr>
+          <a:xfrm>
+            <a:off x="2496000" y="674492"/>
+            <a:ext cx="7200000" cy="4800000"/>
+          </a:xfrm>
+          <a:prstGeom prst="rect">
+            <a:avLst/>
+          </a:prstGeom>
+          <a:ln w="38100" cap="sq">
+            <a:solidFill>
+              <a:srgbClr val="000000"/>
+            </a:solidFill>
+            <a:prstDash val="solid"/>
+            <a:miter lim="800000"/>
+          </a:ln>
+          <a:effectLst>
+            <a:outerShdw blurRad="50800" dist="38100" dir="2700000" algn="tl" rotWithShape="0">
+              <a:srgbClr val="000000">
+                <a:alpha val="43000"/>
+              </a:srgbClr>
+            </a:outerShdw>
+          </a:effectLst>
+        </p:spPr>
+      </p:pic>
       <p:cxnSp>
         <p:nvCxnSpPr>
-          <p:cNvPr id="5" name="Conector recto 4">
-            <a:extLst>
-              <a:ext uri="{FF2B5EF4-FFF2-40B4-BE49-F238E27FC236}">
-                <a16:creationId xmlns:a16="http://schemas.microsoft.com/office/drawing/2014/main" id="{5E4D0FB7-880D-69A9-67D8-C770DBA52C55}"/>
+          <p:cNvPr id="6" name="Conector recto 5">
+            <a:extLst>
+              <a:ext uri="{FF2B5EF4-FFF2-40B4-BE49-F238E27FC236}">
+                <a16:creationId xmlns:a16="http://schemas.microsoft.com/office/drawing/2014/main" id="{BA62FBB7-3E72-7E02-44C7-75C5DDE38D3F}"/>
               </a:ext>
             </a:extLst>
           </p:cNvPr>
@@ -9229,6 +9038,264 @@
       </p:cxnSp>
       <p:sp>
         <p:nvSpPr>
+          <p:cNvPr id="7" name="CuadroTexto 6">
+            <a:extLst>
+              <a:ext uri="{FF2B5EF4-FFF2-40B4-BE49-F238E27FC236}">
+                <a16:creationId xmlns:a16="http://schemas.microsoft.com/office/drawing/2014/main" id="{DCEF7C3E-7114-EDF5-9B32-4793EE521B55}"/>
+              </a:ext>
+            </a:extLst>
+          </p:cNvPr>
+          <p:cNvSpPr txBox="1"/>
+          <p:nvPr/>
+        </p:nvSpPr>
+        <p:spPr>
+          <a:xfrm>
+            <a:off x="11219873" y="6345382"/>
+            <a:ext cx="434109" cy="369332"/>
+          </a:xfrm>
+          <a:prstGeom prst="rect">
+            <a:avLst/>
+          </a:prstGeom>
+          <a:noFill/>
+        </p:spPr>
+        <p:txBody>
+          <a:bodyPr wrap="square" rtlCol="0">
+            <a:spAutoFit/>
+          </a:bodyPr>
+          <a:lstStyle/>
+          <a:p>
+            <a:r>
+              <a:rPr lang="es-ES" dirty="0">
+                <a:solidFill>
+                  <a:srgbClr val="C00000"/>
+                </a:solidFill>
+                <a:latin typeface="Times New Roman" panose="02020603050405020304" pitchFamily="18" charset="0"/>
+                <a:cs typeface="Times New Roman" panose="02020603050405020304" pitchFamily="18" charset="0"/>
+              </a:rPr>
+              <a:t>21</a:t>
+            </a:r>
+          </a:p>
+        </p:txBody>
+      </p:sp>
+      <p:sp>
+        <p:nvSpPr>
+          <p:cNvPr id="8" name="CuadroTexto 7">
+            <a:extLst>
+              <a:ext uri="{FF2B5EF4-FFF2-40B4-BE49-F238E27FC236}">
+                <a16:creationId xmlns:a16="http://schemas.microsoft.com/office/drawing/2014/main" id="{969C5E3D-58DE-86A3-05A2-B91A2E22A9BC}"/>
+              </a:ext>
+            </a:extLst>
+          </p:cNvPr>
+          <p:cNvSpPr txBox="1"/>
+          <p:nvPr/>
+        </p:nvSpPr>
+        <p:spPr>
+          <a:xfrm>
+            <a:off x="755072" y="6366142"/>
+            <a:ext cx="4518892" cy="369332"/>
+          </a:xfrm>
+          <a:prstGeom prst="rect">
+            <a:avLst/>
+          </a:prstGeom>
+          <a:noFill/>
+        </p:spPr>
+        <p:txBody>
+          <a:bodyPr wrap="square" rtlCol="0">
+            <a:spAutoFit/>
+          </a:bodyPr>
+          <a:lstStyle/>
+          <a:p>
+            <a:r>
+              <a:rPr lang="es-ES" dirty="0">
+                <a:solidFill>
+                  <a:srgbClr val="C00000"/>
+                </a:solidFill>
+                <a:latin typeface="Times New Roman" panose="02020603050405020304" pitchFamily="18" charset="0"/>
+                <a:cs typeface="Times New Roman" panose="02020603050405020304" pitchFamily="18" charset="0"/>
+              </a:rPr>
+              <a:t>Resultados</a:t>
+            </a:r>
+          </a:p>
+        </p:txBody>
+      </p:sp>
+    </p:spTree>
+    <p:extLst>
+      <p:ext uri="{BB962C8B-B14F-4D97-AF65-F5344CB8AC3E}">
+        <p14:creationId xmlns:p14="http://schemas.microsoft.com/office/powerpoint/2010/main" val="2430703265"/>
+      </p:ext>
+    </p:extLst>
+  </p:cSld>
+  <p:clrMapOvr>
+    <a:masterClrMapping/>
+  </p:clrMapOvr>
+</p:sld>
+</file>
+
+<file path=ppt/slides/slide24.xml><?xml version="1.0" encoding="utf-8"?>
+<p:sld xmlns:a="http://schemas.openxmlformats.org/drawingml/2006/main" xmlns:r="http://schemas.openxmlformats.org/officeDocument/2006/relationships" xmlns:p="http://schemas.openxmlformats.org/presentationml/2006/main">
+  <p:cSld>
+    <p:spTree>
+      <p:nvGrpSpPr>
+        <p:cNvPr id="1" name=""/>
+        <p:cNvGrpSpPr/>
+        <p:nvPr/>
+      </p:nvGrpSpPr>
+      <p:grpSpPr>
+        <a:xfrm>
+          <a:off x="0" y="0"/>
+          <a:ext cx="0" cy="0"/>
+          <a:chOff x="0" y="0"/>
+          <a:chExt cx="0" cy="0"/>
+        </a:xfrm>
+      </p:grpSpPr>
+      <p:sp>
+        <p:nvSpPr>
+          <p:cNvPr id="3" name="Marcador de contenido 2">
+            <a:extLst>
+              <a:ext uri="{FF2B5EF4-FFF2-40B4-BE49-F238E27FC236}">
+                <a16:creationId xmlns:a16="http://schemas.microsoft.com/office/drawing/2014/main" id="{BA053097-E58F-B771-BDB9-F9817A8395BC}"/>
+              </a:ext>
+            </a:extLst>
+          </p:cNvPr>
+          <p:cNvSpPr>
+            <a:spLocks noGrp="1"/>
+          </p:cNvSpPr>
+          <p:nvPr>
+            <p:ph idx="1"/>
+          </p:nvPr>
+        </p:nvSpPr>
+        <p:spPr>
+          <a:xfrm>
+            <a:off x="838200" y="2142836"/>
+            <a:ext cx="10515600" cy="4034127"/>
+          </a:xfrm>
+        </p:spPr>
+        <p:txBody>
+          <a:bodyPr/>
+          <a:lstStyle/>
+          <a:p>
+            <a:pPr algn="just"/>
+            <a:r>
+              <a:rPr lang="es-ES" sz="2400" dirty="0">
+                <a:latin typeface="Times New Roman" panose="02020603050405020304" pitchFamily="18" charset="0"/>
+                <a:cs typeface="Times New Roman" panose="02020603050405020304" pitchFamily="18" charset="0"/>
+              </a:rPr>
+              <a:t>La aplicación de Design Science facilita en gran medida el desarrollo del proyecto, al integrar los aspectos básicos de una investigación con el desarrollo tradicional de software </a:t>
+            </a:r>
+          </a:p>
+          <a:p>
+            <a:pPr algn="just"/>
+            <a:r>
+              <a:rPr lang="es-ES" sz="2400" dirty="0">
+                <a:latin typeface="Times New Roman" panose="02020603050405020304" pitchFamily="18" charset="0"/>
+                <a:cs typeface="Times New Roman" panose="02020603050405020304" pitchFamily="18" charset="0"/>
+              </a:rPr>
+              <a:t>Se ha conseguido un modelo que permite obtener predicciones buenas en Madrid para todos los contaminantes, utilizando la inteligencia artificial y en concreto las redes neuronales</a:t>
+            </a:r>
+          </a:p>
+          <a:p>
+            <a:pPr algn="just"/>
+            <a:r>
+              <a:rPr lang="es-ES" sz="2400" dirty="0">
+                <a:latin typeface="Times New Roman" panose="02020603050405020304" pitchFamily="18" charset="0"/>
+                <a:cs typeface="Times New Roman" panose="02020603050405020304" pitchFamily="18" charset="0"/>
+              </a:rPr>
+              <a:t>Se ha creado una forma de visualización de los resultados familiar hacia todo tipo de usuarios y centrada en la información</a:t>
+            </a:r>
+          </a:p>
+          <a:p>
+            <a:pPr marL="0" indent="0">
+              <a:buNone/>
+            </a:pPr>
+            <a:endParaRPr lang="es-ES" dirty="0">
+              <a:latin typeface="Times New Roman" panose="02020603050405020304" pitchFamily="18" charset="0"/>
+              <a:cs typeface="Times New Roman" panose="02020603050405020304" pitchFamily="18" charset="0"/>
+            </a:endParaRPr>
+          </a:p>
+          <a:p>
+            <a:endParaRPr lang="es-ES" dirty="0"/>
+          </a:p>
+        </p:txBody>
+      </p:sp>
+      <p:sp>
+        <p:nvSpPr>
+          <p:cNvPr id="4" name="Título 1">
+            <a:extLst>
+              <a:ext uri="{FF2B5EF4-FFF2-40B4-BE49-F238E27FC236}">
+                <a16:creationId xmlns:a16="http://schemas.microsoft.com/office/drawing/2014/main" id="{B64E69CF-16F0-E850-E917-38F12EDED0BA}"/>
+              </a:ext>
+            </a:extLst>
+          </p:cNvPr>
+          <p:cNvSpPr>
+            <a:spLocks noGrp="1"/>
+          </p:cNvSpPr>
+          <p:nvPr>
+            <p:ph type="title"/>
+          </p:nvPr>
+        </p:nvSpPr>
+        <p:spPr>
+          <a:xfrm>
+            <a:off x="838200" y="365125"/>
+            <a:ext cx="10515600" cy="1325563"/>
+          </a:xfrm>
+        </p:spPr>
+        <p:txBody>
+          <a:bodyPr/>
+          <a:lstStyle/>
+          <a:p>
+            <a:r>
+              <a:rPr lang="es-ES" dirty="0">
+                <a:latin typeface="Times New Roman" panose="02020603050405020304" pitchFamily="18" charset="0"/>
+                <a:cs typeface="Times New Roman" panose="02020603050405020304" pitchFamily="18" charset="0"/>
+              </a:rPr>
+              <a:t>Conclusiones</a:t>
+            </a:r>
+          </a:p>
+        </p:txBody>
+      </p:sp>
+      <p:cxnSp>
+        <p:nvCxnSpPr>
+          <p:cNvPr id="5" name="Conector recto 4">
+            <a:extLst>
+              <a:ext uri="{FF2B5EF4-FFF2-40B4-BE49-F238E27FC236}">
+                <a16:creationId xmlns:a16="http://schemas.microsoft.com/office/drawing/2014/main" id="{5E4D0FB7-880D-69A9-67D8-C770DBA52C55}"/>
+              </a:ext>
+            </a:extLst>
+          </p:cNvPr>
+          <p:cNvCxnSpPr/>
+          <p:nvPr/>
+        </p:nvCxnSpPr>
+        <p:spPr>
+          <a:xfrm>
+            <a:off x="838199" y="6354618"/>
+            <a:ext cx="10716492" cy="0"/>
+          </a:xfrm>
+          <a:prstGeom prst="line">
+            <a:avLst/>
+          </a:prstGeom>
+          <a:ln w="38100">
+            <a:solidFill>
+              <a:srgbClr val="C00000"/>
+            </a:solidFill>
+          </a:ln>
+        </p:spPr>
+        <p:style>
+          <a:lnRef idx="1">
+            <a:schemeClr val="accent1"/>
+          </a:lnRef>
+          <a:fillRef idx="0">
+            <a:schemeClr val="accent1"/>
+          </a:fillRef>
+          <a:effectRef idx="0">
+            <a:schemeClr val="accent1"/>
+          </a:effectRef>
+          <a:fontRef idx="minor">
+            <a:schemeClr val="tx1"/>
+          </a:fontRef>
+        </p:style>
+      </p:cxnSp>
+      <p:sp>
+        <p:nvSpPr>
           <p:cNvPr id="6" name="CuadroTexto 5">
             <a:extLst>
               <a:ext uri="{FF2B5EF4-FFF2-40B4-BE49-F238E27FC236}">
@@ -9322,7 +9389,7 @@
 </p:sld>
 </file>
 
-<file path=ppt/slides/slide24.xml><?xml version="1.0" encoding="utf-8"?>
+<file path=ppt/slides/slide25.xml><?xml version="1.0" encoding="utf-8"?>
 <p:sld xmlns:a="http://schemas.openxmlformats.org/drawingml/2006/main" xmlns:r="http://schemas.openxmlformats.org/officeDocument/2006/relationships" xmlns:p="http://schemas.openxmlformats.org/presentationml/2006/main">
   <p:cSld>
     <p:spTree>
